--- a/Docu/BestPractices&Antipatterns.pptx
+++ b/Docu/BestPractices&Antipatterns.pptx
@@ -5,59 +5,53 @@
     <p:sldMasterId id="2147483672" r:id="rId4"/>
   </p:sldMasterIdLst>
   <p:notesMasterIdLst>
-    <p:notesMasterId r:id="rId24"/>
+    <p:notesMasterId r:id="rId18"/>
   </p:notesMasterIdLst>
   <p:handoutMasterIdLst>
-    <p:handoutMasterId r:id="rId25"/>
+    <p:handoutMasterId r:id="rId19"/>
   </p:handoutMasterIdLst>
   <p:sldIdLst>
     <p:sldId id="418" r:id="rId5"/>
     <p:sldId id="419" r:id="rId6"/>
     <p:sldId id="420" r:id="rId7"/>
-    <p:sldId id="433" r:id="rId8"/>
-    <p:sldId id="436" r:id="rId9"/>
-    <p:sldId id="437" r:id="rId10"/>
-    <p:sldId id="438" r:id="rId11"/>
-    <p:sldId id="426" r:id="rId12"/>
-    <p:sldId id="432" r:id="rId13"/>
-    <p:sldId id="428" r:id="rId14"/>
-    <p:sldId id="423" r:id="rId15"/>
-    <p:sldId id="407" r:id="rId16"/>
-    <p:sldId id="435" r:id="rId17"/>
-    <p:sldId id="429" r:id="rId18"/>
-    <p:sldId id="414" r:id="rId19"/>
-    <p:sldId id="425" r:id="rId20"/>
-    <p:sldId id="434" r:id="rId21"/>
-    <p:sldId id="398" r:id="rId22"/>
-    <p:sldId id="417" r:id="rId23"/>
+    <p:sldId id="436" r:id="rId8"/>
+    <p:sldId id="437" r:id="rId9"/>
+    <p:sldId id="438" r:id="rId10"/>
+    <p:sldId id="441" r:id="rId11"/>
+    <p:sldId id="439" r:id="rId12"/>
+    <p:sldId id="442" r:id="rId13"/>
+    <p:sldId id="440" r:id="rId14"/>
+    <p:sldId id="434" r:id="rId15"/>
+    <p:sldId id="398" r:id="rId16"/>
+    <p:sldId id="417" r:id="rId17"/>
   </p:sldIdLst>
   <p:sldSz cx="12192000" cy="6858000"/>
   <p:notesSz cx="6858000" cy="9144000"/>
   <p:embeddedFontLst>
     <p:embeddedFont>
-      <p:font typeface="Calibri" panose="020F0502020204030204" pitchFamily="34" charset="0"/>
-      <p:regular r:id="rId26"/>
-      <p:bold r:id="rId27"/>
-      <p:italic r:id="rId28"/>
-      <p:boldItalic r:id="rId29"/>
+      <p:font typeface="Tw Cen MT" panose="020B0602020104020603" pitchFamily="34" charset="0"/>
+      <p:regular r:id="rId20"/>
+      <p:bold r:id="rId21"/>
+      <p:italic r:id="rId22"/>
+      <p:boldItalic r:id="rId23"/>
     </p:embeddedFont>
     <p:embeddedFont>
       <p:font typeface="Open Sans" panose="020B0604020202020204" charset="0"/>
-      <p:regular r:id="rId30"/>
-      <p:bold r:id="rId31"/>
-      <p:italic r:id="rId32"/>
-      <p:boldItalic r:id="rId33"/>
+      <p:regular r:id="rId24"/>
+      <p:bold r:id="rId25"/>
+      <p:italic r:id="rId26"/>
+      <p:boldItalic r:id="rId27"/>
+    </p:embeddedFont>
+    <p:embeddedFont>
+      <p:font typeface="Calibri" panose="020F0502020204030204" pitchFamily="34" charset="0"/>
+      <p:regular r:id="rId28"/>
+      <p:bold r:id="rId29"/>
+      <p:italic r:id="rId30"/>
+      <p:boldItalic r:id="rId31"/>
     </p:embeddedFont>
     <p:embeddedFont>
       <p:font typeface="Helvetica35-Thin" panose="020B0604020202020204" charset="0"/>
-      <p:regular r:id="rId34"/>
-    </p:embeddedFont>
-    <p:embeddedFont>
-      <p:font typeface="Tw Cen MT" panose="020B0602020104020603" pitchFamily="34" charset="0"/>
-      <p:regular r:id="rId35"/>
-      <p:bold r:id="rId36"/>
-      <p:italic r:id="rId37"/>
-      <p:boldItalic r:id="rId38"/>
+      <p:regular r:id="rId32"/>
     </p:embeddedFont>
   </p:embeddedFontLst>
   <p:defaultTextStyle>
@@ -299,7 +293,7 @@
           <a:p>
             <a:fld id="{2ADDDFB6-CA13-4FEC-8ED3-F8810E2E31A9}" type="datetimeFigureOut">
               <a:rPr lang="es-ES" smtClean="0"/>
-              <a:t>08/11/2017</a:t>
+              <a:t>11/11/2017</a:t>
             </a:fld>
             <a:endParaRPr lang="es-ES"/>
           </a:p>
@@ -465,7 +459,7 @@
           <a:p>
             <a:fld id="{BF98DDE1-7473-4089-A3EB-80E19C00570C}" type="datetimeFigureOut">
               <a:rPr lang="en-US" smtClean="0"/>
-              <a:t>11/8/2017</a:t>
+              <a:t>11/11/2017</a:t>
             </a:fld>
             <a:endParaRPr lang="en-US"/>
           </a:p>
@@ -9264,7 +9258,13 @@
       </p:grpSpPr>
       <p:sp>
         <p:nvSpPr>
-          <p:cNvPr id="6" name="Marcador de contenido 5"/>
+          <p:cNvPr id="2" name="Marcador de contenido 1">
+            <a:extLst>
+              <a:ext uri="{FF2B5EF4-FFF2-40B4-BE49-F238E27FC236}">
+                <a16:creationId xmlns:a16="http://schemas.microsoft.com/office/drawing/2014/main" id="{143B7A33-7D5F-4150-8810-BC6922461C30}"/>
+              </a:ext>
+            </a:extLst>
+          </p:cNvPr>
           <p:cNvSpPr>
             <a:spLocks noGrp="1"/>
           </p:cNvSpPr>
@@ -9272,215 +9272,249 @@
             <p:ph idx="1"/>
           </p:nvPr>
         </p:nvSpPr>
-        <p:spPr/>
-        <p:txBody>
-          <a:bodyPr>
-            <a:normAutofit/>
-          </a:bodyPr>
+        <p:spPr>
+          <a:xfrm>
+            <a:off x="908688" y="2955205"/>
+            <a:ext cx="5066288" cy="3196532"/>
+          </a:xfrm>
+        </p:spPr>
+        <p:txBody>
+          <a:bodyPr/>
           <a:lstStyle/>
           <a:p>
-            <a:r>
-              <a:rPr lang="en-US" dirty="0"/>
-              <a:t>Bindings are optional and a function can have multiple input and output bindings</a:t>
-            </a:r>
-          </a:p>
-          <a:p>
-            <a:r>
-              <a:rPr lang="en-US" dirty="0"/>
-              <a:t>Allow output data to another service, by using the return value of the method</a:t>
-            </a:r>
-            <a:endParaRPr lang="en-US" i="1" dirty="0"/>
-          </a:p>
-          <a:p>
-            <a:r>
-              <a:rPr lang="es-ES" dirty="0" err="1"/>
-              <a:t>Some</a:t>
-            </a:r>
-            <a:r>
-              <a:rPr lang="es-ES" dirty="0"/>
+            <a:pPr marL="285750" lvl="0" indent="-285750">
+              <a:buClr>
+                <a:srgbClr val="00D0FF"/>
+              </a:buClr>
+              <a:buSzPct val="110000"/>
+              <a:buFont typeface="Arial" panose="020B0604020202020204" pitchFamily="34" charset="0"/>
+              <a:buChar char="•"/>
+            </a:pPr>
+            <a:r>
+              <a:rPr lang="es-ES" dirty="0" err="1">
+                <a:solidFill>
+                  <a:prstClr val="black"/>
+                </a:solidFill>
+              </a:rPr>
+              <a:t>Adopt</a:t>
+            </a:r>
+            <a:r>
+              <a:rPr lang="es-ES" dirty="0">
+                <a:solidFill>
+                  <a:prstClr val="black"/>
+                </a:solidFill>
+              </a:rPr>
               <a:t> </a:t>
             </a:r>
             <a:r>
-              <a:rPr lang="es-ES" dirty="0" err="1"/>
-              <a:t>Bindings</a:t>
-            </a:r>
-            <a:r>
-              <a:rPr lang="es-ES" dirty="0"/>
+              <a:rPr lang="es-ES" dirty="0" err="1">
+                <a:solidFill>
+                  <a:prstClr val="black"/>
+                </a:solidFill>
+              </a:rPr>
+              <a:t>DevOps</a:t>
+            </a:r>
+            <a:r>
+              <a:rPr lang="es-ES" dirty="0">
+                <a:solidFill>
+                  <a:prstClr val="black"/>
+                </a:solidFill>
+              </a:rPr>
               <a:t> </a:t>
             </a:r>
             <a:r>
-              <a:rPr lang="es-ES" dirty="0" err="1"/>
-              <a:t>supported</a:t>
-            </a:r>
-            <a:r>
-              <a:rPr lang="es-ES" dirty="0"/>
+              <a:rPr lang="es-ES" dirty="0" err="1">
+                <a:solidFill>
+                  <a:prstClr val="black"/>
+                </a:solidFill>
+              </a:rPr>
+              <a:t>methodology</a:t>
+            </a:r>
+            <a:endParaRPr lang="es-ES" dirty="0">
+              <a:solidFill>
+                <a:prstClr val="black"/>
+              </a:solidFill>
+            </a:endParaRPr>
+          </a:p>
+          <a:p>
+            <a:pPr marL="285750" lvl="0" indent="-285750">
+              <a:buClr>
+                <a:srgbClr val="00D0FF"/>
+              </a:buClr>
+              <a:buSzPct val="110000"/>
+              <a:buFont typeface="Arial" panose="020B0604020202020204" pitchFamily="34" charset="0"/>
+              <a:buChar char="•"/>
+            </a:pPr>
+            <a:r>
+              <a:rPr lang="es-ES" dirty="0" err="1">
+                <a:solidFill>
+                  <a:prstClr val="black"/>
+                </a:solidFill>
+              </a:rPr>
+              <a:t>Continous</a:t>
+            </a:r>
+            <a:r>
+              <a:rPr lang="es-ES" dirty="0">
+                <a:solidFill>
+                  <a:prstClr val="black"/>
+                </a:solidFill>
+              </a:rPr>
               <a:t> </a:t>
             </a:r>
             <a:r>
-              <a:rPr lang="es-ES" dirty="0" err="1"/>
-              <a:t>by</a:t>
-            </a:r>
-            <a:r>
-              <a:rPr lang="es-ES" dirty="0"/>
-              <a:t> Azure </a:t>
-            </a:r>
-            <a:r>
-              <a:rPr lang="es-ES" dirty="0" err="1"/>
-              <a:t>Functions</a:t>
-            </a:r>
-            <a:endParaRPr lang="es-ES" dirty="0"/>
-          </a:p>
-          <a:p>
-            <a:pPr lvl="1"/>
-            <a:r>
-              <a:rPr lang="es-ES" dirty="0"/>
-              <a:t>Http </a:t>
-            </a:r>
-            <a:r>
-              <a:rPr lang="es-ES" dirty="0" err="1"/>
-              <a:t>calls</a:t>
-            </a:r>
-            <a:r>
-              <a:rPr lang="es-ES" dirty="0"/>
-              <a:t> (</a:t>
-            </a:r>
-            <a:r>
-              <a:rPr lang="es-ES" dirty="0" err="1"/>
-              <a:t>Requires</a:t>
-            </a:r>
-            <a:r>
-              <a:rPr lang="es-ES" dirty="0"/>
-              <a:t> Http </a:t>
-            </a:r>
-            <a:r>
-              <a:rPr lang="es-ES" dirty="0" err="1"/>
-              <a:t>trigger</a:t>
-            </a:r>
-            <a:r>
-              <a:rPr lang="es-ES" dirty="0"/>
-              <a:t>)</a:t>
-            </a:r>
-          </a:p>
-          <a:p>
-            <a:pPr lvl="1"/>
-            <a:r>
-              <a:rPr lang="es-ES" dirty="0" err="1"/>
-              <a:t>Add</a:t>
-            </a:r>
-            <a:r>
-              <a:rPr lang="es-ES" dirty="0"/>
-              <a:t> files </a:t>
-            </a:r>
-            <a:r>
-              <a:rPr lang="es-ES" dirty="0" err="1"/>
-              <a:t>to</a:t>
-            </a:r>
-            <a:r>
-              <a:rPr lang="es-ES" dirty="0"/>
-              <a:t> Blob </a:t>
-            </a:r>
-            <a:r>
-              <a:rPr lang="es-ES" dirty="0" err="1"/>
-              <a:t>storages</a:t>
-            </a:r>
-            <a:endParaRPr lang="es-ES" dirty="0"/>
-          </a:p>
-          <a:p>
-            <a:pPr lvl="1"/>
-            <a:r>
-              <a:rPr lang="es-ES" dirty="0" err="1"/>
-              <a:t>Queue</a:t>
-            </a:r>
-            <a:r>
-              <a:rPr lang="es-ES" dirty="0"/>
+              <a:rPr lang="es-ES" dirty="0" err="1">
+                <a:solidFill>
+                  <a:prstClr val="black"/>
+                </a:solidFill>
+              </a:rPr>
+              <a:t>Integration</a:t>
+            </a:r>
+            <a:r>
+              <a:rPr lang="es-ES" dirty="0">
+                <a:solidFill>
+                  <a:prstClr val="black"/>
+                </a:solidFill>
+              </a:rPr>
               <a:t> </a:t>
             </a:r>
             <a:r>
-              <a:rPr lang="es-ES" dirty="0" err="1"/>
-              <a:t>messages</a:t>
-            </a:r>
-            <a:r>
-              <a:rPr lang="es-ES" dirty="0"/>
-              <a:t> in a </a:t>
-            </a:r>
-            <a:r>
-              <a:rPr lang="es-ES" dirty="0" err="1"/>
-              <a:t>service</a:t>
-            </a:r>
-            <a:r>
-              <a:rPr lang="es-ES" dirty="0"/>
-              <a:t> bus</a:t>
-            </a:r>
-          </a:p>
-          <a:p>
-            <a:pPr lvl="1"/>
-            <a:r>
-              <a:rPr lang="es-ES" dirty="0" err="1"/>
-              <a:t>Insert</a:t>
-            </a:r>
-            <a:r>
-              <a:rPr lang="es-ES" dirty="0"/>
-              <a:t> data </a:t>
-            </a:r>
-            <a:r>
-              <a:rPr lang="es-ES" dirty="0" err="1"/>
-              <a:t>to</a:t>
-            </a:r>
-            <a:r>
-              <a:rPr lang="es-ES" dirty="0"/>
-              <a:t> a </a:t>
-            </a:r>
-            <a:r>
-              <a:rPr lang="es-ES" dirty="0" err="1"/>
-              <a:t>sql</a:t>
-            </a:r>
-            <a:r>
-              <a:rPr lang="es-ES" dirty="0"/>
+              <a:rPr lang="es-ES" dirty="0" err="1">
+                <a:solidFill>
+                  <a:prstClr val="black"/>
+                </a:solidFill>
+              </a:rPr>
+              <a:t>Continuous</a:t>
+            </a:r>
+            <a:r>
+              <a:rPr lang="es-ES" dirty="0">
+                <a:solidFill>
+                  <a:prstClr val="black"/>
+                </a:solidFill>
+              </a:rPr>
               <a:t> </a:t>
             </a:r>
             <a:r>
-              <a:rPr lang="es-ES" dirty="0" err="1"/>
-              <a:t>or</a:t>
-            </a:r>
-            <a:r>
-              <a:rPr lang="es-ES" dirty="0"/>
+              <a:rPr lang="es-ES" dirty="0" err="1">
+                <a:solidFill>
+                  <a:prstClr val="black"/>
+                </a:solidFill>
+              </a:rPr>
+              <a:t>Deployment</a:t>
+            </a:r>
+            <a:r>
+              <a:rPr lang="es-ES" dirty="0">
+                <a:solidFill>
+                  <a:prstClr val="black"/>
+                </a:solidFill>
+              </a:rPr>
+              <a:t> (CI/CD)</a:t>
+            </a:r>
+          </a:p>
+          <a:p>
+            <a:pPr marL="285750" lvl="0" indent="-285750">
+              <a:buClr>
+                <a:srgbClr val="00D0FF"/>
+              </a:buClr>
+              <a:buSzPct val="110000"/>
+              <a:buFont typeface="Arial" panose="020B0604020202020204" pitchFamily="34" charset="0"/>
+              <a:buChar char="•"/>
+            </a:pPr>
+            <a:r>
+              <a:rPr lang="es-ES" dirty="0" err="1">
+                <a:solidFill>
+                  <a:prstClr val="black"/>
+                </a:solidFill>
+              </a:rPr>
+              <a:t>Faster</a:t>
+            </a:r>
+            <a:r>
+              <a:rPr lang="es-ES" dirty="0">
+                <a:solidFill>
+                  <a:prstClr val="black"/>
+                </a:solidFill>
+              </a:rPr>
+              <a:t> and </a:t>
+            </a:r>
+            <a:r>
+              <a:rPr lang="es-ES" dirty="0" err="1">
+                <a:solidFill>
+                  <a:prstClr val="black"/>
+                </a:solidFill>
+              </a:rPr>
+              <a:t>independent</a:t>
+            </a:r>
+            <a:r>
+              <a:rPr lang="es-ES" dirty="0">
+                <a:solidFill>
+                  <a:prstClr val="black"/>
+                </a:solidFill>
+              </a:rPr>
               <a:t> </a:t>
             </a:r>
             <a:r>
-              <a:rPr lang="es-ES" dirty="0" err="1"/>
-              <a:t>nosql</a:t>
-            </a:r>
-            <a:r>
-              <a:rPr lang="es-ES" dirty="0"/>
-              <a:t> </a:t>
-            </a:r>
-            <a:r>
-              <a:rPr lang="es-ES" dirty="0" err="1"/>
-              <a:t>db</a:t>
-            </a:r>
-            <a:endParaRPr lang="es-ES" dirty="0"/>
-          </a:p>
-          <a:p>
-            <a:pPr lvl="1"/>
-            <a:r>
-              <a:rPr lang="es-ES" dirty="0" err="1"/>
-              <a:t>Push</a:t>
-            </a:r>
-            <a:r>
-              <a:rPr lang="es-ES" dirty="0"/>
-              <a:t> </a:t>
-            </a:r>
-            <a:r>
-              <a:rPr lang="es-ES" dirty="0" err="1"/>
-              <a:t>notifications</a:t>
-            </a:r>
-            <a:endParaRPr lang="es-ES" dirty="0"/>
-          </a:p>
-        </p:txBody>
-      </p:sp>
-      <p:sp>
-        <p:nvSpPr>
-          <p:cNvPr id="5" name="Título 4"/>
+              <a:rPr lang="es-ES" dirty="0" err="1">
+                <a:solidFill>
+                  <a:prstClr val="black"/>
+                </a:solidFill>
+              </a:rPr>
+              <a:t>deliveries</a:t>
+            </a:r>
+            <a:endParaRPr lang="es-ES" dirty="0">
+              <a:solidFill>
+                <a:prstClr val="black"/>
+              </a:solidFill>
+            </a:endParaRPr>
+          </a:p>
+          <a:p>
+            <a:pPr marL="285750" lvl="0" indent="-285750">
+              <a:buClr>
+                <a:srgbClr val="00D0FF"/>
+              </a:buClr>
+              <a:buSzPct val="110000"/>
+              <a:buFont typeface="Arial" panose="020B0604020202020204" pitchFamily="34" charset="0"/>
+              <a:buChar char="•"/>
+            </a:pPr>
+            <a:r>
+              <a:rPr lang="es-ES" dirty="0" err="1">
+                <a:solidFill>
+                  <a:prstClr val="black"/>
+                </a:solidFill>
+              </a:rPr>
+              <a:t>Automated</a:t>
+            </a:r>
+            <a:r>
+              <a:rPr lang="es-ES" dirty="0">
+                <a:solidFill>
+                  <a:prstClr val="black"/>
+                </a:solidFill>
+              </a:rPr>
+              <a:t> QA and </a:t>
+            </a:r>
+            <a:r>
+              <a:rPr lang="es-ES" dirty="0" err="1">
+                <a:solidFill>
+                  <a:prstClr val="black"/>
+                </a:solidFill>
+              </a:rPr>
+              <a:t>Deployments</a:t>
+            </a:r>
+            <a:endParaRPr lang="es-ES" dirty="0">
+              <a:solidFill>
+                <a:prstClr val="black"/>
+              </a:solidFill>
+            </a:endParaRPr>
+          </a:p>
+        </p:txBody>
+      </p:sp>
+      <p:sp>
+        <p:nvSpPr>
+          <p:cNvPr id="3" name="Título 2">
+            <a:extLst>
+              <a:ext uri="{FF2B5EF4-FFF2-40B4-BE49-F238E27FC236}">
+                <a16:creationId xmlns:a16="http://schemas.microsoft.com/office/drawing/2014/main" id="{4354A535-69B4-4036-A6A6-F363285E1C35}"/>
+              </a:ext>
+            </a:extLst>
+          </p:cNvPr>
           <p:cNvSpPr>
             <a:spLocks noGrp="1"/>
           </p:cNvSpPr>
@@ -9494,24 +9528,29 @@
           <a:lstStyle/>
           <a:p>
             <a:r>
-              <a:rPr lang="es-ES" dirty="0" err="1">
-                <a:solidFill>
-                  <a:srgbClr val="00D0FF"/>
-                </a:solidFill>
-              </a:rPr>
-              <a:t>Bindings</a:t>
-            </a:r>
-            <a:endParaRPr lang="es-ES" dirty="0">
-              <a:solidFill>
-                <a:srgbClr val="00D0FF"/>
-              </a:solidFill>
-            </a:endParaRPr>
-          </a:p>
-        </p:txBody>
-      </p:sp>
-      <p:sp>
-        <p:nvSpPr>
-          <p:cNvPr id="2" name="Footer Placeholder 1"/>
+              <a:rPr lang="es-ES" dirty="0" err="1"/>
+              <a:t>Infrastructure</a:t>
+            </a:r>
+            <a:br>
+              <a:rPr lang="es-ES" dirty="0"/>
+            </a:br>
+            <a:r>
+              <a:rPr lang="es-ES" dirty="0" err="1"/>
+              <a:t>Automation</a:t>
+            </a:r>
+            <a:endParaRPr lang="en-US" dirty="0"/>
+          </a:p>
+        </p:txBody>
+      </p:sp>
+      <p:sp>
+        <p:nvSpPr>
+          <p:cNvPr id="4" name="Marcador de pie de página 3">
+            <a:extLst>
+              <a:ext uri="{FF2B5EF4-FFF2-40B4-BE49-F238E27FC236}">
+                <a16:creationId xmlns:a16="http://schemas.microsoft.com/office/drawing/2014/main" id="{7D8726E8-DB76-4BB9-9BE5-F780FCFED5E2}"/>
+              </a:ext>
+            </a:extLst>
+          </p:cNvPr>
           <p:cNvSpPr>
             <a:spLocks noGrp="1"/>
           </p:cNvSpPr>
@@ -9534,11 +9573,20 @@
             </a:r>
             <a:endParaRPr lang="es-ES" dirty="0"/>
           </a:p>
-        </p:txBody>
-      </p:sp>
-      <p:sp>
-        <p:nvSpPr>
-          <p:cNvPr id="3" name="Slide Number Placeholder 2"/>
+          <a:p>
+            <a:endParaRPr lang="es-ES" dirty="0"/>
+          </a:p>
+        </p:txBody>
+      </p:sp>
+      <p:sp>
+        <p:nvSpPr>
+          <p:cNvPr id="5" name="Marcador de número de diapositiva 4">
+            <a:extLst>
+              <a:ext uri="{FF2B5EF4-FFF2-40B4-BE49-F238E27FC236}">
+                <a16:creationId xmlns:a16="http://schemas.microsoft.com/office/drawing/2014/main" id="{34CCC3EE-7B3D-471B-94E1-754C8AB92B02}"/>
+              </a:ext>
+            </a:extLst>
+          </p:cNvPr>
           <p:cNvSpPr>
             <a:spLocks noGrp="1"/>
           </p:cNvSpPr>
@@ -9556,14 +9604,61 @@
               <a:pPr/>
               <a:t>10</a:t>
             </a:fld>
-            <a:endParaRPr lang="es-ES"/>
-          </a:p>
-        </p:txBody>
-      </p:sp>
+            <a:endParaRPr lang="es-ES" dirty="0"/>
+          </a:p>
+        </p:txBody>
+      </p:sp>
+      <p:pic>
+        <p:nvPicPr>
+          <p:cNvPr id="1026" name="Picture 2" descr="Resultado de imagen de devops cicd">
+            <a:extLst>
+              <a:ext uri="{FF2B5EF4-FFF2-40B4-BE49-F238E27FC236}">
+                <a16:creationId xmlns:a16="http://schemas.microsoft.com/office/drawing/2014/main" id="{324E31C9-FA4C-455B-A07E-A1BF083FA321}"/>
+              </a:ext>
+            </a:extLst>
+          </p:cNvPr>
+          <p:cNvPicPr>
+            <a:picLocks noChangeAspect="1" noChangeArrowheads="1"/>
+          </p:cNvPicPr>
+          <p:nvPr/>
+        </p:nvPicPr>
+        <p:blipFill>
+          <a:blip r:embed="rId2">
+            <a:extLst>
+              <a:ext uri="{28A0092B-C50C-407E-A947-70E740481C1C}">
+                <a14:useLocalDpi xmlns:a14="http://schemas.microsoft.com/office/drawing/2010/main" val="0"/>
+              </a:ext>
+            </a:extLst>
+          </a:blip>
+          <a:srcRect/>
+          <a:stretch>
+            <a:fillRect/>
+          </a:stretch>
+        </p:blipFill>
+        <p:spPr bwMode="auto">
+          <a:xfrm>
+            <a:off x="6096000" y="2499193"/>
+            <a:ext cx="5962650" cy="3419475"/>
+          </a:xfrm>
+          <a:prstGeom prst="rect">
+            <a:avLst/>
+          </a:prstGeom>
+          <a:noFill/>
+          <a:extLst>
+            <a:ext uri="{909E8E84-426E-40DD-AFC4-6F175D3DCCD1}">
+              <a14:hiddenFill xmlns:a14="http://schemas.microsoft.com/office/drawing/2010/main">
+                <a:solidFill>
+                  <a:srgbClr val="FFFFFF"/>
+                </a:solidFill>
+              </a14:hiddenFill>
+            </a:ext>
+          </a:extLst>
+        </p:spPr>
+      </p:pic>
     </p:spTree>
     <p:extLst>
       <p:ext uri="{BB962C8B-B14F-4D97-AF65-F5344CB8AC3E}">
-        <p14:creationId xmlns:p14="http://schemas.microsoft.com/office/powerpoint/2010/main" val="166124215"/>
+        <p14:creationId xmlns:p14="http://schemas.microsoft.com/office/powerpoint/2010/main" val="4107797867"/>
       </p:ext>
     </p:extLst>
   </p:cSld>
@@ -9630,17 +9725,16 @@
           <a:lstStyle/>
           <a:p>
             <a:r>
-              <a:rPr lang="es-ES" dirty="0" err="1"/>
-              <a:t>Components</a:t>
-            </a:r>
-            <a:endParaRPr lang="es-ES" dirty="0"/>
+              <a:rPr lang="es-ES" dirty="0"/>
+              <a:t>Demo</a:t>
+            </a:r>
           </a:p>
         </p:txBody>
       </p:sp>
     </p:spTree>
     <p:extLst>
       <p:ext uri="{BB962C8B-B14F-4D97-AF65-F5344CB8AC3E}">
-        <p14:creationId xmlns:p14="http://schemas.microsoft.com/office/powerpoint/2010/main" val="2336061822"/>
+        <p14:creationId xmlns:p14="http://schemas.microsoft.com/office/powerpoint/2010/main" val="3905953833"/>
       </p:ext>
     </p:extLst>
   </p:cSld>
@@ -9669,2694 +9763,6 @@
       </p:grpSpPr>
       <p:sp>
         <p:nvSpPr>
-          <p:cNvPr id="9" name="Marcador de contenido 8"/>
-          <p:cNvSpPr>
-            <a:spLocks noGrp="1"/>
-          </p:cNvSpPr>
-          <p:nvPr>
-            <p:ph idx="1"/>
-          </p:nvPr>
-        </p:nvSpPr>
-        <p:spPr/>
-        <p:txBody>
-          <a:bodyPr>
-            <a:normAutofit/>
-          </a:bodyPr>
-          <a:lstStyle/>
-          <a:p>
-            <a:pPr marL="285750" lvl="0" indent="-285750">
-              <a:buClr>
-                <a:srgbClr val="00D0FF"/>
-              </a:buClr>
-              <a:buSzPct val="110000"/>
-              <a:buFont typeface="Arial" panose="020B0604020202020204" pitchFamily="34" charset="0"/>
-              <a:buChar char="•"/>
-            </a:pPr>
-            <a:r>
-              <a:rPr lang="en-US" dirty="0">
-                <a:solidFill>
-                  <a:prstClr val="black"/>
-                </a:solidFill>
-              </a:rPr>
-              <a:t>Defines a Run method as an entry point</a:t>
-            </a:r>
-          </a:p>
-          <a:p>
-            <a:pPr marL="285750" lvl="0" indent="-285750">
-              <a:buClr>
-                <a:srgbClr val="00D0FF"/>
-              </a:buClr>
-              <a:buSzPct val="110000"/>
-              <a:buFont typeface="Arial" panose="020B0604020202020204" pitchFamily="34" charset="0"/>
-              <a:buChar char="•"/>
-            </a:pPr>
-            <a:r>
-              <a:rPr lang="en-US" dirty="0">
-                <a:solidFill>
-                  <a:prstClr val="black"/>
-                </a:solidFill>
-              </a:rPr>
-              <a:t>Creating additional classes are allowed</a:t>
-            </a:r>
-          </a:p>
-          <a:p>
-            <a:pPr marL="285750" lvl="0" indent="-285750">
-              <a:buClr>
-                <a:srgbClr val="00D0FF"/>
-              </a:buClr>
-              <a:buSzPct val="110000"/>
-              <a:buFont typeface="Arial" panose="020B0604020202020204" pitchFamily="34" charset="0"/>
-              <a:buChar char="•"/>
-            </a:pPr>
-            <a:r>
-              <a:rPr lang="en-US" dirty="0">
-                <a:solidFill>
-                  <a:prstClr val="black"/>
-                </a:solidFill>
-              </a:rPr>
-              <a:t>Supports loading other .</a:t>
-            </a:r>
-            <a:r>
-              <a:rPr lang="en-US" dirty="0" err="1">
-                <a:solidFill>
-                  <a:prstClr val="black"/>
-                </a:solidFill>
-              </a:rPr>
-              <a:t>csx</a:t>
-            </a:r>
-            <a:r>
-              <a:rPr lang="en-US" dirty="0">
-                <a:solidFill>
-                  <a:prstClr val="black"/>
-                </a:solidFill>
-              </a:rPr>
-              <a:t> files using #load syntax</a:t>
-            </a:r>
-          </a:p>
-          <a:p>
-            <a:pPr marL="285750" lvl="0" indent="-285750">
-              <a:buClr>
-                <a:srgbClr val="00D0FF"/>
-              </a:buClr>
-              <a:buSzPct val="110000"/>
-              <a:buFont typeface="Arial" panose="020B0604020202020204" pitchFamily="34" charset="0"/>
-              <a:buChar char="•"/>
-            </a:pPr>
-            <a:r>
-              <a:rPr lang="en-US" dirty="0">
-                <a:solidFill>
-                  <a:prstClr val="black"/>
-                </a:solidFill>
-              </a:rPr>
-              <a:t>Includes some default libraries that are automatically referenced</a:t>
-            </a:r>
-          </a:p>
-          <a:p>
-            <a:pPr marL="285750" lvl="0" indent="-285750">
-              <a:buClr>
-                <a:srgbClr val="00D0FF"/>
-              </a:buClr>
-              <a:buSzPct val="110000"/>
-              <a:buFont typeface="Arial" panose="020B0604020202020204" pitchFamily="34" charset="0"/>
-              <a:buChar char="•"/>
-            </a:pPr>
-            <a:r>
-              <a:rPr lang="es-ES" dirty="0">
-                <a:solidFill>
-                  <a:prstClr val="black"/>
-                </a:solidFill>
-              </a:rPr>
-              <a:t>O</a:t>
-            </a:r>
-            <a:r>
-              <a:rPr lang="en-US" dirty="0" err="1">
-                <a:solidFill>
-                  <a:prstClr val="black"/>
-                </a:solidFill>
-              </a:rPr>
-              <a:t>ther</a:t>
-            </a:r>
-            <a:r>
-              <a:rPr lang="en-US" dirty="0">
-                <a:solidFill>
-                  <a:prstClr val="black"/>
-                </a:solidFill>
-              </a:rPr>
-              <a:t> libraries must be referenced using #r syntax</a:t>
-            </a:r>
-          </a:p>
-          <a:p>
-            <a:pPr marL="285750" lvl="0" indent="-285750">
-              <a:buClr>
-                <a:srgbClr val="00D0FF"/>
-              </a:buClr>
-              <a:buSzPct val="110000"/>
-              <a:buFont typeface="Arial" panose="020B0604020202020204" pitchFamily="34" charset="0"/>
-              <a:buChar char="•"/>
-            </a:pPr>
-            <a:r>
-              <a:rPr lang="es-ES" dirty="0" err="1">
-                <a:solidFill>
-                  <a:prstClr val="black"/>
-                </a:solidFill>
-              </a:rPr>
-              <a:t>Using</a:t>
-            </a:r>
-            <a:r>
-              <a:rPr lang="es-ES" dirty="0">
-                <a:solidFill>
-                  <a:prstClr val="black"/>
-                </a:solidFill>
-              </a:rPr>
-              <a:t> </a:t>
-            </a:r>
-            <a:r>
-              <a:rPr lang="es-ES" dirty="0" err="1">
-                <a:solidFill>
-                  <a:prstClr val="black"/>
-                </a:solidFill>
-              </a:rPr>
-              <a:t>Nuget</a:t>
-            </a:r>
-            <a:r>
-              <a:rPr lang="es-ES" dirty="0">
-                <a:solidFill>
-                  <a:prstClr val="black"/>
-                </a:solidFill>
-              </a:rPr>
-              <a:t> </a:t>
-            </a:r>
-            <a:r>
-              <a:rPr lang="es-ES" dirty="0" err="1">
-                <a:solidFill>
-                  <a:prstClr val="black"/>
-                </a:solidFill>
-              </a:rPr>
-              <a:t>packages</a:t>
-            </a:r>
-            <a:r>
-              <a:rPr lang="es-ES" dirty="0">
-                <a:solidFill>
-                  <a:prstClr val="black"/>
-                </a:solidFill>
-              </a:rPr>
-              <a:t> can be </a:t>
-            </a:r>
-            <a:r>
-              <a:rPr lang="es-ES" dirty="0" err="1">
-                <a:solidFill>
-                  <a:prstClr val="black"/>
-                </a:solidFill>
-              </a:rPr>
-              <a:t>achieved</a:t>
-            </a:r>
-            <a:r>
-              <a:rPr lang="es-ES" dirty="0">
-                <a:solidFill>
-                  <a:prstClr val="black"/>
-                </a:solidFill>
-              </a:rPr>
-              <a:t> </a:t>
-            </a:r>
-            <a:r>
-              <a:rPr lang="es-ES" dirty="0" err="1">
-                <a:solidFill>
-                  <a:prstClr val="black"/>
-                </a:solidFill>
-              </a:rPr>
-              <a:t>by</a:t>
-            </a:r>
-            <a:r>
-              <a:rPr lang="es-ES" dirty="0">
-                <a:solidFill>
-                  <a:prstClr val="black"/>
-                </a:solidFill>
-              </a:rPr>
-              <a:t> </a:t>
-            </a:r>
-            <a:r>
-              <a:rPr lang="es-ES" dirty="0" err="1">
-                <a:solidFill>
-                  <a:prstClr val="black"/>
-                </a:solidFill>
-              </a:rPr>
-              <a:t>adding</a:t>
-            </a:r>
-            <a:r>
-              <a:rPr lang="es-ES" dirty="0">
-                <a:solidFill>
-                  <a:prstClr val="black"/>
-                </a:solidFill>
-              </a:rPr>
-              <a:t> a </a:t>
-            </a:r>
-            <a:r>
-              <a:rPr lang="es-ES" dirty="0" err="1">
-                <a:solidFill>
-                  <a:prstClr val="black"/>
-                </a:solidFill>
-              </a:rPr>
-              <a:t>Project.json</a:t>
-            </a:r>
-            <a:r>
-              <a:rPr lang="es-ES" dirty="0">
-                <a:solidFill>
-                  <a:prstClr val="black"/>
-                </a:solidFill>
-              </a:rPr>
-              <a:t> file and </a:t>
-            </a:r>
-            <a:r>
-              <a:rPr lang="es-ES" dirty="0" err="1">
-                <a:solidFill>
-                  <a:prstClr val="black"/>
-                </a:solidFill>
-              </a:rPr>
-              <a:t>reference</a:t>
-            </a:r>
-            <a:r>
-              <a:rPr lang="es-ES" dirty="0">
-                <a:solidFill>
-                  <a:prstClr val="black"/>
-                </a:solidFill>
-              </a:rPr>
-              <a:t> </a:t>
-            </a:r>
-            <a:r>
-              <a:rPr lang="es-ES" dirty="0" err="1">
-                <a:solidFill>
-                  <a:prstClr val="black"/>
-                </a:solidFill>
-              </a:rPr>
-              <a:t>them</a:t>
-            </a:r>
-            <a:r>
-              <a:rPr lang="es-ES" dirty="0">
-                <a:solidFill>
-                  <a:prstClr val="black"/>
-                </a:solidFill>
-              </a:rPr>
-              <a:t> </a:t>
-            </a:r>
-            <a:r>
-              <a:rPr lang="es-ES" dirty="0" err="1">
-                <a:solidFill>
-                  <a:prstClr val="black"/>
-                </a:solidFill>
-              </a:rPr>
-              <a:t>with</a:t>
-            </a:r>
-            <a:r>
-              <a:rPr lang="es-ES" dirty="0">
-                <a:solidFill>
-                  <a:prstClr val="black"/>
-                </a:solidFill>
-              </a:rPr>
-              <a:t> #r</a:t>
-            </a:r>
-            <a:endParaRPr lang="en-US" dirty="0"/>
-          </a:p>
-          <a:p>
-            <a:endParaRPr lang="es-ES" dirty="0"/>
-          </a:p>
-        </p:txBody>
-      </p:sp>
-      <p:sp>
-        <p:nvSpPr>
-          <p:cNvPr id="8" name="Título 7"/>
-          <p:cNvSpPr>
-            <a:spLocks noGrp="1"/>
-          </p:cNvSpPr>
-          <p:nvPr>
-            <p:ph type="title"/>
-          </p:nvPr>
-        </p:nvSpPr>
-        <p:spPr/>
-        <p:txBody>
-          <a:bodyPr/>
-          <a:lstStyle/>
-          <a:p>
-            <a:r>
-              <a:rPr lang="es-ES" dirty="0">
-                <a:solidFill>
-                  <a:srgbClr val="00D0FF"/>
-                </a:solidFill>
-              </a:rPr>
-              <a:t>.</a:t>
-            </a:r>
-            <a:r>
-              <a:rPr lang="es-ES" dirty="0" err="1">
-                <a:solidFill>
-                  <a:srgbClr val="00D0FF"/>
-                </a:solidFill>
-              </a:rPr>
-              <a:t>csx</a:t>
-            </a:r>
-            <a:r>
-              <a:rPr lang="es-ES" dirty="0">
-                <a:solidFill>
-                  <a:srgbClr val="00D0FF"/>
-                </a:solidFill>
-              </a:rPr>
-              <a:t> Files</a:t>
-            </a:r>
-            <a:endParaRPr lang="es-ES" dirty="0"/>
-          </a:p>
-        </p:txBody>
-      </p:sp>
-      <p:sp>
-        <p:nvSpPr>
-          <p:cNvPr id="5" name="Marcador de número de diapositiva 4"/>
-          <p:cNvSpPr>
-            <a:spLocks noGrp="1"/>
-          </p:cNvSpPr>
-          <p:nvPr>
-            <p:ph type="sldNum" sz="quarter" idx="11"/>
-          </p:nvPr>
-        </p:nvSpPr>
-        <p:spPr/>
-        <p:txBody>
-          <a:bodyPr/>
-          <a:lstStyle/>
-          <a:p>
-            <a:fld id="{88CB616A-2EDE-4F93-81C7-BE29C9C217CB}" type="slidenum">
-              <a:rPr lang="es-ES" smtClean="0"/>
-              <a:pPr/>
-              <a:t>12</a:t>
-            </a:fld>
-            <a:endParaRPr lang="es-ES" dirty="0"/>
-          </a:p>
-        </p:txBody>
-      </p:sp>
-      <p:sp>
-        <p:nvSpPr>
-          <p:cNvPr id="10" name="Marcador de texto 9"/>
-          <p:cNvSpPr>
-            <a:spLocks noGrp="1"/>
-          </p:cNvSpPr>
-          <p:nvPr>
-            <p:ph type="body" sz="quarter" idx="12"/>
-          </p:nvPr>
-        </p:nvSpPr>
-        <p:spPr/>
-        <p:txBody>
-          <a:bodyPr/>
-          <a:lstStyle/>
-          <a:p>
-            <a:r>
-              <a:rPr lang="es-ES" dirty="0" err="1"/>
-              <a:t>Features</a:t>
-            </a:r>
-            <a:endParaRPr lang="es-ES" dirty="0"/>
-          </a:p>
-        </p:txBody>
-      </p:sp>
-      <p:sp>
-        <p:nvSpPr>
-          <p:cNvPr id="12" name="Marcador de texto 11"/>
-          <p:cNvSpPr>
-            <a:spLocks noGrp="1"/>
-          </p:cNvSpPr>
-          <p:nvPr>
-            <p:ph type="body" sz="quarter" idx="14"/>
-          </p:nvPr>
-        </p:nvSpPr>
-        <p:spPr/>
-        <p:txBody>
-          <a:bodyPr>
-            <a:normAutofit fontScale="70000" lnSpcReduction="20000"/>
-          </a:bodyPr>
-          <a:lstStyle/>
-          <a:p>
-            <a:r>
-              <a:rPr lang="en-US" dirty="0"/>
-              <a:t>#r "</a:t>
-            </a:r>
-            <a:r>
-              <a:rPr lang="en-US" dirty="0" err="1"/>
-              <a:t>Newtonsoft.Json</a:t>
-            </a:r>
-            <a:r>
-              <a:rPr lang="en-US" dirty="0"/>
-              <a:t>"</a:t>
-            </a:r>
-          </a:p>
-          <a:p>
-            <a:endParaRPr lang="en-US" dirty="0"/>
-          </a:p>
-          <a:p>
-            <a:r>
-              <a:rPr lang="en-US" dirty="0"/>
-              <a:t>using </a:t>
-            </a:r>
-            <a:r>
-              <a:rPr lang="en-US" dirty="0" err="1"/>
-              <a:t>Newtonsoft.Json.Linq</a:t>
-            </a:r>
-            <a:r>
-              <a:rPr lang="en-US" dirty="0"/>
-              <a:t>;</a:t>
-            </a:r>
-          </a:p>
-          <a:p>
-            <a:endParaRPr lang="en-US" dirty="0"/>
-          </a:p>
-          <a:p>
-            <a:r>
-              <a:rPr lang="en-US" dirty="0"/>
-              <a:t>// From an incoming queue message that is a JSON object, add fields and write to Table Storage</a:t>
-            </a:r>
-          </a:p>
-          <a:p>
-            <a:r>
-              <a:rPr lang="en-US" dirty="0"/>
-              <a:t>// The method return value creates a new row in Table Storage</a:t>
-            </a:r>
-          </a:p>
-          <a:p>
-            <a:r>
-              <a:rPr lang="en-US" dirty="0"/>
-              <a:t>public static Person Run(</a:t>
-            </a:r>
-            <a:r>
-              <a:rPr lang="en-US" dirty="0" err="1"/>
-              <a:t>JObject</a:t>
-            </a:r>
-            <a:r>
-              <a:rPr lang="en-US" dirty="0"/>
-              <a:t> order, </a:t>
-            </a:r>
-            <a:r>
-              <a:rPr lang="en-US" dirty="0" err="1"/>
-              <a:t>TraceWriter</a:t>
-            </a:r>
-            <a:r>
-              <a:rPr lang="en-US" dirty="0"/>
-              <a:t> log)</a:t>
-            </a:r>
-          </a:p>
-          <a:p>
-            <a:r>
-              <a:rPr lang="en-US" dirty="0"/>
-              <a:t>{</a:t>
-            </a:r>
-          </a:p>
-          <a:p>
-            <a:r>
-              <a:rPr lang="en-US" dirty="0"/>
-              <a:t>    return new Person() { </a:t>
-            </a:r>
-          </a:p>
-          <a:p>
-            <a:r>
-              <a:rPr lang="en-US" dirty="0"/>
-              <a:t>            </a:t>
-            </a:r>
-            <a:r>
-              <a:rPr lang="en-US" dirty="0" err="1"/>
-              <a:t>PartitionKey</a:t>
-            </a:r>
-            <a:r>
-              <a:rPr lang="en-US" dirty="0"/>
-              <a:t> = "Orders", </a:t>
-            </a:r>
-          </a:p>
-          <a:p>
-            <a:r>
-              <a:rPr lang="en-US" dirty="0"/>
-              <a:t>            </a:t>
-            </a:r>
-            <a:r>
-              <a:rPr lang="en-US" dirty="0" err="1"/>
-              <a:t>RowKey</a:t>
-            </a:r>
-            <a:r>
-              <a:rPr lang="en-US" dirty="0"/>
-              <a:t> = </a:t>
-            </a:r>
-            <a:r>
-              <a:rPr lang="en-US" dirty="0" err="1"/>
-              <a:t>Guid.NewGuid</a:t>
-            </a:r>
-            <a:r>
-              <a:rPr lang="en-US" dirty="0"/>
-              <a:t>().</a:t>
-            </a:r>
-            <a:r>
-              <a:rPr lang="en-US" dirty="0" err="1"/>
-              <a:t>ToString</a:t>
-            </a:r>
-            <a:r>
-              <a:rPr lang="en-US" dirty="0"/>
-              <a:t>(),  </a:t>
-            </a:r>
-          </a:p>
-          <a:p>
-            <a:r>
-              <a:rPr lang="en-US" dirty="0"/>
-              <a:t>            Name = order["Name"].</a:t>
-            </a:r>
-            <a:r>
-              <a:rPr lang="en-US" dirty="0" err="1"/>
-              <a:t>ToString</a:t>
-            </a:r>
-            <a:r>
-              <a:rPr lang="en-US" dirty="0"/>
-              <a:t>(),</a:t>
-            </a:r>
-          </a:p>
-          <a:p>
-            <a:r>
-              <a:rPr lang="en-US" dirty="0"/>
-              <a:t>            </a:t>
-            </a:r>
-            <a:r>
-              <a:rPr lang="en-US" dirty="0" err="1"/>
-              <a:t>MobileNumber</a:t>
-            </a:r>
-            <a:r>
-              <a:rPr lang="en-US" dirty="0"/>
-              <a:t> = order["</a:t>
-            </a:r>
-            <a:r>
-              <a:rPr lang="en-US" dirty="0" err="1"/>
-              <a:t>MobileNumber</a:t>
-            </a:r>
-            <a:r>
-              <a:rPr lang="en-US" dirty="0"/>
-              <a:t>"].</a:t>
-            </a:r>
-            <a:r>
-              <a:rPr lang="en-US" dirty="0" err="1"/>
-              <a:t>ToString</a:t>
-            </a:r>
-            <a:r>
-              <a:rPr lang="en-US" dirty="0"/>
-              <a:t>() };  </a:t>
-            </a:r>
-          </a:p>
-          <a:p>
-            <a:r>
-              <a:rPr lang="en-US" dirty="0"/>
-              <a:t>}</a:t>
-            </a:r>
-          </a:p>
-          <a:p>
-            <a:endParaRPr lang="en-US" dirty="0"/>
-          </a:p>
-          <a:p>
-            <a:r>
-              <a:rPr lang="en-US" dirty="0"/>
-              <a:t>public class Person</a:t>
-            </a:r>
-          </a:p>
-          <a:p>
-            <a:r>
-              <a:rPr lang="en-US" dirty="0"/>
-              <a:t>{</a:t>
-            </a:r>
-          </a:p>
-          <a:p>
-            <a:r>
-              <a:rPr lang="en-US" dirty="0"/>
-              <a:t>    public string </a:t>
-            </a:r>
-            <a:r>
-              <a:rPr lang="en-US" dirty="0" err="1"/>
-              <a:t>PartitionKey</a:t>
-            </a:r>
-            <a:r>
-              <a:rPr lang="en-US" dirty="0"/>
-              <a:t> { get; set; }</a:t>
-            </a:r>
-          </a:p>
-          <a:p>
-            <a:r>
-              <a:rPr lang="en-US" dirty="0"/>
-              <a:t>    public string </a:t>
-            </a:r>
-            <a:r>
-              <a:rPr lang="en-US" dirty="0" err="1"/>
-              <a:t>RowKey</a:t>
-            </a:r>
-            <a:r>
-              <a:rPr lang="en-US" dirty="0"/>
-              <a:t> { get; set; }</a:t>
-            </a:r>
-          </a:p>
-          <a:p>
-            <a:r>
-              <a:rPr lang="en-US" dirty="0"/>
-              <a:t>    public string Name { get; set; }</a:t>
-            </a:r>
-          </a:p>
-          <a:p>
-            <a:r>
-              <a:rPr lang="en-US" dirty="0"/>
-              <a:t>    public string </a:t>
-            </a:r>
-            <a:r>
-              <a:rPr lang="en-US" dirty="0" err="1"/>
-              <a:t>MobileNumber</a:t>
-            </a:r>
-            <a:r>
-              <a:rPr lang="en-US" dirty="0"/>
-              <a:t> { get; set; }</a:t>
-            </a:r>
-          </a:p>
-          <a:p>
-            <a:r>
-              <a:rPr lang="en-US" dirty="0"/>
-              <a:t>}</a:t>
-            </a:r>
-            <a:endParaRPr lang="es-ES" dirty="0"/>
-          </a:p>
-        </p:txBody>
-      </p:sp>
-      <p:sp>
-        <p:nvSpPr>
-          <p:cNvPr id="4" name="Marcador de pie de página 3"/>
-          <p:cNvSpPr>
-            <a:spLocks noGrp="1"/>
-          </p:cNvSpPr>
-          <p:nvPr>
-            <p:ph type="ftr" sz="quarter" idx="10"/>
-          </p:nvPr>
-        </p:nvSpPr>
-        <p:spPr/>
-        <p:txBody>
-          <a:bodyPr/>
-          <a:lstStyle/>
-          <a:p>
-            <a:r>
-              <a:rPr lang="es-ES" dirty="0"/>
-              <a:t>@</a:t>
-            </a:r>
-            <a:r>
-              <a:rPr lang="es-ES" dirty="0" err="1"/>
-              <a:t>plainconcepts</a:t>
-            </a:r>
-            <a:endParaRPr lang="es-ES" dirty="0"/>
-          </a:p>
-        </p:txBody>
-      </p:sp>
-    </p:spTree>
-    <p:extLst>
-      <p:ext uri="{BB962C8B-B14F-4D97-AF65-F5344CB8AC3E}">
-        <p14:creationId xmlns:p14="http://schemas.microsoft.com/office/powerpoint/2010/main" val="2691213256"/>
-      </p:ext>
-    </p:extLst>
-  </p:cSld>
-  <p:clrMapOvr>
-    <a:masterClrMapping/>
-  </p:clrMapOvr>
-</p:sld>
-</file>
-
-<file path=ppt/slides/slide13.xml><?xml version="1.0" encoding="utf-8"?>
-<p:sld xmlns:a="http://schemas.openxmlformats.org/drawingml/2006/main" xmlns:r="http://schemas.openxmlformats.org/officeDocument/2006/relationships" xmlns:p="http://schemas.openxmlformats.org/presentationml/2006/main">
-  <p:cSld>
-    <p:spTree>
-      <p:nvGrpSpPr>
-        <p:cNvPr id="1" name=""/>
-        <p:cNvGrpSpPr/>
-        <p:nvPr/>
-      </p:nvGrpSpPr>
-      <p:grpSpPr>
-        <a:xfrm>
-          <a:off x="0" y="0"/>
-          <a:ext cx="0" cy="0"/>
-          <a:chOff x="0" y="0"/>
-          <a:chExt cx="0" cy="0"/>
-        </a:xfrm>
-      </p:grpSpPr>
-      <p:sp>
-        <p:nvSpPr>
-          <p:cNvPr id="9" name="Marcador de contenido 8"/>
-          <p:cNvSpPr>
-            <a:spLocks noGrp="1"/>
-          </p:cNvSpPr>
-          <p:nvPr>
-            <p:ph idx="1"/>
-          </p:nvPr>
-        </p:nvSpPr>
-        <p:spPr/>
-        <p:txBody>
-          <a:bodyPr>
-            <a:normAutofit lnSpcReduction="10000"/>
-          </a:bodyPr>
-          <a:lstStyle/>
-          <a:p>
-            <a:pPr marL="285750" lvl="0" indent="-285750">
-              <a:buClr>
-                <a:srgbClr val="00D0FF"/>
-              </a:buClr>
-              <a:buSzPct val="110000"/>
-              <a:buFont typeface="Arial" panose="020B0604020202020204" pitchFamily="34" charset="0"/>
-              <a:buChar char="•"/>
-            </a:pPr>
-            <a:r>
-              <a:rPr lang="es-ES" dirty="0">
-                <a:solidFill>
-                  <a:prstClr val="black"/>
-                </a:solidFill>
-              </a:rPr>
-              <a:t>Defines </a:t>
-            </a:r>
-            <a:r>
-              <a:rPr lang="es-ES" dirty="0" err="1">
-                <a:solidFill>
-                  <a:prstClr val="black"/>
-                </a:solidFill>
-              </a:rPr>
-              <a:t>the</a:t>
-            </a:r>
-            <a:r>
-              <a:rPr lang="es-ES" dirty="0">
-                <a:solidFill>
-                  <a:prstClr val="black"/>
-                </a:solidFill>
-              </a:rPr>
-              <a:t> </a:t>
-            </a:r>
-            <a:r>
-              <a:rPr lang="es-ES" dirty="0" err="1">
-                <a:solidFill>
-                  <a:prstClr val="black"/>
-                </a:solidFill>
-              </a:rPr>
-              <a:t>triggers</a:t>
-            </a:r>
-            <a:r>
-              <a:rPr lang="es-ES" dirty="0">
-                <a:solidFill>
-                  <a:prstClr val="black"/>
-                </a:solidFill>
-              </a:rPr>
-              <a:t> and </a:t>
-            </a:r>
-            <a:r>
-              <a:rPr lang="es-ES" dirty="0" err="1">
-                <a:solidFill>
-                  <a:prstClr val="black"/>
-                </a:solidFill>
-              </a:rPr>
-              <a:t>bindings</a:t>
-            </a:r>
-            <a:r>
-              <a:rPr lang="es-ES" dirty="0">
-                <a:solidFill>
-                  <a:prstClr val="black"/>
-                </a:solidFill>
-              </a:rPr>
-              <a:t> </a:t>
-            </a:r>
-            <a:r>
-              <a:rPr lang="es-ES" dirty="0" err="1">
-                <a:solidFill>
-                  <a:prstClr val="black"/>
-                </a:solidFill>
-              </a:rPr>
-              <a:t>of</a:t>
-            </a:r>
-            <a:r>
-              <a:rPr lang="es-ES" dirty="0">
-                <a:solidFill>
-                  <a:prstClr val="black"/>
-                </a:solidFill>
-              </a:rPr>
-              <a:t> </a:t>
-            </a:r>
-            <a:r>
-              <a:rPr lang="es-ES" dirty="0" err="1">
-                <a:solidFill>
-                  <a:prstClr val="black"/>
-                </a:solidFill>
-              </a:rPr>
-              <a:t>the</a:t>
-            </a:r>
-            <a:r>
-              <a:rPr lang="es-ES" dirty="0">
-                <a:solidFill>
-                  <a:prstClr val="black"/>
-                </a:solidFill>
-              </a:rPr>
-              <a:t> </a:t>
-            </a:r>
-            <a:r>
-              <a:rPr lang="es-ES" dirty="0" err="1">
-                <a:solidFill>
-                  <a:prstClr val="black"/>
-                </a:solidFill>
-              </a:rPr>
-              <a:t>Function</a:t>
-            </a:r>
-            <a:endParaRPr lang="es-ES" dirty="0">
-              <a:solidFill>
-                <a:prstClr val="black"/>
-              </a:solidFill>
-            </a:endParaRPr>
-          </a:p>
-          <a:p>
-            <a:pPr marL="285750" lvl="0" indent="-285750">
-              <a:buClr>
-                <a:srgbClr val="00D0FF"/>
-              </a:buClr>
-              <a:buSzPct val="110000"/>
-              <a:buFont typeface="Arial" panose="020B0604020202020204" pitchFamily="34" charset="0"/>
-              <a:buChar char="•"/>
-            </a:pPr>
-            <a:r>
-              <a:rPr lang="es-ES" dirty="0" err="1">
-                <a:solidFill>
-                  <a:prstClr val="black"/>
-                </a:solidFill>
-              </a:rPr>
-              <a:t>The</a:t>
-            </a:r>
-            <a:r>
-              <a:rPr lang="es-ES" dirty="0">
-                <a:solidFill>
-                  <a:prstClr val="black"/>
-                </a:solidFill>
-              </a:rPr>
-              <a:t> </a:t>
-            </a:r>
-            <a:r>
-              <a:rPr lang="es-ES" b="1" dirty="0" err="1">
-                <a:solidFill>
-                  <a:prstClr val="black"/>
-                </a:solidFill>
-              </a:rPr>
-              <a:t>name</a:t>
-            </a:r>
-            <a:r>
-              <a:rPr lang="es-ES" dirty="0">
-                <a:solidFill>
-                  <a:prstClr val="black"/>
-                </a:solidFill>
-              </a:rPr>
-              <a:t> </a:t>
-            </a:r>
-            <a:r>
-              <a:rPr lang="es-ES" dirty="0" err="1">
-                <a:solidFill>
-                  <a:prstClr val="black"/>
-                </a:solidFill>
-              </a:rPr>
-              <a:t>property</a:t>
-            </a:r>
-            <a:r>
-              <a:rPr lang="es-ES" dirty="0">
-                <a:solidFill>
-                  <a:prstClr val="black"/>
-                </a:solidFill>
-              </a:rPr>
-              <a:t> defines </a:t>
-            </a:r>
-            <a:r>
-              <a:rPr lang="es-ES" dirty="0" err="1">
-                <a:solidFill>
-                  <a:prstClr val="black"/>
-                </a:solidFill>
-              </a:rPr>
-              <a:t>the</a:t>
-            </a:r>
-            <a:r>
-              <a:rPr lang="es-ES" dirty="0">
-                <a:solidFill>
-                  <a:prstClr val="black"/>
-                </a:solidFill>
-              </a:rPr>
-              <a:t> </a:t>
-            </a:r>
-            <a:r>
-              <a:rPr lang="es-ES" dirty="0" err="1">
-                <a:solidFill>
-                  <a:prstClr val="black"/>
-                </a:solidFill>
-              </a:rPr>
-              <a:t>identifier</a:t>
-            </a:r>
-            <a:r>
-              <a:rPr lang="es-ES" dirty="0">
-                <a:solidFill>
-                  <a:prstClr val="black"/>
-                </a:solidFill>
-              </a:rPr>
-              <a:t> in </a:t>
-            </a:r>
-            <a:r>
-              <a:rPr lang="es-ES" dirty="0" err="1">
-                <a:solidFill>
-                  <a:prstClr val="black"/>
-                </a:solidFill>
-              </a:rPr>
-              <a:t>your</a:t>
-            </a:r>
-            <a:r>
-              <a:rPr lang="es-ES" dirty="0">
-                <a:solidFill>
-                  <a:prstClr val="black"/>
-                </a:solidFill>
-              </a:rPr>
-              <a:t> </a:t>
-            </a:r>
-            <a:r>
-              <a:rPr lang="es-ES" dirty="0" err="1">
-                <a:solidFill>
-                  <a:prstClr val="black"/>
-                </a:solidFill>
-              </a:rPr>
-              <a:t>code</a:t>
-            </a:r>
-            <a:r>
-              <a:rPr lang="es-ES" dirty="0">
-                <a:solidFill>
-                  <a:prstClr val="black"/>
-                </a:solidFill>
-              </a:rPr>
-              <a:t> </a:t>
-            </a:r>
-            <a:r>
-              <a:rPr lang="es-ES" dirty="0" err="1">
-                <a:solidFill>
-                  <a:prstClr val="black"/>
-                </a:solidFill>
-              </a:rPr>
-              <a:t>to</a:t>
-            </a:r>
-            <a:r>
-              <a:rPr lang="es-ES" dirty="0">
-                <a:solidFill>
-                  <a:prstClr val="black"/>
-                </a:solidFill>
-              </a:rPr>
-              <a:t> </a:t>
-            </a:r>
-            <a:r>
-              <a:rPr lang="es-ES" dirty="0" err="1">
-                <a:solidFill>
-                  <a:prstClr val="black"/>
-                </a:solidFill>
-              </a:rPr>
-              <a:t>access</a:t>
-            </a:r>
-            <a:r>
-              <a:rPr lang="es-ES" dirty="0">
-                <a:solidFill>
-                  <a:prstClr val="black"/>
-                </a:solidFill>
-              </a:rPr>
-              <a:t> </a:t>
-            </a:r>
-            <a:r>
-              <a:rPr lang="es-ES" dirty="0" err="1">
-                <a:solidFill>
-                  <a:prstClr val="black"/>
-                </a:solidFill>
-              </a:rPr>
-              <a:t>the</a:t>
-            </a:r>
-            <a:r>
-              <a:rPr lang="es-ES" dirty="0">
-                <a:solidFill>
-                  <a:prstClr val="black"/>
-                </a:solidFill>
-              </a:rPr>
-              <a:t> </a:t>
-            </a:r>
-            <a:r>
-              <a:rPr lang="es-ES" dirty="0" err="1">
-                <a:solidFill>
-                  <a:prstClr val="black"/>
-                </a:solidFill>
-              </a:rPr>
-              <a:t>trigger</a:t>
-            </a:r>
-            <a:r>
-              <a:rPr lang="es-ES" dirty="0">
-                <a:solidFill>
-                  <a:prstClr val="black"/>
-                </a:solidFill>
-              </a:rPr>
-              <a:t> </a:t>
-            </a:r>
-            <a:r>
-              <a:rPr lang="es-ES" dirty="0" err="1">
-                <a:solidFill>
-                  <a:prstClr val="black"/>
-                </a:solidFill>
-              </a:rPr>
-              <a:t>associated</a:t>
-            </a:r>
-            <a:r>
-              <a:rPr lang="es-ES" dirty="0">
-                <a:solidFill>
-                  <a:prstClr val="black"/>
-                </a:solidFill>
-              </a:rPr>
-              <a:t> data.</a:t>
-            </a:r>
-          </a:p>
-          <a:p>
-            <a:pPr marL="285750" lvl="0" indent="-285750">
-              <a:buClr>
-                <a:srgbClr val="00D0FF"/>
-              </a:buClr>
-              <a:buSzPct val="110000"/>
-              <a:buFont typeface="Arial" panose="020B0604020202020204" pitchFamily="34" charset="0"/>
-              <a:buChar char="•"/>
-            </a:pPr>
-            <a:r>
-              <a:rPr lang="es-ES" dirty="0" err="1">
-                <a:solidFill>
-                  <a:prstClr val="black"/>
-                </a:solidFill>
-              </a:rPr>
-              <a:t>The</a:t>
-            </a:r>
-            <a:r>
-              <a:rPr lang="es-ES" dirty="0">
-                <a:solidFill>
-                  <a:prstClr val="black"/>
-                </a:solidFill>
-              </a:rPr>
-              <a:t> </a:t>
-            </a:r>
-            <a:r>
-              <a:rPr lang="es-ES" b="1" dirty="0" err="1">
-                <a:solidFill>
-                  <a:prstClr val="black"/>
-                </a:solidFill>
-              </a:rPr>
-              <a:t>type</a:t>
-            </a:r>
-            <a:r>
-              <a:rPr lang="es-ES" dirty="0">
-                <a:solidFill>
-                  <a:prstClr val="black"/>
-                </a:solidFill>
-              </a:rPr>
-              <a:t> </a:t>
-            </a:r>
-            <a:r>
-              <a:rPr lang="es-ES" dirty="0" err="1">
-                <a:solidFill>
-                  <a:prstClr val="black"/>
-                </a:solidFill>
-              </a:rPr>
-              <a:t>property</a:t>
-            </a:r>
-            <a:r>
-              <a:rPr lang="es-ES" dirty="0">
-                <a:solidFill>
-                  <a:prstClr val="black"/>
-                </a:solidFill>
-              </a:rPr>
-              <a:t> defines </a:t>
-            </a:r>
-            <a:r>
-              <a:rPr lang="es-ES" dirty="0" err="1">
-                <a:solidFill>
-                  <a:prstClr val="black"/>
-                </a:solidFill>
-              </a:rPr>
-              <a:t>the</a:t>
-            </a:r>
-            <a:r>
-              <a:rPr lang="es-ES" dirty="0">
-                <a:solidFill>
-                  <a:prstClr val="black"/>
-                </a:solidFill>
-              </a:rPr>
-              <a:t> </a:t>
-            </a:r>
-            <a:r>
-              <a:rPr lang="es-ES" dirty="0" err="1">
-                <a:solidFill>
-                  <a:prstClr val="black"/>
-                </a:solidFill>
-              </a:rPr>
-              <a:t>type</a:t>
-            </a:r>
-            <a:r>
-              <a:rPr lang="es-ES" dirty="0">
-                <a:solidFill>
-                  <a:prstClr val="black"/>
-                </a:solidFill>
-              </a:rPr>
-              <a:t> </a:t>
-            </a:r>
-            <a:r>
-              <a:rPr lang="es-ES" dirty="0" err="1">
-                <a:solidFill>
-                  <a:prstClr val="black"/>
-                </a:solidFill>
-              </a:rPr>
-              <a:t>of</a:t>
-            </a:r>
-            <a:r>
-              <a:rPr lang="es-ES" dirty="0">
-                <a:solidFill>
-                  <a:prstClr val="black"/>
-                </a:solidFill>
-              </a:rPr>
-              <a:t> </a:t>
-            </a:r>
-            <a:r>
-              <a:rPr lang="es-ES" dirty="0" err="1">
-                <a:solidFill>
-                  <a:prstClr val="black"/>
-                </a:solidFill>
-              </a:rPr>
-              <a:t>trigger</a:t>
-            </a:r>
-            <a:r>
-              <a:rPr lang="es-ES" dirty="0">
-                <a:solidFill>
-                  <a:prstClr val="black"/>
-                </a:solidFill>
-              </a:rPr>
-              <a:t>/</a:t>
-            </a:r>
-            <a:r>
-              <a:rPr lang="es-ES" dirty="0" err="1">
-                <a:solidFill>
-                  <a:prstClr val="black"/>
-                </a:solidFill>
-              </a:rPr>
-              <a:t>binding</a:t>
-            </a:r>
-            <a:endParaRPr lang="es-ES" dirty="0">
-              <a:solidFill>
-                <a:prstClr val="black"/>
-              </a:solidFill>
-            </a:endParaRPr>
-          </a:p>
-          <a:p>
-            <a:pPr marL="285750" lvl="0" indent="-285750">
-              <a:buClr>
-                <a:srgbClr val="00D0FF"/>
-              </a:buClr>
-              <a:buSzPct val="110000"/>
-              <a:buFont typeface="Arial" panose="020B0604020202020204" pitchFamily="34" charset="0"/>
-              <a:buChar char="•"/>
-            </a:pPr>
-            <a:r>
-              <a:rPr lang="es-ES" dirty="0">
-                <a:solidFill>
-                  <a:prstClr val="black"/>
-                </a:solidFill>
-              </a:rPr>
-              <a:t> </a:t>
-            </a:r>
-            <a:r>
-              <a:rPr lang="en-US" dirty="0"/>
-              <a:t>All triggers and bindings have a </a:t>
-            </a:r>
-            <a:r>
-              <a:rPr lang="en-US" b="1" dirty="0"/>
-              <a:t>direction</a:t>
-            </a:r>
-            <a:r>
-              <a:rPr lang="en-US" dirty="0"/>
-              <a:t> property</a:t>
-            </a:r>
-            <a:endParaRPr lang="es-ES" dirty="0">
-              <a:solidFill>
-                <a:prstClr val="black"/>
-              </a:solidFill>
-            </a:endParaRPr>
-          </a:p>
-          <a:p>
-            <a:pPr lvl="1">
-              <a:buClr>
-                <a:prstClr val="black"/>
-              </a:buClr>
-            </a:pPr>
-            <a:r>
-              <a:rPr lang="es-ES" sz="1600" dirty="0" err="1">
-                <a:solidFill>
-                  <a:prstClr val="black"/>
-                </a:solidFill>
-                <a:latin typeface="Tw Cen MT" panose="020B0602020104020603"/>
-              </a:rPr>
-              <a:t>For</a:t>
-            </a:r>
-            <a:r>
-              <a:rPr lang="es-ES" sz="1600" dirty="0">
-                <a:solidFill>
-                  <a:prstClr val="black"/>
-                </a:solidFill>
-                <a:latin typeface="Tw Cen MT" panose="020B0602020104020603"/>
-              </a:rPr>
-              <a:t> </a:t>
-            </a:r>
-            <a:r>
-              <a:rPr lang="es-ES" sz="1600" dirty="0" err="1">
-                <a:solidFill>
-                  <a:prstClr val="black"/>
-                </a:solidFill>
-                <a:latin typeface="Tw Cen MT" panose="020B0602020104020603"/>
-              </a:rPr>
-              <a:t>triggers</a:t>
-            </a:r>
-            <a:r>
-              <a:rPr lang="es-ES" sz="1600" dirty="0">
-                <a:solidFill>
-                  <a:prstClr val="black"/>
-                </a:solidFill>
-                <a:latin typeface="Tw Cen MT" panose="020B0602020104020603"/>
-              </a:rPr>
-              <a:t>, </a:t>
-            </a:r>
-            <a:r>
-              <a:rPr lang="es-ES" sz="1600" dirty="0" err="1">
-                <a:solidFill>
-                  <a:prstClr val="black"/>
-                </a:solidFill>
-                <a:latin typeface="Tw Cen MT" panose="020B0602020104020603"/>
-              </a:rPr>
-              <a:t>the</a:t>
-            </a:r>
-            <a:r>
-              <a:rPr lang="es-ES" sz="1600" dirty="0">
-                <a:solidFill>
-                  <a:prstClr val="black"/>
-                </a:solidFill>
-                <a:latin typeface="Tw Cen MT" panose="020B0602020104020603"/>
-              </a:rPr>
-              <a:t> </a:t>
-            </a:r>
-            <a:r>
-              <a:rPr lang="es-ES" sz="1600" dirty="0" err="1">
-                <a:solidFill>
-                  <a:prstClr val="black"/>
-                </a:solidFill>
-                <a:latin typeface="Tw Cen MT" panose="020B0602020104020603"/>
-              </a:rPr>
-              <a:t>direction</a:t>
-            </a:r>
-            <a:r>
-              <a:rPr lang="es-ES" sz="1600" dirty="0">
-                <a:solidFill>
-                  <a:prstClr val="black"/>
-                </a:solidFill>
-                <a:latin typeface="Tw Cen MT" panose="020B0602020104020603"/>
-              </a:rPr>
-              <a:t> </a:t>
-            </a:r>
-            <a:r>
-              <a:rPr lang="es-ES" sz="1600" dirty="0" err="1">
-                <a:solidFill>
-                  <a:prstClr val="black"/>
-                </a:solidFill>
-                <a:latin typeface="Tw Cen MT" panose="020B0602020104020603"/>
-              </a:rPr>
-              <a:t>is</a:t>
-            </a:r>
-            <a:r>
-              <a:rPr lang="es-ES" sz="1600" dirty="0">
-                <a:solidFill>
-                  <a:prstClr val="black"/>
-                </a:solidFill>
-                <a:latin typeface="Tw Cen MT" panose="020B0602020104020603"/>
-              </a:rPr>
-              <a:t> </a:t>
-            </a:r>
-            <a:r>
-              <a:rPr lang="es-ES" sz="1600" b="1" dirty="0">
-                <a:solidFill>
-                  <a:prstClr val="black"/>
-                </a:solidFill>
-                <a:latin typeface="Tw Cen MT" panose="020B0602020104020603"/>
-              </a:rPr>
-              <a:t>in</a:t>
-            </a:r>
-          </a:p>
-          <a:p>
-            <a:pPr lvl="1">
-              <a:buClr>
-                <a:prstClr val="black"/>
-              </a:buClr>
-            </a:pPr>
-            <a:r>
-              <a:rPr lang="es-ES" sz="1600" dirty="0" err="1">
-                <a:solidFill>
-                  <a:prstClr val="black"/>
-                </a:solidFill>
-                <a:latin typeface="Tw Cen MT" panose="020B0602020104020603"/>
-              </a:rPr>
-              <a:t>For</a:t>
-            </a:r>
-            <a:r>
-              <a:rPr lang="es-ES" sz="1600" dirty="0">
-                <a:solidFill>
-                  <a:prstClr val="black"/>
-                </a:solidFill>
-                <a:latin typeface="Tw Cen MT" panose="020B0602020104020603"/>
-              </a:rPr>
-              <a:t> </a:t>
-            </a:r>
-            <a:r>
-              <a:rPr lang="es-ES" sz="1600" dirty="0" err="1">
-                <a:solidFill>
-                  <a:prstClr val="black"/>
-                </a:solidFill>
-                <a:latin typeface="Tw Cen MT" panose="020B0602020104020603"/>
-              </a:rPr>
-              <a:t>bindings</a:t>
-            </a:r>
-            <a:r>
-              <a:rPr lang="es-ES" sz="1600" dirty="0">
-                <a:solidFill>
-                  <a:prstClr val="black"/>
-                </a:solidFill>
-                <a:latin typeface="Tw Cen MT" panose="020B0602020104020603"/>
-              </a:rPr>
-              <a:t>, </a:t>
-            </a:r>
-            <a:r>
-              <a:rPr lang="es-ES" sz="1600" dirty="0" err="1">
-                <a:solidFill>
-                  <a:prstClr val="black"/>
-                </a:solidFill>
-                <a:latin typeface="Tw Cen MT" panose="020B0602020104020603"/>
-              </a:rPr>
-              <a:t>the</a:t>
-            </a:r>
-            <a:r>
-              <a:rPr lang="es-ES" sz="1600" dirty="0">
-                <a:solidFill>
-                  <a:prstClr val="black"/>
-                </a:solidFill>
-                <a:latin typeface="Tw Cen MT" panose="020B0602020104020603"/>
-              </a:rPr>
-              <a:t> </a:t>
-            </a:r>
-            <a:r>
-              <a:rPr lang="es-ES" sz="1600" dirty="0" err="1">
-                <a:solidFill>
-                  <a:prstClr val="black"/>
-                </a:solidFill>
-                <a:latin typeface="Tw Cen MT" panose="020B0602020104020603"/>
-              </a:rPr>
-              <a:t>direction</a:t>
-            </a:r>
-            <a:r>
-              <a:rPr lang="es-ES" sz="1600" dirty="0">
-                <a:solidFill>
-                  <a:prstClr val="black"/>
-                </a:solidFill>
-                <a:latin typeface="Tw Cen MT" panose="020B0602020104020603"/>
-              </a:rPr>
-              <a:t> </a:t>
-            </a:r>
-            <a:r>
-              <a:rPr lang="es-ES" sz="1600" dirty="0" err="1">
-                <a:solidFill>
-                  <a:prstClr val="black"/>
-                </a:solidFill>
-                <a:latin typeface="Tw Cen MT" panose="020B0602020104020603"/>
-              </a:rPr>
-              <a:t>is</a:t>
-            </a:r>
-            <a:r>
-              <a:rPr lang="es-ES" sz="1600" dirty="0">
-                <a:solidFill>
-                  <a:prstClr val="black"/>
-                </a:solidFill>
-                <a:latin typeface="Tw Cen MT" panose="020B0602020104020603"/>
-              </a:rPr>
-              <a:t> </a:t>
-            </a:r>
-            <a:r>
-              <a:rPr lang="es-ES" sz="1600" b="1" dirty="0" err="1">
-                <a:solidFill>
-                  <a:prstClr val="black"/>
-                </a:solidFill>
-                <a:latin typeface="Tw Cen MT" panose="020B0602020104020603"/>
-              </a:rPr>
-              <a:t>out</a:t>
-            </a:r>
-            <a:endParaRPr lang="es-ES" b="1" dirty="0">
-              <a:solidFill>
-                <a:prstClr val="black"/>
-              </a:solidFill>
-            </a:endParaRPr>
-          </a:p>
-          <a:p>
-            <a:pPr marL="285750" lvl="0" indent="-285750">
-              <a:buClr>
-                <a:srgbClr val="00D0FF"/>
-              </a:buClr>
-              <a:buSzPct val="110000"/>
-              <a:buFont typeface="Arial" panose="020B0604020202020204" pitchFamily="34" charset="0"/>
-              <a:buChar char="•"/>
-            </a:pPr>
-            <a:r>
-              <a:rPr lang="es-ES" dirty="0">
-                <a:solidFill>
-                  <a:prstClr val="black"/>
-                </a:solidFill>
-              </a:rPr>
-              <a:t>Use </a:t>
-            </a:r>
-            <a:r>
-              <a:rPr lang="es-ES" dirty="0" err="1">
-                <a:solidFill>
-                  <a:prstClr val="black"/>
-                </a:solidFill>
-              </a:rPr>
-              <a:t>of</a:t>
-            </a:r>
-            <a:r>
-              <a:rPr lang="es-ES" dirty="0">
-                <a:solidFill>
-                  <a:prstClr val="black"/>
-                </a:solidFill>
-              </a:rPr>
-              <a:t> </a:t>
-            </a:r>
-            <a:r>
-              <a:rPr lang="es-ES" dirty="0" err="1">
-                <a:solidFill>
-                  <a:prstClr val="black"/>
-                </a:solidFill>
-              </a:rPr>
-              <a:t>Function</a:t>
-            </a:r>
-            <a:r>
-              <a:rPr lang="es-ES" dirty="0">
-                <a:solidFill>
-                  <a:prstClr val="black"/>
-                </a:solidFill>
-              </a:rPr>
-              <a:t> </a:t>
-            </a:r>
-            <a:r>
-              <a:rPr lang="es-ES" dirty="0" err="1">
-                <a:solidFill>
-                  <a:prstClr val="black"/>
-                </a:solidFill>
-              </a:rPr>
-              <a:t>return</a:t>
-            </a:r>
-            <a:r>
-              <a:rPr lang="es-ES" dirty="0">
-                <a:solidFill>
-                  <a:prstClr val="black"/>
-                </a:solidFill>
-              </a:rPr>
-              <a:t> </a:t>
-            </a:r>
-            <a:r>
-              <a:rPr lang="es-ES" dirty="0" err="1">
-                <a:solidFill>
-                  <a:prstClr val="black"/>
-                </a:solidFill>
-              </a:rPr>
-              <a:t>value</a:t>
-            </a:r>
-            <a:r>
-              <a:rPr lang="es-ES" dirty="0">
-                <a:solidFill>
-                  <a:prstClr val="black"/>
-                </a:solidFill>
-              </a:rPr>
-              <a:t> </a:t>
-            </a:r>
-            <a:r>
-              <a:rPr lang="es-ES" b="1" dirty="0">
-                <a:solidFill>
-                  <a:prstClr val="black"/>
-                </a:solidFill>
-              </a:rPr>
-              <a:t>$</a:t>
-            </a:r>
-            <a:r>
-              <a:rPr lang="es-ES" b="1" dirty="0" err="1">
-                <a:solidFill>
-                  <a:prstClr val="black"/>
-                </a:solidFill>
-              </a:rPr>
-              <a:t>return</a:t>
-            </a:r>
-            <a:r>
-              <a:rPr lang="es-ES" b="1" dirty="0">
-                <a:solidFill>
-                  <a:prstClr val="black"/>
-                </a:solidFill>
-              </a:rPr>
-              <a:t> </a:t>
-            </a:r>
-            <a:r>
-              <a:rPr lang="es-ES" dirty="0" err="1">
-                <a:solidFill>
-                  <a:prstClr val="black"/>
-                </a:solidFill>
-              </a:rPr>
-              <a:t>to</a:t>
-            </a:r>
-            <a:r>
-              <a:rPr lang="es-ES" dirty="0">
-                <a:solidFill>
-                  <a:prstClr val="black"/>
-                </a:solidFill>
-              </a:rPr>
-              <a:t> </a:t>
-            </a:r>
-            <a:r>
-              <a:rPr lang="es-ES" dirty="0" err="1">
-                <a:solidFill>
-                  <a:prstClr val="black"/>
-                </a:solidFill>
-              </a:rPr>
-              <a:t>provide</a:t>
-            </a:r>
-            <a:r>
-              <a:rPr lang="es-ES" dirty="0">
-                <a:solidFill>
-                  <a:prstClr val="black"/>
-                </a:solidFill>
-              </a:rPr>
-              <a:t> output </a:t>
-            </a:r>
-            <a:r>
-              <a:rPr lang="es-ES" dirty="0" err="1">
-                <a:solidFill>
-                  <a:prstClr val="black"/>
-                </a:solidFill>
-              </a:rPr>
-              <a:t>to</a:t>
-            </a:r>
-            <a:r>
-              <a:rPr lang="es-ES" dirty="0">
-                <a:solidFill>
-                  <a:prstClr val="black"/>
-                </a:solidFill>
-              </a:rPr>
-              <a:t> a </a:t>
-            </a:r>
-            <a:r>
-              <a:rPr lang="es-ES" dirty="0" err="1">
-                <a:solidFill>
-                  <a:prstClr val="black"/>
-                </a:solidFill>
-              </a:rPr>
-              <a:t>binding</a:t>
-            </a:r>
-            <a:endParaRPr lang="es-ES" dirty="0">
-              <a:solidFill>
-                <a:prstClr val="black"/>
-              </a:solidFill>
-            </a:endParaRPr>
-          </a:p>
-          <a:p>
-            <a:endParaRPr lang="es-ES" dirty="0"/>
-          </a:p>
-        </p:txBody>
-      </p:sp>
-      <p:sp>
-        <p:nvSpPr>
-          <p:cNvPr id="8" name="Título 7"/>
-          <p:cNvSpPr>
-            <a:spLocks noGrp="1"/>
-          </p:cNvSpPr>
-          <p:nvPr>
-            <p:ph type="title"/>
-          </p:nvPr>
-        </p:nvSpPr>
-        <p:spPr/>
-        <p:txBody>
-          <a:bodyPr/>
-          <a:lstStyle/>
-          <a:p>
-            <a:r>
-              <a:rPr lang="es-ES" dirty="0" err="1">
-                <a:solidFill>
-                  <a:srgbClr val="00D0FF"/>
-                </a:solidFill>
-              </a:rPr>
-              <a:t>Function.json</a:t>
-            </a:r>
-            <a:r>
-              <a:rPr lang="es-ES" dirty="0">
-                <a:solidFill>
-                  <a:srgbClr val="00D0FF"/>
-                </a:solidFill>
-              </a:rPr>
-              <a:t> Files</a:t>
-            </a:r>
-            <a:endParaRPr lang="es-ES" dirty="0"/>
-          </a:p>
-        </p:txBody>
-      </p:sp>
-      <p:sp>
-        <p:nvSpPr>
-          <p:cNvPr id="5" name="Marcador de número de diapositiva 4"/>
-          <p:cNvSpPr>
-            <a:spLocks noGrp="1"/>
-          </p:cNvSpPr>
-          <p:nvPr>
-            <p:ph type="sldNum" sz="quarter" idx="11"/>
-          </p:nvPr>
-        </p:nvSpPr>
-        <p:spPr/>
-        <p:txBody>
-          <a:bodyPr/>
-          <a:lstStyle/>
-          <a:p>
-            <a:fld id="{88CB616A-2EDE-4F93-81C7-BE29C9C217CB}" type="slidenum">
-              <a:rPr lang="es-ES" smtClean="0"/>
-              <a:pPr/>
-              <a:t>13</a:t>
-            </a:fld>
-            <a:endParaRPr lang="es-ES" dirty="0"/>
-          </a:p>
-        </p:txBody>
-      </p:sp>
-      <p:sp>
-        <p:nvSpPr>
-          <p:cNvPr id="10" name="Marcador de texto 9"/>
-          <p:cNvSpPr>
-            <a:spLocks noGrp="1"/>
-          </p:cNvSpPr>
-          <p:nvPr>
-            <p:ph type="body" sz="quarter" idx="12"/>
-          </p:nvPr>
-        </p:nvSpPr>
-        <p:spPr/>
-        <p:txBody>
-          <a:bodyPr/>
-          <a:lstStyle/>
-          <a:p>
-            <a:r>
-              <a:rPr lang="es-ES" dirty="0" err="1"/>
-              <a:t>Features</a:t>
-            </a:r>
-            <a:endParaRPr lang="es-ES" dirty="0"/>
-          </a:p>
-        </p:txBody>
-      </p:sp>
-      <p:sp>
-        <p:nvSpPr>
-          <p:cNvPr id="12" name="Marcador de texto 11"/>
-          <p:cNvSpPr>
-            <a:spLocks noGrp="1"/>
-          </p:cNvSpPr>
-          <p:nvPr>
-            <p:ph type="body" sz="quarter" idx="14"/>
-          </p:nvPr>
-        </p:nvSpPr>
-        <p:spPr/>
-        <p:txBody>
-          <a:bodyPr>
-            <a:normAutofit fontScale="92500" lnSpcReduction="20000"/>
-          </a:bodyPr>
-          <a:lstStyle/>
-          <a:p>
-            <a:r>
-              <a:rPr lang="en-US" dirty="0"/>
-              <a:t>{</a:t>
-            </a:r>
-          </a:p>
-          <a:p>
-            <a:r>
-              <a:rPr lang="en-US" dirty="0"/>
-              <a:t>  "bindings": [</a:t>
-            </a:r>
-          </a:p>
-          <a:p>
-            <a:r>
-              <a:rPr lang="en-US" dirty="0"/>
-              <a:t>    {</a:t>
-            </a:r>
-          </a:p>
-          <a:p>
-            <a:r>
-              <a:rPr lang="en-US" dirty="0"/>
-              <a:t>      "name": "order",</a:t>
-            </a:r>
-          </a:p>
-          <a:p>
-            <a:r>
-              <a:rPr lang="en-US" dirty="0"/>
-              <a:t>      "type": "</a:t>
-            </a:r>
-            <a:r>
-              <a:rPr lang="en-US" dirty="0" err="1"/>
-              <a:t>queueTrigger</a:t>
-            </a:r>
-            <a:r>
-              <a:rPr lang="en-US" dirty="0"/>
-              <a:t>",</a:t>
-            </a:r>
-          </a:p>
-          <a:p>
-            <a:r>
-              <a:rPr lang="en-US" dirty="0"/>
-              <a:t>      "direction": "in",</a:t>
-            </a:r>
-          </a:p>
-          <a:p>
-            <a:r>
-              <a:rPr lang="en-US" dirty="0"/>
-              <a:t>      "</a:t>
-            </a:r>
-            <a:r>
-              <a:rPr lang="en-US" dirty="0" err="1"/>
-              <a:t>queueName</a:t>
-            </a:r>
-            <a:r>
-              <a:rPr lang="en-US" dirty="0"/>
-              <a:t>": "</a:t>
-            </a:r>
-            <a:r>
-              <a:rPr lang="en-US" dirty="0" err="1"/>
-              <a:t>myqueue</a:t>
-            </a:r>
-            <a:r>
-              <a:rPr lang="en-US" dirty="0"/>
-              <a:t>-items",</a:t>
-            </a:r>
-          </a:p>
-          <a:p>
-            <a:r>
-              <a:rPr lang="en-US" dirty="0"/>
-              <a:t>      "connection": "MY_STORAGE_APP_SETTING"</a:t>
-            </a:r>
-          </a:p>
-          <a:p>
-            <a:r>
-              <a:rPr lang="en-US" dirty="0"/>
-              <a:t>    },</a:t>
-            </a:r>
-          </a:p>
-          <a:p>
-            <a:r>
-              <a:rPr lang="en-US" dirty="0"/>
-              <a:t>    {</a:t>
-            </a:r>
-          </a:p>
-          <a:p>
-            <a:r>
-              <a:rPr lang="en-US" dirty="0"/>
-              <a:t>      "name": "$return",</a:t>
-            </a:r>
-          </a:p>
-          <a:p>
-            <a:r>
-              <a:rPr lang="en-US" dirty="0"/>
-              <a:t>      "type": "table",</a:t>
-            </a:r>
-          </a:p>
-          <a:p>
-            <a:r>
-              <a:rPr lang="en-US" dirty="0"/>
-              <a:t>      "direction": "out",</a:t>
-            </a:r>
-          </a:p>
-          <a:p>
-            <a:r>
-              <a:rPr lang="en-US" dirty="0"/>
-              <a:t>      "</a:t>
-            </a:r>
-            <a:r>
-              <a:rPr lang="en-US" dirty="0" err="1"/>
-              <a:t>tableName</a:t>
-            </a:r>
-            <a:r>
-              <a:rPr lang="en-US" dirty="0"/>
-              <a:t>": "</a:t>
-            </a:r>
-            <a:r>
-              <a:rPr lang="en-US" dirty="0" err="1"/>
-              <a:t>outTable</a:t>
-            </a:r>
-            <a:r>
-              <a:rPr lang="en-US" dirty="0"/>
-              <a:t>",</a:t>
-            </a:r>
-          </a:p>
-          <a:p>
-            <a:r>
-              <a:rPr lang="en-US" dirty="0"/>
-              <a:t>      "connection": "MY_TABLE_STORAGE_APP_SETTING"</a:t>
-            </a:r>
-          </a:p>
-          <a:p>
-            <a:r>
-              <a:rPr lang="en-US" dirty="0"/>
-              <a:t>    }</a:t>
-            </a:r>
-          </a:p>
-          <a:p>
-            <a:r>
-              <a:rPr lang="en-US" dirty="0"/>
-              <a:t>  ]</a:t>
-            </a:r>
-          </a:p>
-          <a:p>
-            <a:r>
-              <a:rPr lang="en-US" dirty="0"/>
-              <a:t>}</a:t>
-            </a:r>
-            <a:endParaRPr lang="es-ES" dirty="0"/>
-          </a:p>
-        </p:txBody>
-      </p:sp>
-      <p:sp>
-        <p:nvSpPr>
-          <p:cNvPr id="4" name="Marcador de pie de página 3"/>
-          <p:cNvSpPr>
-            <a:spLocks noGrp="1"/>
-          </p:cNvSpPr>
-          <p:nvPr>
-            <p:ph type="ftr" sz="quarter" idx="10"/>
-          </p:nvPr>
-        </p:nvSpPr>
-        <p:spPr/>
-        <p:txBody>
-          <a:bodyPr/>
-          <a:lstStyle/>
-          <a:p>
-            <a:r>
-              <a:rPr lang="es-ES" dirty="0"/>
-              <a:t>@</a:t>
-            </a:r>
-            <a:r>
-              <a:rPr lang="es-ES" dirty="0" err="1"/>
-              <a:t>plainconcepts</a:t>
-            </a:r>
-            <a:endParaRPr lang="es-ES" dirty="0"/>
-          </a:p>
-        </p:txBody>
-      </p:sp>
-    </p:spTree>
-    <p:extLst>
-      <p:ext uri="{BB962C8B-B14F-4D97-AF65-F5344CB8AC3E}">
-        <p14:creationId xmlns:p14="http://schemas.microsoft.com/office/powerpoint/2010/main" val="1131712559"/>
-      </p:ext>
-    </p:extLst>
-  </p:cSld>
-  <p:clrMapOvr>
-    <a:masterClrMapping/>
-  </p:clrMapOvr>
-</p:sld>
-</file>
-
-<file path=ppt/slides/slide14.xml><?xml version="1.0" encoding="utf-8"?>
-<p:sld xmlns:a="http://schemas.openxmlformats.org/drawingml/2006/main" xmlns:r="http://schemas.openxmlformats.org/officeDocument/2006/relationships" xmlns:p="http://schemas.openxmlformats.org/presentationml/2006/main">
-  <p:cSld>
-    <p:spTree>
-      <p:nvGrpSpPr>
-        <p:cNvPr id="1" name=""/>
-        <p:cNvGrpSpPr/>
-        <p:nvPr/>
-      </p:nvGrpSpPr>
-      <p:grpSpPr>
-        <a:xfrm>
-          <a:off x="0" y="0"/>
-          <a:ext cx="0" cy="0"/>
-          <a:chOff x="0" y="0"/>
-          <a:chExt cx="0" cy="0"/>
-        </a:xfrm>
-      </p:grpSpPr>
-      <p:sp>
-        <p:nvSpPr>
-          <p:cNvPr id="2" name="Slide Number Placeholder 1"/>
-          <p:cNvSpPr>
-            <a:spLocks noGrp="1"/>
-          </p:cNvSpPr>
-          <p:nvPr>
-            <p:ph type="sldNum" sz="quarter" idx="12"/>
-          </p:nvPr>
-        </p:nvSpPr>
-        <p:spPr/>
-        <p:txBody>
-          <a:bodyPr/>
-          <a:lstStyle/>
-          <a:p>
-            <a:fld id="{88CB616A-2EDE-4F93-81C7-BE29C9C217CB}" type="slidenum">
-              <a:rPr lang="es-ES" smtClean="0"/>
-              <a:pPr/>
-              <a:t>14</a:t>
-            </a:fld>
-            <a:endParaRPr lang="es-ES" dirty="0"/>
-          </a:p>
-        </p:txBody>
-      </p:sp>
-      <p:sp>
-        <p:nvSpPr>
-          <p:cNvPr id="4" name="Text Placeholder 3"/>
-          <p:cNvSpPr>
-            <a:spLocks noGrp="1"/>
-          </p:cNvSpPr>
-          <p:nvPr>
-            <p:ph type="body" sz="quarter" idx="15"/>
-          </p:nvPr>
-        </p:nvSpPr>
-        <p:spPr/>
-        <p:txBody>
-          <a:bodyPr/>
-          <a:lstStyle/>
-          <a:p>
-            <a:r>
-              <a:rPr lang="es-ES" dirty="0" err="1"/>
-              <a:t>Pricing</a:t>
-            </a:r>
-            <a:r>
-              <a:rPr lang="es-ES" dirty="0"/>
-              <a:t> </a:t>
-            </a:r>
-            <a:r>
-              <a:rPr lang="es-ES" dirty="0" err="1"/>
-              <a:t>Plans</a:t>
-            </a:r>
-            <a:endParaRPr lang="es-ES" dirty="0"/>
-          </a:p>
-        </p:txBody>
-      </p:sp>
-    </p:spTree>
-    <p:extLst>
-      <p:ext uri="{BB962C8B-B14F-4D97-AF65-F5344CB8AC3E}">
-        <p14:creationId xmlns:p14="http://schemas.microsoft.com/office/powerpoint/2010/main" val="1750616685"/>
-      </p:ext>
-    </p:extLst>
-  </p:cSld>
-  <p:clrMapOvr>
-    <a:masterClrMapping/>
-  </p:clrMapOvr>
-</p:sld>
-</file>
-
-<file path=ppt/slides/slide15.xml><?xml version="1.0" encoding="utf-8"?>
-<p:sld xmlns:a="http://schemas.openxmlformats.org/drawingml/2006/main" xmlns:r="http://schemas.openxmlformats.org/officeDocument/2006/relationships" xmlns:p="http://schemas.openxmlformats.org/presentationml/2006/main">
-  <p:cSld>
-    <p:spTree>
-      <p:nvGrpSpPr>
-        <p:cNvPr id="1" name=""/>
-        <p:cNvGrpSpPr/>
-        <p:nvPr/>
-      </p:nvGrpSpPr>
-      <p:grpSpPr>
-        <a:xfrm>
-          <a:off x="0" y="0"/>
-          <a:ext cx="0" cy="0"/>
-          <a:chOff x="0" y="0"/>
-          <a:chExt cx="0" cy="0"/>
-        </a:xfrm>
-      </p:grpSpPr>
-      <p:sp>
-        <p:nvSpPr>
-          <p:cNvPr id="6" name="Marcador de contenido 5"/>
-          <p:cNvSpPr>
-            <a:spLocks noGrp="1"/>
-          </p:cNvSpPr>
-          <p:nvPr>
-            <p:ph idx="1"/>
-          </p:nvPr>
-        </p:nvSpPr>
-        <p:spPr/>
-        <p:txBody>
-          <a:bodyPr>
-            <a:normAutofit/>
-          </a:bodyPr>
-          <a:lstStyle/>
-          <a:p>
-            <a:r>
-              <a:rPr lang="en-US" dirty="0"/>
-              <a:t>Function apps run on dedicated VMs similar to Web Apps, API Apps, and Mobile Apps.</a:t>
-            </a:r>
-          </a:p>
-          <a:p>
-            <a:r>
-              <a:rPr lang="es-ES" dirty="0" err="1"/>
-              <a:t>Suitable</a:t>
-            </a:r>
-            <a:r>
-              <a:rPr lang="es-ES" dirty="0"/>
-              <a:t> </a:t>
-            </a:r>
-            <a:r>
-              <a:rPr lang="es-ES" dirty="0" err="1"/>
-              <a:t>for</a:t>
-            </a:r>
-            <a:r>
-              <a:rPr lang="es-ES" dirty="0"/>
-              <a:t> </a:t>
-            </a:r>
-            <a:r>
-              <a:rPr lang="es-ES" dirty="0" err="1"/>
-              <a:t>function</a:t>
-            </a:r>
-            <a:r>
-              <a:rPr lang="es-ES" dirty="0"/>
-              <a:t> apps </a:t>
-            </a:r>
-            <a:r>
-              <a:rPr lang="es-ES" dirty="0" err="1"/>
-              <a:t>that</a:t>
-            </a:r>
-            <a:r>
-              <a:rPr lang="es-ES" dirty="0"/>
-              <a:t> </a:t>
-            </a:r>
-            <a:r>
-              <a:rPr lang="es-ES" dirty="0" err="1"/>
-              <a:t>need</a:t>
-            </a:r>
-            <a:r>
-              <a:rPr lang="es-ES" dirty="0"/>
-              <a:t> </a:t>
-            </a:r>
-            <a:r>
-              <a:rPr lang="es-ES" dirty="0" err="1"/>
-              <a:t>to</a:t>
-            </a:r>
-            <a:r>
-              <a:rPr lang="es-ES" dirty="0"/>
-              <a:t> run </a:t>
-            </a:r>
-            <a:r>
-              <a:rPr lang="es-ES" dirty="0" err="1"/>
-              <a:t>continously</a:t>
-            </a:r>
-            <a:r>
-              <a:rPr lang="es-ES" dirty="0"/>
-              <a:t>.</a:t>
-            </a:r>
-          </a:p>
-          <a:p>
-            <a:r>
-              <a:rPr lang="es-ES" dirty="0" err="1"/>
-              <a:t>Offers</a:t>
-            </a:r>
-            <a:r>
-              <a:rPr lang="es-ES" dirty="0"/>
-              <a:t> more CPU and </a:t>
-            </a:r>
-            <a:r>
-              <a:rPr lang="es-ES" dirty="0" err="1"/>
-              <a:t>memory</a:t>
-            </a:r>
-            <a:r>
-              <a:rPr lang="es-ES" dirty="0"/>
-              <a:t> </a:t>
-            </a:r>
-            <a:r>
-              <a:rPr lang="es-ES" dirty="0" err="1"/>
-              <a:t>options</a:t>
-            </a:r>
-            <a:r>
-              <a:rPr lang="es-ES" dirty="0"/>
-              <a:t> </a:t>
-            </a:r>
-            <a:r>
-              <a:rPr lang="es-ES" dirty="0" err="1"/>
-              <a:t>than</a:t>
-            </a:r>
-            <a:r>
-              <a:rPr lang="es-ES" dirty="0"/>
-              <a:t> </a:t>
-            </a:r>
-            <a:r>
-              <a:rPr lang="es-ES" dirty="0" err="1"/>
-              <a:t>what</a:t>
-            </a:r>
-            <a:r>
-              <a:rPr lang="es-ES" dirty="0"/>
-              <a:t> </a:t>
-            </a:r>
-            <a:r>
-              <a:rPr lang="es-ES" dirty="0" err="1"/>
-              <a:t>is</a:t>
-            </a:r>
-            <a:r>
-              <a:rPr lang="es-ES" dirty="0"/>
-              <a:t> </a:t>
-            </a:r>
-            <a:r>
-              <a:rPr lang="es-ES" dirty="0" err="1"/>
-              <a:t>provided</a:t>
-            </a:r>
-            <a:r>
-              <a:rPr lang="es-ES" dirty="0"/>
-              <a:t> </a:t>
-            </a:r>
-            <a:r>
-              <a:rPr lang="es-ES" dirty="0" err="1"/>
-              <a:t>on</a:t>
-            </a:r>
-            <a:r>
-              <a:rPr lang="es-ES" dirty="0"/>
-              <a:t> </a:t>
-            </a:r>
-            <a:r>
-              <a:rPr lang="es-ES" dirty="0" err="1"/>
-              <a:t>the</a:t>
-            </a:r>
-            <a:r>
-              <a:rPr lang="es-ES" dirty="0"/>
-              <a:t> </a:t>
-            </a:r>
-            <a:r>
-              <a:rPr lang="es-ES" dirty="0" err="1"/>
-              <a:t>Consumption</a:t>
-            </a:r>
-            <a:r>
-              <a:rPr lang="es-ES" dirty="0"/>
-              <a:t> plan</a:t>
-            </a:r>
-          </a:p>
-          <a:p>
-            <a:r>
-              <a:rPr lang="es-ES" dirty="0" err="1"/>
-              <a:t>Function</a:t>
-            </a:r>
-            <a:r>
-              <a:rPr lang="es-ES" dirty="0"/>
-              <a:t> apps </a:t>
-            </a:r>
-            <a:r>
-              <a:rPr lang="es-ES" dirty="0" err="1"/>
-              <a:t>not</a:t>
-            </a:r>
-            <a:r>
-              <a:rPr lang="es-ES" dirty="0"/>
-              <a:t> </a:t>
-            </a:r>
-            <a:r>
-              <a:rPr lang="es-ES" dirty="0" err="1"/>
-              <a:t>limited</a:t>
-            </a:r>
-            <a:r>
-              <a:rPr lang="es-ES" dirty="0"/>
-              <a:t> </a:t>
-            </a:r>
-            <a:r>
-              <a:rPr lang="es-ES" dirty="0" err="1"/>
-              <a:t>to</a:t>
-            </a:r>
-            <a:r>
-              <a:rPr lang="es-ES" dirty="0"/>
-              <a:t> a </a:t>
-            </a:r>
-            <a:r>
-              <a:rPr lang="es-ES" dirty="0" err="1"/>
-              <a:t>maximum</a:t>
-            </a:r>
-            <a:r>
-              <a:rPr lang="es-ES" dirty="0"/>
-              <a:t> </a:t>
-            </a:r>
-            <a:r>
-              <a:rPr lang="es-ES" dirty="0" err="1"/>
-              <a:t>execution</a:t>
-            </a:r>
-            <a:r>
-              <a:rPr lang="es-ES" dirty="0"/>
-              <a:t> time</a:t>
-            </a:r>
-          </a:p>
-          <a:p>
-            <a:r>
-              <a:rPr lang="es-ES" dirty="0" err="1"/>
-              <a:t>Scale</a:t>
-            </a:r>
-            <a:r>
-              <a:rPr lang="es-ES" dirty="0"/>
-              <a:t> VM </a:t>
-            </a:r>
-            <a:r>
-              <a:rPr lang="es-ES" dirty="0" err="1"/>
-              <a:t>instances</a:t>
-            </a:r>
-            <a:r>
-              <a:rPr lang="es-ES" dirty="0"/>
-              <a:t> </a:t>
-            </a:r>
-            <a:r>
-              <a:rPr lang="es-ES" dirty="0" err="1"/>
-              <a:t>manually</a:t>
-            </a:r>
-            <a:r>
-              <a:rPr lang="es-ES" dirty="0"/>
-              <a:t> </a:t>
-            </a:r>
-            <a:r>
-              <a:rPr lang="es-ES" dirty="0" err="1"/>
-              <a:t>or</a:t>
-            </a:r>
-            <a:r>
-              <a:rPr lang="es-ES" dirty="0"/>
-              <a:t> </a:t>
-            </a:r>
-            <a:r>
-              <a:rPr lang="es-ES" dirty="0" err="1"/>
-              <a:t>automatically</a:t>
-            </a:r>
-            <a:endParaRPr lang="es-ES" dirty="0"/>
-          </a:p>
-          <a:p>
-            <a:r>
-              <a:rPr lang="es-ES" dirty="0" err="1"/>
-              <a:t>Pay</a:t>
-            </a:r>
-            <a:r>
-              <a:rPr lang="es-ES" dirty="0"/>
-              <a:t> </a:t>
-            </a:r>
-            <a:r>
-              <a:rPr lang="es-ES" dirty="0" err="1"/>
-              <a:t>only</a:t>
-            </a:r>
-            <a:r>
-              <a:rPr lang="es-ES" dirty="0"/>
-              <a:t> </a:t>
-            </a:r>
-            <a:r>
-              <a:rPr lang="es-ES" dirty="0" err="1"/>
-              <a:t>for</a:t>
-            </a:r>
-            <a:r>
-              <a:rPr lang="es-ES" dirty="0"/>
-              <a:t> </a:t>
-            </a:r>
-            <a:r>
-              <a:rPr lang="es-ES" dirty="0" err="1"/>
-              <a:t>the</a:t>
-            </a:r>
-            <a:r>
-              <a:rPr lang="es-ES" dirty="0"/>
-              <a:t> </a:t>
-            </a:r>
-            <a:r>
-              <a:rPr lang="es-ES" dirty="0" err="1"/>
-              <a:t>cost</a:t>
-            </a:r>
-            <a:r>
-              <a:rPr lang="es-ES" dirty="0"/>
-              <a:t> </a:t>
-            </a:r>
-            <a:r>
-              <a:rPr lang="es-ES" dirty="0" err="1"/>
-              <a:t>of</a:t>
-            </a:r>
-            <a:r>
-              <a:rPr lang="es-ES" dirty="0"/>
-              <a:t> </a:t>
-            </a:r>
-            <a:r>
-              <a:rPr lang="es-ES" dirty="0" err="1"/>
-              <a:t>VMs</a:t>
-            </a:r>
-            <a:r>
-              <a:rPr lang="es-ES" dirty="0"/>
-              <a:t> </a:t>
-            </a:r>
-            <a:r>
-              <a:rPr lang="es-ES" dirty="0" err="1"/>
-              <a:t>allocated</a:t>
-            </a:r>
-            <a:endParaRPr lang="es-ES" dirty="0"/>
-          </a:p>
-        </p:txBody>
-      </p:sp>
-      <p:sp>
-        <p:nvSpPr>
-          <p:cNvPr id="5" name="Título 4"/>
-          <p:cNvSpPr>
-            <a:spLocks noGrp="1"/>
-          </p:cNvSpPr>
-          <p:nvPr>
-            <p:ph type="title"/>
-          </p:nvPr>
-        </p:nvSpPr>
-        <p:spPr/>
-        <p:txBody>
-          <a:bodyPr/>
-          <a:lstStyle/>
-          <a:p>
-            <a:r>
-              <a:rPr lang="es-ES" dirty="0">
-                <a:solidFill>
-                  <a:srgbClr val="00D0FF"/>
-                </a:solidFill>
-              </a:rPr>
-              <a:t>App </a:t>
-            </a:r>
-            <a:r>
-              <a:rPr lang="es-ES" dirty="0" err="1">
-                <a:solidFill>
-                  <a:srgbClr val="00D0FF"/>
-                </a:solidFill>
-              </a:rPr>
-              <a:t>Service</a:t>
-            </a:r>
-            <a:r>
-              <a:rPr lang="es-ES" dirty="0">
-                <a:solidFill>
-                  <a:srgbClr val="00D0FF"/>
-                </a:solidFill>
-              </a:rPr>
-              <a:t> Plan</a:t>
-            </a:r>
-          </a:p>
-        </p:txBody>
-      </p:sp>
-      <p:sp>
-        <p:nvSpPr>
-          <p:cNvPr id="2" name="Footer Placeholder 1"/>
-          <p:cNvSpPr>
-            <a:spLocks noGrp="1"/>
-          </p:cNvSpPr>
-          <p:nvPr>
-            <p:ph type="ftr" sz="quarter" idx="10"/>
-          </p:nvPr>
-        </p:nvSpPr>
-        <p:spPr/>
-        <p:txBody>
-          <a:bodyPr/>
-          <a:lstStyle/>
-          <a:p>
-            <a:r>
-              <a:rPr lang="es-ES" dirty="0"/>
-              <a:t>@</a:t>
-            </a:r>
-            <a:r>
-              <a:rPr lang="es-ES" dirty="0" err="1"/>
-              <a:t>plainconcepts</a:t>
-            </a:r>
-            <a:endParaRPr lang="es-ES" dirty="0"/>
-          </a:p>
-        </p:txBody>
-      </p:sp>
-      <p:sp>
-        <p:nvSpPr>
-          <p:cNvPr id="3" name="Slide Number Placeholder 2"/>
-          <p:cNvSpPr>
-            <a:spLocks noGrp="1"/>
-          </p:cNvSpPr>
-          <p:nvPr>
-            <p:ph type="sldNum" sz="quarter" idx="11"/>
-          </p:nvPr>
-        </p:nvSpPr>
-        <p:spPr/>
-        <p:txBody>
-          <a:bodyPr/>
-          <a:lstStyle/>
-          <a:p>
-            <a:fld id="{88CB616A-2EDE-4F93-81C7-BE29C9C217CB}" type="slidenum">
-              <a:rPr lang="es-ES" smtClean="0"/>
-              <a:pPr/>
-              <a:t>15</a:t>
-            </a:fld>
-            <a:endParaRPr lang="es-ES"/>
-          </a:p>
-        </p:txBody>
-      </p:sp>
-    </p:spTree>
-    <p:extLst>
-      <p:ext uri="{BB962C8B-B14F-4D97-AF65-F5344CB8AC3E}">
-        <p14:creationId xmlns:p14="http://schemas.microsoft.com/office/powerpoint/2010/main" val="1649006917"/>
-      </p:ext>
-    </p:extLst>
-  </p:cSld>
-  <p:clrMapOvr>
-    <a:masterClrMapping/>
-  </p:clrMapOvr>
-</p:sld>
-</file>
-
-<file path=ppt/slides/slide16.xml><?xml version="1.0" encoding="utf-8"?>
-<p:sld xmlns:a="http://schemas.openxmlformats.org/drawingml/2006/main" xmlns:r="http://schemas.openxmlformats.org/officeDocument/2006/relationships" xmlns:p="http://schemas.openxmlformats.org/presentationml/2006/main">
-  <p:cSld>
-    <p:spTree>
-      <p:nvGrpSpPr>
-        <p:cNvPr id="1" name=""/>
-        <p:cNvGrpSpPr/>
-        <p:nvPr/>
-      </p:nvGrpSpPr>
-      <p:grpSpPr>
-        <a:xfrm>
-          <a:off x="0" y="0"/>
-          <a:ext cx="0" cy="0"/>
-          <a:chOff x="0" y="0"/>
-          <a:chExt cx="0" cy="0"/>
-        </a:xfrm>
-      </p:grpSpPr>
-      <p:sp>
-        <p:nvSpPr>
-          <p:cNvPr id="6" name="Marcador de contenido 5"/>
-          <p:cNvSpPr>
-            <a:spLocks noGrp="1"/>
-          </p:cNvSpPr>
-          <p:nvPr>
-            <p:ph idx="1"/>
-          </p:nvPr>
-        </p:nvSpPr>
-        <p:spPr/>
-        <p:txBody>
-          <a:bodyPr>
-            <a:normAutofit/>
-          </a:bodyPr>
-          <a:lstStyle/>
-          <a:p>
-            <a:r>
-              <a:rPr lang="en-US" dirty="0"/>
-              <a:t>Pay only when your functions are running.</a:t>
-            </a:r>
-          </a:p>
-          <a:p>
-            <a:r>
-              <a:rPr lang="es-ES" dirty="0"/>
-              <a:t>I</a:t>
-            </a:r>
-            <a:r>
-              <a:rPr lang="en-US" dirty="0" err="1"/>
-              <a:t>nstances</a:t>
-            </a:r>
-            <a:r>
-              <a:rPr lang="en-US" dirty="0"/>
-              <a:t> of Azure Functions scale automatically based on the number of incoming events.</a:t>
-            </a:r>
-          </a:p>
-          <a:p>
-            <a:r>
-              <a:rPr lang="en-US" dirty="0"/>
-              <a:t>Each instance of the Functions host is limited to 1.5 GB of memory.</a:t>
-            </a:r>
-          </a:p>
-          <a:p>
-            <a:r>
-              <a:rPr lang="en-US" dirty="0"/>
-              <a:t>The maximum timeout for functions on a Consumption plan is 10 minutes.</a:t>
-            </a:r>
-          </a:p>
-          <a:p>
-            <a:r>
-              <a:rPr lang="en-US" dirty="0"/>
-              <a:t>Billing is based on number of executions, execution time, and memory used.</a:t>
-            </a:r>
-          </a:p>
-        </p:txBody>
-      </p:sp>
-      <p:sp>
-        <p:nvSpPr>
-          <p:cNvPr id="5" name="Título 4"/>
-          <p:cNvSpPr>
-            <a:spLocks noGrp="1"/>
-          </p:cNvSpPr>
-          <p:nvPr>
-            <p:ph type="title"/>
-          </p:nvPr>
-        </p:nvSpPr>
-        <p:spPr/>
-        <p:txBody>
-          <a:bodyPr/>
-          <a:lstStyle/>
-          <a:p>
-            <a:r>
-              <a:rPr lang="es-ES" dirty="0" err="1">
-                <a:solidFill>
-                  <a:srgbClr val="00D0FF"/>
-                </a:solidFill>
-              </a:rPr>
-              <a:t>Consumption</a:t>
-            </a:r>
-            <a:r>
-              <a:rPr lang="es-ES" dirty="0">
-                <a:solidFill>
-                  <a:srgbClr val="00D0FF"/>
-                </a:solidFill>
-              </a:rPr>
-              <a:t> Plan</a:t>
-            </a:r>
-          </a:p>
-        </p:txBody>
-      </p:sp>
-      <p:sp>
-        <p:nvSpPr>
-          <p:cNvPr id="2" name="Footer Placeholder 1"/>
-          <p:cNvSpPr>
-            <a:spLocks noGrp="1"/>
-          </p:cNvSpPr>
-          <p:nvPr>
-            <p:ph type="ftr" sz="quarter" idx="10"/>
-          </p:nvPr>
-        </p:nvSpPr>
-        <p:spPr/>
-        <p:txBody>
-          <a:bodyPr/>
-          <a:lstStyle/>
-          <a:p>
-            <a:r>
-              <a:rPr lang="es-ES" dirty="0"/>
-              <a:t>@</a:t>
-            </a:r>
-            <a:r>
-              <a:rPr lang="es-ES" dirty="0" err="1"/>
-              <a:t>plainconcepts</a:t>
-            </a:r>
-            <a:endParaRPr lang="es-ES" dirty="0"/>
-          </a:p>
-        </p:txBody>
-      </p:sp>
-      <p:sp>
-        <p:nvSpPr>
-          <p:cNvPr id="3" name="Slide Number Placeholder 2"/>
-          <p:cNvSpPr>
-            <a:spLocks noGrp="1"/>
-          </p:cNvSpPr>
-          <p:nvPr>
-            <p:ph type="sldNum" sz="quarter" idx="11"/>
-          </p:nvPr>
-        </p:nvSpPr>
-        <p:spPr/>
-        <p:txBody>
-          <a:bodyPr/>
-          <a:lstStyle/>
-          <a:p>
-            <a:fld id="{88CB616A-2EDE-4F93-81C7-BE29C9C217CB}" type="slidenum">
-              <a:rPr lang="es-ES" smtClean="0"/>
-              <a:pPr/>
-              <a:t>16</a:t>
-            </a:fld>
-            <a:endParaRPr lang="es-ES"/>
-          </a:p>
-        </p:txBody>
-      </p:sp>
-    </p:spTree>
-    <p:extLst>
-      <p:ext uri="{BB962C8B-B14F-4D97-AF65-F5344CB8AC3E}">
-        <p14:creationId xmlns:p14="http://schemas.microsoft.com/office/powerpoint/2010/main" val="2010867464"/>
-      </p:ext>
-    </p:extLst>
-  </p:cSld>
-  <p:clrMapOvr>
-    <a:masterClrMapping/>
-  </p:clrMapOvr>
-</p:sld>
-</file>
-
-<file path=ppt/slides/slide17.xml><?xml version="1.0" encoding="utf-8"?>
-<p:sld xmlns:a="http://schemas.openxmlformats.org/drawingml/2006/main" xmlns:r="http://schemas.openxmlformats.org/officeDocument/2006/relationships" xmlns:p="http://schemas.openxmlformats.org/presentationml/2006/main">
-  <p:cSld>
-    <p:spTree>
-      <p:nvGrpSpPr>
-        <p:cNvPr id="1" name=""/>
-        <p:cNvGrpSpPr/>
-        <p:nvPr/>
-      </p:nvGrpSpPr>
-      <p:grpSpPr>
-        <a:xfrm>
-          <a:off x="0" y="0"/>
-          <a:ext cx="0" cy="0"/>
-          <a:chOff x="0" y="0"/>
-          <a:chExt cx="0" cy="0"/>
-        </a:xfrm>
-      </p:grpSpPr>
-      <p:sp>
-        <p:nvSpPr>
-          <p:cNvPr id="2" name="Slide Number Placeholder 1"/>
-          <p:cNvSpPr>
-            <a:spLocks noGrp="1"/>
-          </p:cNvSpPr>
-          <p:nvPr>
-            <p:ph type="sldNum" sz="quarter" idx="12"/>
-          </p:nvPr>
-        </p:nvSpPr>
-        <p:spPr/>
-        <p:txBody>
-          <a:bodyPr/>
-          <a:lstStyle/>
-          <a:p>
-            <a:fld id="{88CB616A-2EDE-4F93-81C7-BE29C9C217CB}" type="slidenum">
-              <a:rPr lang="es-ES" smtClean="0"/>
-              <a:pPr/>
-              <a:t>17</a:t>
-            </a:fld>
-            <a:endParaRPr lang="es-ES" dirty="0"/>
-          </a:p>
-        </p:txBody>
-      </p:sp>
-      <p:sp>
-        <p:nvSpPr>
-          <p:cNvPr id="4" name="Text Placeholder 3"/>
-          <p:cNvSpPr>
-            <a:spLocks noGrp="1"/>
-          </p:cNvSpPr>
-          <p:nvPr>
-            <p:ph type="body" sz="quarter" idx="15"/>
-          </p:nvPr>
-        </p:nvSpPr>
-        <p:spPr/>
-        <p:txBody>
-          <a:bodyPr/>
-          <a:lstStyle/>
-          <a:p>
-            <a:r>
-              <a:rPr lang="es-ES" dirty="0"/>
-              <a:t>Demo</a:t>
-            </a:r>
-          </a:p>
-        </p:txBody>
-      </p:sp>
-    </p:spTree>
-    <p:extLst>
-      <p:ext uri="{BB962C8B-B14F-4D97-AF65-F5344CB8AC3E}">
-        <p14:creationId xmlns:p14="http://schemas.microsoft.com/office/powerpoint/2010/main" val="3905953833"/>
-      </p:ext>
-    </p:extLst>
-  </p:cSld>
-  <p:clrMapOvr>
-    <a:masterClrMapping/>
-  </p:clrMapOvr>
-</p:sld>
-</file>
-
-<file path=ppt/slides/slide18.xml><?xml version="1.0" encoding="utf-8"?>
-<p:sld xmlns:a="http://schemas.openxmlformats.org/drawingml/2006/main" xmlns:r="http://schemas.openxmlformats.org/officeDocument/2006/relationships" xmlns:p="http://schemas.openxmlformats.org/presentationml/2006/main">
-  <p:cSld>
-    <p:spTree>
-      <p:nvGrpSpPr>
-        <p:cNvPr id="1" name=""/>
-        <p:cNvGrpSpPr/>
-        <p:nvPr/>
-      </p:nvGrpSpPr>
-      <p:grpSpPr>
-        <a:xfrm>
-          <a:off x="0" y="0"/>
-          <a:ext cx="0" cy="0"/>
-          <a:chOff x="0" y="0"/>
-          <a:chExt cx="0" cy="0"/>
-        </a:xfrm>
-      </p:grpSpPr>
-      <p:sp>
-        <p:nvSpPr>
           <p:cNvPr id="7" name="Título 6"/>
           <p:cNvSpPr>
             <a:spLocks noGrp="1"/>
@@ -12455,7 +9861,7 @@
 </p:sld>
 </file>
 
-<file path=ppt/slides/slide19.xml><?xml version="1.0" encoding="utf-8"?>
+<file path=ppt/slides/slide13.xml><?xml version="1.0" encoding="utf-8"?>
 <p:sld xmlns:a="http://schemas.openxmlformats.org/drawingml/2006/main" xmlns:r="http://schemas.openxmlformats.org/officeDocument/2006/relationships" xmlns:p="http://schemas.openxmlformats.org/presentationml/2006/main">
   <p:cSld>
     <p:spTree>
@@ -12573,7 +9979,7 @@
           <a:p>
             <a:r>
               <a:rPr lang="es-ES" dirty="0" err="1"/>
-              <a:t>Health</a:t>
+              <a:t>Infrastructure</a:t>
             </a:r>
             <a:r>
               <a:rPr lang="es-ES" dirty="0"/>
@@ -12581,7 +9987,7 @@
             </a:r>
             <a:r>
               <a:rPr lang="es-ES" dirty="0" err="1"/>
-              <a:t>monitoring</a:t>
+              <a:t>Automation</a:t>
             </a:r>
             <a:endParaRPr lang="es-ES" dirty="0"/>
           </a:p>
@@ -12863,502 +10269,6 @@
       </p:grpSpPr>
       <p:sp>
         <p:nvSpPr>
-          <p:cNvPr id="6" name="Marcador de contenido 5"/>
-          <p:cNvSpPr>
-            <a:spLocks noGrp="1"/>
-          </p:cNvSpPr>
-          <p:nvPr>
-            <p:ph idx="1"/>
-          </p:nvPr>
-        </p:nvSpPr>
-        <p:spPr/>
-        <p:txBody>
-          <a:bodyPr>
-            <a:normAutofit/>
-          </a:bodyPr>
-          <a:lstStyle/>
-          <a:p>
-            <a:r>
-              <a:rPr lang="en-US" dirty="0"/>
-              <a:t>Azure Functions are defined as </a:t>
-            </a:r>
-            <a:r>
-              <a:rPr lang="en-US" b="1" dirty="0" err="1"/>
-              <a:t>Serverless</a:t>
-            </a:r>
-            <a:r>
-              <a:rPr lang="en-US" b="1" dirty="0"/>
-              <a:t> backends</a:t>
-            </a:r>
-          </a:p>
-          <a:p>
-            <a:r>
-              <a:rPr lang="es-ES" dirty="0" err="1"/>
-              <a:t>The</a:t>
-            </a:r>
-            <a:r>
-              <a:rPr lang="es-ES" dirty="0"/>
-              <a:t> </a:t>
-            </a:r>
-            <a:r>
-              <a:rPr lang="es-ES" dirty="0" err="1"/>
-              <a:t>Serverless</a:t>
-            </a:r>
-            <a:r>
-              <a:rPr lang="es-ES" dirty="0"/>
-              <a:t> </a:t>
-            </a:r>
-            <a:r>
-              <a:rPr lang="es-ES" dirty="0" err="1"/>
-              <a:t>term</a:t>
-            </a:r>
-            <a:r>
-              <a:rPr lang="es-ES" dirty="0"/>
-              <a:t> </a:t>
-            </a:r>
-            <a:r>
-              <a:rPr lang="es-ES" dirty="0" err="1"/>
-              <a:t>does</a:t>
-            </a:r>
-            <a:r>
-              <a:rPr lang="es-ES" dirty="0"/>
-              <a:t> </a:t>
-            </a:r>
-            <a:r>
-              <a:rPr lang="es-ES" dirty="0" err="1"/>
-              <a:t>not</a:t>
-            </a:r>
-            <a:r>
-              <a:rPr lang="es-ES" dirty="0"/>
-              <a:t> mean </a:t>
-            </a:r>
-            <a:r>
-              <a:rPr lang="es-ES" dirty="0" err="1"/>
-              <a:t>that</a:t>
-            </a:r>
-            <a:r>
-              <a:rPr lang="es-ES" dirty="0"/>
-              <a:t> </a:t>
-            </a:r>
-            <a:r>
-              <a:rPr lang="es-ES" dirty="0" err="1"/>
-              <a:t>there</a:t>
-            </a:r>
-            <a:r>
-              <a:rPr lang="es-ES" dirty="0"/>
-              <a:t> </a:t>
-            </a:r>
-            <a:r>
-              <a:rPr lang="es-ES" dirty="0" err="1"/>
-              <a:t>is</a:t>
-            </a:r>
-            <a:r>
-              <a:rPr lang="es-ES" dirty="0"/>
-              <a:t> no server </a:t>
-            </a:r>
-            <a:r>
-              <a:rPr lang="es-ES" dirty="0" err="1"/>
-              <a:t>but</a:t>
-            </a:r>
-            <a:r>
-              <a:rPr lang="es-ES" dirty="0"/>
-              <a:t> </a:t>
-            </a:r>
-            <a:r>
-              <a:rPr lang="es-ES" dirty="0" err="1"/>
-              <a:t>there</a:t>
-            </a:r>
-            <a:r>
-              <a:rPr lang="es-ES" dirty="0"/>
-              <a:t> </a:t>
-            </a:r>
-            <a:r>
-              <a:rPr lang="es-ES" dirty="0" err="1"/>
-              <a:t>is</a:t>
-            </a:r>
-            <a:r>
-              <a:rPr lang="es-ES" dirty="0"/>
-              <a:t> no </a:t>
-            </a:r>
-            <a:r>
-              <a:rPr lang="es-ES" dirty="0" err="1"/>
-              <a:t>need</a:t>
-            </a:r>
-            <a:r>
-              <a:rPr lang="es-ES" dirty="0"/>
-              <a:t> </a:t>
-            </a:r>
-            <a:r>
-              <a:rPr lang="es-ES" dirty="0" err="1"/>
-              <a:t>to</a:t>
-            </a:r>
-            <a:r>
-              <a:rPr lang="es-ES" dirty="0"/>
-              <a:t> </a:t>
-            </a:r>
-            <a:r>
-              <a:rPr lang="es-ES" dirty="0" err="1"/>
-              <a:t>manage</a:t>
-            </a:r>
-            <a:r>
-              <a:rPr lang="es-ES" dirty="0"/>
-              <a:t> </a:t>
-            </a:r>
-            <a:r>
-              <a:rPr lang="es-ES" dirty="0" err="1"/>
-              <a:t>it</a:t>
-            </a:r>
-            <a:r>
-              <a:rPr lang="es-ES" dirty="0"/>
-              <a:t> </a:t>
-            </a:r>
-          </a:p>
-          <a:p>
-            <a:r>
-              <a:rPr lang="es-ES" dirty="0"/>
-              <a:t>Just </a:t>
-            </a:r>
-            <a:r>
-              <a:rPr lang="es-ES" dirty="0" err="1"/>
-              <a:t>deploy</a:t>
-            </a:r>
-            <a:r>
-              <a:rPr lang="es-ES" dirty="0"/>
-              <a:t> </a:t>
-            </a:r>
-            <a:r>
-              <a:rPr lang="es-ES" dirty="0" err="1"/>
-              <a:t>your</a:t>
-            </a:r>
-            <a:r>
-              <a:rPr lang="es-ES" dirty="0"/>
-              <a:t> </a:t>
-            </a:r>
-            <a:r>
-              <a:rPr lang="es-ES" dirty="0" err="1"/>
-              <a:t>piece</a:t>
-            </a:r>
-            <a:r>
-              <a:rPr lang="es-ES" dirty="0"/>
-              <a:t> </a:t>
-            </a:r>
-            <a:r>
-              <a:rPr lang="es-ES" dirty="0" err="1"/>
-              <a:t>of</a:t>
-            </a:r>
-            <a:r>
-              <a:rPr lang="es-ES" dirty="0"/>
-              <a:t> </a:t>
-            </a:r>
-            <a:r>
-              <a:rPr lang="es-ES" dirty="0" err="1"/>
-              <a:t>code</a:t>
-            </a:r>
-            <a:r>
-              <a:rPr lang="es-ES" dirty="0"/>
-              <a:t> and run </a:t>
-            </a:r>
-            <a:r>
-              <a:rPr lang="es-ES" dirty="0" err="1"/>
-              <a:t>it</a:t>
-            </a:r>
-            <a:r>
-              <a:rPr lang="es-ES" dirty="0"/>
-              <a:t> </a:t>
-            </a:r>
-            <a:r>
-              <a:rPr lang="es-ES" dirty="0" err="1"/>
-              <a:t>without</a:t>
-            </a:r>
-            <a:r>
-              <a:rPr lang="es-ES" dirty="0"/>
-              <a:t> </a:t>
-            </a:r>
-            <a:r>
-              <a:rPr lang="es-ES" dirty="0" err="1"/>
-              <a:t>worrying</a:t>
-            </a:r>
-            <a:r>
-              <a:rPr lang="es-ES" dirty="0"/>
-              <a:t> </a:t>
-            </a:r>
-            <a:r>
-              <a:rPr lang="es-ES" dirty="0" err="1"/>
-              <a:t>about</a:t>
-            </a:r>
-            <a:r>
-              <a:rPr lang="es-ES" dirty="0"/>
-              <a:t> </a:t>
-            </a:r>
-            <a:r>
-              <a:rPr lang="es-ES" dirty="0" err="1"/>
-              <a:t>configuring</a:t>
-            </a:r>
-            <a:r>
-              <a:rPr lang="es-ES" dirty="0"/>
-              <a:t> </a:t>
-            </a:r>
-            <a:r>
-              <a:rPr lang="es-ES" dirty="0" err="1"/>
-              <a:t>the</a:t>
-            </a:r>
-            <a:r>
-              <a:rPr lang="es-ES" dirty="0"/>
-              <a:t> </a:t>
-            </a:r>
-            <a:r>
-              <a:rPr lang="es-ES" dirty="0" err="1"/>
-              <a:t>backend</a:t>
-            </a:r>
-            <a:endParaRPr lang="es-ES" dirty="0"/>
-          </a:p>
-          <a:p>
-            <a:r>
-              <a:rPr lang="es-ES" dirty="0" err="1"/>
-              <a:t>It</a:t>
-            </a:r>
-            <a:r>
-              <a:rPr lang="es-ES" dirty="0"/>
-              <a:t> </a:t>
-            </a:r>
-            <a:r>
-              <a:rPr lang="es-ES" dirty="0" err="1"/>
-              <a:t>is</a:t>
-            </a:r>
-            <a:r>
-              <a:rPr lang="es-ES" dirty="0"/>
-              <a:t> </a:t>
-            </a:r>
-            <a:r>
-              <a:rPr lang="es-ES" dirty="0" err="1"/>
-              <a:t>defined</a:t>
-            </a:r>
-            <a:r>
-              <a:rPr lang="es-ES" dirty="0"/>
-              <a:t> as a </a:t>
-            </a:r>
-            <a:r>
-              <a:rPr lang="es-ES" dirty="0" err="1"/>
-              <a:t>intermediate</a:t>
-            </a:r>
-            <a:r>
-              <a:rPr lang="es-ES" dirty="0"/>
-              <a:t> </a:t>
-            </a:r>
-            <a:r>
-              <a:rPr lang="es-ES" dirty="0" err="1"/>
-              <a:t>layer</a:t>
-            </a:r>
-            <a:r>
-              <a:rPr lang="es-ES" dirty="0"/>
-              <a:t> </a:t>
-            </a:r>
-            <a:r>
-              <a:rPr lang="es-ES" dirty="0" err="1"/>
-              <a:t>between</a:t>
-            </a:r>
-            <a:r>
-              <a:rPr lang="es-ES" dirty="0"/>
-              <a:t> PaaS and SaaS</a:t>
-            </a:r>
-          </a:p>
-          <a:p>
-            <a:r>
-              <a:rPr lang="es-ES" dirty="0"/>
-              <a:t>Azure </a:t>
-            </a:r>
-            <a:r>
-              <a:rPr lang="es-ES" dirty="0" err="1"/>
-              <a:t>Functions</a:t>
-            </a:r>
-            <a:r>
-              <a:rPr lang="es-ES" dirty="0"/>
-              <a:t> are </a:t>
-            </a:r>
-            <a:r>
-              <a:rPr lang="es-ES" dirty="0" err="1"/>
-              <a:t>executed</a:t>
-            </a:r>
-            <a:r>
-              <a:rPr lang="es-ES" dirty="0"/>
-              <a:t> </a:t>
-            </a:r>
-            <a:r>
-              <a:rPr lang="es-ES" dirty="0" err="1"/>
-              <a:t>by</a:t>
-            </a:r>
-            <a:r>
-              <a:rPr lang="es-ES" dirty="0"/>
-              <a:t> </a:t>
-            </a:r>
-            <a:r>
-              <a:rPr lang="es-ES" dirty="0" err="1"/>
-              <a:t>triggers</a:t>
-            </a:r>
-            <a:r>
-              <a:rPr lang="es-ES" dirty="0"/>
-              <a:t> and </a:t>
-            </a:r>
-            <a:r>
-              <a:rPr lang="es-ES" dirty="0" err="1"/>
-              <a:t>have</a:t>
-            </a:r>
-            <a:r>
-              <a:rPr lang="es-ES" dirty="0"/>
-              <a:t> </a:t>
-            </a:r>
-            <a:r>
-              <a:rPr lang="es-ES" dirty="0" err="1"/>
-              <a:t>bindings</a:t>
-            </a:r>
-            <a:r>
-              <a:rPr lang="es-ES" dirty="0"/>
-              <a:t> </a:t>
-            </a:r>
-            <a:r>
-              <a:rPr lang="es-ES" dirty="0" err="1"/>
-              <a:t>to</a:t>
-            </a:r>
-            <a:r>
-              <a:rPr lang="es-ES" dirty="0"/>
-              <a:t> </a:t>
-            </a:r>
-            <a:r>
-              <a:rPr lang="es-ES" dirty="0" err="1"/>
-              <a:t>other</a:t>
-            </a:r>
-            <a:r>
-              <a:rPr lang="es-ES" dirty="0"/>
-              <a:t> </a:t>
-            </a:r>
-            <a:r>
-              <a:rPr lang="es-ES" dirty="0" err="1"/>
-              <a:t>services</a:t>
-            </a:r>
-            <a:endParaRPr lang="es-ES" dirty="0"/>
-          </a:p>
-          <a:p>
-            <a:endParaRPr lang="es-ES" dirty="0"/>
-          </a:p>
-        </p:txBody>
-      </p:sp>
-      <p:sp>
-        <p:nvSpPr>
-          <p:cNvPr id="5" name="Título 4"/>
-          <p:cNvSpPr>
-            <a:spLocks noGrp="1"/>
-          </p:cNvSpPr>
-          <p:nvPr>
-            <p:ph type="title"/>
-          </p:nvPr>
-        </p:nvSpPr>
-        <p:spPr/>
-        <p:txBody>
-          <a:bodyPr/>
-          <a:lstStyle/>
-          <a:p>
-            <a:r>
-              <a:rPr lang="es-ES" dirty="0" err="1">
-                <a:solidFill>
-                  <a:srgbClr val="00D0FF"/>
-                </a:solidFill>
-              </a:rPr>
-              <a:t>Serverless</a:t>
-            </a:r>
-            <a:r>
-              <a:rPr lang="es-ES" dirty="0">
-                <a:solidFill>
-                  <a:srgbClr val="00D0FF"/>
-                </a:solidFill>
-              </a:rPr>
-              <a:t> concept</a:t>
-            </a:r>
-          </a:p>
-        </p:txBody>
-      </p:sp>
-      <p:sp>
-        <p:nvSpPr>
-          <p:cNvPr id="2" name="Footer Placeholder 1"/>
-          <p:cNvSpPr>
-            <a:spLocks noGrp="1"/>
-          </p:cNvSpPr>
-          <p:nvPr>
-            <p:ph type="ftr" sz="quarter" idx="10"/>
-          </p:nvPr>
-        </p:nvSpPr>
-        <p:spPr/>
-        <p:txBody>
-          <a:bodyPr/>
-          <a:lstStyle/>
-          <a:p>
-            <a:r>
-              <a:rPr lang="es-ES" dirty="0"/>
-              <a:t>@</a:t>
-            </a:r>
-            <a:r>
-              <a:rPr lang="es-ES" dirty="0" err="1"/>
-              <a:t>plainconcepts</a:t>
-            </a:r>
-            <a:endParaRPr lang="es-ES" dirty="0"/>
-          </a:p>
-        </p:txBody>
-      </p:sp>
-      <p:sp>
-        <p:nvSpPr>
-          <p:cNvPr id="3" name="Slide Number Placeholder 2"/>
-          <p:cNvSpPr>
-            <a:spLocks noGrp="1"/>
-          </p:cNvSpPr>
-          <p:nvPr>
-            <p:ph type="sldNum" sz="quarter" idx="11"/>
-          </p:nvPr>
-        </p:nvSpPr>
-        <p:spPr/>
-        <p:txBody>
-          <a:bodyPr/>
-          <a:lstStyle/>
-          <a:p>
-            <a:fld id="{88CB616A-2EDE-4F93-81C7-BE29C9C217CB}" type="slidenum">
-              <a:rPr lang="es-ES" smtClean="0"/>
-              <a:pPr/>
-              <a:t>4</a:t>
-            </a:fld>
-            <a:endParaRPr lang="es-ES"/>
-          </a:p>
-        </p:txBody>
-      </p:sp>
-    </p:spTree>
-    <p:extLst>
-      <p:ext uri="{BB962C8B-B14F-4D97-AF65-F5344CB8AC3E}">
-        <p14:creationId xmlns:p14="http://schemas.microsoft.com/office/powerpoint/2010/main" val="1873177469"/>
-      </p:ext>
-    </p:extLst>
-  </p:cSld>
-  <p:clrMapOvr>
-    <a:masterClrMapping/>
-  </p:clrMapOvr>
-</p:sld>
-</file>
-
-<file path=ppt/slides/slide5.xml><?xml version="1.0" encoding="utf-8"?>
-<p:sld xmlns:a="http://schemas.openxmlformats.org/drawingml/2006/main" xmlns:r="http://schemas.openxmlformats.org/officeDocument/2006/relationships" xmlns:p="http://schemas.openxmlformats.org/presentationml/2006/main">
-  <p:cSld>
-    <p:spTree>
-      <p:nvGrpSpPr>
-        <p:cNvPr id="1" name=""/>
-        <p:cNvGrpSpPr/>
-        <p:nvPr/>
-      </p:nvGrpSpPr>
-      <p:grpSpPr>
-        <a:xfrm>
-          <a:off x="0" y="0"/>
-          <a:ext cx="0" cy="0"/>
-          <a:chOff x="0" y="0"/>
-          <a:chExt cx="0" cy="0"/>
-        </a:xfrm>
-      </p:grpSpPr>
-      <p:sp>
-        <p:nvSpPr>
           <p:cNvPr id="2" name="Marcador de contenido 1">
             <a:extLst>
               <a:ext uri="{FF2B5EF4-FFF2-40B4-BE49-F238E27FC236}">
@@ -13726,7 +10636,7 @@
             <a:fld id="{88CB616A-2EDE-4F93-81C7-BE29C9C217CB}" type="slidenum">
               <a:rPr lang="es-ES" smtClean="0"/>
               <a:pPr/>
-              <a:t>5</a:t>
+              <a:t>4</a:t>
             </a:fld>
             <a:endParaRPr lang="es-ES" dirty="0"/>
           </a:p>
@@ -13859,7 +10769,7 @@
 </p:sld>
 </file>
 
-<file path=ppt/slides/slide6.xml><?xml version="1.0" encoding="utf-8"?>
+<file path=ppt/slides/slide5.xml><?xml version="1.0" encoding="utf-8"?>
 <p:sld xmlns:a="http://schemas.openxmlformats.org/drawingml/2006/main" xmlns:r="http://schemas.openxmlformats.org/officeDocument/2006/relationships" xmlns:p="http://schemas.openxmlformats.org/presentationml/2006/main">
   <p:cSld>
     <p:spTree>
@@ -14411,7 +11321,7 @@
             <a:fld id="{88CB616A-2EDE-4F93-81C7-BE29C9C217CB}" type="slidenum">
               <a:rPr lang="es-ES" smtClean="0"/>
               <a:pPr/>
-              <a:t>6</a:t>
+              <a:t>5</a:t>
             </a:fld>
             <a:endParaRPr lang="es-ES" dirty="0"/>
           </a:p>
@@ -14537,7 +11447,7 @@
 </p:sld>
 </file>
 
-<file path=ppt/slides/slide7.xml><?xml version="1.0" encoding="utf-8"?>
+<file path=ppt/slides/slide6.xml><?xml version="1.0" encoding="utf-8"?>
 <p:sld xmlns:a="http://schemas.openxmlformats.org/drawingml/2006/main" xmlns:r="http://schemas.openxmlformats.org/officeDocument/2006/relationships" xmlns:p="http://schemas.openxmlformats.org/presentationml/2006/main">
   <p:cSld>
     <p:spTree>
@@ -14744,7 +11654,7 @@
                   <a:prstClr val="black"/>
                 </a:solidFill>
               </a:rPr>
-              <a:t>Microservices</a:t>
+              <a:t>Avoid</a:t>
             </a:r>
             <a:r>
               <a:rPr lang="es-ES" dirty="0">
@@ -14760,7 +11670,7 @@
                   <a:prstClr val="black"/>
                 </a:solidFill>
               </a:rPr>
-              <a:t>interaction</a:t>
+              <a:t>synchronous</a:t>
             </a:r>
             <a:r>
               <a:rPr lang="es-ES" dirty="0">
@@ -14768,7 +11678,7 @@
                   <a:prstClr val="black"/>
                 </a:solidFill>
               </a:rPr>
-              <a:t> as </a:t>
+              <a:t> Http </a:t>
             </a:r>
             <a:r>
               <a:rPr lang="es-ES" dirty="0" err="1">
@@ -14776,7 +11686,7 @@
                   <a:prstClr val="black"/>
                 </a:solidFill>
               </a:rPr>
-              <a:t>an</a:t>
+              <a:t>calls</a:t>
             </a:r>
             <a:r>
               <a:rPr lang="es-ES" dirty="0">
@@ -14792,7 +11702,7 @@
                   <a:prstClr val="black"/>
                 </a:solidFill>
               </a:rPr>
-              <a:t>asynchronous</a:t>
+              <a:t>between</a:t>
             </a:r>
             <a:r>
               <a:rPr lang="es-ES" dirty="0">
@@ -14808,48 +11718,13 @@
                   <a:prstClr val="black"/>
                 </a:solidFill>
               </a:rPr>
-              <a:t>event-driven</a:t>
-            </a:r>
-            <a:r>
-              <a:rPr lang="es-ES" dirty="0">
-                <a:solidFill>
-                  <a:prstClr val="black"/>
-                </a:solidFill>
-              </a:rPr>
-              <a:t> </a:t>
-            </a:r>
-            <a:r>
-              <a:rPr lang="es-ES" dirty="0" err="1">
-                <a:solidFill>
-                  <a:prstClr val="black"/>
-                </a:solidFill>
-              </a:rPr>
-              <a:t>communication</a:t>
-            </a:r>
-            <a:r>
-              <a:rPr lang="es-ES" dirty="0">
-                <a:solidFill>
-                  <a:prstClr val="black"/>
-                </a:solidFill>
-              </a:rPr>
-              <a:t> (</a:t>
-            </a:r>
-            <a:r>
-              <a:rPr lang="es-ES" dirty="0" err="1">
-                <a:solidFill>
-                  <a:prstClr val="black"/>
-                </a:solidFill>
-              </a:rPr>
-              <a:t>choreography</a:t>
-            </a:r>
-            <a:r>
-              <a:rPr lang="es-ES" dirty="0">
-                <a:solidFill>
-                  <a:prstClr val="black"/>
-                </a:solidFill>
-              </a:rPr>
-              <a:t>)</a:t>
-            </a:r>
+              <a:t>services</a:t>
+            </a:r>
+            <a:endParaRPr lang="es-ES" dirty="0">
+              <a:solidFill>
+                <a:prstClr val="black"/>
+              </a:solidFill>
+            </a:endParaRPr>
           </a:p>
           <a:p>
             <a:pPr marL="285750" lvl="0" indent="-285750">
@@ -14861,12 +11736,20 @@
               <a:buChar char="•"/>
             </a:pPr>
             <a:r>
+              <a:rPr lang="es-ES" dirty="0" err="1">
+                <a:solidFill>
+                  <a:prstClr val="black"/>
+                </a:solidFill>
+              </a:rPr>
+              <a:t>Microservices</a:t>
+            </a:r>
+            <a:r>
               <a:rPr lang="es-ES" dirty="0">
                 <a:solidFill>
                   <a:prstClr val="black"/>
                 </a:solidFill>
               </a:rPr>
-              <a:t>Do </a:t>
+              <a:t> </a:t>
             </a:r>
             <a:r>
               <a:rPr lang="es-ES" dirty="0" err="1">
@@ -14874,7 +11757,7 @@
                   <a:prstClr val="black"/>
                 </a:solidFill>
               </a:rPr>
-              <a:t>not</a:t>
+              <a:t>interaction</a:t>
             </a:r>
             <a:r>
               <a:rPr lang="es-ES" dirty="0">
@@ -14882,7 +11765,7 @@
                   <a:prstClr val="black"/>
                 </a:solidFill>
               </a:rPr>
-              <a:t> use Http </a:t>
+              <a:t> as </a:t>
             </a:r>
             <a:r>
               <a:rPr lang="es-ES" dirty="0" err="1">
@@ -14890,7 +11773,7 @@
                   <a:prstClr val="black"/>
                 </a:solidFill>
               </a:rPr>
-              <a:t>calls</a:t>
+              <a:t>an</a:t>
             </a:r>
             <a:r>
               <a:rPr lang="es-ES" dirty="0">
@@ -14906,7 +11789,7 @@
                   <a:prstClr val="black"/>
                 </a:solidFill>
               </a:rPr>
-              <a:t>for</a:t>
+              <a:t>asynchronous</a:t>
             </a:r>
             <a:r>
               <a:rPr lang="es-ES" dirty="0">
@@ -14922,7 +11805,7 @@
                   <a:prstClr val="black"/>
                 </a:solidFill>
               </a:rPr>
-              <a:t>microservices</a:t>
+              <a:t>event-driven</a:t>
             </a:r>
             <a:r>
               <a:rPr lang="es-ES" dirty="0">
@@ -14940,11 +11823,30 @@
               </a:rPr>
               <a:t>communication</a:t>
             </a:r>
-            <a:endParaRPr lang="es-ES" dirty="0">
-              <a:solidFill>
-                <a:prstClr val="black"/>
-              </a:solidFill>
-            </a:endParaRPr>
+            <a:r>
+              <a:rPr lang="es-ES" dirty="0">
+                <a:solidFill>
+                  <a:prstClr val="black"/>
+                </a:solidFill>
+              </a:rPr>
+              <a:t> (</a:t>
+            </a:r>
+            <a:r>
+              <a:rPr lang="es-ES" dirty="0" err="1">
+                <a:solidFill>
+                  <a:prstClr val="black"/>
+                </a:solidFill>
+              </a:rPr>
+              <a:t>choreography</a:t>
+            </a:r>
+            <a:r>
+              <a:rPr lang="es-ES" dirty="0">
+                <a:solidFill>
+                  <a:prstClr val="black"/>
+                </a:solidFill>
+              </a:rPr>
+              <a:t>)</a:t>
+            </a:r>
           </a:p>
           <a:p>
             <a:pPr marL="285750" lvl="0" indent="-285750">
@@ -15009,8 +11911,31 @@
                   <a:prstClr val="black"/>
                 </a:solidFill>
               </a:rPr>
-              <a:t> </a:t>
-            </a:r>
+              <a:t>.</a:t>
+            </a:r>
+          </a:p>
+          <a:p>
+            <a:pPr marL="285750" lvl="0" indent="-285750">
+              <a:buClr>
+                <a:srgbClr val="00D0FF"/>
+              </a:buClr>
+              <a:buSzPct val="110000"/>
+              <a:buFont typeface="Arial" panose="020B0604020202020204" pitchFamily="34" charset="0"/>
+              <a:buChar char="•"/>
+            </a:pPr>
+            <a:r>
+              <a:rPr lang="es-ES" dirty="0" err="1">
+                <a:solidFill>
+                  <a:prstClr val="black"/>
+                </a:solidFill>
+              </a:rPr>
+              <a:t>Idempotency</a:t>
+            </a:r>
+            <a:endParaRPr lang="es-ES" dirty="0">
+              <a:solidFill>
+                <a:prstClr val="black"/>
+              </a:solidFill>
+            </a:endParaRPr>
           </a:p>
           <a:p>
             <a:pPr marL="285750" lvl="0" indent="-285750">
@@ -15130,7 +12055,7 @@
             <a:fld id="{88CB616A-2EDE-4F93-81C7-BE29C9C217CB}" type="slidenum">
               <a:rPr lang="es-ES" smtClean="0"/>
               <a:pPr/>
-              <a:t>7</a:t>
+              <a:t>6</a:t>
             </a:fld>
             <a:endParaRPr lang="es-ES" dirty="0"/>
           </a:p>
@@ -15170,6 +12095,83 @@
     <p:extLst>
       <p:ext uri="{BB962C8B-B14F-4D97-AF65-F5344CB8AC3E}">
         <p14:creationId xmlns:p14="http://schemas.microsoft.com/office/powerpoint/2010/main" val="1154724680"/>
+      </p:ext>
+    </p:extLst>
+  </p:cSld>
+  <p:clrMapOvr>
+    <a:masterClrMapping/>
+  </p:clrMapOvr>
+</p:sld>
+</file>
+
+<file path=ppt/slides/slide7.xml><?xml version="1.0" encoding="utf-8"?>
+<p:sld xmlns:a="http://schemas.openxmlformats.org/drawingml/2006/main" xmlns:r="http://schemas.openxmlformats.org/officeDocument/2006/relationships" xmlns:p="http://schemas.openxmlformats.org/presentationml/2006/main">
+  <p:cSld>
+    <p:spTree>
+      <p:nvGrpSpPr>
+        <p:cNvPr id="1" name=""/>
+        <p:cNvGrpSpPr/>
+        <p:nvPr/>
+      </p:nvGrpSpPr>
+      <p:grpSpPr>
+        <a:xfrm>
+          <a:off x="0" y="0"/>
+          <a:ext cx="0" cy="0"/>
+          <a:chOff x="0" y="0"/>
+          <a:chExt cx="0" cy="0"/>
+        </a:xfrm>
+      </p:grpSpPr>
+      <p:sp>
+        <p:nvSpPr>
+          <p:cNvPr id="2" name="Slide Number Placeholder 1"/>
+          <p:cNvSpPr>
+            <a:spLocks noGrp="1"/>
+          </p:cNvSpPr>
+          <p:nvPr>
+            <p:ph type="sldNum" sz="quarter" idx="12"/>
+          </p:nvPr>
+        </p:nvSpPr>
+        <p:spPr/>
+        <p:txBody>
+          <a:bodyPr/>
+          <a:lstStyle/>
+          <a:p>
+            <a:fld id="{88CB616A-2EDE-4F93-81C7-BE29C9C217CB}" type="slidenum">
+              <a:rPr lang="es-ES" smtClean="0"/>
+              <a:pPr/>
+              <a:t>7</a:t>
+            </a:fld>
+            <a:endParaRPr lang="es-ES" dirty="0"/>
+          </a:p>
+        </p:txBody>
+      </p:sp>
+      <p:sp>
+        <p:nvSpPr>
+          <p:cNvPr id="4" name="Text Placeholder 3"/>
+          <p:cNvSpPr>
+            <a:spLocks noGrp="1"/>
+          </p:cNvSpPr>
+          <p:nvPr>
+            <p:ph type="body" sz="quarter" idx="15"/>
+          </p:nvPr>
+        </p:nvSpPr>
+        <p:spPr/>
+        <p:txBody>
+          <a:bodyPr/>
+          <a:lstStyle/>
+          <a:p>
+            <a:r>
+              <a:rPr lang="es-ES" dirty="0" err="1"/>
+              <a:t>Resilience</a:t>
+            </a:r>
+            <a:endParaRPr lang="es-ES" dirty="0"/>
+          </a:p>
+        </p:txBody>
+      </p:sp>
+    </p:spTree>
+    <p:extLst>
+      <p:ext uri="{BB962C8B-B14F-4D97-AF65-F5344CB8AC3E}">
+        <p14:creationId xmlns:p14="http://schemas.microsoft.com/office/powerpoint/2010/main" val="2220056944"/>
       </p:ext>
     </p:extLst>
   </p:cSld>
@@ -15198,12 +12200,789 @@
       </p:grpSpPr>
       <p:sp>
         <p:nvSpPr>
-          <p:cNvPr id="2" name="Slide Number Placeholder 1"/>
+          <p:cNvPr id="2" name="Marcador de contenido 1">
+            <a:extLst>
+              <a:ext uri="{FF2B5EF4-FFF2-40B4-BE49-F238E27FC236}">
+                <a16:creationId xmlns:a16="http://schemas.microsoft.com/office/drawing/2014/main" id="{143B7A33-7D5F-4150-8810-BC6922461C30}"/>
+              </a:ext>
+            </a:extLst>
+          </p:cNvPr>
           <p:cNvSpPr>
             <a:spLocks noGrp="1"/>
           </p:cNvSpPr>
           <p:nvPr>
-            <p:ph type="sldNum" sz="quarter" idx="12"/>
+            <p:ph idx="1"/>
+          </p:nvPr>
+        </p:nvSpPr>
+        <p:spPr>
+          <a:xfrm>
+            <a:off x="908688" y="2955205"/>
+            <a:ext cx="7213336" cy="3196532"/>
+          </a:xfrm>
+        </p:spPr>
+        <p:txBody>
+          <a:bodyPr/>
+          <a:lstStyle/>
+          <a:p>
+            <a:pPr marL="285750" lvl="0" indent="-285750">
+              <a:buClr>
+                <a:srgbClr val="00D0FF"/>
+              </a:buClr>
+              <a:buSzPct val="110000"/>
+              <a:buFont typeface="Arial" panose="020B0604020202020204" pitchFamily="34" charset="0"/>
+              <a:buChar char="•"/>
+            </a:pPr>
+            <a:r>
+              <a:rPr lang="es-ES" dirty="0" err="1">
+                <a:solidFill>
+                  <a:prstClr val="black"/>
+                </a:solidFill>
+              </a:rPr>
+              <a:t>System</a:t>
+            </a:r>
+            <a:r>
+              <a:rPr lang="es-ES" dirty="0">
+                <a:solidFill>
+                  <a:prstClr val="black"/>
+                </a:solidFill>
+              </a:rPr>
+              <a:t> </a:t>
+            </a:r>
+            <a:r>
+              <a:rPr lang="es-ES" dirty="0" err="1">
+                <a:solidFill>
+                  <a:prstClr val="black"/>
+                </a:solidFill>
+              </a:rPr>
+              <a:t>fault</a:t>
+            </a:r>
+            <a:r>
+              <a:rPr lang="es-ES" dirty="0">
+                <a:solidFill>
+                  <a:prstClr val="black"/>
+                </a:solidFill>
+              </a:rPr>
+              <a:t> </a:t>
+            </a:r>
+            <a:r>
+              <a:rPr lang="es-ES" dirty="0" err="1">
+                <a:solidFill>
+                  <a:prstClr val="black"/>
+                </a:solidFill>
+              </a:rPr>
+              <a:t>tolerant</a:t>
+            </a:r>
+            <a:endParaRPr lang="es-ES" dirty="0">
+              <a:solidFill>
+                <a:prstClr val="black"/>
+              </a:solidFill>
+            </a:endParaRPr>
+          </a:p>
+          <a:p>
+            <a:pPr marL="285750" lvl="0" indent="-285750">
+              <a:buClr>
+                <a:srgbClr val="00D0FF"/>
+              </a:buClr>
+              <a:buSzPct val="110000"/>
+              <a:buFont typeface="Arial" panose="020B0604020202020204" pitchFamily="34" charset="0"/>
+              <a:buChar char="•"/>
+            </a:pPr>
+            <a:r>
+              <a:rPr lang="es-ES" dirty="0" err="1">
+                <a:solidFill>
+                  <a:prstClr val="black"/>
+                </a:solidFill>
+              </a:rPr>
+              <a:t>Services</a:t>
+            </a:r>
+            <a:r>
+              <a:rPr lang="es-ES" dirty="0">
+                <a:solidFill>
+                  <a:prstClr val="black"/>
+                </a:solidFill>
+              </a:rPr>
+              <a:t> </a:t>
+            </a:r>
+            <a:r>
+              <a:rPr lang="es-ES" dirty="0" err="1">
+                <a:solidFill>
+                  <a:prstClr val="black"/>
+                </a:solidFill>
+              </a:rPr>
+              <a:t>recovers</a:t>
+            </a:r>
+            <a:r>
+              <a:rPr lang="es-ES" dirty="0">
+                <a:solidFill>
+                  <a:prstClr val="black"/>
+                </a:solidFill>
+              </a:rPr>
+              <a:t> after a </a:t>
+            </a:r>
+            <a:r>
+              <a:rPr lang="es-ES" dirty="0" err="1">
+                <a:solidFill>
+                  <a:prstClr val="black"/>
+                </a:solidFill>
+              </a:rPr>
+              <a:t>network</a:t>
+            </a:r>
+            <a:r>
+              <a:rPr lang="es-ES" dirty="0">
+                <a:solidFill>
+                  <a:prstClr val="black"/>
+                </a:solidFill>
+              </a:rPr>
+              <a:t> </a:t>
+            </a:r>
+            <a:r>
+              <a:rPr lang="es-ES" dirty="0" err="1">
+                <a:solidFill>
+                  <a:prstClr val="black"/>
+                </a:solidFill>
+              </a:rPr>
+              <a:t>or</a:t>
+            </a:r>
+            <a:r>
+              <a:rPr lang="es-ES" dirty="0">
+                <a:solidFill>
+                  <a:prstClr val="black"/>
+                </a:solidFill>
+              </a:rPr>
+              <a:t> </a:t>
+            </a:r>
+            <a:r>
+              <a:rPr lang="es-ES" dirty="0" err="1">
+                <a:solidFill>
+                  <a:prstClr val="black"/>
+                </a:solidFill>
+              </a:rPr>
+              <a:t>service</a:t>
+            </a:r>
+            <a:r>
+              <a:rPr lang="es-ES" dirty="0">
+                <a:solidFill>
+                  <a:prstClr val="black"/>
+                </a:solidFill>
+              </a:rPr>
+              <a:t> </a:t>
+            </a:r>
+            <a:r>
+              <a:rPr lang="es-ES" dirty="0" err="1">
+                <a:solidFill>
+                  <a:prstClr val="black"/>
+                </a:solidFill>
+              </a:rPr>
+              <a:t>failure</a:t>
+            </a:r>
+            <a:r>
+              <a:rPr lang="es-ES" dirty="0">
+                <a:solidFill>
+                  <a:prstClr val="black"/>
+                </a:solidFill>
+              </a:rPr>
+              <a:t> </a:t>
+            </a:r>
+            <a:r>
+              <a:rPr lang="es-ES" dirty="0" err="1">
+                <a:solidFill>
+                  <a:prstClr val="black"/>
+                </a:solidFill>
+              </a:rPr>
+              <a:t>avoiding</a:t>
+            </a:r>
+            <a:r>
+              <a:rPr lang="es-ES" dirty="0">
+                <a:solidFill>
+                  <a:prstClr val="black"/>
+                </a:solidFill>
+              </a:rPr>
+              <a:t> </a:t>
+            </a:r>
+            <a:r>
+              <a:rPr lang="es-ES" dirty="0" err="1">
+                <a:solidFill>
+                  <a:prstClr val="black"/>
+                </a:solidFill>
+              </a:rPr>
+              <a:t>downtime</a:t>
+            </a:r>
+            <a:r>
+              <a:rPr lang="es-ES" dirty="0">
+                <a:solidFill>
+                  <a:prstClr val="black"/>
+                </a:solidFill>
+              </a:rPr>
+              <a:t> </a:t>
+            </a:r>
+            <a:r>
+              <a:rPr lang="es-ES" dirty="0" err="1">
+                <a:solidFill>
+                  <a:prstClr val="black"/>
+                </a:solidFill>
+              </a:rPr>
+              <a:t>or</a:t>
+            </a:r>
+            <a:r>
+              <a:rPr lang="es-ES" dirty="0">
+                <a:solidFill>
+                  <a:prstClr val="black"/>
+                </a:solidFill>
+              </a:rPr>
+              <a:t> data </a:t>
+            </a:r>
+            <a:r>
+              <a:rPr lang="es-ES" dirty="0" err="1">
+                <a:solidFill>
+                  <a:prstClr val="black"/>
+                </a:solidFill>
+              </a:rPr>
+              <a:t>loss</a:t>
+            </a:r>
+            <a:endParaRPr lang="es-ES" dirty="0">
+              <a:solidFill>
+                <a:prstClr val="black"/>
+              </a:solidFill>
+            </a:endParaRPr>
+          </a:p>
+          <a:p>
+            <a:pPr marL="285750" lvl="0" indent="-285750">
+              <a:buClr>
+                <a:srgbClr val="00D0FF"/>
+              </a:buClr>
+              <a:buSzPct val="110000"/>
+              <a:buFont typeface="Arial" panose="020B0604020202020204" pitchFamily="34" charset="0"/>
+              <a:buChar char="•"/>
+            </a:pPr>
+            <a:r>
+              <a:rPr lang="es-ES" dirty="0">
+                <a:solidFill>
+                  <a:prstClr val="black"/>
+                </a:solidFill>
+              </a:rPr>
+              <a:t>Use </a:t>
+            </a:r>
+            <a:r>
+              <a:rPr lang="es-ES" dirty="0" err="1">
+                <a:solidFill>
+                  <a:prstClr val="black"/>
+                </a:solidFill>
+              </a:rPr>
+              <a:t>of</a:t>
+            </a:r>
+            <a:r>
+              <a:rPr lang="es-ES" dirty="0">
+                <a:solidFill>
+                  <a:prstClr val="black"/>
+                </a:solidFill>
+              </a:rPr>
+              <a:t> </a:t>
+            </a:r>
+            <a:r>
+              <a:rPr lang="es-ES" dirty="0" err="1">
+                <a:solidFill>
+                  <a:prstClr val="black"/>
+                </a:solidFill>
+              </a:rPr>
+              <a:t>asynchronous</a:t>
+            </a:r>
+            <a:r>
+              <a:rPr lang="es-ES" dirty="0">
+                <a:solidFill>
+                  <a:prstClr val="black"/>
+                </a:solidFill>
+              </a:rPr>
+              <a:t> </a:t>
+            </a:r>
+            <a:r>
+              <a:rPr lang="es-ES" dirty="0" err="1">
+                <a:solidFill>
+                  <a:prstClr val="black"/>
+                </a:solidFill>
+              </a:rPr>
+              <a:t>communication</a:t>
+            </a:r>
+            <a:endParaRPr lang="es-ES" dirty="0">
+              <a:solidFill>
+                <a:prstClr val="black"/>
+              </a:solidFill>
+            </a:endParaRPr>
+          </a:p>
+          <a:p>
+            <a:pPr marL="285750" lvl="0" indent="-285750">
+              <a:buClr>
+                <a:srgbClr val="00D0FF"/>
+              </a:buClr>
+              <a:buSzPct val="110000"/>
+              <a:buFont typeface="Arial" panose="020B0604020202020204" pitchFamily="34" charset="0"/>
+              <a:buChar char="•"/>
+            </a:pPr>
+            <a:r>
+              <a:rPr lang="es-ES" dirty="0">
+                <a:solidFill>
+                  <a:prstClr val="black"/>
+                </a:solidFill>
+              </a:rPr>
+              <a:t>Use </a:t>
+            </a:r>
+            <a:r>
+              <a:rPr lang="es-ES" dirty="0" err="1">
+                <a:solidFill>
+                  <a:prstClr val="black"/>
+                </a:solidFill>
+              </a:rPr>
+              <a:t>of</a:t>
+            </a:r>
+            <a:r>
+              <a:rPr lang="es-ES" dirty="0">
+                <a:solidFill>
+                  <a:prstClr val="black"/>
+                </a:solidFill>
+              </a:rPr>
+              <a:t> </a:t>
+            </a:r>
+            <a:r>
+              <a:rPr lang="es-ES" dirty="0" err="1">
+                <a:solidFill>
+                  <a:prstClr val="black"/>
+                </a:solidFill>
+              </a:rPr>
+              <a:t>timeouts</a:t>
+            </a:r>
+            <a:endParaRPr lang="es-ES" dirty="0">
+              <a:solidFill>
+                <a:prstClr val="black"/>
+              </a:solidFill>
+            </a:endParaRPr>
+          </a:p>
+          <a:p>
+            <a:pPr marL="285750" lvl="0" indent="-285750">
+              <a:buClr>
+                <a:srgbClr val="00D0FF"/>
+              </a:buClr>
+              <a:buSzPct val="110000"/>
+              <a:buFont typeface="Arial" panose="020B0604020202020204" pitchFamily="34" charset="0"/>
+              <a:buChar char="•"/>
+            </a:pPr>
+            <a:r>
+              <a:rPr lang="es-ES" dirty="0">
+                <a:solidFill>
+                  <a:prstClr val="black"/>
+                </a:solidFill>
+              </a:rPr>
+              <a:t>Use </a:t>
+            </a:r>
+            <a:r>
+              <a:rPr lang="es-ES" dirty="0" err="1">
+                <a:solidFill>
+                  <a:prstClr val="black"/>
+                </a:solidFill>
+              </a:rPr>
+              <a:t>of</a:t>
+            </a:r>
+            <a:r>
+              <a:rPr lang="es-ES" dirty="0">
+                <a:solidFill>
+                  <a:prstClr val="black"/>
+                </a:solidFill>
+              </a:rPr>
+              <a:t> </a:t>
+            </a:r>
+            <a:r>
+              <a:rPr lang="es-ES" dirty="0" err="1">
+                <a:solidFill>
+                  <a:prstClr val="black"/>
+                </a:solidFill>
+              </a:rPr>
+              <a:t>retries</a:t>
+            </a:r>
+            <a:r>
+              <a:rPr lang="es-ES" dirty="0">
+                <a:solidFill>
+                  <a:prstClr val="black"/>
+                </a:solidFill>
+              </a:rPr>
+              <a:t> </a:t>
+            </a:r>
+            <a:r>
+              <a:rPr lang="es-ES" dirty="0" err="1">
+                <a:solidFill>
+                  <a:prstClr val="black"/>
+                </a:solidFill>
+              </a:rPr>
+              <a:t>with</a:t>
+            </a:r>
+            <a:r>
+              <a:rPr lang="es-ES" dirty="0">
+                <a:solidFill>
+                  <a:prstClr val="black"/>
+                </a:solidFill>
+              </a:rPr>
+              <a:t> </a:t>
+            </a:r>
+            <a:r>
+              <a:rPr lang="es-ES" dirty="0" err="1">
+                <a:solidFill>
+                  <a:prstClr val="black"/>
+                </a:solidFill>
+              </a:rPr>
+              <a:t>exponential</a:t>
+            </a:r>
+            <a:r>
+              <a:rPr lang="es-ES" dirty="0">
+                <a:solidFill>
+                  <a:prstClr val="black"/>
+                </a:solidFill>
+              </a:rPr>
+              <a:t> </a:t>
+            </a:r>
+            <a:r>
+              <a:rPr lang="es-ES" dirty="0" err="1">
+                <a:solidFill>
+                  <a:prstClr val="black"/>
+                </a:solidFill>
+              </a:rPr>
+              <a:t>backoff</a:t>
+            </a:r>
+            <a:r>
+              <a:rPr lang="es-ES" dirty="0">
+                <a:solidFill>
+                  <a:prstClr val="black"/>
+                </a:solidFill>
+              </a:rPr>
+              <a:t> </a:t>
+            </a:r>
+            <a:r>
+              <a:rPr lang="es-ES" dirty="0" err="1">
+                <a:solidFill>
+                  <a:prstClr val="black"/>
+                </a:solidFill>
+              </a:rPr>
+              <a:t>policies</a:t>
+            </a:r>
+            <a:endParaRPr lang="es-ES" dirty="0">
+              <a:solidFill>
+                <a:prstClr val="black"/>
+              </a:solidFill>
+            </a:endParaRPr>
+          </a:p>
+          <a:p>
+            <a:pPr marL="285750" lvl="0" indent="-285750">
+              <a:buClr>
+                <a:srgbClr val="00D0FF"/>
+              </a:buClr>
+              <a:buSzPct val="110000"/>
+              <a:buFont typeface="Arial" panose="020B0604020202020204" pitchFamily="34" charset="0"/>
+              <a:buChar char="•"/>
+            </a:pPr>
+            <a:r>
+              <a:rPr lang="es-ES" dirty="0">
+                <a:solidFill>
+                  <a:prstClr val="black"/>
+                </a:solidFill>
+              </a:rPr>
+              <a:t>Use </a:t>
+            </a:r>
+            <a:r>
+              <a:rPr lang="es-ES" dirty="0" err="1">
+                <a:solidFill>
+                  <a:prstClr val="black"/>
+                </a:solidFill>
+              </a:rPr>
+              <a:t>of</a:t>
+            </a:r>
+            <a:r>
+              <a:rPr lang="es-ES" dirty="0">
+                <a:solidFill>
+                  <a:prstClr val="black"/>
+                </a:solidFill>
+              </a:rPr>
+              <a:t> </a:t>
+            </a:r>
+            <a:r>
+              <a:rPr lang="es-ES" dirty="0" err="1">
+                <a:solidFill>
+                  <a:prstClr val="black"/>
+                </a:solidFill>
+              </a:rPr>
+              <a:t>Circuit</a:t>
+            </a:r>
+            <a:r>
+              <a:rPr lang="es-ES" dirty="0">
+                <a:solidFill>
+                  <a:prstClr val="black"/>
+                </a:solidFill>
+              </a:rPr>
+              <a:t> Breaker </a:t>
+            </a:r>
+            <a:r>
+              <a:rPr lang="es-ES" dirty="0" err="1">
+                <a:solidFill>
+                  <a:prstClr val="black"/>
+                </a:solidFill>
+              </a:rPr>
+              <a:t>patterns</a:t>
+            </a:r>
+            <a:endParaRPr lang="es-ES" dirty="0">
+              <a:solidFill>
+                <a:prstClr val="black"/>
+              </a:solidFill>
+            </a:endParaRPr>
+          </a:p>
+          <a:p>
+            <a:pPr marL="285750" lvl="0" indent="-285750">
+              <a:buClr>
+                <a:srgbClr val="00D0FF"/>
+              </a:buClr>
+              <a:buSzPct val="110000"/>
+              <a:buFont typeface="Arial" panose="020B0604020202020204" pitchFamily="34" charset="0"/>
+              <a:buChar char="•"/>
+            </a:pPr>
+            <a:r>
+              <a:rPr lang="es-ES" dirty="0" err="1">
+                <a:solidFill>
+                  <a:prstClr val="black"/>
+                </a:solidFill>
+              </a:rPr>
+              <a:t>Limit</a:t>
+            </a:r>
+            <a:r>
+              <a:rPr lang="es-ES" dirty="0">
+                <a:solidFill>
+                  <a:prstClr val="black"/>
+                </a:solidFill>
+              </a:rPr>
+              <a:t> </a:t>
+            </a:r>
+            <a:r>
+              <a:rPr lang="es-ES" dirty="0" err="1">
+                <a:solidFill>
+                  <a:prstClr val="black"/>
+                </a:solidFill>
+              </a:rPr>
+              <a:t>the</a:t>
+            </a:r>
+            <a:r>
+              <a:rPr lang="es-ES" dirty="0">
+                <a:solidFill>
+                  <a:prstClr val="black"/>
+                </a:solidFill>
+              </a:rPr>
+              <a:t> </a:t>
+            </a:r>
+            <a:r>
+              <a:rPr lang="es-ES" dirty="0" err="1">
+                <a:solidFill>
+                  <a:prstClr val="black"/>
+                </a:solidFill>
+              </a:rPr>
+              <a:t>number</a:t>
+            </a:r>
+            <a:r>
+              <a:rPr lang="es-ES" dirty="0">
+                <a:solidFill>
+                  <a:prstClr val="black"/>
+                </a:solidFill>
+              </a:rPr>
+              <a:t> </a:t>
+            </a:r>
+            <a:r>
+              <a:rPr lang="es-ES" dirty="0" err="1">
+                <a:solidFill>
+                  <a:prstClr val="black"/>
+                </a:solidFill>
+              </a:rPr>
+              <a:t>of</a:t>
+            </a:r>
+            <a:r>
+              <a:rPr lang="es-ES" dirty="0">
+                <a:solidFill>
+                  <a:prstClr val="black"/>
+                </a:solidFill>
+              </a:rPr>
+              <a:t> </a:t>
+            </a:r>
+            <a:r>
+              <a:rPr lang="es-ES" dirty="0" err="1">
+                <a:solidFill>
+                  <a:prstClr val="black"/>
+                </a:solidFill>
+              </a:rPr>
+              <a:t>queued</a:t>
+            </a:r>
+            <a:r>
+              <a:rPr lang="es-ES" dirty="0">
+                <a:solidFill>
+                  <a:prstClr val="black"/>
+                </a:solidFill>
+              </a:rPr>
+              <a:t> </a:t>
+            </a:r>
+            <a:r>
+              <a:rPr lang="es-ES" dirty="0" err="1">
+                <a:solidFill>
+                  <a:prstClr val="black"/>
+                </a:solidFill>
+              </a:rPr>
+              <a:t>requests</a:t>
+            </a:r>
+            <a:endParaRPr lang="es-ES" dirty="0">
+              <a:solidFill>
+                <a:prstClr val="black"/>
+              </a:solidFill>
+            </a:endParaRPr>
+          </a:p>
+          <a:p>
+            <a:pPr marL="285750" lvl="0" indent="-285750">
+              <a:buClr>
+                <a:srgbClr val="00D0FF"/>
+              </a:buClr>
+              <a:buSzPct val="110000"/>
+              <a:buFont typeface="Arial" panose="020B0604020202020204" pitchFamily="34" charset="0"/>
+              <a:buChar char="•"/>
+            </a:pPr>
+            <a:r>
+              <a:rPr lang="es-ES" dirty="0" err="1">
+                <a:solidFill>
+                  <a:prstClr val="black"/>
+                </a:solidFill>
+              </a:rPr>
+              <a:t>Health</a:t>
+            </a:r>
+            <a:r>
+              <a:rPr lang="es-ES" dirty="0">
+                <a:solidFill>
+                  <a:prstClr val="black"/>
+                </a:solidFill>
+              </a:rPr>
+              <a:t> </a:t>
+            </a:r>
+            <a:r>
+              <a:rPr lang="es-ES" dirty="0" err="1">
+                <a:solidFill>
+                  <a:prstClr val="black"/>
+                </a:solidFill>
+              </a:rPr>
+              <a:t>monitoring</a:t>
+            </a:r>
+            <a:endParaRPr lang="es-ES" dirty="0">
+              <a:solidFill>
+                <a:prstClr val="black"/>
+              </a:solidFill>
+            </a:endParaRPr>
+          </a:p>
+          <a:p>
+            <a:pPr marL="285750" lvl="0" indent="-285750">
+              <a:buClr>
+                <a:srgbClr val="00D0FF"/>
+              </a:buClr>
+              <a:buSzPct val="110000"/>
+              <a:buFont typeface="Arial" panose="020B0604020202020204" pitchFamily="34" charset="0"/>
+              <a:buChar char="•"/>
+            </a:pPr>
+            <a:endParaRPr lang="es-ES" dirty="0">
+              <a:solidFill>
+                <a:prstClr val="black"/>
+              </a:solidFill>
+            </a:endParaRPr>
+          </a:p>
+        </p:txBody>
+      </p:sp>
+      <p:sp>
+        <p:nvSpPr>
+          <p:cNvPr id="3" name="Título 2">
+            <a:extLst>
+              <a:ext uri="{FF2B5EF4-FFF2-40B4-BE49-F238E27FC236}">
+                <a16:creationId xmlns:a16="http://schemas.microsoft.com/office/drawing/2014/main" id="{4354A535-69B4-4036-A6A6-F363285E1C35}"/>
+              </a:ext>
+            </a:extLst>
+          </p:cNvPr>
+          <p:cNvSpPr>
+            <a:spLocks noGrp="1"/>
+          </p:cNvSpPr>
+          <p:nvPr>
+            <p:ph type="title"/>
+          </p:nvPr>
+        </p:nvSpPr>
+        <p:spPr/>
+        <p:txBody>
+          <a:bodyPr/>
+          <a:lstStyle/>
+          <a:p>
+            <a:r>
+              <a:rPr lang="es-ES" dirty="0" err="1"/>
+              <a:t>Design</a:t>
+            </a:r>
+            <a:r>
+              <a:rPr lang="es-ES" dirty="0"/>
+              <a:t> </a:t>
+            </a:r>
+            <a:r>
+              <a:rPr lang="es-ES" dirty="0" err="1"/>
+              <a:t>for</a:t>
+            </a:r>
+            <a:r>
+              <a:rPr lang="es-ES" dirty="0"/>
+              <a:t> </a:t>
+            </a:r>
+            <a:r>
+              <a:rPr lang="es-ES" dirty="0" err="1"/>
+              <a:t>failure</a:t>
+            </a:r>
+            <a:endParaRPr lang="en-US" dirty="0"/>
+          </a:p>
+        </p:txBody>
+      </p:sp>
+      <p:sp>
+        <p:nvSpPr>
+          <p:cNvPr id="4" name="Marcador de pie de página 3">
+            <a:extLst>
+              <a:ext uri="{FF2B5EF4-FFF2-40B4-BE49-F238E27FC236}">
+                <a16:creationId xmlns:a16="http://schemas.microsoft.com/office/drawing/2014/main" id="{7D8726E8-DB76-4BB9-9BE5-F780FCFED5E2}"/>
+              </a:ext>
+            </a:extLst>
+          </p:cNvPr>
+          <p:cNvSpPr>
+            <a:spLocks noGrp="1"/>
+          </p:cNvSpPr>
+          <p:nvPr>
+            <p:ph type="ftr" sz="quarter" idx="10"/>
+          </p:nvPr>
+        </p:nvSpPr>
+        <p:spPr/>
+        <p:txBody>
+          <a:bodyPr/>
+          <a:lstStyle/>
+          <a:p>
+            <a:r>
+              <a:rPr lang="es-ES" dirty="0"/>
+              <a:t>@</a:t>
+            </a:r>
+            <a:r>
+              <a:rPr lang="es-ES" dirty="0" err="1"/>
+              <a:t>plainconcepts</a:t>
+            </a:r>
+            <a:endParaRPr lang="es-ES" dirty="0"/>
+          </a:p>
+          <a:p>
+            <a:endParaRPr lang="es-ES" dirty="0"/>
+          </a:p>
+        </p:txBody>
+      </p:sp>
+      <p:sp>
+        <p:nvSpPr>
+          <p:cNvPr id="5" name="Marcador de número de diapositiva 4">
+            <a:extLst>
+              <a:ext uri="{FF2B5EF4-FFF2-40B4-BE49-F238E27FC236}">
+                <a16:creationId xmlns:a16="http://schemas.microsoft.com/office/drawing/2014/main" id="{34CCC3EE-7B3D-471B-94E1-754C8AB92B02}"/>
+              </a:ext>
+            </a:extLst>
+          </p:cNvPr>
+          <p:cNvSpPr>
+            <a:spLocks noGrp="1"/>
+          </p:cNvSpPr>
+          <p:nvPr>
+            <p:ph type="sldNum" sz="quarter" idx="11"/>
           </p:nvPr>
         </p:nvSpPr>
         <p:spPr/>
@@ -15220,41 +12999,10 @@
           </a:p>
         </p:txBody>
       </p:sp>
-      <p:sp>
-        <p:nvSpPr>
-          <p:cNvPr id="4" name="Text Placeholder 3"/>
-          <p:cNvSpPr>
-            <a:spLocks noGrp="1"/>
-          </p:cNvSpPr>
-          <p:nvPr>
-            <p:ph type="body" sz="quarter" idx="15"/>
-          </p:nvPr>
-        </p:nvSpPr>
-        <p:spPr/>
-        <p:txBody>
-          <a:bodyPr/>
-          <a:lstStyle/>
-          <a:p>
-            <a:r>
-              <a:rPr lang="es-ES" dirty="0" err="1"/>
-              <a:t>Triggers</a:t>
-            </a:r>
-            <a:r>
-              <a:rPr lang="es-ES" dirty="0"/>
-              <a:t> and </a:t>
-            </a:r>
-            <a:r>
-              <a:rPr lang="es-ES" dirty="0" err="1"/>
-              <a:t>Bindings</a:t>
-            </a:r>
-            <a:endParaRPr lang="es-ES" dirty="0"/>
-          </a:p>
-        </p:txBody>
-      </p:sp>
     </p:spTree>
     <p:extLst>
       <p:ext uri="{BB962C8B-B14F-4D97-AF65-F5344CB8AC3E}">
-        <p14:creationId xmlns:p14="http://schemas.microsoft.com/office/powerpoint/2010/main" val="3105363724"/>
+        <p14:creationId xmlns:p14="http://schemas.microsoft.com/office/powerpoint/2010/main" val="281564326"/>
       </p:ext>
     </p:extLst>
   </p:cSld>
@@ -15283,365 +13031,12 @@
       </p:grpSpPr>
       <p:sp>
         <p:nvSpPr>
-          <p:cNvPr id="6" name="Marcador de contenido 5"/>
+          <p:cNvPr id="2" name="Slide Number Placeholder 1"/>
           <p:cNvSpPr>
             <a:spLocks noGrp="1"/>
           </p:cNvSpPr>
           <p:nvPr>
-            <p:ph idx="1"/>
-          </p:nvPr>
-        </p:nvSpPr>
-        <p:spPr/>
-        <p:txBody>
-          <a:bodyPr>
-            <a:normAutofit/>
-          </a:bodyPr>
-          <a:lstStyle/>
-          <a:p>
-            <a:r>
-              <a:rPr lang="en-US" dirty="0"/>
-              <a:t>A </a:t>
-            </a:r>
-            <a:r>
-              <a:rPr lang="en-US" i="1" dirty="0"/>
-              <a:t>trigger</a:t>
-            </a:r>
-            <a:r>
-              <a:rPr lang="en-US" dirty="0"/>
-              <a:t> defines how a function is invoked</a:t>
-            </a:r>
-          </a:p>
-          <a:p>
-            <a:r>
-              <a:rPr lang="es-ES" dirty="0" err="1"/>
-              <a:t>Function</a:t>
-            </a:r>
-            <a:r>
-              <a:rPr lang="es-ES" dirty="0"/>
-              <a:t> </a:t>
-            </a:r>
-            <a:r>
-              <a:rPr lang="es-ES" dirty="0" err="1"/>
-              <a:t>must</a:t>
-            </a:r>
-            <a:r>
-              <a:rPr lang="en-US" dirty="0"/>
-              <a:t> have only one trigger</a:t>
-            </a:r>
-          </a:p>
-          <a:p>
-            <a:r>
-              <a:rPr lang="en-US" dirty="0"/>
-              <a:t>Triggers have associated data, which is usually the payload that triggered the function</a:t>
-            </a:r>
-          </a:p>
-          <a:p>
-            <a:r>
-              <a:rPr lang="en-US" dirty="0"/>
-              <a:t>In addition to the data payload provided by a trigger, many triggers provide additional metadata values</a:t>
-            </a:r>
-          </a:p>
-          <a:p>
-            <a:r>
-              <a:rPr lang="es-ES" dirty="0" err="1"/>
-              <a:t>Some</a:t>
-            </a:r>
-            <a:r>
-              <a:rPr lang="es-ES" dirty="0"/>
-              <a:t> </a:t>
-            </a:r>
-            <a:r>
-              <a:rPr lang="es-ES" dirty="0" err="1"/>
-              <a:t>Triggers</a:t>
-            </a:r>
-            <a:r>
-              <a:rPr lang="es-ES" dirty="0"/>
-              <a:t> </a:t>
-            </a:r>
-            <a:r>
-              <a:rPr lang="es-ES" dirty="0" err="1"/>
-              <a:t>supported</a:t>
-            </a:r>
-            <a:r>
-              <a:rPr lang="es-ES" dirty="0"/>
-              <a:t> </a:t>
-            </a:r>
-            <a:r>
-              <a:rPr lang="es-ES" dirty="0" err="1"/>
-              <a:t>by</a:t>
-            </a:r>
-            <a:r>
-              <a:rPr lang="es-ES" dirty="0"/>
-              <a:t> Azure </a:t>
-            </a:r>
-            <a:r>
-              <a:rPr lang="es-ES" dirty="0" err="1"/>
-              <a:t>Functions</a:t>
-            </a:r>
-            <a:endParaRPr lang="es-ES" dirty="0"/>
-          </a:p>
-          <a:p>
-            <a:pPr lvl="1"/>
-            <a:r>
-              <a:rPr lang="es-ES" dirty="0" err="1"/>
-              <a:t>Scheduler</a:t>
-            </a:r>
-            <a:r>
-              <a:rPr lang="es-ES" dirty="0"/>
-              <a:t> </a:t>
-            </a:r>
-            <a:r>
-              <a:rPr lang="es-ES" dirty="0" err="1"/>
-              <a:t>or</a:t>
-            </a:r>
-            <a:r>
-              <a:rPr lang="es-ES" dirty="0"/>
-              <a:t> </a:t>
-            </a:r>
-            <a:r>
-              <a:rPr lang="es-ES" dirty="0" err="1"/>
-              <a:t>timer</a:t>
-            </a:r>
-            <a:endParaRPr lang="es-ES" dirty="0"/>
-          </a:p>
-          <a:p>
-            <a:pPr lvl="1"/>
-            <a:r>
-              <a:rPr lang="es-ES" dirty="0"/>
-              <a:t>Http </a:t>
-            </a:r>
-            <a:r>
-              <a:rPr lang="es-ES" dirty="0" err="1"/>
-              <a:t>calls</a:t>
-            </a:r>
-            <a:r>
-              <a:rPr lang="es-ES" dirty="0"/>
-              <a:t> (</a:t>
-            </a:r>
-            <a:r>
-              <a:rPr lang="es-ES" dirty="0" err="1"/>
-              <a:t>Rest</a:t>
-            </a:r>
-            <a:r>
-              <a:rPr lang="es-ES" dirty="0"/>
-              <a:t> </a:t>
-            </a:r>
-            <a:r>
-              <a:rPr lang="es-ES" dirty="0" err="1"/>
-              <a:t>or</a:t>
-            </a:r>
-            <a:r>
-              <a:rPr lang="es-ES" dirty="0"/>
-              <a:t> </a:t>
-            </a:r>
-            <a:r>
-              <a:rPr lang="es-ES" dirty="0" err="1"/>
-              <a:t>Webhook</a:t>
-            </a:r>
-            <a:r>
-              <a:rPr lang="es-ES" dirty="0"/>
-              <a:t>)</a:t>
-            </a:r>
-          </a:p>
-          <a:p>
-            <a:pPr lvl="1"/>
-            <a:r>
-              <a:rPr lang="es-ES" dirty="0"/>
-              <a:t>Files </a:t>
-            </a:r>
-            <a:r>
-              <a:rPr lang="es-ES" dirty="0" err="1"/>
-              <a:t>added</a:t>
-            </a:r>
-            <a:r>
-              <a:rPr lang="es-ES" dirty="0"/>
-              <a:t> </a:t>
-            </a:r>
-            <a:r>
-              <a:rPr lang="es-ES" dirty="0" err="1"/>
-              <a:t>to</a:t>
-            </a:r>
-            <a:r>
-              <a:rPr lang="es-ES" dirty="0"/>
-              <a:t> Blob </a:t>
-            </a:r>
-            <a:r>
-              <a:rPr lang="es-ES" dirty="0" err="1"/>
-              <a:t>storages</a:t>
-            </a:r>
-            <a:endParaRPr lang="es-ES" dirty="0"/>
-          </a:p>
-          <a:p>
-            <a:pPr lvl="1"/>
-            <a:r>
-              <a:rPr lang="es-ES" dirty="0" err="1"/>
-              <a:t>Messages</a:t>
-            </a:r>
-            <a:r>
-              <a:rPr lang="es-ES" dirty="0"/>
-              <a:t> </a:t>
-            </a:r>
-            <a:r>
-              <a:rPr lang="es-ES" dirty="0" err="1"/>
-              <a:t>queued</a:t>
-            </a:r>
-            <a:r>
-              <a:rPr lang="es-ES" dirty="0"/>
-              <a:t> in a </a:t>
-            </a:r>
-            <a:r>
-              <a:rPr lang="es-ES" dirty="0" err="1"/>
-              <a:t>service</a:t>
-            </a:r>
-            <a:r>
-              <a:rPr lang="es-ES" dirty="0"/>
-              <a:t> bus</a:t>
-            </a:r>
-          </a:p>
-          <a:p>
-            <a:pPr lvl="1"/>
-            <a:r>
-              <a:rPr lang="es-ES" dirty="0" err="1"/>
-              <a:t>Events</a:t>
-            </a:r>
-            <a:r>
-              <a:rPr lang="es-ES" dirty="0"/>
-              <a:t> in </a:t>
-            </a:r>
-            <a:r>
-              <a:rPr lang="es-ES" dirty="0" err="1"/>
-              <a:t>an</a:t>
-            </a:r>
-            <a:r>
-              <a:rPr lang="es-ES" dirty="0"/>
-              <a:t> </a:t>
-            </a:r>
-            <a:r>
-              <a:rPr lang="es-ES" dirty="0" err="1"/>
-              <a:t>event</a:t>
-            </a:r>
-            <a:r>
-              <a:rPr lang="es-ES" dirty="0"/>
-              <a:t> </a:t>
-            </a:r>
-            <a:r>
-              <a:rPr lang="es-ES" dirty="0" err="1"/>
-              <a:t>hub</a:t>
-            </a:r>
-            <a:r>
-              <a:rPr lang="es-ES" dirty="0"/>
-              <a:t> </a:t>
-            </a:r>
-            <a:r>
-              <a:rPr lang="es-ES" dirty="0" err="1"/>
-              <a:t>stream</a:t>
-            </a:r>
-            <a:r>
-              <a:rPr lang="es-ES" dirty="0"/>
-              <a:t> </a:t>
-            </a:r>
-            <a:r>
-              <a:rPr lang="es-ES" dirty="0" err="1"/>
-              <a:t>service</a:t>
-            </a:r>
-            <a:endParaRPr lang="es-ES" dirty="0"/>
-          </a:p>
-          <a:p>
-            <a:pPr lvl="1"/>
-            <a:r>
-              <a:rPr lang="es-ES" dirty="0"/>
-              <a:t>Data </a:t>
-            </a:r>
-            <a:r>
-              <a:rPr lang="es-ES" dirty="0" err="1"/>
-              <a:t>inserted</a:t>
-            </a:r>
-            <a:r>
-              <a:rPr lang="es-ES" dirty="0"/>
-              <a:t> in a </a:t>
-            </a:r>
-            <a:r>
-              <a:rPr lang="es-ES" dirty="0" err="1"/>
-              <a:t>nosql</a:t>
-            </a:r>
-            <a:r>
-              <a:rPr lang="es-ES" dirty="0"/>
-              <a:t> </a:t>
-            </a:r>
-            <a:r>
-              <a:rPr lang="es-ES" dirty="0" err="1"/>
-              <a:t>db</a:t>
-            </a:r>
-            <a:endParaRPr lang="es-ES" dirty="0"/>
-          </a:p>
-        </p:txBody>
-      </p:sp>
-      <p:sp>
-        <p:nvSpPr>
-          <p:cNvPr id="5" name="Título 4"/>
-          <p:cNvSpPr>
-            <a:spLocks noGrp="1"/>
-          </p:cNvSpPr>
-          <p:nvPr>
-            <p:ph type="title"/>
-          </p:nvPr>
-        </p:nvSpPr>
-        <p:spPr/>
-        <p:txBody>
-          <a:bodyPr/>
-          <a:lstStyle/>
-          <a:p>
-            <a:r>
-              <a:rPr lang="es-ES" dirty="0" err="1">
-                <a:solidFill>
-                  <a:srgbClr val="00D0FF"/>
-                </a:solidFill>
-              </a:rPr>
-              <a:t>Triggers</a:t>
-            </a:r>
-            <a:endParaRPr lang="es-ES" dirty="0">
-              <a:solidFill>
-                <a:srgbClr val="00D0FF"/>
-              </a:solidFill>
-            </a:endParaRPr>
-          </a:p>
-        </p:txBody>
-      </p:sp>
-      <p:sp>
-        <p:nvSpPr>
-          <p:cNvPr id="2" name="Footer Placeholder 1"/>
-          <p:cNvSpPr>
-            <a:spLocks noGrp="1"/>
-          </p:cNvSpPr>
-          <p:nvPr>
-            <p:ph type="ftr" sz="quarter" idx="10"/>
-          </p:nvPr>
-        </p:nvSpPr>
-        <p:spPr/>
-        <p:txBody>
-          <a:bodyPr/>
-          <a:lstStyle/>
-          <a:p>
-            <a:r>
-              <a:rPr lang="es-ES" dirty="0"/>
-              <a:t>@</a:t>
-            </a:r>
-            <a:r>
-              <a:rPr lang="es-ES" dirty="0" err="1"/>
-              <a:t>plainconcepts</a:t>
-            </a:r>
-            <a:endParaRPr lang="es-ES" dirty="0"/>
-          </a:p>
-        </p:txBody>
-      </p:sp>
-      <p:sp>
-        <p:nvSpPr>
-          <p:cNvPr id="3" name="Slide Number Placeholder 2"/>
-          <p:cNvSpPr>
-            <a:spLocks noGrp="1"/>
-          </p:cNvSpPr>
-          <p:nvPr>
-            <p:ph type="sldNum" sz="quarter" idx="11"/>
+            <p:ph type="sldNum" sz="quarter" idx="12"/>
           </p:nvPr>
         </p:nvSpPr>
         <p:spPr/>
@@ -15654,14 +13049,45 @@
               <a:pPr/>
               <a:t>9</a:t>
             </a:fld>
-            <a:endParaRPr lang="es-ES"/>
+            <a:endParaRPr lang="es-ES" dirty="0"/>
+          </a:p>
+        </p:txBody>
+      </p:sp>
+      <p:sp>
+        <p:nvSpPr>
+          <p:cNvPr id="4" name="Text Placeholder 3"/>
+          <p:cNvSpPr>
+            <a:spLocks noGrp="1"/>
+          </p:cNvSpPr>
+          <p:nvPr>
+            <p:ph type="body" sz="quarter" idx="15"/>
+          </p:nvPr>
+        </p:nvSpPr>
+        <p:spPr/>
+        <p:txBody>
+          <a:bodyPr/>
+          <a:lstStyle/>
+          <a:p>
+            <a:r>
+              <a:rPr lang="es-ES" dirty="0" err="1"/>
+              <a:t>Infrastructure</a:t>
+            </a:r>
+            <a:r>
+              <a:rPr lang="es-ES" dirty="0"/>
+              <a:t> </a:t>
+            </a:r>
+            <a:r>
+              <a:rPr lang="es-ES" dirty="0" err="1"/>
+              <a:t>Automation</a:t>
+            </a:r>
+            <a:endParaRPr lang="es-ES" dirty="0"/>
           </a:p>
         </p:txBody>
       </p:sp>
     </p:spTree>
     <p:extLst>
       <p:ext uri="{BB962C8B-B14F-4D97-AF65-F5344CB8AC3E}">
-        <p14:creationId xmlns:p14="http://schemas.microsoft.com/office/powerpoint/2010/main" val="381238547"/>
+        <p14:creationId xmlns:p14="http://schemas.microsoft.com/office/powerpoint/2010/main" val="3836863280"/>
       </p:ext>
     </p:extLst>
   </p:cSld>

--- a/Docu/BestPractices&Antipatterns.pptx
+++ b/Docu/BestPractices&Antipatterns.pptx
@@ -5,10 +5,10 @@
     <p:sldMasterId id="2147483672" r:id="rId4"/>
   </p:sldMasterIdLst>
   <p:notesMasterIdLst>
-    <p:notesMasterId r:id="rId18"/>
+    <p:notesMasterId r:id="rId30"/>
   </p:notesMasterIdLst>
   <p:handoutMasterIdLst>
-    <p:handoutMasterId r:id="rId19"/>
+    <p:handoutMasterId r:id="rId31"/>
   </p:handoutMasterIdLst>
   <p:sldIdLst>
     <p:sldId id="418" r:id="rId5"/>
@@ -22,36 +22,55 @@
     <p:sldId id="442" r:id="rId13"/>
     <p:sldId id="440" r:id="rId14"/>
     <p:sldId id="434" r:id="rId15"/>
-    <p:sldId id="398" r:id="rId16"/>
-    <p:sldId id="417" r:id="rId17"/>
+    <p:sldId id="443" r:id="rId16"/>
+    <p:sldId id="444" r:id="rId17"/>
+    <p:sldId id="445" r:id="rId18"/>
+    <p:sldId id="446" r:id="rId19"/>
+    <p:sldId id="447" r:id="rId20"/>
+    <p:sldId id="448" r:id="rId21"/>
+    <p:sldId id="449" r:id="rId22"/>
+    <p:sldId id="450" r:id="rId23"/>
+    <p:sldId id="451" r:id="rId24"/>
+    <p:sldId id="452" r:id="rId25"/>
+    <p:sldId id="453" r:id="rId26"/>
+    <p:sldId id="454" r:id="rId27"/>
+    <p:sldId id="398" r:id="rId28"/>
+    <p:sldId id="417" r:id="rId29"/>
   </p:sldIdLst>
   <p:sldSz cx="12192000" cy="6858000"/>
   <p:notesSz cx="6858000" cy="9144000"/>
   <p:embeddedFontLst>
     <p:embeddedFont>
-      <p:font typeface="Tw Cen MT" panose="020B0602020104020603" pitchFamily="34" charset="0"/>
-      <p:regular r:id="rId20"/>
-      <p:bold r:id="rId21"/>
-      <p:italic r:id="rId22"/>
-      <p:boldItalic r:id="rId23"/>
-    </p:embeddedFont>
-    <p:embeddedFont>
       <p:font typeface="Open Sans" panose="020B0604020202020204" charset="0"/>
-      <p:regular r:id="rId24"/>
-      <p:bold r:id="rId25"/>
-      <p:italic r:id="rId26"/>
-      <p:boldItalic r:id="rId27"/>
+      <p:regular r:id="rId32"/>
+      <p:bold r:id="rId33"/>
+      <p:italic r:id="rId34"/>
+      <p:boldItalic r:id="rId35"/>
     </p:embeddedFont>
     <p:embeddedFont>
       <p:font typeface="Calibri" panose="020F0502020204030204" pitchFamily="34" charset="0"/>
-      <p:regular r:id="rId28"/>
-      <p:bold r:id="rId29"/>
-      <p:italic r:id="rId30"/>
-      <p:boldItalic r:id="rId31"/>
+      <p:regular r:id="rId36"/>
+      <p:bold r:id="rId37"/>
+      <p:italic r:id="rId38"/>
+      <p:boldItalic r:id="rId39"/>
+    </p:embeddedFont>
+    <p:embeddedFont>
+      <p:font typeface="Consolas" panose="020B0609020204030204" pitchFamily="49" charset="0"/>
+      <p:regular r:id="rId40"/>
+      <p:bold r:id="rId41"/>
+      <p:italic r:id="rId42"/>
+      <p:boldItalic r:id="rId43"/>
     </p:embeddedFont>
     <p:embeddedFont>
       <p:font typeface="Helvetica35-Thin" panose="020B0604020202020204" charset="0"/>
-      <p:regular r:id="rId32"/>
+      <p:regular r:id="rId44"/>
+    </p:embeddedFont>
+    <p:embeddedFont>
+      <p:font typeface="Tw Cen MT" panose="020B0602020104020603" pitchFamily="34" charset="0"/>
+      <p:regular r:id="rId45"/>
+      <p:bold r:id="rId46"/>
+      <p:italic r:id="rId47"/>
+      <p:boldItalic r:id="rId48"/>
     </p:embeddedFont>
   </p:embeddedFontLst>
   <p:defaultTextStyle>
@@ -293,7 +312,7 @@
           <a:p>
             <a:fld id="{2ADDDFB6-CA13-4FEC-8ED3-F8810E2E31A9}" type="datetimeFigureOut">
               <a:rPr lang="es-ES" smtClean="0"/>
-              <a:t>11/11/2017</a:t>
+              <a:t>13/11/2017</a:t>
             </a:fld>
             <a:endParaRPr lang="es-ES"/>
           </a:p>
@@ -359,7 +378,7 @@
           <a:p>
             <a:fld id="{833E65B1-DC05-4021-8D2D-3F6A77956557}" type="slidenum">
               <a:rPr lang="es-ES" smtClean="0"/>
-              <a:t>‹Nº›</a:t>
+              <a:t>‹#›</a:t>
             </a:fld>
             <a:endParaRPr lang="es-ES"/>
           </a:p>
@@ -459,7 +478,7 @@
           <a:p>
             <a:fld id="{BF98DDE1-7473-4089-A3EB-80E19C00570C}" type="datetimeFigureOut">
               <a:rPr lang="en-US" smtClean="0"/>
-              <a:t>11/11/2017</a:t>
+              <a:t>11/13/2017</a:t>
             </a:fld>
             <a:endParaRPr lang="en-US"/>
           </a:p>
@@ -617,7 +636,7 @@
           <a:p>
             <a:fld id="{805BB2E5-D305-412D-A528-E39D5186BA83}" type="slidenum">
               <a:rPr lang="en-US" smtClean="0"/>
-              <a:t>‹Nº›</a:t>
+              <a:t>‹#›</a:t>
             </a:fld>
             <a:endParaRPr lang="en-US"/>
           </a:p>
@@ -1010,7 +1029,7 @@
             <a:fld id="{88CB616A-2EDE-4F93-81C7-BE29C9C217CB}" type="slidenum">
               <a:rPr lang="es-ES" smtClean="0"/>
               <a:pPr/>
-              <a:t>‹Nº›</a:t>
+              <a:t>‹#›</a:t>
             </a:fld>
             <a:endParaRPr lang="es-ES" dirty="0"/>
           </a:p>
@@ -1608,7 +1627,7 @@
             <a:fld id="{88CB616A-2EDE-4F93-81C7-BE29C9C217CB}" type="slidenum">
               <a:rPr lang="es-ES" smtClean="0"/>
               <a:pPr/>
-              <a:t>‹Nº›</a:t>
+              <a:t>‹#›</a:t>
             </a:fld>
             <a:endParaRPr lang="es-ES" dirty="0"/>
           </a:p>
@@ -2008,7 +2027,7 @@
             <a:fld id="{88CB616A-2EDE-4F93-81C7-BE29C9C217CB}" type="slidenum">
               <a:rPr lang="es-ES" smtClean="0"/>
               <a:pPr/>
-              <a:t>‹Nº›</a:t>
+              <a:t>‹#›</a:t>
             </a:fld>
             <a:endParaRPr lang="es-ES" dirty="0"/>
           </a:p>
@@ -2342,7 +2361,7 @@
             <a:fld id="{88CB616A-2EDE-4F93-81C7-BE29C9C217CB}" type="slidenum">
               <a:rPr lang="es-ES" smtClean="0"/>
               <a:pPr/>
-              <a:t>‹Nº›</a:t>
+              <a:t>‹#›</a:t>
             </a:fld>
             <a:endParaRPr lang="es-ES" dirty="0"/>
           </a:p>
@@ -2736,7 +2755,7 @@
             <a:fld id="{88CB616A-2EDE-4F93-81C7-BE29C9C217CB}" type="slidenum">
               <a:rPr lang="es-ES" smtClean="0"/>
               <a:pPr/>
-              <a:t>‹Nº›</a:t>
+              <a:t>‹#›</a:t>
             </a:fld>
             <a:endParaRPr lang="es-ES" dirty="0"/>
           </a:p>
@@ -3130,7 +3149,7 @@
             <a:fld id="{88CB616A-2EDE-4F93-81C7-BE29C9C217CB}" type="slidenum">
               <a:rPr lang="es-ES" smtClean="0"/>
               <a:pPr/>
-              <a:t>‹Nº›</a:t>
+              <a:t>‹#›</a:t>
             </a:fld>
             <a:endParaRPr lang="es-ES" dirty="0"/>
           </a:p>
@@ -3606,7 +3625,7 @@
             <a:fld id="{88CB616A-2EDE-4F93-81C7-BE29C9C217CB}" type="slidenum">
               <a:rPr lang="es-ES" smtClean="0"/>
               <a:pPr/>
-              <a:t>‹Nº›</a:t>
+              <a:t>‹#›</a:t>
             </a:fld>
             <a:endParaRPr lang="es-ES" dirty="0"/>
           </a:p>
@@ -3999,7 +4018,7 @@
           <a:p>
             <a:fld id="{88CB616A-2EDE-4F93-81C7-BE29C9C217CB}" type="slidenum">
               <a:rPr lang="es-ES" smtClean="0"/>
-              <a:t>‹Nº›</a:t>
+              <a:t>‹#›</a:t>
             </a:fld>
             <a:endParaRPr lang="es-ES"/>
           </a:p>
@@ -5727,7 +5746,7 @@
             <a:fld id="{88CB616A-2EDE-4F93-81C7-BE29C9C217CB}" type="slidenum">
               <a:rPr lang="es-ES" smtClean="0"/>
               <a:pPr/>
-              <a:t>‹Nº›</a:t>
+              <a:t>‹#›</a:t>
             </a:fld>
             <a:endParaRPr lang="es-ES" dirty="0"/>
           </a:p>
@@ -5940,7 +5959,7 @@
             <a:fld id="{88CB616A-2EDE-4F93-81C7-BE29C9C217CB}" type="slidenum">
               <a:rPr lang="es-ES" smtClean="0"/>
               <a:pPr/>
-              <a:t>‹Nº›</a:t>
+              <a:t>‹#›</a:t>
             </a:fld>
             <a:endParaRPr lang="es-ES" dirty="0"/>
           </a:p>
@@ -6234,7 +6253,7 @@
           <a:p>
             <a:fld id="{88CB616A-2EDE-4F93-81C7-BE29C9C217CB}" type="slidenum">
               <a:rPr lang="es-ES" smtClean="0"/>
-              <a:t>‹Nº›</a:t>
+              <a:t>‹#›</a:t>
             </a:fld>
             <a:endParaRPr lang="es-ES" dirty="0"/>
           </a:p>
@@ -6603,7 +6622,7 @@
             <a:fld id="{88CB616A-2EDE-4F93-81C7-BE29C9C217CB}" type="slidenum">
               <a:rPr lang="es-ES" smtClean="0"/>
               <a:pPr/>
-              <a:t>‹Nº›</a:t>
+              <a:t>‹#›</a:t>
             </a:fld>
             <a:endParaRPr lang="es-ES" dirty="0"/>
           </a:p>
@@ -6929,7 +6948,7 @@
             <a:fld id="{88CB616A-2EDE-4F93-81C7-BE29C9C217CB}" type="slidenum">
               <a:rPr lang="es-ES" smtClean="0"/>
               <a:pPr/>
-              <a:t>‹Nº›</a:t>
+              <a:t>‹#›</a:t>
             </a:fld>
             <a:endParaRPr lang="es-ES" dirty="0"/>
           </a:p>
@@ -7805,7 +7824,7 @@
             <a:fld id="{88CB616A-2EDE-4F93-81C7-BE29C9C217CB}" type="slidenum">
               <a:rPr lang="es-ES" smtClean="0"/>
               <a:pPr/>
-              <a:t>‹Nº›</a:t>
+              <a:t>‹#›</a:t>
             </a:fld>
             <a:endParaRPr lang="es-ES" dirty="0"/>
           </a:p>
@@ -8175,7 +8194,7 @@
             <a:fld id="{88CB616A-2EDE-4F93-81C7-BE29C9C217CB}" type="slidenum">
               <a:rPr lang="es-ES" smtClean="0"/>
               <a:pPr/>
-              <a:t>‹Nº›</a:t>
+              <a:t>‹#›</a:t>
             </a:fld>
             <a:endParaRPr lang="es-ES" dirty="0"/>
           </a:p>
@@ -8523,7 +8542,7 @@
             <a:fld id="{88CB616A-2EDE-4F93-81C7-BE29C9C217CB}" type="slidenum">
               <a:rPr lang="es-ES" smtClean="0"/>
               <a:pPr/>
-              <a:t>‹Nº›</a:t>
+              <a:t>‹#›</a:t>
             </a:fld>
             <a:endParaRPr lang="es-ES" dirty="0"/>
           </a:p>
@@ -8787,7 +8806,7 @@
             <a:fld id="{88CB616A-2EDE-4F93-81C7-BE29C9C217CB}" type="slidenum">
               <a:rPr lang="es-ES" smtClean="0"/>
               <a:pPr/>
-              <a:t>‹Nº›</a:t>
+              <a:t>‹#›</a:t>
             </a:fld>
             <a:endParaRPr lang="es-ES" dirty="0"/>
           </a:p>
@@ -9725,8 +9744,8 @@
           <a:lstStyle/>
           <a:p>
             <a:r>
-              <a:rPr lang="es-ES" dirty="0"/>
-              <a:t>Demo</a:t>
+              <a:rPr lang="en-US" sz="4800" dirty="0"/>
+              <a:t>Workshop: adding Circuit Breaker with Polly</a:t>
             </a:r>
           </a:p>
         </p:txBody>
@@ -9763,6 +9782,7093 @@
       </p:grpSpPr>
       <p:sp>
         <p:nvSpPr>
+          <p:cNvPr id="2" name="Slide Number Placeholder 1"/>
+          <p:cNvSpPr>
+            <a:spLocks noGrp="1"/>
+          </p:cNvSpPr>
+          <p:nvPr>
+            <p:ph type="sldNum" sz="quarter" idx="12"/>
+          </p:nvPr>
+        </p:nvSpPr>
+        <p:spPr/>
+        <p:txBody>
+          <a:bodyPr/>
+          <a:lstStyle/>
+          <a:p>
+            <a:fld id="{88CB616A-2EDE-4F93-81C7-BE29C9C217CB}" type="slidenum">
+              <a:rPr lang="es-ES" smtClean="0"/>
+              <a:pPr/>
+              <a:t>12</a:t>
+            </a:fld>
+            <a:endParaRPr lang="es-ES" dirty="0"/>
+          </a:p>
+        </p:txBody>
+      </p:sp>
+      <p:sp>
+        <p:nvSpPr>
+          <p:cNvPr id="4" name="Text Placeholder 3"/>
+          <p:cNvSpPr>
+            <a:spLocks noGrp="1"/>
+          </p:cNvSpPr>
+          <p:nvPr>
+            <p:ph type="body" sz="quarter" idx="15"/>
+          </p:nvPr>
+        </p:nvSpPr>
+        <p:spPr/>
+        <p:txBody>
+          <a:bodyPr/>
+          <a:lstStyle/>
+          <a:p>
+            <a:r>
+              <a:rPr lang="es-ES" dirty="0"/>
+              <a:t>4. </a:t>
+            </a:r>
+            <a:r>
+              <a:rPr lang="es-ES" dirty="0" err="1"/>
+              <a:t>Health</a:t>
+            </a:r>
+            <a:r>
+              <a:rPr lang="es-ES" dirty="0"/>
+              <a:t> </a:t>
+            </a:r>
+            <a:r>
+              <a:rPr lang="es-ES" dirty="0" err="1"/>
+              <a:t>monitoring</a:t>
+            </a:r>
+            <a:endParaRPr lang="es-ES" dirty="0"/>
+          </a:p>
+        </p:txBody>
+      </p:sp>
+    </p:spTree>
+    <p:extLst>
+      <p:ext uri="{BB962C8B-B14F-4D97-AF65-F5344CB8AC3E}">
+        <p14:creationId xmlns:p14="http://schemas.microsoft.com/office/powerpoint/2010/main" val="232034822"/>
+      </p:ext>
+    </p:extLst>
+  </p:cSld>
+  <p:clrMapOvr>
+    <a:masterClrMapping/>
+  </p:clrMapOvr>
+</p:sld>
+</file>
+
+<file path=ppt/slides/slide13.xml><?xml version="1.0" encoding="utf-8"?>
+<p:sld xmlns:a="http://schemas.openxmlformats.org/drawingml/2006/main" xmlns:r="http://schemas.openxmlformats.org/officeDocument/2006/relationships" xmlns:p="http://schemas.openxmlformats.org/presentationml/2006/main">
+  <p:cSld>
+    <p:spTree>
+      <p:nvGrpSpPr>
+        <p:cNvPr id="1" name=""/>
+        <p:cNvGrpSpPr/>
+        <p:nvPr/>
+      </p:nvGrpSpPr>
+      <p:grpSpPr>
+        <a:xfrm>
+          <a:off x="0" y="0"/>
+          <a:ext cx="0" cy="0"/>
+          <a:chOff x="0" y="0"/>
+          <a:chExt cx="0" cy="0"/>
+        </a:xfrm>
+      </p:grpSpPr>
+      <p:sp>
+        <p:nvSpPr>
+          <p:cNvPr id="2" name="Marcador de contenido 1">
+            <a:extLst>
+              <a:ext uri="{FF2B5EF4-FFF2-40B4-BE49-F238E27FC236}">
+                <a16:creationId xmlns:a16="http://schemas.microsoft.com/office/drawing/2014/main" id="{03087A25-92C7-477B-8C1F-FD21314484F6}"/>
+              </a:ext>
+            </a:extLst>
+          </p:cNvPr>
+          <p:cNvSpPr>
+            <a:spLocks noGrp="1"/>
+          </p:cNvSpPr>
+          <p:nvPr>
+            <p:ph idx="1"/>
+          </p:nvPr>
+        </p:nvSpPr>
+        <p:spPr/>
+        <p:txBody>
+          <a:bodyPr/>
+          <a:lstStyle/>
+          <a:p>
+            <a:pPr marL="285750" indent="-285750">
+              <a:buClr>
+                <a:srgbClr val="00D0FF"/>
+              </a:buClr>
+              <a:buSzPct val="110000"/>
+              <a:buFont typeface="Arial" panose="020B0604020202020204" pitchFamily="34" charset="0"/>
+              <a:buChar char="•"/>
+            </a:pPr>
+            <a:r>
+              <a:rPr lang="en-US" dirty="0">
+                <a:solidFill>
+                  <a:prstClr val="black"/>
+                </a:solidFill>
+              </a:rPr>
+              <a:t>We have lots of instances of our services</a:t>
+            </a:r>
+          </a:p>
+          <a:p>
+            <a:pPr marL="285750" indent="-285750">
+              <a:buClr>
+                <a:srgbClr val="00D0FF"/>
+              </a:buClr>
+              <a:buSzPct val="110000"/>
+              <a:buFont typeface="Arial" panose="020B0604020202020204" pitchFamily="34" charset="0"/>
+              <a:buChar char="•"/>
+            </a:pPr>
+            <a:r>
+              <a:rPr lang="en-US" dirty="0">
+                <a:solidFill>
+                  <a:prstClr val="black"/>
+                </a:solidFill>
+              </a:rPr>
+              <a:t>A service instance can be down for  handling requests but the host be running</a:t>
+            </a:r>
+          </a:p>
+          <a:p>
+            <a:pPr marL="285750" indent="-285750">
+              <a:buClr>
+                <a:srgbClr val="00D0FF"/>
+              </a:buClr>
+              <a:buSzPct val="110000"/>
+              <a:buFont typeface="Arial" panose="020B0604020202020204" pitchFamily="34" charset="0"/>
+              <a:buChar char="•"/>
+            </a:pPr>
+            <a:r>
+              <a:rPr lang="en-US" dirty="0">
+                <a:solidFill>
+                  <a:prstClr val="black"/>
+                </a:solidFill>
+              </a:rPr>
+              <a:t>We need a way to detect these outages to raise a warning and handle the situation </a:t>
+            </a:r>
+          </a:p>
+          <a:p>
+            <a:pPr marL="1276325" lvl="1" indent="-285750">
+              <a:buClr>
+                <a:srgbClr val="00D0FF"/>
+              </a:buClr>
+              <a:buSzPct val="110000"/>
+              <a:buFont typeface="Arial" panose="020B0604020202020204" pitchFamily="34" charset="0"/>
+              <a:buChar char="•"/>
+            </a:pPr>
+            <a:r>
+              <a:rPr lang="en-US" sz="1600" dirty="0">
+                <a:solidFill>
+                  <a:prstClr val="black"/>
+                </a:solidFill>
+                <a:latin typeface="+mj-lt"/>
+              </a:rPr>
+              <a:t>Move traffic to other instances of the same service</a:t>
+            </a:r>
+          </a:p>
+          <a:p>
+            <a:pPr marL="1276325" lvl="1" indent="-285750">
+              <a:buClr>
+                <a:srgbClr val="00D0FF"/>
+              </a:buClr>
+              <a:buSzPct val="110000"/>
+              <a:buFont typeface="Arial" panose="020B0604020202020204" pitchFamily="34" charset="0"/>
+              <a:buChar char="•"/>
+            </a:pPr>
+            <a:r>
+              <a:rPr lang="en-US" sz="1600" dirty="0">
+                <a:solidFill>
+                  <a:prstClr val="black"/>
+                </a:solidFill>
+                <a:latin typeface="+mj-lt"/>
+              </a:rPr>
+              <a:t>Notify the team</a:t>
+            </a:r>
+          </a:p>
+          <a:p>
+            <a:pPr marL="1276325" lvl="1" indent="-285750">
+              <a:buClr>
+                <a:srgbClr val="00D0FF"/>
+              </a:buClr>
+              <a:buSzPct val="110000"/>
+              <a:buFont typeface="Arial" panose="020B0604020202020204" pitchFamily="34" charset="0"/>
+              <a:buChar char="•"/>
+            </a:pPr>
+            <a:r>
+              <a:rPr lang="en-US" sz="1600" dirty="0">
+                <a:solidFill>
+                  <a:prstClr val="black"/>
+                </a:solidFill>
+                <a:latin typeface="+mj-lt"/>
+              </a:rPr>
+              <a:t>Recycle the service</a:t>
+            </a:r>
+            <a:endParaRPr lang="es-ES" sz="1600" dirty="0">
+              <a:solidFill>
+                <a:prstClr val="black"/>
+              </a:solidFill>
+              <a:latin typeface="+mj-lt"/>
+            </a:endParaRPr>
+          </a:p>
+        </p:txBody>
+      </p:sp>
+      <p:sp>
+        <p:nvSpPr>
+          <p:cNvPr id="3" name="Título 2">
+            <a:extLst>
+              <a:ext uri="{FF2B5EF4-FFF2-40B4-BE49-F238E27FC236}">
+                <a16:creationId xmlns:a16="http://schemas.microsoft.com/office/drawing/2014/main" id="{94DB68BB-334E-43E2-A57C-4810B1615C60}"/>
+              </a:ext>
+            </a:extLst>
+          </p:cNvPr>
+          <p:cNvSpPr>
+            <a:spLocks noGrp="1"/>
+          </p:cNvSpPr>
+          <p:nvPr>
+            <p:ph type="title"/>
+          </p:nvPr>
+        </p:nvSpPr>
+        <p:spPr/>
+        <p:txBody>
+          <a:bodyPr/>
+          <a:lstStyle/>
+          <a:p>
+            <a:r>
+              <a:rPr lang="es-ES" dirty="0" err="1"/>
+              <a:t>The</a:t>
+            </a:r>
+            <a:r>
+              <a:rPr lang="es-ES" dirty="0"/>
+              <a:t> </a:t>
+            </a:r>
+            <a:r>
+              <a:rPr lang="es-ES" dirty="0" err="1"/>
+              <a:t>situation</a:t>
+            </a:r>
+            <a:endParaRPr lang="es-ES" dirty="0"/>
+          </a:p>
+        </p:txBody>
+      </p:sp>
+      <p:sp>
+        <p:nvSpPr>
+          <p:cNvPr id="4" name="Marcador de pie de página 3">
+            <a:extLst>
+              <a:ext uri="{FF2B5EF4-FFF2-40B4-BE49-F238E27FC236}">
+                <a16:creationId xmlns:a16="http://schemas.microsoft.com/office/drawing/2014/main" id="{FB15C30F-D595-43A3-9F5F-6F52B6FE27E9}"/>
+              </a:ext>
+            </a:extLst>
+          </p:cNvPr>
+          <p:cNvSpPr>
+            <a:spLocks noGrp="1"/>
+          </p:cNvSpPr>
+          <p:nvPr>
+            <p:ph type="ftr" sz="quarter" idx="10"/>
+          </p:nvPr>
+        </p:nvSpPr>
+        <p:spPr/>
+        <p:txBody>
+          <a:bodyPr/>
+          <a:lstStyle/>
+          <a:p>
+            <a:pPr>
+              <a:defRPr/>
+            </a:pPr>
+            <a:r>
+              <a:rPr lang="es-ES" dirty="0"/>
+              <a:t>@</a:t>
+            </a:r>
+            <a:r>
+              <a:rPr lang="es-ES" dirty="0" err="1"/>
+              <a:t>plainconcepts</a:t>
+            </a:r>
+            <a:endParaRPr lang="es-ES" dirty="0"/>
+          </a:p>
+          <a:p>
+            <a:pPr marL="0" marR="0" lvl="0" indent="0" algn="l" defTabSz="914400" rtl="0" eaLnBrk="1" fontAlgn="auto" latinLnBrk="0" hangingPunct="1">
+              <a:lnSpc>
+                <a:spcPct val="100000"/>
+              </a:lnSpc>
+              <a:spcBef>
+                <a:spcPts val="0"/>
+              </a:spcBef>
+              <a:spcAft>
+                <a:spcPts val="0"/>
+              </a:spcAft>
+              <a:buClrTx/>
+              <a:buSzTx/>
+              <a:buFontTx/>
+              <a:buNone/>
+              <a:tabLst/>
+              <a:defRPr/>
+            </a:pPr>
+            <a:endParaRPr kumimoji="0" lang="es-ES" sz="1200" b="0" i="0" u="none" strike="noStrike" kern="1200" cap="none" spc="0" normalizeH="0" baseline="0" noProof="0" dirty="0">
+              <a:ln>
+                <a:noFill/>
+              </a:ln>
+              <a:solidFill>
+                <a:srgbClr val="00D0FF"/>
+              </a:solidFill>
+              <a:effectLst/>
+              <a:uLnTx/>
+              <a:uFillTx/>
+              <a:latin typeface="Tw Cen MT" panose="020B0602020104020603"/>
+              <a:ea typeface="+mn-ea"/>
+              <a:cs typeface="+mn-cs"/>
+            </a:endParaRPr>
+          </a:p>
+        </p:txBody>
+      </p:sp>
+      <p:sp>
+        <p:nvSpPr>
+          <p:cNvPr id="5" name="Marcador de número de diapositiva 4">
+            <a:extLst>
+              <a:ext uri="{FF2B5EF4-FFF2-40B4-BE49-F238E27FC236}">
+                <a16:creationId xmlns:a16="http://schemas.microsoft.com/office/drawing/2014/main" id="{AF4CEFA4-003E-47A2-9D60-990FD1784525}"/>
+              </a:ext>
+            </a:extLst>
+          </p:cNvPr>
+          <p:cNvSpPr>
+            <a:spLocks noGrp="1"/>
+          </p:cNvSpPr>
+          <p:nvPr>
+            <p:ph type="sldNum" sz="quarter" idx="11"/>
+          </p:nvPr>
+        </p:nvSpPr>
+        <p:spPr/>
+        <p:txBody>
+          <a:bodyPr/>
+          <a:lstStyle/>
+          <a:p>
+            <a:pPr marL="0" marR="0" lvl="0" indent="0" algn="r" defTabSz="914400" rtl="0" eaLnBrk="1" fontAlgn="auto" latinLnBrk="0" hangingPunct="1">
+              <a:lnSpc>
+                <a:spcPct val="100000"/>
+              </a:lnSpc>
+              <a:spcBef>
+                <a:spcPts val="0"/>
+              </a:spcBef>
+              <a:spcAft>
+                <a:spcPts val="0"/>
+              </a:spcAft>
+              <a:buClrTx/>
+              <a:buSzTx/>
+              <a:buFontTx/>
+              <a:buNone/>
+              <a:tabLst/>
+              <a:defRPr/>
+            </a:pPr>
+            <a:fld id="{88CB616A-2EDE-4F93-81C7-BE29C9C217CB}" type="slidenum">
+              <a:rPr kumimoji="0" lang="es-ES" sz="1200" b="0" i="0" u="none" strike="noStrike" kern="1200" cap="none" spc="0" normalizeH="0" baseline="0" noProof="0" smtClean="0">
+                <a:ln>
+                  <a:noFill/>
+                </a:ln>
+                <a:solidFill>
+                  <a:prstClr val="black"/>
+                </a:solidFill>
+                <a:effectLst/>
+                <a:uLnTx/>
+                <a:uFillTx/>
+                <a:latin typeface="Tw Cen MT" panose="020B0602020104020603"/>
+                <a:ea typeface="+mn-ea"/>
+                <a:cs typeface="+mn-cs"/>
+              </a:rPr>
+              <a:pPr marL="0" marR="0" lvl="0" indent="0" algn="r" defTabSz="914400" rtl="0" eaLnBrk="1" fontAlgn="auto" latinLnBrk="0" hangingPunct="1">
+                <a:lnSpc>
+                  <a:spcPct val="100000"/>
+                </a:lnSpc>
+                <a:spcBef>
+                  <a:spcPts val="0"/>
+                </a:spcBef>
+                <a:spcAft>
+                  <a:spcPts val="0"/>
+                </a:spcAft>
+                <a:buClrTx/>
+                <a:buSzTx/>
+                <a:buFontTx/>
+                <a:buNone/>
+                <a:tabLst/>
+                <a:defRPr/>
+              </a:pPr>
+              <a:t>13</a:t>
+            </a:fld>
+            <a:endParaRPr kumimoji="0" lang="es-ES" sz="1200" b="0" i="0" u="none" strike="noStrike" kern="1200" cap="none" spc="0" normalizeH="0" baseline="0" noProof="0" dirty="0">
+              <a:ln>
+                <a:noFill/>
+              </a:ln>
+              <a:solidFill>
+                <a:prstClr val="black"/>
+              </a:solidFill>
+              <a:effectLst/>
+              <a:uLnTx/>
+              <a:uFillTx/>
+              <a:latin typeface="Tw Cen MT" panose="020B0602020104020603"/>
+              <a:ea typeface="+mn-ea"/>
+              <a:cs typeface="+mn-cs"/>
+            </a:endParaRPr>
+          </a:p>
+        </p:txBody>
+      </p:sp>
+    </p:spTree>
+    <p:extLst>
+      <p:ext uri="{BB962C8B-B14F-4D97-AF65-F5344CB8AC3E}">
+        <p14:creationId xmlns:p14="http://schemas.microsoft.com/office/powerpoint/2010/main" val="4050913746"/>
+      </p:ext>
+    </p:extLst>
+  </p:cSld>
+  <p:clrMapOvr>
+    <a:masterClrMapping/>
+  </p:clrMapOvr>
+</p:sld>
+</file>
+
+<file path=ppt/slides/slide14.xml><?xml version="1.0" encoding="utf-8"?>
+<p:sld xmlns:a="http://schemas.openxmlformats.org/drawingml/2006/main" xmlns:r="http://schemas.openxmlformats.org/officeDocument/2006/relationships" xmlns:p="http://schemas.openxmlformats.org/presentationml/2006/main">
+  <p:cSld>
+    <p:spTree>
+      <p:nvGrpSpPr>
+        <p:cNvPr id="1" name=""/>
+        <p:cNvGrpSpPr/>
+        <p:nvPr/>
+      </p:nvGrpSpPr>
+      <p:grpSpPr>
+        <a:xfrm>
+          <a:off x="0" y="0"/>
+          <a:ext cx="0" cy="0"/>
+          <a:chOff x="0" y="0"/>
+          <a:chExt cx="0" cy="0"/>
+        </a:xfrm>
+      </p:grpSpPr>
+      <p:sp>
+        <p:nvSpPr>
+          <p:cNvPr id="2" name="Content Placeholder 1">
+            <a:extLst>
+              <a:ext uri="{FF2B5EF4-FFF2-40B4-BE49-F238E27FC236}">
+                <a16:creationId xmlns:a16="http://schemas.microsoft.com/office/drawing/2014/main" id="{112A21C4-6520-4623-937A-1C4274CD5A19}"/>
+              </a:ext>
+            </a:extLst>
+          </p:cNvPr>
+          <p:cNvSpPr>
+            <a:spLocks noGrp="1"/>
+          </p:cNvSpPr>
+          <p:nvPr>
+            <p:ph idx="1"/>
+          </p:nvPr>
+        </p:nvSpPr>
+        <p:spPr/>
+        <p:txBody>
+          <a:bodyPr/>
+          <a:lstStyle/>
+          <a:p>
+            <a:pPr marL="285750" indent="-285750">
+              <a:buClr>
+                <a:srgbClr val="00D0FF"/>
+              </a:buClr>
+              <a:buSzPct val="110000"/>
+              <a:buFont typeface="Arial" panose="020B0604020202020204" pitchFamily="34" charset="0"/>
+              <a:buChar char="•"/>
+            </a:pPr>
+            <a:r>
+              <a:rPr lang="en-US" dirty="0">
+                <a:solidFill>
+                  <a:prstClr val="black"/>
+                </a:solidFill>
+              </a:rPr>
+              <a:t>It is the group of operations and activities related to provide the near-real-time information about the containers and microservices.</a:t>
+            </a:r>
+          </a:p>
+          <a:p>
+            <a:pPr marL="285750" indent="-285750">
+              <a:buClr>
+                <a:srgbClr val="00D0FF"/>
+              </a:buClr>
+              <a:buSzPct val="110000"/>
+              <a:buFont typeface="Arial" panose="020B0604020202020204" pitchFamily="34" charset="0"/>
+              <a:buChar char="•"/>
+            </a:pPr>
+            <a:r>
+              <a:rPr lang="en-US" dirty="0">
+                <a:solidFill>
+                  <a:prstClr val="black"/>
+                </a:solidFill>
+              </a:rPr>
+              <a:t>Health monitoring is different from diagnostics:</a:t>
+            </a:r>
+          </a:p>
+          <a:p>
+            <a:pPr marL="1276325" lvl="1" indent="-285750">
+              <a:buClr>
+                <a:srgbClr val="00D0FF"/>
+              </a:buClr>
+              <a:buSzPct val="110000"/>
+              <a:buFont typeface="Arial" panose="020B0604020202020204" pitchFamily="34" charset="0"/>
+              <a:buChar char="•"/>
+            </a:pPr>
+            <a:r>
+              <a:rPr lang="en-US" sz="1600" dirty="0">
+                <a:solidFill>
+                  <a:prstClr val="black"/>
+                </a:solidFill>
+                <a:latin typeface="+mj-lt"/>
+              </a:rPr>
+              <a:t>Diagnostics is about tracking and measuring data</a:t>
+            </a:r>
+          </a:p>
+          <a:p>
+            <a:pPr marL="1276325" lvl="1" indent="-285750">
+              <a:buClr>
+                <a:srgbClr val="00D0FF"/>
+              </a:buClr>
+              <a:buSzPct val="110000"/>
+              <a:buFont typeface="Arial" panose="020B0604020202020204" pitchFamily="34" charset="0"/>
+              <a:buChar char="•"/>
+            </a:pPr>
+            <a:r>
+              <a:rPr lang="en-US" sz="1600" dirty="0">
+                <a:solidFill>
+                  <a:prstClr val="black"/>
+                </a:solidFill>
+                <a:latin typeface="+mj-lt"/>
+              </a:rPr>
+              <a:t>Health monitoring is about the state of a service</a:t>
+            </a:r>
+          </a:p>
+        </p:txBody>
+      </p:sp>
+      <p:sp>
+        <p:nvSpPr>
+          <p:cNvPr id="3" name="Title 2">
+            <a:extLst>
+              <a:ext uri="{FF2B5EF4-FFF2-40B4-BE49-F238E27FC236}">
+                <a16:creationId xmlns:a16="http://schemas.microsoft.com/office/drawing/2014/main" id="{6C5FCB65-9EA9-41A2-8437-0B3A2FF1E1C3}"/>
+              </a:ext>
+            </a:extLst>
+          </p:cNvPr>
+          <p:cNvSpPr>
+            <a:spLocks noGrp="1"/>
+          </p:cNvSpPr>
+          <p:nvPr>
+            <p:ph type="title"/>
+          </p:nvPr>
+        </p:nvSpPr>
+        <p:spPr/>
+        <p:txBody>
+          <a:bodyPr/>
+          <a:lstStyle/>
+          <a:p>
+            <a:r>
+              <a:rPr lang="en-US" dirty="0"/>
+              <a:t>What is Health monitoring</a:t>
+            </a:r>
+          </a:p>
+        </p:txBody>
+      </p:sp>
+      <p:sp>
+        <p:nvSpPr>
+          <p:cNvPr id="4" name="Footer Placeholder 3">
+            <a:extLst>
+              <a:ext uri="{FF2B5EF4-FFF2-40B4-BE49-F238E27FC236}">
+                <a16:creationId xmlns:a16="http://schemas.microsoft.com/office/drawing/2014/main" id="{8C0B9DE0-24F6-4D07-97FE-36F49B312F02}"/>
+              </a:ext>
+            </a:extLst>
+          </p:cNvPr>
+          <p:cNvSpPr>
+            <a:spLocks noGrp="1"/>
+          </p:cNvSpPr>
+          <p:nvPr>
+            <p:ph type="ftr" sz="quarter" idx="10"/>
+          </p:nvPr>
+        </p:nvSpPr>
+        <p:spPr/>
+        <p:txBody>
+          <a:bodyPr/>
+          <a:lstStyle/>
+          <a:p>
+            <a:pPr>
+              <a:defRPr/>
+            </a:pPr>
+            <a:r>
+              <a:rPr lang="es-ES" dirty="0"/>
+              <a:t>@</a:t>
+            </a:r>
+            <a:r>
+              <a:rPr lang="es-ES" dirty="0" err="1"/>
+              <a:t>plainconcepts</a:t>
+            </a:r>
+            <a:endParaRPr lang="es-ES" dirty="0"/>
+          </a:p>
+          <a:p>
+            <a:pPr marL="0" marR="0" lvl="0" indent="0" algn="l" defTabSz="914400" rtl="0" eaLnBrk="1" fontAlgn="auto" latinLnBrk="0" hangingPunct="1">
+              <a:lnSpc>
+                <a:spcPct val="100000"/>
+              </a:lnSpc>
+              <a:spcBef>
+                <a:spcPts val="0"/>
+              </a:spcBef>
+              <a:spcAft>
+                <a:spcPts val="0"/>
+              </a:spcAft>
+              <a:buClrTx/>
+              <a:buSzTx/>
+              <a:buFontTx/>
+              <a:buNone/>
+              <a:tabLst/>
+              <a:defRPr/>
+            </a:pPr>
+            <a:endParaRPr kumimoji="0" lang="es-ES" sz="1200" b="0" i="0" u="sng" strike="noStrike" kern="1200" cap="none" spc="0" normalizeH="0" baseline="0" noProof="0" dirty="0">
+              <a:ln>
+                <a:noFill/>
+              </a:ln>
+              <a:solidFill>
+                <a:srgbClr val="00D0FF"/>
+              </a:solidFill>
+              <a:effectLst/>
+              <a:uLnTx/>
+              <a:uFillTx/>
+              <a:latin typeface="Tw Cen MT" panose="020B0602020104020603"/>
+              <a:ea typeface="+mn-ea"/>
+              <a:cs typeface="+mn-cs"/>
+            </a:endParaRPr>
+          </a:p>
+        </p:txBody>
+      </p:sp>
+      <p:sp>
+        <p:nvSpPr>
+          <p:cNvPr id="5" name="Slide Number Placeholder 4">
+            <a:extLst>
+              <a:ext uri="{FF2B5EF4-FFF2-40B4-BE49-F238E27FC236}">
+                <a16:creationId xmlns:a16="http://schemas.microsoft.com/office/drawing/2014/main" id="{9841FA88-2554-4B50-82B0-7FCD6110FC33}"/>
+              </a:ext>
+            </a:extLst>
+          </p:cNvPr>
+          <p:cNvSpPr>
+            <a:spLocks noGrp="1"/>
+          </p:cNvSpPr>
+          <p:nvPr>
+            <p:ph type="sldNum" sz="quarter" idx="11"/>
+          </p:nvPr>
+        </p:nvSpPr>
+        <p:spPr/>
+        <p:txBody>
+          <a:bodyPr/>
+          <a:lstStyle/>
+          <a:p>
+            <a:pPr marL="0" marR="0" lvl="0" indent="0" algn="r" defTabSz="914400" rtl="0" eaLnBrk="1" fontAlgn="auto" latinLnBrk="0" hangingPunct="1">
+              <a:lnSpc>
+                <a:spcPct val="100000"/>
+              </a:lnSpc>
+              <a:spcBef>
+                <a:spcPts val="0"/>
+              </a:spcBef>
+              <a:spcAft>
+                <a:spcPts val="0"/>
+              </a:spcAft>
+              <a:buClrTx/>
+              <a:buSzTx/>
+              <a:buFontTx/>
+              <a:buNone/>
+              <a:tabLst/>
+              <a:defRPr/>
+            </a:pPr>
+            <a:fld id="{88CB616A-2EDE-4F93-81C7-BE29C9C217CB}" type="slidenum">
+              <a:rPr kumimoji="0" lang="es-ES" sz="1200" b="0" i="0" u="none" strike="noStrike" kern="1200" cap="none" spc="0" normalizeH="0" baseline="0" noProof="0" smtClean="0">
+                <a:ln>
+                  <a:noFill/>
+                </a:ln>
+                <a:solidFill>
+                  <a:prstClr val="black"/>
+                </a:solidFill>
+                <a:effectLst/>
+                <a:uLnTx/>
+                <a:uFillTx/>
+                <a:latin typeface="Tw Cen MT" panose="020B0602020104020603"/>
+                <a:ea typeface="+mn-ea"/>
+                <a:cs typeface="+mn-cs"/>
+              </a:rPr>
+              <a:pPr marL="0" marR="0" lvl="0" indent="0" algn="r" defTabSz="914400" rtl="0" eaLnBrk="1" fontAlgn="auto" latinLnBrk="0" hangingPunct="1">
+                <a:lnSpc>
+                  <a:spcPct val="100000"/>
+                </a:lnSpc>
+                <a:spcBef>
+                  <a:spcPts val="0"/>
+                </a:spcBef>
+                <a:spcAft>
+                  <a:spcPts val="0"/>
+                </a:spcAft>
+                <a:buClrTx/>
+                <a:buSzTx/>
+                <a:buFontTx/>
+                <a:buNone/>
+                <a:tabLst/>
+                <a:defRPr/>
+              </a:pPr>
+              <a:t>14</a:t>
+            </a:fld>
+            <a:endParaRPr kumimoji="0" lang="es-ES" sz="1200" b="0" i="0" u="none" strike="noStrike" kern="1200" cap="none" spc="0" normalizeH="0" baseline="0" noProof="0" dirty="0">
+              <a:ln>
+                <a:noFill/>
+              </a:ln>
+              <a:solidFill>
+                <a:prstClr val="black"/>
+              </a:solidFill>
+              <a:effectLst/>
+              <a:uLnTx/>
+              <a:uFillTx/>
+              <a:latin typeface="Tw Cen MT" panose="020B0602020104020603"/>
+              <a:ea typeface="+mn-ea"/>
+              <a:cs typeface="+mn-cs"/>
+            </a:endParaRPr>
+          </a:p>
+        </p:txBody>
+      </p:sp>
+    </p:spTree>
+    <p:extLst>
+      <p:ext uri="{BB962C8B-B14F-4D97-AF65-F5344CB8AC3E}">
+        <p14:creationId xmlns:p14="http://schemas.microsoft.com/office/powerpoint/2010/main" val="3461925686"/>
+      </p:ext>
+    </p:extLst>
+  </p:cSld>
+  <p:clrMapOvr>
+    <a:masterClrMapping/>
+  </p:clrMapOvr>
+</p:sld>
+</file>
+
+<file path=ppt/slides/slide15.xml><?xml version="1.0" encoding="utf-8"?>
+<p:sld xmlns:a="http://schemas.openxmlformats.org/drawingml/2006/main" xmlns:r="http://schemas.openxmlformats.org/officeDocument/2006/relationships" xmlns:p="http://schemas.openxmlformats.org/presentationml/2006/main">
+  <p:cSld>
+    <p:spTree>
+      <p:nvGrpSpPr>
+        <p:cNvPr id="1" name=""/>
+        <p:cNvGrpSpPr/>
+        <p:nvPr/>
+      </p:nvGrpSpPr>
+      <p:grpSpPr>
+        <a:xfrm>
+          <a:off x="0" y="0"/>
+          <a:ext cx="0" cy="0"/>
+          <a:chOff x="0" y="0"/>
+          <a:chExt cx="0" cy="0"/>
+        </a:xfrm>
+      </p:grpSpPr>
+      <p:sp>
+        <p:nvSpPr>
+          <p:cNvPr id="2" name="Content Placeholder 1">
+            <a:extLst>
+              <a:ext uri="{FF2B5EF4-FFF2-40B4-BE49-F238E27FC236}">
+                <a16:creationId xmlns:a16="http://schemas.microsoft.com/office/drawing/2014/main" id="{112A21C4-6520-4623-937A-1C4274CD5A19}"/>
+              </a:ext>
+            </a:extLst>
+          </p:cNvPr>
+          <p:cNvSpPr>
+            <a:spLocks noGrp="1"/>
+          </p:cNvSpPr>
+          <p:nvPr>
+            <p:ph idx="1"/>
+          </p:nvPr>
+        </p:nvSpPr>
+        <p:spPr/>
+        <p:txBody>
+          <a:bodyPr/>
+          <a:lstStyle/>
+          <a:p>
+            <a:pPr marL="285750" indent="-285750">
+              <a:buClr>
+                <a:srgbClr val="00D0FF"/>
+              </a:buClr>
+              <a:buSzPct val="110000"/>
+              <a:buFont typeface="Arial" panose="020B0604020202020204" pitchFamily="34" charset="0"/>
+              <a:buChar char="•"/>
+            </a:pPr>
+            <a:r>
+              <a:rPr lang="en-US" dirty="0">
+                <a:solidFill>
+                  <a:prstClr val="black"/>
+                </a:solidFill>
+              </a:rPr>
+              <a:t>There are programs that automatize the management of our microservices when they are containerized.</a:t>
+            </a:r>
+          </a:p>
+          <a:p>
+            <a:pPr marL="285750" indent="-285750">
+              <a:buClr>
+                <a:srgbClr val="00D0FF"/>
+              </a:buClr>
+              <a:buSzPct val="110000"/>
+              <a:buFont typeface="Arial" panose="020B0604020202020204" pitchFamily="34" charset="0"/>
+              <a:buChar char="•"/>
+            </a:pPr>
+            <a:r>
+              <a:rPr lang="en-US" dirty="0"/>
+              <a:t>Container managers</a:t>
+            </a:r>
+            <a:r>
+              <a:rPr lang="en-US" dirty="0">
+                <a:solidFill>
+                  <a:prstClr val="black"/>
+                </a:solidFill>
+              </a:rPr>
+              <a:t> (Kubernetes, Service Fabric, Swarm…) have health monitoring as a built-in feature. They notify when an instance fails and can take actions automatically.</a:t>
+            </a:r>
+          </a:p>
+          <a:p>
+            <a:pPr marL="285750" indent="-285750">
+              <a:buClr>
+                <a:srgbClr val="00D0FF"/>
+              </a:buClr>
+              <a:buSzPct val="110000"/>
+              <a:buFont typeface="Arial" panose="020B0604020202020204" pitchFamily="34" charset="0"/>
+              <a:buChar char="•"/>
+            </a:pPr>
+            <a:r>
+              <a:rPr lang="en-US" dirty="0">
+                <a:solidFill>
+                  <a:prstClr val="black"/>
+                </a:solidFill>
+              </a:rPr>
+              <a:t>Kubernetes has two kinds of health check, in addition to the detection of application terminated:</a:t>
+            </a:r>
+          </a:p>
+          <a:p>
+            <a:pPr marL="1276325" lvl="1" indent="-285750">
+              <a:buClr>
+                <a:srgbClr val="00D0FF"/>
+              </a:buClr>
+              <a:buSzPct val="110000"/>
+              <a:buFont typeface="Arial" panose="020B0604020202020204" pitchFamily="34" charset="0"/>
+              <a:buChar char="•"/>
+            </a:pPr>
+            <a:r>
+              <a:rPr lang="en-US" sz="1600" b="1" dirty="0">
+                <a:solidFill>
+                  <a:prstClr val="black"/>
+                </a:solidFill>
+                <a:latin typeface="+mj-lt"/>
+              </a:rPr>
+              <a:t>Liveness probes: </a:t>
+            </a:r>
+            <a:r>
+              <a:rPr lang="en-US" sz="1600" dirty="0">
+                <a:solidFill>
+                  <a:prstClr val="black"/>
+                </a:solidFill>
+                <a:latin typeface="+mj-lt"/>
+              </a:rPr>
+              <a:t>checks if the application is up and running. Case where application is crashed or deadlocked but not terminated. HTTP call serves to probe it is ok.</a:t>
+            </a:r>
+          </a:p>
+          <a:p>
+            <a:pPr marL="1276325" lvl="1" indent="-285750">
+              <a:buClr>
+                <a:srgbClr val="00D0FF"/>
+              </a:buClr>
+              <a:buSzPct val="110000"/>
+              <a:buFont typeface="Arial" panose="020B0604020202020204" pitchFamily="34" charset="0"/>
+              <a:buChar char="•"/>
+            </a:pPr>
+            <a:r>
+              <a:rPr lang="en-US" sz="1600" dirty="0">
+                <a:solidFill>
+                  <a:prstClr val="black"/>
+                </a:solidFill>
+                <a:latin typeface="+mj-lt"/>
+              </a:rPr>
+              <a:t>If detected Liveness fail, pod is restarted.</a:t>
+            </a:r>
+          </a:p>
+          <a:p>
+            <a:pPr marL="1276325" lvl="1" indent="-285750">
+              <a:buClr>
+                <a:srgbClr val="00D0FF"/>
+              </a:buClr>
+              <a:buSzPct val="110000"/>
+              <a:buFont typeface="Arial" panose="020B0604020202020204" pitchFamily="34" charset="0"/>
+              <a:buChar char="•"/>
+            </a:pPr>
+            <a:r>
+              <a:rPr lang="en-US" sz="1600" b="1" dirty="0">
+                <a:solidFill>
+                  <a:prstClr val="black"/>
+                </a:solidFill>
+                <a:latin typeface="+mj-lt"/>
+              </a:rPr>
+              <a:t>Readiness probes:</a:t>
+            </a:r>
+            <a:r>
+              <a:rPr lang="en-US" sz="1600" b="1" u="sng" dirty="0">
+                <a:solidFill>
+                  <a:prstClr val="black"/>
+                </a:solidFill>
+                <a:latin typeface="+mj-lt"/>
+              </a:rPr>
+              <a:t> </a:t>
+            </a:r>
+            <a:r>
+              <a:rPr lang="en-US" sz="1600" dirty="0">
+                <a:solidFill>
+                  <a:prstClr val="black"/>
+                </a:solidFill>
+                <a:latin typeface="+mj-lt"/>
+              </a:rPr>
+              <a:t>checks if the application is ready to serve traffic. It implies that all the dependencies (database, other services) are up and running. It can happen when starting pod, updating, etc.</a:t>
+            </a:r>
+          </a:p>
+          <a:p>
+            <a:pPr marL="1276325" lvl="1" indent="-285750">
+              <a:buClr>
+                <a:srgbClr val="00D0FF"/>
+              </a:buClr>
+              <a:buSzPct val="110000"/>
+              <a:buFont typeface="Arial" panose="020B0604020202020204" pitchFamily="34" charset="0"/>
+              <a:buChar char="•"/>
+            </a:pPr>
+            <a:r>
+              <a:rPr lang="en-US" sz="1600" dirty="0">
+                <a:solidFill>
+                  <a:prstClr val="black"/>
+                </a:solidFill>
+                <a:latin typeface="+mj-lt"/>
+              </a:rPr>
+              <a:t>Traffic will not be sent until the application is ready</a:t>
+            </a:r>
+          </a:p>
+          <a:p>
+            <a:pPr marL="1276325" lvl="1" indent="-285750">
+              <a:buClr>
+                <a:srgbClr val="00D0FF"/>
+              </a:buClr>
+              <a:buSzPct val="110000"/>
+              <a:buFont typeface="Arial" panose="020B0604020202020204" pitchFamily="34" charset="0"/>
+              <a:buChar char="•"/>
+            </a:pPr>
+            <a:endParaRPr lang="en-US" sz="1600" dirty="0">
+              <a:solidFill>
+                <a:prstClr val="black"/>
+              </a:solidFill>
+              <a:latin typeface="+mj-lt"/>
+            </a:endParaRPr>
+          </a:p>
+          <a:p>
+            <a:pPr marL="1276325" lvl="1" indent="-285750">
+              <a:buClr>
+                <a:srgbClr val="00D0FF"/>
+              </a:buClr>
+              <a:buSzPct val="110000"/>
+              <a:buFont typeface="Arial" panose="020B0604020202020204" pitchFamily="34" charset="0"/>
+              <a:buChar char="•"/>
+            </a:pPr>
+            <a:endParaRPr lang="en-US" sz="1600" dirty="0">
+              <a:solidFill>
+                <a:prstClr val="black"/>
+              </a:solidFill>
+              <a:latin typeface="+mj-lt"/>
+            </a:endParaRPr>
+          </a:p>
+        </p:txBody>
+      </p:sp>
+      <p:sp>
+        <p:nvSpPr>
+          <p:cNvPr id="3" name="Title 2">
+            <a:extLst>
+              <a:ext uri="{FF2B5EF4-FFF2-40B4-BE49-F238E27FC236}">
+                <a16:creationId xmlns:a16="http://schemas.microsoft.com/office/drawing/2014/main" id="{6C5FCB65-9EA9-41A2-8437-0B3A2FF1E1C3}"/>
+              </a:ext>
+            </a:extLst>
+          </p:cNvPr>
+          <p:cNvSpPr>
+            <a:spLocks noGrp="1"/>
+          </p:cNvSpPr>
+          <p:nvPr>
+            <p:ph type="title"/>
+          </p:nvPr>
+        </p:nvSpPr>
+        <p:spPr/>
+        <p:txBody>
+          <a:bodyPr/>
+          <a:lstStyle/>
+          <a:p>
+            <a:r>
+              <a:rPr lang="en-US" dirty="0"/>
+              <a:t>Container managers</a:t>
+            </a:r>
+          </a:p>
+        </p:txBody>
+      </p:sp>
+      <p:sp>
+        <p:nvSpPr>
+          <p:cNvPr id="4" name="Footer Placeholder 3">
+            <a:extLst>
+              <a:ext uri="{FF2B5EF4-FFF2-40B4-BE49-F238E27FC236}">
+                <a16:creationId xmlns:a16="http://schemas.microsoft.com/office/drawing/2014/main" id="{8C0B9DE0-24F6-4D07-97FE-36F49B312F02}"/>
+              </a:ext>
+            </a:extLst>
+          </p:cNvPr>
+          <p:cNvSpPr>
+            <a:spLocks noGrp="1"/>
+          </p:cNvSpPr>
+          <p:nvPr>
+            <p:ph type="ftr" sz="quarter" idx="10"/>
+          </p:nvPr>
+        </p:nvSpPr>
+        <p:spPr/>
+        <p:txBody>
+          <a:bodyPr/>
+          <a:lstStyle/>
+          <a:p>
+            <a:pPr>
+              <a:defRPr/>
+            </a:pPr>
+            <a:r>
+              <a:rPr lang="es-ES" dirty="0"/>
+              <a:t>@</a:t>
+            </a:r>
+            <a:r>
+              <a:rPr lang="es-ES" dirty="0" err="1"/>
+              <a:t>plainconcepts</a:t>
+            </a:r>
+            <a:endParaRPr lang="es-ES" dirty="0"/>
+          </a:p>
+          <a:p>
+            <a:pPr marL="0" marR="0" lvl="0" indent="0" algn="l" defTabSz="914400" rtl="0" eaLnBrk="1" fontAlgn="auto" latinLnBrk="0" hangingPunct="1">
+              <a:lnSpc>
+                <a:spcPct val="100000"/>
+              </a:lnSpc>
+              <a:spcBef>
+                <a:spcPts val="0"/>
+              </a:spcBef>
+              <a:spcAft>
+                <a:spcPts val="0"/>
+              </a:spcAft>
+              <a:buClrTx/>
+              <a:buSzTx/>
+              <a:buFontTx/>
+              <a:buNone/>
+              <a:tabLst/>
+              <a:defRPr/>
+            </a:pPr>
+            <a:endParaRPr kumimoji="0" lang="es-ES" sz="1200" b="0" i="0" u="sng" strike="noStrike" kern="1200" cap="none" spc="0" normalizeH="0" baseline="0" noProof="0" dirty="0">
+              <a:ln>
+                <a:noFill/>
+              </a:ln>
+              <a:solidFill>
+                <a:srgbClr val="00D0FF"/>
+              </a:solidFill>
+              <a:effectLst/>
+              <a:uLnTx/>
+              <a:uFillTx/>
+              <a:latin typeface="Tw Cen MT" panose="020B0602020104020603"/>
+              <a:ea typeface="+mn-ea"/>
+              <a:cs typeface="+mn-cs"/>
+            </a:endParaRPr>
+          </a:p>
+        </p:txBody>
+      </p:sp>
+      <p:sp>
+        <p:nvSpPr>
+          <p:cNvPr id="5" name="Slide Number Placeholder 4">
+            <a:extLst>
+              <a:ext uri="{FF2B5EF4-FFF2-40B4-BE49-F238E27FC236}">
+                <a16:creationId xmlns:a16="http://schemas.microsoft.com/office/drawing/2014/main" id="{9841FA88-2554-4B50-82B0-7FCD6110FC33}"/>
+              </a:ext>
+            </a:extLst>
+          </p:cNvPr>
+          <p:cNvSpPr>
+            <a:spLocks noGrp="1"/>
+          </p:cNvSpPr>
+          <p:nvPr>
+            <p:ph type="sldNum" sz="quarter" idx="11"/>
+          </p:nvPr>
+        </p:nvSpPr>
+        <p:spPr/>
+        <p:txBody>
+          <a:bodyPr/>
+          <a:lstStyle/>
+          <a:p>
+            <a:pPr marL="0" marR="0" lvl="0" indent="0" algn="r" defTabSz="914400" rtl="0" eaLnBrk="1" fontAlgn="auto" latinLnBrk="0" hangingPunct="1">
+              <a:lnSpc>
+                <a:spcPct val="100000"/>
+              </a:lnSpc>
+              <a:spcBef>
+                <a:spcPts val="0"/>
+              </a:spcBef>
+              <a:spcAft>
+                <a:spcPts val="0"/>
+              </a:spcAft>
+              <a:buClrTx/>
+              <a:buSzTx/>
+              <a:buFontTx/>
+              <a:buNone/>
+              <a:tabLst/>
+              <a:defRPr/>
+            </a:pPr>
+            <a:fld id="{88CB616A-2EDE-4F93-81C7-BE29C9C217CB}" type="slidenum">
+              <a:rPr kumimoji="0" lang="es-ES" sz="1200" b="0" i="0" u="none" strike="noStrike" kern="1200" cap="none" spc="0" normalizeH="0" baseline="0" noProof="0" smtClean="0">
+                <a:ln>
+                  <a:noFill/>
+                </a:ln>
+                <a:solidFill>
+                  <a:prstClr val="black"/>
+                </a:solidFill>
+                <a:effectLst/>
+                <a:uLnTx/>
+                <a:uFillTx/>
+                <a:latin typeface="Tw Cen MT" panose="020B0602020104020603"/>
+                <a:ea typeface="+mn-ea"/>
+                <a:cs typeface="+mn-cs"/>
+              </a:rPr>
+              <a:pPr marL="0" marR="0" lvl="0" indent="0" algn="r" defTabSz="914400" rtl="0" eaLnBrk="1" fontAlgn="auto" latinLnBrk="0" hangingPunct="1">
+                <a:lnSpc>
+                  <a:spcPct val="100000"/>
+                </a:lnSpc>
+                <a:spcBef>
+                  <a:spcPts val="0"/>
+                </a:spcBef>
+                <a:spcAft>
+                  <a:spcPts val="0"/>
+                </a:spcAft>
+                <a:buClrTx/>
+                <a:buSzTx/>
+                <a:buFontTx/>
+                <a:buNone/>
+                <a:tabLst/>
+                <a:defRPr/>
+              </a:pPr>
+              <a:t>15</a:t>
+            </a:fld>
+            <a:endParaRPr kumimoji="0" lang="es-ES" sz="1200" b="0" i="0" u="none" strike="noStrike" kern="1200" cap="none" spc="0" normalizeH="0" baseline="0" noProof="0" dirty="0">
+              <a:ln>
+                <a:noFill/>
+              </a:ln>
+              <a:solidFill>
+                <a:prstClr val="black"/>
+              </a:solidFill>
+              <a:effectLst/>
+              <a:uLnTx/>
+              <a:uFillTx/>
+              <a:latin typeface="Tw Cen MT" panose="020B0602020104020603"/>
+              <a:ea typeface="+mn-ea"/>
+              <a:cs typeface="+mn-cs"/>
+            </a:endParaRPr>
+          </a:p>
+        </p:txBody>
+      </p:sp>
+    </p:spTree>
+    <p:extLst>
+      <p:ext uri="{BB962C8B-B14F-4D97-AF65-F5344CB8AC3E}">
+        <p14:creationId xmlns:p14="http://schemas.microsoft.com/office/powerpoint/2010/main" val="1693708232"/>
+      </p:ext>
+    </p:extLst>
+  </p:cSld>
+  <p:clrMapOvr>
+    <a:masterClrMapping/>
+  </p:clrMapOvr>
+</p:sld>
+</file>
+
+<file path=ppt/slides/slide16.xml><?xml version="1.0" encoding="utf-8"?>
+<p:sld xmlns:a="http://schemas.openxmlformats.org/drawingml/2006/main" xmlns:r="http://schemas.openxmlformats.org/officeDocument/2006/relationships" xmlns:p="http://schemas.openxmlformats.org/presentationml/2006/main">
+  <p:cSld>
+    <p:spTree>
+      <p:nvGrpSpPr>
+        <p:cNvPr id="1" name=""/>
+        <p:cNvGrpSpPr/>
+        <p:nvPr/>
+      </p:nvGrpSpPr>
+      <p:grpSpPr>
+        <a:xfrm>
+          <a:off x="0" y="0"/>
+          <a:ext cx="0" cy="0"/>
+          <a:chOff x="0" y="0"/>
+          <a:chExt cx="0" cy="0"/>
+        </a:xfrm>
+      </p:grpSpPr>
+      <p:sp>
+        <p:nvSpPr>
+          <p:cNvPr id="2" name="Marcador de contenido 1">
+            <a:extLst>
+              <a:ext uri="{FF2B5EF4-FFF2-40B4-BE49-F238E27FC236}">
+                <a16:creationId xmlns:a16="http://schemas.microsoft.com/office/drawing/2014/main" id="{D12DCA51-8FCA-4BE3-84AF-F43C68E5C722}"/>
+              </a:ext>
+            </a:extLst>
+          </p:cNvPr>
+          <p:cNvSpPr>
+            <a:spLocks noGrp="1"/>
+          </p:cNvSpPr>
+          <p:nvPr>
+            <p:ph idx="1"/>
+          </p:nvPr>
+        </p:nvSpPr>
+        <p:spPr>
+          <a:xfrm>
+            <a:off x="6365942" y="3255264"/>
+            <a:ext cx="5339829" cy="2942337"/>
+          </a:xfrm>
+        </p:spPr>
+        <p:txBody>
+          <a:bodyPr/>
+          <a:lstStyle/>
+          <a:p>
+            <a:pPr marL="285750" indent="-285750">
+              <a:buClr>
+                <a:srgbClr val="00D0FF"/>
+              </a:buClr>
+              <a:buSzPct val="110000"/>
+              <a:buFont typeface="Arial" panose="020B0604020202020204" pitchFamily="34" charset="0"/>
+              <a:buChar char="•"/>
+            </a:pPr>
+            <a:r>
+              <a:rPr lang="en-US" dirty="0">
+                <a:solidFill>
+                  <a:prstClr val="black"/>
+                </a:solidFill>
+              </a:rPr>
+              <a:t>Docker already provided status about the containers (Running, Exited, Paused…), but not really about the apps running inside the container</a:t>
+            </a:r>
+          </a:p>
+          <a:p>
+            <a:pPr marL="285750" indent="-285750">
+              <a:buClr>
+                <a:srgbClr val="00D0FF"/>
+              </a:buClr>
+              <a:buSzPct val="110000"/>
+              <a:buFont typeface="Arial" panose="020B0604020202020204" pitchFamily="34" charset="0"/>
+              <a:buChar char="•"/>
+            </a:pPr>
+            <a:r>
+              <a:rPr lang="en-US" dirty="0">
+                <a:solidFill>
+                  <a:prstClr val="black"/>
+                </a:solidFill>
+              </a:rPr>
+              <a:t>Since Docker version 1.12 and for Cocker compose v 2.1, it provides a health check system for the apps</a:t>
+            </a:r>
+          </a:p>
+          <a:p>
+            <a:pPr marL="285750" indent="-285750">
+              <a:buClr>
+                <a:srgbClr val="00D0FF"/>
+              </a:buClr>
+              <a:buSzPct val="110000"/>
+              <a:buFont typeface="Arial" panose="020B0604020202020204" pitchFamily="34" charset="0"/>
+              <a:buChar char="•"/>
+            </a:pPr>
+            <a:r>
+              <a:rPr lang="en-US" dirty="0">
+                <a:solidFill>
+                  <a:prstClr val="black"/>
+                </a:solidFill>
+              </a:rPr>
+              <a:t>You can configure several checks to indicate if the application is healthy</a:t>
+            </a:r>
+          </a:p>
+          <a:p>
+            <a:endParaRPr lang="es-ES" dirty="0"/>
+          </a:p>
+        </p:txBody>
+      </p:sp>
+      <p:sp>
+        <p:nvSpPr>
+          <p:cNvPr id="3" name="Título 2">
+            <a:extLst>
+              <a:ext uri="{FF2B5EF4-FFF2-40B4-BE49-F238E27FC236}">
+                <a16:creationId xmlns:a16="http://schemas.microsoft.com/office/drawing/2014/main" id="{CFEE2D44-9D9C-4055-9686-4255277E2198}"/>
+              </a:ext>
+            </a:extLst>
+          </p:cNvPr>
+          <p:cNvSpPr>
+            <a:spLocks noGrp="1"/>
+          </p:cNvSpPr>
+          <p:nvPr>
+            <p:ph type="title"/>
+          </p:nvPr>
+        </p:nvSpPr>
+        <p:spPr/>
+        <p:txBody>
+          <a:bodyPr/>
+          <a:lstStyle/>
+          <a:p>
+            <a:r>
+              <a:rPr lang="en-US" dirty="0"/>
+              <a:t>Docker</a:t>
+            </a:r>
+            <a:endParaRPr lang="es-ES" dirty="0"/>
+          </a:p>
+        </p:txBody>
+      </p:sp>
+      <p:sp>
+        <p:nvSpPr>
+          <p:cNvPr id="4" name="Marcador de número de diapositiva 3">
+            <a:extLst>
+              <a:ext uri="{FF2B5EF4-FFF2-40B4-BE49-F238E27FC236}">
+                <a16:creationId xmlns:a16="http://schemas.microsoft.com/office/drawing/2014/main" id="{14F1A4E6-0774-4ABE-B5CC-8F6E400BBE12}"/>
+              </a:ext>
+            </a:extLst>
+          </p:cNvPr>
+          <p:cNvSpPr>
+            <a:spLocks noGrp="1"/>
+          </p:cNvSpPr>
+          <p:nvPr>
+            <p:ph type="sldNum" sz="quarter" idx="11"/>
+          </p:nvPr>
+        </p:nvSpPr>
+        <p:spPr/>
+        <p:txBody>
+          <a:bodyPr/>
+          <a:lstStyle/>
+          <a:p>
+            <a:pPr marL="0" marR="0" lvl="0" indent="0" algn="r" defTabSz="914400" rtl="0" eaLnBrk="1" fontAlgn="auto" latinLnBrk="0" hangingPunct="1">
+              <a:lnSpc>
+                <a:spcPct val="100000"/>
+              </a:lnSpc>
+              <a:spcBef>
+                <a:spcPts val="0"/>
+              </a:spcBef>
+              <a:spcAft>
+                <a:spcPts val="0"/>
+              </a:spcAft>
+              <a:buClrTx/>
+              <a:buSzTx/>
+              <a:buFontTx/>
+              <a:buNone/>
+              <a:tabLst/>
+              <a:defRPr/>
+            </a:pPr>
+            <a:fld id="{88CB616A-2EDE-4F93-81C7-BE29C9C217CB}" type="slidenum">
+              <a:rPr kumimoji="0" lang="es-ES" sz="1200" b="0" i="0" u="none" strike="noStrike" kern="1200" cap="none" spc="0" normalizeH="0" baseline="0" noProof="0" smtClean="0">
+                <a:ln>
+                  <a:noFill/>
+                </a:ln>
+                <a:solidFill>
+                  <a:prstClr val="black"/>
+                </a:solidFill>
+                <a:effectLst/>
+                <a:uLnTx/>
+                <a:uFillTx/>
+                <a:latin typeface="Tw Cen MT" panose="020B0602020104020603"/>
+                <a:ea typeface="+mn-ea"/>
+                <a:cs typeface="+mn-cs"/>
+              </a:rPr>
+              <a:pPr marL="0" marR="0" lvl="0" indent="0" algn="r" defTabSz="914400" rtl="0" eaLnBrk="1" fontAlgn="auto" latinLnBrk="0" hangingPunct="1">
+                <a:lnSpc>
+                  <a:spcPct val="100000"/>
+                </a:lnSpc>
+                <a:spcBef>
+                  <a:spcPts val="0"/>
+                </a:spcBef>
+                <a:spcAft>
+                  <a:spcPts val="0"/>
+                </a:spcAft>
+                <a:buClrTx/>
+                <a:buSzTx/>
+                <a:buFontTx/>
+                <a:buNone/>
+                <a:tabLst/>
+                <a:defRPr/>
+              </a:pPr>
+              <a:t>16</a:t>
+            </a:fld>
+            <a:endParaRPr kumimoji="0" lang="es-ES" sz="1200" b="0" i="0" u="none" strike="noStrike" kern="1200" cap="none" spc="0" normalizeH="0" baseline="0" noProof="0" dirty="0">
+              <a:ln>
+                <a:noFill/>
+              </a:ln>
+              <a:solidFill>
+                <a:prstClr val="black"/>
+              </a:solidFill>
+              <a:effectLst/>
+              <a:uLnTx/>
+              <a:uFillTx/>
+              <a:latin typeface="Tw Cen MT" panose="020B0602020104020603"/>
+              <a:ea typeface="+mn-ea"/>
+              <a:cs typeface="+mn-cs"/>
+            </a:endParaRPr>
+          </a:p>
+        </p:txBody>
+      </p:sp>
+      <p:sp>
+        <p:nvSpPr>
+          <p:cNvPr id="6" name="Marcador de texto 5">
+            <a:extLst>
+              <a:ext uri="{FF2B5EF4-FFF2-40B4-BE49-F238E27FC236}">
+                <a16:creationId xmlns:a16="http://schemas.microsoft.com/office/drawing/2014/main" id="{F31F2A42-695C-4226-8FC8-66568CBC3D03}"/>
+              </a:ext>
+            </a:extLst>
+          </p:cNvPr>
+          <p:cNvSpPr>
+            <a:spLocks noGrp="1"/>
+          </p:cNvSpPr>
+          <p:nvPr>
+            <p:ph type="body" sz="quarter" idx="14"/>
+          </p:nvPr>
+        </p:nvSpPr>
+        <p:spPr/>
+        <p:txBody>
+          <a:bodyPr/>
+          <a:lstStyle/>
+          <a:p>
+            <a:pPr lvl="1">
+              <a:buClr>
+                <a:srgbClr val="00D0FF"/>
+              </a:buClr>
+              <a:buSzPct val="110000"/>
+            </a:pPr>
+            <a:endParaRPr lang="en-US" dirty="0"/>
+          </a:p>
+          <a:p>
+            <a:pPr lvl="1">
+              <a:buClr>
+                <a:srgbClr val="00D0FF"/>
+              </a:buClr>
+              <a:buSzPct val="110000"/>
+            </a:pPr>
+            <a:endParaRPr lang="en-US" dirty="0"/>
+          </a:p>
+          <a:p>
+            <a:pPr lvl="1">
+              <a:buClr>
+                <a:srgbClr val="00D0FF"/>
+              </a:buClr>
+              <a:buSzPct val="110000"/>
+            </a:pPr>
+            <a:endParaRPr lang="en-US" dirty="0"/>
+          </a:p>
+          <a:p>
+            <a:pPr lvl="1">
+              <a:buClr>
+                <a:srgbClr val="00D0FF"/>
+              </a:buClr>
+              <a:buSzPct val="110000"/>
+            </a:pPr>
+            <a:endParaRPr lang="en-US" dirty="0"/>
+          </a:p>
+          <a:p>
+            <a:pPr lvl="1">
+              <a:buClr>
+                <a:srgbClr val="00D0FF"/>
+              </a:buClr>
+              <a:buSzPct val="110000"/>
+            </a:pPr>
+            <a:r>
+              <a:rPr lang="en-US" dirty="0"/>
+              <a:t># Test html</a:t>
+            </a:r>
+          </a:p>
+          <a:p>
+            <a:pPr lvl="1">
+              <a:buClr>
+                <a:srgbClr val="00D0FF"/>
+              </a:buClr>
+              <a:buSzPct val="110000"/>
+            </a:pPr>
+            <a:r>
+              <a:rPr lang="en-US" dirty="0" err="1"/>
+              <a:t>healthcheck</a:t>
+            </a:r>
+            <a:r>
+              <a:rPr lang="en-US" dirty="0"/>
+              <a:t>:</a:t>
+            </a:r>
+          </a:p>
+          <a:p>
+            <a:pPr lvl="1">
+              <a:buClr>
+                <a:srgbClr val="00D0FF"/>
+              </a:buClr>
+              <a:buSzPct val="110000"/>
+            </a:pPr>
+            <a:r>
+              <a:rPr lang="en-US" dirty="0"/>
+              <a:t>  test: ["CMD", "curl", "-f", "http://localhost"]</a:t>
+            </a:r>
+          </a:p>
+          <a:p>
+            <a:pPr lvl="1">
+              <a:buClr>
+                <a:srgbClr val="00D0FF"/>
+              </a:buClr>
+              <a:buSzPct val="110000"/>
+            </a:pPr>
+            <a:r>
+              <a:rPr lang="en-US" dirty="0"/>
+              <a:t>  interval: 1m30s</a:t>
+            </a:r>
+          </a:p>
+          <a:p>
+            <a:pPr lvl="1">
+              <a:buClr>
+                <a:srgbClr val="00D0FF"/>
+              </a:buClr>
+              <a:buSzPct val="110000"/>
+            </a:pPr>
+            <a:r>
+              <a:rPr lang="en-US" dirty="0"/>
+              <a:t>  timeout: 10s</a:t>
+            </a:r>
+          </a:p>
+          <a:p>
+            <a:pPr lvl="1">
+              <a:buClr>
+                <a:srgbClr val="00D0FF"/>
+              </a:buClr>
+              <a:buSzPct val="110000"/>
+            </a:pPr>
+            <a:r>
+              <a:rPr lang="en-US" dirty="0"/>
+              <a:t>  retries: 3</a:t>
+            </a:r>
+          </a:p>
+          <a:p>
+            <a:pPr lvl="1">
+              <a:buClr>
+                <a:srgbClr val="00D0FF"/>
+              </a:buClr>
+              <a:buSzPct val="110000"/>
+            </a:pPr>
+            <a:r>
+              <a:rPr lang="en-US" dirty="0"/>
+              <a:t>  </a:t>
+            </a:r>
+            <a:r>
+              <a:rPr lang="en-US" dirty="0" err="1"/>
+              <a:t>start_period</a:t>
+            </a:r>
+            <a:r>
+              <a:rPr lang="en-US" dirty="0"/>
+              <a:t>: 40s</a:t>
+            </a:r>
+          </a:p>
+          <a:p>
+            <a:endParaRPr lang="es-ES" dirty="0"/>
+          </a:p>
+        </p:txBody>
+      </p:sp>
+      <p:sp>
+        <p:nvSpPr>
+          <p:cNvPr id="7" name="Marcador de pie de página 6">
+            <a:extLst>
+              <a:ext uri="{FF2B5EF4-FFF2-40B4-BE49-F238E27FC236}">
+                <a16:creationId xmlns:a16="http://schemas.microsoft.com/office/drawing/2014/main" id="{476D4961-7428-47DA-B4A1-9561AE0CB8EB}"/>
+              </a:ext>
+            </a:extLst>
+          </p:cNvPr>
+          <p:cNvSpPr>
+            <a:spLocks noGrp="1"/>
+          </p:cNvSpPr>
+          <p:nvPr>
+            <p:ph type="ftr" sz="quarter" idx="10"/>
+          </p:nvPr>
+        </p:nvSpPr>
+        <p:spPr/>
+        <p:txBody>
+          <a:bodyPr/>
+          <a:lstStyle/>
+          <a:p>
+            <a:pPr lvl="0">
+              <a:defRPr/>
+            </a:pPr>
+            <a:r>
+              <a:rPr lang="es-ES" dirty="0"/>
+              <a:t>@</a:t>
+            </a:r>
+            <a:r>
+              <a:rPr lang="es-ES" dirty="0" err="1"/>
+              <a:t>plainconcepts</a:t>
+            </a:r>
+            <a:endParaRPr kumimoji="0" lang="es-ES" sz="1200" b="0" i="0" u="none" strike="noStrike" kern="1200" cap="none" spc="0" normalizeH="0" baseline="0" noProof="0" dirty="0">
+              <a:ln>
+                <a:noFill/>
+              </a:ln>
+              <a:solidFill>
+                <a:srgbClr val="00D0FF"/>
+              </a:solidFill>
+              <a:effectLst/>
+              <a:uLnTx/>
+              <a:uFillTx/>
+              <a:latin typeface="Tw Cen MT" panose="020B0602020104020603"/>
+              <a:ea typeface="+mn-ea"/>
+              <a:cs typeface="+mn-cs"/>
+            </a:endParaRPr>
+          </a:p>
+        </p:txBody>
+      </p:sp>
+    </p:spTree>
+    <p:extLst>
+      <p:ext uri="{BB962C8B-B14F-4D97-AF65-F5344CB8AC3E}">
+        <p14:creationId xmlns:p14="http://schemas.microsoft.com/office/powerpoint/2010/main" val="1178274849"/>
+      </p:ext>
+    </p:extLst>
+  </p:cSld>
+  <p:clrMapOvr>
+    <a:masterClrMapping/>
+  </p:clrMapOvr>
+</p:sld>
+</file>
+
+<file path=ppt/slides/slide17.xml><?xml version="1.0" encoding="utf-8"?>
+<p:sld xmlns:a="http://schemas.openxmlformats.org/drawingml/2006/main" xmlns:r="http://schemas.openxmlformats.org/officeDocument/2006/relationships" xmlns:p="http://schemas.openxmlformats.org/presentationml/2006/main">
+  <p:cSld>
+    <p:spTree>
+      <p:nvGrpSpPr>
+        <p:cNvPr id="1" name=""/>
+        <p:cNvGrpSpPr/>
+        <p:nvPr/>
+      </p:nvGrpSpPr>
+      <p:grpSpPr>
+        <a:xfrm>
+          <a:off x="0" y="0"/>
+          <a:ext cx="0" cy="0"/>
+          <a:chOff x="0" y="0"/>
+          <a:chExt cx="0" cy="0"/>
+        </a:xfrm>
+      </p:grpSpPr>
+      <p:sp>
+        <p:nvSpPr>
+          <p:cNvPr id="2" name="Content Placeholder 1">
+            <a:extLst>
+              <a:ext uri="{FF2B5EF4-FFF2-40B4-BE49-F238E27FC236}">
+                <a16:creationId xmlns:a16="http://schemas.microsoft.com/office/drawing/2014/main" id="{112A21C4-6520-4623-937A-1C4274CD5A19}"/>
+              </a:ext>
+            </a:extLst>
+          </p:cNvPr>
+          <p:cNvSpPr>
+            <a:spLocks noGrp="1"/>
+          </p:cNvSpPr>
+          <p:nvPr>
+            <p:ph idx="1"/>
+          </p:nvPr>
+        </p:nvSpPr>
+        <p:spPr/>
+        <p:txBody>
+          <a:bodyPr/>
+          <a:lstStyle/>
+          <a:p>
+            <a:pPr marL="285750" indent="-285750">
+              <a:buClr>
+                <a:srgbClr val="00D0FF"/>
+              </a:buClr>
+              <a:buSzPct val="110000"/>
+              <a:buFont typeface="Arial" panose="020B0604020202020204" pitchFamily="34" charset="0"/>
+              <a:buChar char="•"/>
+            </a:pPr>
+            <a:r>
+              <a:rPr lang="en-US" dirty="0">
+                <a:solidFill>
+                  <a:prstClr val="black"/>
+                </a:solidFill>
+              </a:rPr>
+              <a:t>Another example with database</a:t>
+            </a:r>
+            <a:endParaRPr lang="en-US" sz="1600" dirty="0">
+              <a:solidFill>
+                <a:prstClr val="black"/>
+              </a:solidFill>
+              <a:latin typeface="+mj-lt"/>
+            </a:endParaRPr>
+          </a:p>
+          <a:p>
+            <a:pPr marL="1276325" lvl="1" indent="-285750">
+              <a:buClr>
+                <a:srgbClr val="00D0FF"/>
+              </a:buClr>
+              <a:buSzPct val="110000"/>
+              <a:buFont typeface="Arial" panose="020B0604020202020204" pitchFamily="34" charset="0"/>
+              <a:buChar char="•"/>
+            </a:pPr>
+            <a:endParaRPr lang="en-US" sz="1600" dirty="0">
+              <a:solidFill>
+                <a:prstClr val="black"/>
+              </a:solidFill>
+              <a:latin typeface="+mj-lt"/>
+            </a:endParaRPr>
+          </a:p>
+          <a:p>
+            <a:pPr marL="1276325" lvl="1" indent="-285750">
+              <a:buClr>
+                <a:srgbClr val="00D0FF"/>
+              </a:buClr>
+              <a:buSzPct val="110000"/>
+              <a:buFont typeface="Arial" panose="020B0604020202020204" pitchFamily="34" charset="0"/>
+              <a:buChar char="•"/>
+            </a:pPr>
+            <a:endParaRPr lang="en-US" sz="1600" dirty="0">
+              <a:solidFill>
+                <a:prstClr val="black"/>
+              </a:solidFill>
+              <a:latin typeface="+mj-lt"/>
+            </a:endParaRPr>
+          </a:p>
+        </p:txBody>
+      </p:sp>
+      <p:sp>
+        <p:nvSpPr>
+          <p:cNvPr id="3" name="Title 2">
+            <a:extLst>
+              <a:ext uri="{FF2B5EF4-FFF2-40B4-BE49-F238E27FC236}">
+                <a16:creationId xmlns:a16="http://schemas.microsoft.com/office/drawing/2014/main" id="{6C5FCB65-9EA9-41A2-8437-0B3A2FF1E1C3}"/>
+              </a:ext>
+            </a:extLst>
+          </p:cNvPr>
+          <p:cNvSpPr>
+            <a:spLocks noGrp="1"/>
+          </p:cNvSpPr>
+          <p:nvPr>
+            <p:ph type="title"/>
+          </p:nvPr>
+        </p:nvSpPr>
+        <p:spPr/>
+        <p:txBody>
+          <a:bodyPr/>
+          <a:lstStyle/>
+          <a:p>
+            <a:r>
+              <a:rPr lang="en-US" dirty="0"/>
+              <a:t>Docker</a:t>
+            </a:r>
+          </a:p>
+        </p:txBody>
+      </p:sp>
+      <p:sp>
+        <p:nvSpPr>
+          <p:cNvPr id="4" name="Footer Placeholder 3">
+            <a:extLst>
+              <a:ext uri="{FF2B5EF4-FFF2-40B4-BE49-F238E27FC236}">
+                <a16:creationId xmlns:a16="http://schemas.microsoft.com/office/drawing/2014/main" id="{8C0B9DE0-24F6-4D07-97FE-36F49B312F02}"/>
+              </a:ext>
+            </a:extLst>
+          </p:cNvPr>
+          <p:cNvSpPr>
+            <a:spLocks noGrp="1"/>
+          </p:cNvSpPr>
+          <p:nvPr>
+            <p:ph type="ftr" sz="quarter" idx="10"/>
+          </p:nvPr>
+        </p:nvSpPr>
+        <p:spPr/>
+        <p:txBody>
+          <a:bodyPr/>
+          <a:lstStyle/>
+          <a:p>
+            <a:pPr>
+              <a:defRPr/>
+            </a:pPr>
+            <a:r>
+              <a:rPr lang="es-ES" dirty="0"/>
+              <a:t>@</a:t>
+            </a:r>
+            <a:r>
+              <a:rPr lang="es-ES" dirty="0" err="1"/>
+              <a:t>plainconcepts</a:t>
+            </a:r>
+            <a:endParaRPr lang="es-ES" dirty="0"/>
+          </a:p>
+          <a:p>
+            <a:pPr marL="0" marR="0" lvl="0" indent="0" algn="l" defTabSz="914400" rtl="0" eaLnBrk="1" fontAlgn="auto" latinLnBrk="0" hangingPunct="1">
+              <a:lnSpc>
+                <a:spcPct val="100000"/>
+              </a:lnSpc>
+              <a:spcBef>
+                <a:spcPts val="0"/>
+              </a:spcBef>
+              <a:spcAft>
+                <a:spcPts val="0"/>
+              </a:spcAft>
+              <a:buClrTx/>
+              <a:buSzTx/>
+              <a:buFontTx/>
+              <a:buNone/>
+              <a:tabLst/>
+              <a:defRPr/>
+            </a:pPr>
+            <a:endParaRPr kumimoji="0" lang="es-ES" sz="1200" b="0" i="0" u="sng" strike="noStrike" kern="1200" cap="none" spc="0" normalizeH="0" baseline="0" noProof="0" dirty="0">
+              <a:ln>
+                <a:noFill/>
+              </a:ln>
+              <a:solidFill>
+                <a:srgbClr val="00D0FF"/>
+              </a:solidFill>
+              <a:effectLst/>
+              <a:uLnTx/>
+              <a:uFillTx/>
+              <a:latin typeface="Tw Cen MT" panose="020B0602020104020603"/>
+              <a:ea typeface="+mn-ea"/>
+              <a:cs typeface="+mn-cs"/>
+            </a:endParaRPr>
+          </a:p>
+        </p:txBody>
+      </p:sp>
+      <p:sp>
+        <p:nvSpPr>
+          <p:cNvPr id="5" name="Slide Number Placeholder 4">
+            <a:extLst>
+              <a:ext uri="{FF2B5EF4-FFF2-40B4-BE49-F238E27FC236}">
+                <a16:creationId xmlns:a16="http://schemas.microsoft.com/office/drawing/2014/main" id="{9841FA88-2554-4B50-82B0-7FCD6110FC33}"/>
+              </a:ext>
+            </a:extLst>
+          </p:cNvPr>
+          <p:cNvSpPr>
+            <a:spLocks noGrp="1"/>
+          </p:cNvSpPr>
+          <p:nvPr>
+            <p:ph type="sldNum" sz="quarter" idx="11"/>
+          </p:nvPr>
+        </p:nvSpPr>
+        <p:spPr/>
+        <p:txBody>
+          <a:bodyPr/>
+          <a:lstStyle/>
+          <a:p>
+            <a:pPr marL="0" marR="0" lvl="0" indent="0" algn="r" defTabSz="914400" rtl="0" eaLnBrk="1" fontAlgn="auto" latinLnBrk="0" hangingPunct="1">
+              <a:lnSpc>
+                <a:spcPct val="100000"/>
+              </a:lnSpc>
+              <a:spcBef>
+                <a:spcPts val="0"/>
+              </a:spcBef>
+              <a:spcAft>
+                <a:spcPts val="0"/>
+              </a:spcAft>
+              <a:buClrTx/>
+              <a:buSzTx/>
+              <a:buFontTx/>
+              <a:buNone/>
+              <a:tabLst/>
+              <a:defRPr/>
+            </a:pPr>
+            <a:fld id="{88CB616A-2EDE-4F93-81C7-BE29C9C217CB}" type="slidenum">
+              <a:rPr kumimoji="0" lang="es-ES" sz="1200" b="0" i="0" u="none" strike="noStrike" kern="1200" cap="none" spc="0" normalizeH="0" baseline="0" noProof="0" smtClean="0">
+                <a:ln>
+                  <a:noFill/>
+                </a:ln>
+                <a:solidFill>
+                  <a:prstClr val="black"/>
+                </a:solidFill>
+                <a:effectLst/>
+                <a:uLnTx/>
+                <a:uFillTx/>
+                <a:latin typeface="Tw Cen MT" panose="020B0602020104020603"/>
+                <a:ea typeface="+mn-ea"/>
+                <a:cs typeface="+mn-cs"/>
+              </a:rPr>
+              <a:pPr marL="0" marR="0" lvl="0" indent="0" algn="r" defTabSz="914400" rtl="0" eaLnBrk="1" fontAlgn="auto" latinLnBrk="0" hangingPunct="1">
+                <a:lnSpc>
+                  <a:spcPct val="100000"/>
+                </a:lnSpc>
+                <a:spcBef>
+                  <a:spcPts val="0"/>
+                </a:spcBef>
+                <a:spcAft>
+                  <a:spcPts val="0"/>
+                </a:spcAft>
+                <a:buClrTx/>
+                <a:buSzTx/>
+                <a:buFontTx/>
+                <a:buNone/>
+                <a:tabLst/>
+                <a:defRPr/>
+              </a:pPr>
+              <a:t>17</a:t>
+            </a:fld>
+            <a:endParaRPr kumimoji="0" lang="es-ES" sz="1200" b="0" i="0" u="none" strike="noStrike" kern="1200" cap="none" spc="0" normalizeH="0" baseline="0" noProof="0" dirty="0">
+              <a:ln>
+                <a:noFill/>
+              </a:ln>
+              <a:solidFill>
+                <a:prstClr val="black"/>
+              </a:solidFill>
+              <a:effectLst/>
+              <a:uLnTx/>
+              <a:uFillTx/>
+              <a:latin typeface="Tw Cen MT" panose="020B0602020104020603"/>
+              <a:ea typeface="+mn-ea"/>
+              <a:cs typeface="+mn-cs"/>
+            </a:endParaRPr>
+          </a:p>
+        </p:txBody>
+      </p:sp>
+      <p:pic>
+        <p:nvPicPr>
+          <p:cNvPr id="6" name="Imagen 5">
+            <a:extLst>
+              <a:ext uri="{FF2B5EF4-FFF2-40B4-BE49-F238E27FC236}">
+                <a16:creationId xmlns:a16="http://schemas.microsoft.com/office/drawing/2014/main" id="{03FC322A-49C3-4F9A-A5D2-B339574C8648}"/>
+              </a:ext>
+            </a:extLst>
+          </p:cNvPr>
+          <p:cNvPicPr>
+            <a:picLocks noChangeAspect="1"/>
+          </p:cNvPicPr>
+          <p:nvPr/>
+        </p:nvPicPr>
+        <p:blipFill>
+          <a:blip r:embed="rId2"/>
+          <a:stretch>
+            <a:fillRect/>
+          </a:stretch>
+        </p:blipFill>
+        <p:spPr>
+          <a:xfrm>
+            <a:off x="6485" y="4745635"/>
+            <a:ext cx="12192000" cy="815064"/>
+          </a:xfrm>
+          <a:prstGeom prst="rect">
+            <a:avLst/>
+          </a:prstGeom>
+        </p:spPr>
+      </p:pic>
+      <p:pic>
+        <p:nvPicPr>
+          <p:cNvPr id="7" name="Imagen 6">
+            <a:extLst>
+              <a:ext uri="{FF2B5EF4-FFF2-40B4-BE49-F238E27FC236}">
+                <a16:creationId xmlns:a16="http://schemas.microsoft.com/office/drawing/2014/main" id="{EFFF1CB3-699E-457A-AC58-DD401DAE711E}"/>
+              </a:ext>
+            </a:extLst>
+          </p:cNvPr>
+          <p:cNvPicPr>
+            <a:picLocks noChangeAspect="1"/>
+          </p:cNvPicPr>
+          <p:nvPr/>
+        </p:nvPicPr>
+        <p:blipFill>
+          <a:blip r:embed="rId3"/>
+          <a:stretch>
+            <a:fillRect/>
+          </a:stretch>
+        </p:blipFill>
+        <p:spPr>
+          <a:xfrm>
+            <a:off x="2152650" y="2371725"/>
+            <a:ext cx="7886700" cy="2114550"/>
+          </a:xfrm>
+          <a:prstGeom prst="rect">
+            <a:avLst/>
+          </a:prstGeom>
+        </p:spPr>
+      </p:pic>
+      <p:cxnSp>
+        <p:nvCxnSpPr>
+          <p:cNvPr id="10" name="Conector recto 9">
+            <a:extLst>
+              <a:ext uri="{FF2B5EF4-FFF2-40B4-BE49-F238E27FC236}">
+                <a16:creationId xmlns:a16="http://schemas.microsoft.com/office/drawing/2014/main" id="{7E1A07E6-AC44-412F-8E23-9F929E582019}"/>
+              </a:ext>
+            </a:extLst>
+          </p:cNvPr>
+          <p:cNvCxnSpPr/>
+          <p:nvPr/>
+        </p:nvCxnSpPr>
+        <p:spPr>
+          <a:xfrm>
+            <a:off x="6915150" y="5353050"/>
+            <a:ext cx="508000" cy="0"/>
+          </a:xfrm>
+          <a:prstGeom prst="line">
+            <a:avLst/>
+          </a:prstGeom>
+          <a:ln>
+            <a:solidFill>
+              <a:srgbClr val="FF0000"/>
+            </a:solidFill>
+          </a:ln>
+        </p:spPr>
+        <p:style>
+          <a:lnRef idx="1">
+            <a:schemeClr val="accent1"/>
+          </a:lnRef>
+          <a:fillRef idx="0">
+            <a:schemeClr val="accent1"/>
+          </a:fillRef>
+          <a:effectRef idx="0">
+            <a:schemeClr val="accent1"/>
+          </a:effectRef>
+          <a:fontRef idx="minor">
+            <a:schemeClr val="tx1"/>
+          </a:fontRef>
+        </p:style>
+      </p:cxnSp>
+    </p:spTree>
+    <p:extLst>
+      <p:ext uri="{BB962C8B-B14F-4D97-AF65-F5344CB8AC3E}">
+        <p14:creationId xmlns:p14="http://schemas.microsoft.com/office/powerpoint/2010/main" val="4120557604"/>
+      </p:ext>
+    </p:extLst>
+  </p:cSld>
+  <p:clrMapOvr>
+    <a:masterClrMapping/>
+  </p:clrMapOvr>
+</p:sld>
+</file>
+
+<file path=ppt/slides/slide18.xml><?xml version="1.0" encoding="utf-8"?>
+<p:sld xmlns:a="http://schemas.openxmlformats.org/drawingml/2006/main" xmlns:r="http://schemas.openxmlformats.org/officeDocument/2006/relationships" xmlns:p="http://schemas.openxmlformats.org/presentationml/2006/main">
+  <p:cSld>
+    <p:spTree>
+      <p:nvGrpSpPr>
+        <p:cNvPr id="1" name=""/>
+        <p:cNvGrpSpPr/>
+        <p:nvPr/>
+      </p:nvGrpSpPr>
+      <p:grpSpPr>
+        <a:xfrm>
+          <a:off x="0" y="0"/>
+          <a:ext cx="0" cy="0"/>
+          <a:chOff x="0" y="0"/>
+          <a:chExt cx="0" cy="0"/>
+        </a:xfrm>
+      </p:grpSpPr>
+      <p:sp>
+        <p:nvSpPr>
+          <p:cNvPr id="2" name="Content Placeholder 1">
+            <a:extLst>
+              <a:ext uri="{FF2B5EF4-FFF2-40B4-BE49-F238E27FC236}">
+                <a16:creationId xmlns:a16="http://schemas.microsoft.com/office/drawing/2014/main" id="{112A21C4-6520-4623-937A-1C4274CD5A19}"/>
+              </a:ext>
+            </a:extLst>
+          </p:cNvPr>
+          <p:cNvSpPr>
+            <a:spLocks noGrp="1"/>
+          </p:cNvSpPr>
+          <p:nvPr>
+            <p:ph idx="1"/>
+          </p:nvPr>
+        </p:nvSpPr>
+        <p:spPr>
+          <a:xfrm>
+            <a:off x="1311965" y="1764000"/>
+            <a:ext cx="9720471" cy="4320000"/>
+          </a:xfrm>
+        </p:spPr>
+        <p:txBody>
+          <a:bodyPr/>
+          <a:lstStyle/>
+          <a:p>
+            <a:pPr marL="285750" indent="-285750">
+              <a:buClr>
+                <a:srgbClr val="00D0FF"/>
+              </a:buClr>
+              <a:buSzPct val="110000"/>
+              <a:buFont typeface="Arial" panose="020B0604020202020204" pitchFamily="34" charset="0"/>
+              <a:buChar char="•"/>
+            </a:pPr>
+            <a:r>
+              <a:rPr lang="en-US" dirty="0">
+                <a:solidFill>
+                  <a:prstClr val="black"/>
+                </a:solidFill>
+              </a:rPr>
+              <a:t>For custom health checks there exist libraries to add code to our services</a:t>
+            </a:r>
+          </a:p>
+          <a:p>
+            <a:pPr marL="285750" indent="-285750">
+              <a:buClr>
+                <a:srgbClr val="00D0FF"/>
+              </a:buClr>
+              <a:buSzPct val="110000"/>
+              <a:buFont typeface="Arial" panose="020B0604020202020204" pitchFamily="34" charset="0"/>
+              <a:buChar char="•"/>
+            </a:pPr>
+            <a:r>
+              <a:rPr lang="en-US" dirty="0">
+                <a:solidFill>
+                  <a:prstClr val="black"/>
+                </a:solidFill>
+              </a:rPr>
+              <a:t>For ASP.NET Core we can use </a:t>
+            </a:r>
+            <a:r>
+              <a:rPr lang="en-US" dirty="0" err="1">
+                <a:solidFill>
+                  <a:prstClr val="black"/>
+                </a:solidFill>
+                <a:hlinkClick r:id="rId2"/>
+              </a:rPr>
+              <a:t>HealthChecks</a:t>
+            </a:r>
+            <a:r>
+              <a:rPr lang="en-US" dirty="0">
+                <a:solidFill>
+                  <a:prstClr val="black"/>
+                </a:solidFill>
+              </a:rPr>
+              <a:t> from the ASP.NET team. You can download the NuGet package </a:t>
+            </a:r>
+            <a:r>
+              <a:rPr lang="en-US" dirty="0" err="1">
+                <a:solidFill>
+                  <a:prstClr val="black"/>
+                </a:solidFill>
+              </a:rPr>
+              <a:t>Microsoft.AspNetCore.HealthChecks</a:t>
+            </a:r>
+            <a:endParaRPr lang="en-US" dirty="0">
+              <a:solidFill>
+                <a:prstClr val="black"/>
+              </a:solidFill>
+            </a:endParaRPr>
+          </a:p>
+          <a:p>
+            <a:pPr marL="285750" indent="-285750">
+              <a:buClr>
+                <a:srgbClr val="00D0FF"/>
+              </a:buClr>
+              <a:buSzPct val="110000"/>
+              <a:buFont typeface="Arial" panose="020B0604020202020204" pitchFamily="34" charset="0"/>
+              <a:buChar char="•"/>
+            </a:pPr>
+            <a:r>
+              <a:rPr lang="en-US" dirty="0">
+                <a:solidFill>
+                  <a:prstClr val="black"/>
+                </a:solidFill>
+              </a:rPr>
+              <a:t>It allows several kind of checks, and it is extensible for custom cases.</a:t>
+            </a:r>
+          </a:p>
+          <a:p>
+            <a:pPr>
+              <a:buClr>
+                <a:srgbClr val="00D0FF"/>
+              </a:buClr>
+              <a:buSzPct val="110000"/>
+            </a:pPr>
+            <a:endParaRPr lang="en-US" sz="1600" dirty="0">
+              <a:solidFill>
+                <a:prstClr val="black"/>
+              </a:solidFill>
+              <a:latin typeface="+mj-lt"/>
+            </a:endParaRPr>
+          </a:p>
+          <a:p>
+            <a:pPr marL="1276325" lvl="1" indent="-285750">
+              <a:buClr>
+                <a:srgbClr val="00D0FF"/>
+              </a:buClr>
+              <a:buSzPct val="110000"/>
+              <a:buFont typeface="Arial" panose="020B0604020202020204" pitchFamily="34" charset="0"/>
+              <a:buChar char="•"/>
+            </a:pPr>
+            <a:endParaRPr lang="en-US" sz="1600" dirty="0">
+              <a:solidFill>
+                <a:prstClr val="black"/>
+              </a:solidFill>
+              <a:latin typeface="+mj-lt"/>
+            </a:endParaRPr>
+          </a:p>
+          <a:p>
+            <a:pPr marL="1276325" lvl="1" indent="-285750">
+              <a:buClr>
+                <a:srgbClr val="00D0FF"/>
+              </a:buClr>
+              <a:buSzPct val="110000"/>
+              <a:buFont typeface="Arial" panose="020B0604020202020204" pitchFamily="34" charset="0"/>
+              <a:buChar char="•"/>
+            </a:pPr>
+            <a:endParaRPr lang="en-US" sz="1600" dirty="0">
+              <a:solidFill>
+                <a:prstClr val="black"/>
+              </a:solidFill>
+              <a:latin typeface="+mj-lt"/>
+            </a:endParaRPr>
+          </a:p>
+        </p:txBody>
+      </p:sp>
+      <p:sp>
+        <p:nvSpPr>
+          <p:cNvPr id="3" name="Title 2">
+            <a:extLst>
+              <a:ext uri="{FF2B5EF4-FFF2-40B4-BE49-F238E27FC236}">
+                <a16:creationId xmlns:a16="http://schemas.microsoft.com/office/drawing/2014/main" id="{6C5FCB65-9EA9-41A2-8437-0B3A2FF1E1C3}"/>
+              </a:ext>
+            </a:extLst>
+          </p:cNvPr>
+          <p:cNvSpPr>
+            <a:spLocks noGrp="1"/>
+          </p:cNvSpPr>
+          <p:nvPr>
+            <p:ph type="title"/>
+          </p:nvPr>
+        </p:nvSpPr>
+        <p:spPr/>
+        <p:txBody>
+          <a:bodyPr/>
+          <a:lstStyle/>
+          <a:p>
+            <a:r>
+              <a:rPr lang="en-US" dirty="0"/>
+              <a:t>ASP.NET Core</a:t>
+            </a:r>
+          </a:p>
+        </p:txBody>
+      </p:sp>
+      <p:sp>
+        <p:nvSpPr>
+          <p:cNvPr id="4" name="Footer Placeholder 3">
+            <a:extLst>
+              <a:ext uri="{FF2B5EF4-FFF2-40B4-BE49-F238E27FC236}">
+                <a16:creationId xmlns:a16="http://schemas.microsoft.com/office/drawing/2014/main" id="{8C0B9DE0-24F6-4D07-97FE-36F49B312F02}"/>
+              </a:ext>
+            </a:extLst>
+          </p:cNvPr>
+          <p:cNvSpPr>
+            <a:spLocks noGrp="1"/>
+          </p:cNvSpPr>
+          <p:nvPr>
+            <p:ph type="ftr" sz="quarter" idx="10"/>
+          </p:nvPr>
+        </p:nvSpPr>
+        <p:spPr/>
+        <p:txBody>
+          <a:bodyPr/>
+          <a:lstStyle/>
+          <a:p>
+            <a:pPr>
+              <a:defRPr/>
+            </a:pPr>
+            <a:r>
+              <a:rPr lang="es-ES" dirty="0"/>
+              <a:t>@</a:t>
+            </a:r>
+            <a:r>
+              <a:rPr lang="es-ES" dirty="0" err="1"/>
+              <a:t>plainconcepts</a:t>
+            </a:r>
+            <a:endParaRPr lang="es-ES" dirty="0"/>
+          </a:p>
+          <a:p>
+            <a:pPr marL="0" marR="0" lvl="0" indent="0" algn="l" defTabSz="914400" rtl="0" eaLnBrk="1" fontAlgn="auto" latinLnBrk="0" hangingPunct="1">
+              <a:lnSpc>
+                <a:spcPct val="100000"/>
+              </a:lnSpc>
+              <a:spcBef>
+                <a:spcPts val="0"/>
+              </a:spcBef>
+              <a:spcAft>
+                <a:spcPts val="0"/>
+              </a:spcAft>
+              <a:buClrTx/>
+              <a:buSzTx/>
+              <a:buFontTx/>
+              <a:buNone/>
+              <a:tabLst/>
+              <a:defRPr/>
+            </a:pPr>
+            <a:endParaRPr kumimoji="0" lang="es-ES" sz="1200" b="0" i="0" u="sng" strike="noStrike" kern="1200" cap="none" spc="0" normalizeH="0" baseline="0" noProof="0" dirty="0">
+              <a:ln>
+                <a:noFill/>
+              </a:ln>
+              <a:solidFill>
+                <a:srgbClr val="00D0FF"/>
+              </a:solidFill>
+              <a:effectLst/>
+              <a:uLnTx/>
+              <a:uFillTx/>
+              <a:latin typeface="Tw Cen MT" panose="020B0602020104020603"/>
+              <a:ea typeface="+mn-ea"/>
+              <a:cs typeface="+mn-cs"/>
+            </a:endParaRPr>
+          </a:p>
+        </p:txBody>
+      </p:sp>
+      <p:sp>
+        <p:nvSpPr>
+          <p:cNvPr id="5" name="Slide Number Placeholder 4">
+            <a:extLst>
+              <a:ext uri="{FF2B5EF4-FFF2-40B4-BE49-F238E27FC236}">
+                <a16:creationId xmlns:a16="http://schemas.microsoft.com/office/drawing/2014/main" id="{9841FA88-2554-4B50-82B0-7FCD6110FC33}"/>
+              </a:ext>
+            </a:extLst>
+          </p:cNvPr>
+          <p:cNvSpPr>
+            <a:spLocks noGrp="1"/>
+          </p:cNvSpPr>
+          <p:nvPr>
+            <p:ph type="sldNum" sz="quarter" idx="11"/>
+          </p:nvPr>
+        </p:nvSpPr>
+        <p:spPr/>
+        <p:txBody>
+          <a:bodyPr/>
+          <a:lstStyle/>
+          <a:p>
+            <a:pPr marL="0" marR="0" lvl="0" indent="0" algn="r" defTabSz="914400" rtl="0" eaLnBrk="1" fontAlgn="auto" latinLnBrk="0" hangingPunct="1">
+              <a:lnSpc>
+                <a:spcPct val="100000"/>
+              </a:lnSpc>
+              <a:spcBef>
+                <a:spcPts val="0"/>
+              </a:spcBef>
+              <a:spcAft>
+                <a:spcPts val="0"/>
+              </a:spcAft>
+              <a:buClrTx/>
+              <a:buSzTx/>
+              <a:buFontTx/>
+              <a:buNone/>
+              <a:tabLst/>
+              <a:defRPr/>
+            </a:pPr>
+            <a:fld id="{88CB616A-2EDE-4F93-81C7-BE29C9C217CB}" type="slidenum">
+              <a:rPr kumimoji="0" lang="es-ES" sz="1200" b="0" i="0" u="none" strike="noStrike" kern="1200" cap="none" spc="0" normalizeH="0" baseline="0" noProof="0" smtClean="0">
+                <a:ln>
+                  <a:noFill/>
+                </a:ln>
+                <a:solidFill>
+                  <a:prstClr val="black"/>
+                </a:solidFill>
+                <a:effectLst/>
+                <a:uLnTx/>
+                <a:uFillTx/>
+                <a:latin typeface="Tw Cen MT" panose="020B0602020104020603"/>
+                <a:ea typeface="+mn-ea"/>
+                <a:cs typeface="+mn-cs"/>
+              </a:rPr>
+              <a:pPr marL="0" marR="0" lvl="0" indent="0" algn="r" defTabSz="914400" rtl="0" eaLnBrk="1" fontAlgn="auto" latinLnBrk="0" hangingPunct="1">
+                <a:lnSpc>
+                  <a:spcPct val="100000"/>
+                </a:lnSpc>
+                <a:spcBef>
+                  <a:spcPts val="0"/>
+                </a:spcBef>
+                <a:spcAft>
+                  <a:spcPts val="0"/>
+                </a:spcAft>
+                <a:buClrTx/>
+                <a:buSzTx/>
+                <a:buFontTx/>
+                <a:buNone/>
+                <a:tabLst/>
+                <a:defRPr/>
+              </a:pPr>
+              <a:t>18</a:t>
+            </a:fld>
+            <a:endParaRPr kumimoji="0" lang="es-ES" sz="1200" b="0" i="0" u="none" strike="noStrike" kern="1200" cap="none" spc="0" normalizeH="0" baseline="0" noProof="0" dirty="0">
+              <a:ln>
+                <a:noFill/>
+              </a:ln>
+              <a:solidFill>
+                <a:prstClr val="black"/>
+              </a:solidFill>
+              <a:effectLst/>
+              <a:uLnTx/>
+              <a:uFillTx/>
+              <a:latin typeface="Tw Cen MT" panose="020B0602020104020603"/>
+              <a:ea typeface="+mn-ea"/>
+              <a:cs typeface="+mn-cs"/>
+            </a:endParaRPr>
+          </a:p>
+        </p:txBody>
+      </p:sp>
+    </p:spTree>
+    <p:extLst>
+      <p:ext uri="{BB962C8B-B14F-4D97-AF65-F5344CB8AC3E}">
+        <p14:creationId xmlns:p14="http://schemas.microsoft.com/office/powerpoint/2010/main" val="1684530472"/>
+      </p:ext>
+    </p:extLst>
+  </p:cSld>
+  <p:clrMapOvr>
+    <a:masterClrMapping/>
+  </p:clrMapOvr>
+</p:sld>
+</file>
+
+<file path=ppt/slides/slide19.xml><?xml version="1.0" encoding="utf-8"?>
+<p:sld xmlns:a="http://schemas.openxmlformats.org/drawingml/2006/main" xmlns:r="http://schemas.openxmlformats.org/officeDocument/2006/relationships" xmlns:p="http://schemas.openxmlformats.org/presentationml/2006/main">
+  <p:cSld>
+    <p:spTree>
+      <p:nvGrpSpPr>
+        <p:cNvPr id="1" name=""/>
+        <p:cNvGrpSpPr/>
+        <p:nvPr/>
+      </p:nvGrpSpPr>
+      <p:grpSpPr>
+        <a:xfrm>
+          <a:off x="0" y="0"/>
+          <a:ext cx="0" cy="0"/>
+          <a:chOff x="0" y="0"/>
+          <a:chExt cx="0" cy="0"/>
+        </a:xfrm>
+      </p:grpSpPr>
+      <p:sp>
+        <p:nvSpPr>
+          <p:cNvPr id="2" name="Marcador de contenido 1">
+            <a:extLst>
+              <a:ext uri="{FF2B5EF4-FFF2-40B4-BE49-F238E27FC236}">
+                <a16:creationId xmlns:a16="http://schemas.microsoft.com/office/drawing/2014/main" id="{DC21440B-7100-4D13-9AC8-A5EAA8DEFA55}"/>
+              </a:ext>
+            </a:extLst>
+          </p:cNvPr>
+          <p:cNvSpPr>
+            <a:spLocks noGrp="1"/>
+          </p:cNvSpPr>
+          <p:nvPr>
+            <p:ph idx="1"/>
+          </p:nvPr>
+        </p:nvSpPr>
+        <p:spPr/>
+        <p:txBody>
+          <a:bodyPr/>
+          <a:lstStyle/>
+          <a:p>
+            <a:r>
+              <a:rPr lang="es-ES" dirty="0"/>
+              <a:t>At Startup </a:t>
+            </a:r>
+            <a:r>
+              <a:rPr lang="es-ES" dirty="0" err="1"/>
+              <a:t>class</a:t>
+            </a:r>
+            <a:r>
+              <a:rPr lang="es-ES" dirty="0"/>
+              <a:t>, </a:t>
+            </a:r>
+            <a:r>
+              <a:rPr lang="es-ES" dirty="0" err="1"/>
+              <a:t>when</a:t>
+            </a:r>
+            <a:r>
+              <a:rPr lang="es-ES" dirty="0"/>
+              <a:t> </a:t>
+            </a:r>
+            <a:r>
+              <a:rPr lang="es-ES" dirty="0" err="1"/>
+              <a:t>configuring</a:t>
+            </a:r>
+            <a:r>
+              <a:rPr lang="es-ES" dirty="0"/>
+              <a:t> </a:t>
+            </a:r>
+            <a:r>
+              <a:rPr lang="es-ES" dirty="0" err="1"/>
+              <a:t>the</a:t>
+            </a:r>
+            <a:r>
+              <a:rPr lang="es-ES" dirty="0"/>
+              <a:t> </a:t>
+            </a:r>
+            <a:r>
+              <a:rPr lang="es-ES" dirty="0" err="1"/>
+              <a:t>services</a:t>
+            </a:r>
+            <a:endParaRPr lang="es-ES" dirty="0"/>
+          </a:p>
+        </p:txBody>
+      </p:sp>
+      <p:sp>
+        <p:nvSpPr>
+          <p:cNvPr id="3" name="Marcador de número de diapositiva 2">
+            <a:extLst>
+              <a:ext uri="{FF2B5EF4-FFF2-40B4-BE49-F238E27FC236}">
+                <a16:creationId xmlns:a16="http://schemas.microsoft.com/office/drawing/2014/main" id="{366B15AF-E401-4629-86DD-A62C6C9CD263}"/>
+              </a:ext>
+            </a:extLst>
+          </p:cNvPr>
+          <p:cNvSpPr>
+            <a:spLocks noGrp="1"/>
+          </p:cNvSpPr>
+          <p:nvPr>
+            <p:ph type="sldNum" sz="quarter" idx="11"/>
+          </p:nvPr>
+        </p:nvSpPr>
+        <p:spPr/>
+        <p:txBody>
+          <a:bodyPr/>
+          <a:lstStyle/>
+          <a:p>
+            <a:pPr marL="0" marR="0" lvl="0" indent="0" algn="r" defTabSz="914400" rtl="0" eaLnBrk="1" fontAlgn="auto" latinLnBrk="0" hangingPunct="1">
+              <a:lnSpc>
+                <a:spcPct val="100000"/>
+              </a:lnSpc>
+              <a:spcBef>
+                <a:spcPts val="0"/>
+              </a:spcBef>
+              <a:spcAft>
+                <a:spcPts val="0"/>
+              </a:spcAft>
+              <a:buClrTx/>
+              <a:buSzTx/>
+              <a:buFontTx/>
+              <a:buNone/>
+              <a:tabLst/>
+              <a:defRPr/>
+            </a:pPr>
+            <a:fld id="{88CB616A-2EDE-4F93-81C7-BE29C9C217CB}" type="slidenum">
+              <a:rPr kumimoji="0" lang="es-ES" sz="1200" b="0" i="0" u="none" strike="noStrike" kern="1200" cap="none" spc="0" normalizeH="0" baseline="0" noProof="0" smtClean="0">
+                <a:ln>
+                  <a:noFill/>
+                </a:ln>
+                <a:solidFill>
+                  <a:prstClr val="black"/>
+                </a:solidFill>
+                <a:effectLst/>
+                <a:uLnTx/>
+                <a:uFillTx/>
+                <a:latin typeface="Tw Cen MT" panose="020B0602020104020603"/>
+                <a:ea typeface="+mn-ea"/>
+                <a:cs typeface="+mn-cs"/>
+              </a:rPr>
+              <a:pPr marL="0" marR="0" lvl="0" indent="0" algn="r" defTabSz="914400" rtl="0" eaLnBrk="1" fontAlgn="auto" latinLnBrk="0" hangingPunct="1">
+                <a:lnSpc>
+                  <a:spcPct val="100000"/>
+                </a:lnSpc>
+                <a:spcBef>
+                  <a:spcPts val="0"/>
+                </a:spcBef>
+                <a:spcAft>
+                  <a:spcPts val="0"/>
+                </a:spcAft>
+                <a:buClrTx/>
+                <a:buSzTx/>
+                <a:buFontTx/>
+                <a:buNone/>
+                <a:tabLst/>
+                <a:defRPr/>
+              </a:pPr>
+              <a:t>19</a:t>
+            </a:fld>
+            <a:endParaRPr kumimoji="0" lang="es-ES" sz="1200" b="0" i="0" u="none" strike="noStrike" kern="1200" cap="none" spc="0" normalizeH="0" baseline="0" noProof="0" dirty="0">
+              <a:ln>
+                <a:noFill/>
+              </a:ln>
+              <a:solidFill>
+                <a:prstClr val="black"/>
+              </a:solidFill>
+              <a:effectLst/>
+              <a:uLnTx/>
+              <a:uFillTx/>
+              <a:latin typeface="Tw Cen MT" panose="020B0602020104020603"/>
+              <a:ea typeface="+mn-ea"/>
+              <a:cs typeface="+mn-cs"/>
+            </a:endParaRPr>
+          </a:p>
+        </p:txBody>
+      </p:sp>
+      <p:sp>
+        <p:nvSpPr>
+          <p:cNvPr id="4" name="Marcador de texto 3">
+            <a:extLst>
+              <a:ext uri="{FF2B5EF4-FFF2-40B4-BE49-F238E27FC236}">
+                <a16:creationId xmlns:a16="http://schemas.microsoft.com/office/drawing/2014/main" id="{85A4FDDC-5608-434B-B899-F0F11012F708}"/>
+              </a:ext>
+            </a:extLst>
+          </p:cNvPr>
+          <p:cNvSpPr>
+            <a:spLocks noGrp="1"/>
+          </p:cNvSpPr>
+          <p:nvPr>
+            <p:ph type="body" sz="quarter" idx="14"/>
+          </p:nvPr>
+        </p:nvSpPr>
+        <p:spPr/>
+        <p:txBody>
+          <a:bodyPr>
+            <a:normAutofit fontScale="70000" lnSpcReduction="20000"/>
+          </a:bodyPr>
+          <a:lstStyle/>
+          <a:p>
+            <a:r>
+              <a:rPr lang="es-ES" dirty="0" err="1">
+                <a:solidFill>
+                  <a:schemeClr val="accent3">
+                    <a:lumMod val="40000"/>
+                    <a:lumOff val="60000"/>
+                  </a:schemeClr>
+                </a:solidFill>
+                <a:latin typeface="Consolas" panose="020B0609020204030204" pitchFamily="49" charset="0"/>
+              </a:rPr>
+              <a:t>public</a:t>
+            </a:r>
+            <a:r>
+              <a:rPr lang="es-ES" dirty="0">
+                <a:solidFill>
+                  <a:srgbClr val="000000"/>
+                </a:solidFill>
+                <a:latin typeface="Consolas" panose="020B0609020204030204" pitchFamily="49" charset="0"/>
+              </a:rPr>
+              <a:t> </a:t>
+            </a:r>
+            <a:r>
+              <a:rPr lang="es-ES" dirty="0" err="1">
+                <a:latin typeface="Consolas" panose="020B0609020204030204" pitchFamily="49" charset="0"/>
+              </a:rPr>
+              <a:t>IServiceProvider</a:t>
+            </a:r>
+            <a:r>
+              <a:rPr lang="es-ES" dirty="0">
+                <a:latin typeface="Consolas" panose="020B0609020204030204" pitchFamily="49" charset="0"/>
+              </a:rPr>
+              <a:t> </a:t>
+            </a:r>
+            <a:r>
+              <a:rPr lang="es-ES" dirty="0" err="1">
+                <a:latin typeface="Consolas" panose="020B0609020204030204" pitchFamily="49" charset="0"/>
+              </a:rPr>
+              <a:t>ConfigureServices</a:t>
+            </a:r>
+            <a:r>
+              <a:rPr lang="es-ES" dirty="0">
+                <a:latin typeface="Consolas" panose="020B0609020204030204" pitchFamily="49" charset="0"/>
+              </a:rPr>
+              <a:t>(</a:t>
+            </a:r>
+            <a:r>
+              <a:rPr lang="es-ES" dirty="0" err="1">
+                <a:latin typeface="Consolas" panose="020B0609020204030204" pitchFamily="49" charset="0"/>
+              </a:rPr>
+              <a:t>IServiceCollection</a:t>
+            </a:r>
+            <a:r>
+              <a:rPr lang="es-ES" dirty="0">
+                <a:latin typeface="Consolas" panose="020B0609020204030204" pitchFamily="49" charset="0"/>
+              </a:rPr>
+              <a:t> </a:t>
+            </a:r>
+            <a:r>
+              <a:rPr lang="es-ES" dirty="0" err="1">
+                <a:latin typeface="Consolas" panose="020B0609020204030204" pitchFamily="49" charset="0"/>
+              </a:rPr>
+              <a:t>services</a:t>
+            </a:r>
+            <a:r>
+              <a:rPr lang="es-ES" dirty="0">
+                <a:latin typeface="Consolas" panose="020B0609020204030204" pitchFamily="49" charset="0"/>
+              </a:rPr>
+              <a:t>)</a:t>
+            </a:r>
+          </a:p>
+          <a:p>
+            <a:r>
+              <a:rPr lang="es-ES" dirty="0">
+                <a:latin typeface="Consolas" panose="020B0609020204030204" pitchFamily="49" charset="0"/>
+              </a:rPr>
+              <a:t>{</a:t>
+            </a:r>
+          </a:p>
+          <a:p>
+            <a:r>
+              <a:rPr lang="es-ES" dirty="0">
+                <a:solidFill>
+                  <a:srgbClr val="008000"/>
+                </a:solidFill>
+                <a:latin typeface="Consolas" panose="020B0609020204030204" pitchFamily="49" charset="0"/>
+              </a:rPr>
+              <a:t>    // </a:t>
+            </a:r>
+            <a:r>
+              <a:rPr lang="es-ES" dirty="0" err="1">
+                <a:solidFill>
+                  <a:srgbClr val="008000"/>
+                </a:solidFill>
+                <a:latin typeface="Consolas" panose="020B0609020204030204" pitchFamily="49" charset="0"/>
+              </a:rPr>
+              <a:t>Add</a:t>
+            </a:r>
+            <a:r>
+              <a:rPr lang="es-ES" dirty="0">
+                <a:solidFill>
+                  <a:srgbClr val="008000"/>
+                </a:solidFill>
+                <a:latin typeface="Consolas" panose="020B0609020204030204" pitchFamily="49" charset="0"/>
+              </a:rPr>
+              <a:t> </a:t>
+            </a:r>
+            <a:r>
+              <a:rPr lang="es-ES" dirty="0" err="1">
+                <a:solidFill>
+                  <a:srgbClr val="008000"/>
+                </a:solidFill>
+                <a:latin typeface="Consolas" panose="020B0609020204030204" pitchFamily="49" charset="0"/>
+              </a:rPr>
+              <a:t>HealthChecks</a:t>
+            </a:r>
+            <a:r>
+              <a:rPr lang="es-ES" dirty="0">
+                <a:solidFill>
+                  <a:srgbClr val="008000"/>
+                </a:solidFill>
+                <a:latin typeface="Consolas" panose="020B0609020204030204" pitchFamily="49" charset="0"/>
+              </a:rPr>
+              <a:t> </a:t>
+            </a:r>
+            <a:r>
+              <a:rPr lang="es-ES" dirty="0" err="1">
+                <a:solidFill>
+                  <a:srgbClr val="008000"/>
+                </a:solidFill>
+                <a:latin typeface="Consolas" panose="020B0609020204030204" pitchFamily="49" charset="0"/>
+              </a:rPr>
+              <a:t>for</a:t>
+            </a:r>
+            <a:r>
+              <a:rPr lang="es-ES" dirty="0">
+                <a:solidFill>
+                  <a:srgbClr val="008000"/>
+                </a:solidFill>
+                <a:latin typeface="Consolas" panose="020B0609020204030204" pitchFamily="49" charset="0"/>
+              </a:rPr>
+              <a:t> SQL server and </a:t>
+            </a:r>
+            <a:r>
+              <a:rPr lang="es-ES" dirty="0" err="1">
+                <a:solidFill>
+                  <a:srgbClr val="008000"/>
+                </a:solidFill>
+                <a:latin typeface="Consolas" panose="020B0609020204030204" pitchFamily="49" charset="0"/>
+              </a:rPr>
+              <a:t>for</a:t>
+            </a:r>
+            <a:r>
+              <a:rPr lang="es-ES" dirty="0">
+                <a:solidFill>
+                  <a:srgbClr val="008000"/>
+                </a:solidFill>
+                <a:latin typeface="Consolas" panose="020B0609020204030204" pitchFamily="49" charset="0"/>
+              </a:rPr>
+              <a:t> Azure Blob </a:t>
+            </a:r>
+            <a:r>
+              <a:rPr lang="es-ES" dirty="0" err="1">
+                <a:solidFill>
+                  <a:srgbClr val="008000"/>
+                </a:solidFill>
+                <a:latin typeface="Consolas" panose="020B0609020204030204" pitchFamily="49" charset="0"/>
+              </a:rPr>
+              <a:t>storage</a:t>
+            </a:r>
+            <a:r>
+              <a:rPr lang="es-ES" dirty="0">
+                <a:solidFill>
+                  <a:srgbClr val="008000"/>
+                </a:solidFill>
+                <a:latin typeface="Consolas" panose="020B0609020204030204" pitchFamily="49" charset="0"/>
+              </a:rPr>
+              <a:t>.</a:t>
+            </a:r>
+            <a:endParaRPr lang="es-ES" dirty="0">
+              <a:latin typeface="Consolas" panose="020B0609020204030204" pitchFamily="49" charset="0"/>
+            </a:endParaRPr>
+          </a:p>
+          <a:p>
+            <a:r>
+              <a:rPr lang="es-ES" dirty="0">
+                <a:latin typeface="Consolas" panose="020B0609020204030204" pitchFamily="49" charset="0"/>
+              </a:rPr>
+              <a:t>    </a:t>
+            </a:r>
+            <a:r>
+              <a:rPr lang="es-ES" dirty="0" err="1">
+                <a:latin typeface="Consolas" panose="020B0609020204030204" pitchFamily="49" charset="0"/>
+              </a:rPr>
+              <a:t>services.AddHealthChecks</a:t>
+            </a:r>
+            <a:r>
+              <a:rPr lang="es-ES" dirty="0">
+                <a:latin typeface="Consolas" panose="020B0609020204030204" pitchFamily="49" charset="0"/>
+              </a:rPr>
+              <a:t>(</a:t>
+            </a:r>
+            <a:r>
+              <a:rPr lang="es-ES" dirty="0" err="1">
+                <a:latin typeface="Consolas" panose="020B0609020204030204" pitchFamily="49" charset="0"/>
+              </a:rPr>
+              <a:t>checks</a:t>
+            </a:r>
+            <a:r>
+              <a:rPr lang="es-ES" dirty="0">
+                <a:latin typeface="Consolas" panose="020B0609020204030204" pitchFamily="49" charset="0"/>
+              </a:rPr>
+              <a:t> =&gt;</a:t>
+            </a:r>
+          </a:p>
+          <a:p>
+            <a:r>
+              <a:rPr lang="es-ES" dirty="0">
+                <a:latin typeface="Consolas" panose="020B0609020204030204" pitchFamily="49" charset="0"/>
+              </a:rPr>
+              <a:t>    {</a:t>
+            </a:r>
+          </a:p>
+          <a:p>
+            <a:r>
+              <a:rPr lang="es-ES" dirty="0">
+                <a:solidFill>
+                  <a:srgbClr val="000000"/>
+                </a:solidFill>
+                <a:latin typeface="Consolas" panose="020B0609020204030204" pitchFamily="49" charset="0"/>
+              </a:rPr>
+              <a:t>        </a:t>
+            </a:r>
+            <a:r>
+              <a:rPr lang="es-ES" dirty="0" err="1">
+                <a:solidFill>
+                  <a:schemeClr val="accent3">
+                    <a:lumMod val="40000"/>
+                    <a:lumOff val="60000"/>
+                  </a:schemeClr>
+                </a:solidFill>
+                <a:latin typeface="Consolas" panose="020B0609020204030204" pitchFamily="49" charset="0"/>
+              </a:rPr>
+              <a:t>var</a:t>
+            </a:r>
+            <a:r>
+              <a:rPr lang="es-ES" dirty="0">
+                <a:solidFill>
+                  <a:srgbClr val="000000"/>
+                </a:solidFill>
+                <a:latin typeface="Consolas" panose="020B0609020204030204" pitchFamily="49" charset="0"/>
+              </a:rPr>
+              <a:t> </a:t>
+            </a:r>
+            <a:r>
+              <a:rPr lang="es-ES" dirty="0">
+                <a:latin typeface="Consolas" panose="020B0609020204030204" pitchFamily="49" charset="0"/>
+              </a:rPr>
+              <a:t>minutes = 1;</a:t>
+            </a:r>
+          </a:p>
+          <a:p>
+            <a:r>
+              <a:rPr lang="en-US" dirty="0">
+                <a:solidFill>
+                  <a:srgbClr val="000000"/>
+                </a:solidFill>
+                <a:latin typeface="Consolas" panose="020B0609020204030204" pitchFamily="49" charset="0"/>
+              </a:rPr>
+              <a:t>        </a:t>
+            </a:r>
+            <a:r>
+              <a:rPr lang="en-US" dirty="0">
+                <a:solidFill>
+                  <a:schemeClr val="accent3">
+                    <a:lumMod val="40000"/>
+                    <a:lumOff val="60000"/>
+                  </a:schemeClr>
+                </a:solidFill>
+                <a:latin typeface="Consolas" panose="020B0609020204030204" pitchFamily="49" charset="0"/>
+              </a:rPr>
+              <a:t>if</a:t>
+            </a:r>
+            <a:r>
+              <a:rPr lang="en-US" dirty="0">
+                <a:solidFill>
+                  <a:srgbClr val="000000"/>
+                </a:solidFill>
+                <a:latin typeface="Consolas" panose="020B0609020204030204" pitchFamily="49" charset="0"/>
+              </a:rPr>
+              <a:t> </a:t>
+            </a:r>
+            <a:r>
+              <a:rPr lang="en-US" dirty="0">
+                <a:latin typeface="Consolas" panose="020B0609020204030204" pitchFamily="49" charset="0"/>
+              </a:rPr>
+              <a:t>(</a:t>
+            </a:r>
+            <a:r>
+              <a:rPr lang="en-US" dirty="0" err="1">
+                <a:solidFill>
+                  <a:schemeClr val="accent3">
+                    <a:lumMod val="40000"/>
+                    <a:lumOff val="60000"/>
+                  </a:schemeClr>
+                </a:solidFill>
+                <a:latin typeface="Consolas" panose="020B0609020204030204" pitchFamily="49" charset="0"/>
+              </a:rPr>
+              <a:t>int</a:t>
+            </a:r>
+            <a:r>
+              <a:rPr lang="en-US" dirty="0" err="1">
+                <a:solidFill>
+                  <a:srgbClr val="000000"/>
+                </a:solidFill>
+                <a:latin typeface="Consolas" panose="020B0609020204030204" pitchFamily="49" charset="0"/>
+              </a:rPr>
+              <a:t>.</a:t>
+            </a:r>
+            <a:r>
+              <a:rPr lang="en-US" dirty="0" err="1">
+                <a:latin typeface="Consolas" panose="020B0609020204030204" pitchFamily="49" charset="0"/>
+              </a:rPr>
+              <a:t>TryParse</a:t>
+            </a:r>
+            <a:r>
+              <a:rPr lang="en-US" dirty="0">
+                <a:latin typeface="Consolas" panose="020B0609020204030204" pitchFamily="49" charset="0"/>
+              </a:rPr>
+              <a:t>(Configuration[</a:t>
+            </a:r>
+            <a:r>
+              <a:rPr lang="en-US" dirty="0">
+                <a:solidFill>
+                  <a:srgbClr val="F19393"/>
+                </a:solidFill>
+                <a:latin typeface="Consolas" panose="020B0609020204030204" pitchFamily="49" charset="0"/>
+              </a:rPr>
+              <a:t>"</a:t>
+            </a:r>
+            <a:r>
+              <a:rPr lang="en-US" dirty="0" err="1">
+                <a:solidFill>
+                  <a:srgbClr val="F19393"/>
+                </a:solidFill>
+                <a:latin typeface="Consolas" panose="020B0609020204030204" pitchFamily="49" charset="0"/>
+              </a:rPr>
+              <a:t>HealthCheck:Timeout</a:t>
+            </a:r>
+            <a:r>
+              <a:rPr lang="en-US" dirty="0">
+                <a:solidFill>
+                  <a:srgbClr val="F19393"/>
+                </a:solidFill>
+                <a:latin typeface="Consolas" panose="020B0609020204030204" pitchFamily="49" charset="0"/>
+              </a:rPr>
+              <a:t>"</a:t>
+            </a:r>
+            <a:r>
+              <a:rPr lang="en-US" dirty="0">
+                <a:latin typeface="Consolas" panose="020B0609020204030204" pitchFamily="49" charset="0"/>
+              </a:rPr>
+              <a:t>],</a:t>
+            </a:r>
+            <a:r>
+              <a:rPr lang="en-US" dirty="0">
+                <a:solidFill>
+                  <a:srgbClr val="000000"/>
+                </a:solidFill>
+                <a:latin typeface="Consolas" panose="020B0609020204030204" pitchFamily="49" charset="0"/>
+              </a:rPr>
+              <a:t> </a:t>
+            </a:r>
+            <a:r>
+              <a:rPr lang="en-US" dirty="0">
+                <a:solidFill>
+                  <a:schemeClr val="accent3">
+                    <a:lumMod val="40000"/>
+                    <a:lumOff val="60000"/>
+                  </a:schemeClr>
+                </a:solidFill>
+                <a:latin typeface="Consolas" panose="020B0609020204030204" pitchFamily="49" charset="0"/>
+              </a:rPr>
+              <a:t>out</a:t>
+            </a:r>
+            <a:r>
+              <a:rPr lang="en-US" dirty="0">
+                <a:solidFill>
+                  <a:srgbClr val="000000"/>
+                </a:solidFill>
+                <a:latin typeface="Consolas" panose="020B0609020204030204" pitchFamily="49" charset="0"/>
+              </a:rPr>
+              <a:t> </a:t>
+            </a:r>
+            <a:r>
+              <a:rPr lang="en-US" dirty="0" err="1">
+                <a:latin typeface="Consolas" panose="020B0609020204030204" pitchFamily="49" charset="0"/>
+              </a:rPr>
+              <a:t>var</a:t>
+            </a:r>
+            <a:r>
+              <a:rPr lang="en-US" dirty="0">
+                <a:latin typeface="Consolas" panose="020B0609020204030204" pitchFamily="49" charset="0"/>
+              </a:rPr>
+              <a:t> </a:t>
+            </a:r>
+            <a:r>
+              <a:rPr lang="en-US" dirty="0" err="1">
+                <a:latin typeface="Consolas" panose="020B0609020204030204" pitchFamily="49" charset="0"/>
+              </a:rPr>
+              <a:t>minutesParsed</a:t>
+            </a:r>
+            <a:r>
+              <a:rPr lang="en-US" dirty="0">
+                <a:latin typeface="Consolas" panose="020B0609020204030204" pitchFamily="49" charset="0"/>
+              </a:rPr>
+              <a:t>))</a:t>
+            </a:r>
+          </a:p>
+          <a:p>
+            <a:r>
+              <a:rPr lang="es-ES" dirty="0">
+                <a:solidFill>
+                  <a:srgbClr val="000000"/>
+                </a:solidFill>
+                <a:latin typeface="Consolas" panose="020B0609020204030204" pitchFamily="49" charset="0"/>
+              </a:rPr>
+              <a:t>        </a:t>
+            </a:r>
+            <a:r>
+              <a:rPr lang="es-ES" dirty="0">
+                <a:latin typeface="Consolas" panose="020B0609020204030204" pitchFamily="49" charset="0"/>
+              </a:rPr>
+              <a:t>{</a:t>
+            </a:r>
+          </a:p>
+          <a:p>
+            <a:r>
+              <a:rPr lang="es-ES" dirty="0">
+                <a:latin typeface="Consolas" panose="020B0609020204030204" pitchFamily="49" charset="0"/>
+              </a:rPr>
+              <a:t>            minutes = </a:t>
+            </a:r>
+            <a:r>
+              <a:rPr lang="es-ES" dirty="0" err="1">
+                <a:latin typeface="Consolas" panose="020B0609020204030204" pitchFamily="49" charset="0"/>
+              </a:rPr>
+              <a:t>minutesParsed</a:t>
+            </a:r>
+            <a:r>
+              <a:rPr lang="es-ES" dirty="0">
+                <a:latin typeface="Consolas" panose="020B0609020204030204" pitchFamily="49" charset="0"/>
+              </a:rPr>
+              <a:t>;</a:t>
+            </a:r>
+          </a:p>
+          <a:p>
+            <a:r>
+              <a:rPr lang="es-ES" dirty="0">
+                <a:latin typeface="Consolas" panose="020B0609020204030204" pitchFamily="49" charset="0"/>
+              </a:rPr>
+              <a:t>        }</a:t>
+            </a:r>
+          </a:p>
+          <a:p>
+            <a:r>
+              <a:rPr lang="es-ES" dirty="0">
+                <a:latin typeface="Consolas" panose="020B0609020204030204" pitchFamily="49" charset="0"/>
+              </a:rPr>
+              <a:t>        </a:t>
+            </a:r>
+            <a:r>
+              <a:rPr lang="es-ES" dirty="0">
+                <a:solidFill>
+                  <a:srgbClr val="008000"/>
+                </a:solidFill>
+                <a:latin typeface="Consolas" panose="020B0609020204030204" pitchFamily="49" charset="0"/>
+              </a:rPr>
+              <a:t>//</a:t>
+            </a:r>
+            <a:r>
+              <a:rPr lang="es-ES" dirty="0">
+                <a:latin typeface="Consolas" panose="020B0609020204030204" pitchFamily="49" charset="0"/>
+              </a:rPr>
+              <a:t> </a:t>
+            </a:r>
+            <a:r>
+              <a:rPr lang="es-ES" dirty="0">
+                <a:solidFill>
+                  <a:srgbClr val="008000"/>
+                </a:solidFill>
+                <a:latin typeface="Consolas" panose="020B0609020204030204" pitchFamily="49" charset="0"/>
+              </a:rPr>
+              <a:t>Minutes configures </a:t>
+            </a:r>
+            <a:r>
+              <a:rPr lang="es-ES" dirty="0" err="1">
+                <a:solidFill>
+                  <a:srgbClr val="008000"/>
+                </a:solidFill>
+                <a:latin typeface="Consolas" panose="020B0609020204030204" pitchFamily="49" charset="0"/>
+              </a:rPr>
+              <a:t>the</a:t>
+            </a:r>
+            <a:r>
+              <a:rPr lang="es-ES" dirty="0">
+                <a:solidFill>
+                  <a:srgbClr val="008000"/>
+                </a:solidFill>
+                <a:latin typeface="Consolas" panose="020B0609020204030204" pitchFamily="49" charset="0"/>
+              </a:rPr>
+              <a:t> cache </a:t>
+            </a:r>
+            <a:r>
+              <a:rPr lang="es-ES" dirty="0" err="1">
+                <a:solidFill>
+                  <a:srgbClr val="008000"/>
+                </a:solidFill>
+                <a:latin typeface="Consolas" panose="020B0609020204030204" pitchFamily="49" charset="0"/>
+              </a:rPr>
+              <a:t>duration</a:t>
+            </a:r>
+            <a:endParaRPr lang="es-ES" dirty="0">
+              <a:latin typeface="Consolas" panose="020B0609020204030204" pitchFamily="49" charset="0"/>
+            </a:endParaRPr>
+          </a:p>
+          <a:p>
+            <a:r>
+              <a:rPr lang="es-ES" dirty="0">
+                <a:latin typeface="Consolas" panose="020B0609020204030204" pitchFamily="49" charset="0"/>
+              </a:rPr>
+              <a:t>        </a:t>
+            </a:r>
+            <a:r>
+              <a:rPr lang="es-ES" dirty="0" err="1">
+                <a:latin typeface="Consolas" panose="020B0609020204030204" pitchFamily="49" charset="0"/>
+              </a:rPr>
+              <a:t>checks.AddSqlCheck</a:t>
+            </a:r>
+            <a:r>
+              <a:rPr lang="es-ES" dirty="0">
+                <a:latin typeface="Consolas" panose="020B0609020204030204" pitchFamily="49" charset="0"/>
+              </a:rPr>
+              <a:t>(</a:t>
+            </a:r>
+            <a:r>
+              <a:rPr lang="es-ES" dirty="0">
+                <a:solidFill>
+                  <a:srgbClr val="F19393"/>
+                </a:solidFill>
+                <a:latin typeface="Consolas" panose="020B0609020204030204" pitchFamily="49" charset="0"/>
+              </a:rPr>
+              <a:t>"</a:t>
+            </a:r>
+            <a:r>
+              <a:rPr lang="es-ES" dirty="0" err="1">
+                <a:solidFill>
+                  <a:srgbClr val="F19393"/>
+                </a:solidFill>
+                <a:latin typeface="Consolas" panose="020B0609020204030204" pitchFamily="49" charset="0"/>
+              </a:rPr>
+              <a:t>CatalogDb</a:t>
+            </a:r>
+            <a:r>
+              <a:rPr lang="es-ES" dirty="0">
+                <a:solidFill>
+                  <a:srgbClr val="F19393"/>
+                </a:solidFill>
+                <a:latin typeface="Consolas" panose="020B0609020204030204" pitchFamily="49" charset="0"/>
+              </a:rPr>
+              <a:t>"</a:t>
+            </a:r>
+            <a:r>
+              <a:rPr lang="es-ES" dirty="0">
+                <a:latin typeface="Consolas" panose="020B0609020204030204" pitchFamily="49" charset="0"/>
+              </a:rPr>
+              <a:t>, </a:t>
+            </a:r>
+            <a:r>
+              <a:rPr lang="es-ES" dirty="0" err="1">
+                <a:latin typeface="Consolas" panose="020B0609020204030204" pitchFamily="49" charset="0"/>
+              </a:rPr>
+              <a:t>Configuration</a:t>
+            </a:r>
+            <a:r>
+              <a:rPr lang="es-ES" dirty="0">
+                <a:latin typeface="Consolas" panose="020B0609020204030204" pitchFamily="49" charset="0"/>
+              </a:rPr>
+              <a:t>[</a:t>
+            </a:r>
+            <a:r>
+              <a:rPr lang="es-ES" dirty="0">
+                <a:solidFill>
+                  <a:srgbClr val="F19393"/>
+                </a:solidFill>
+                <a:latin typeface="Consolas" panose="020B0609020204030204" pitchFamily="49" charset="0"/>
+              </a:rPr>
+              <a:t>"</a:t>
+            </a:r>
+            <a:r>
+              <a:rPr lang="es-ES" dirty="0" err="1">
+                <a:solidFill>
+                  <a:srgbClr val="F19393"/>
+                </a:solidFill>
+                <a:latin typeface="Consolas" panose="020B0609020204030204" pitchFamily="49" charset="0"/>
+              </a:rPr>
+              <a:t>ConnectionString</a:t>
+            </a:r>
+            <a:r>
+              <a:rPr lang="es-ES" dirty="0">
+                <a:solidFill>
+                  <a:srgbClr val="F19393"/>
+                </a:solidFill>
+                <a:latin typeface="Consolas" panose="020B0609020204030204" pitchFamily="49" charset="0"/>
+              </a:rPr>
+              <a:t>"</a:t>
+            </a:r>
+            <a:r>
+              <a:rPr lang="es-ES" dirty="0">
+                <a:latin typeface="Consolas" panose="020B0609020204030204" pitchFamily="49" charset="0"/>
+              </a:rPr>
+              <a:t>],</a:t>
+            </a:r>
+          </a:p>
+          <a:p>
+            <a:r>
+              <a:rPr lang="es-ES" dirty="0">
+                <a:latin typeface="Consolas" panose="020B0609020204030204" pitchFamily="49" charset="0"/>
+              </a:rPr>
+              <a:t>        </a:t>
+            </a:r>
+            <a:r>
+              <a:rPr lang="es-ES" dirty="0" err="1">
+                <a:latin typeface="Consolas" panose="020B0609020204030204" pitchFamily="49" charset="0"/>
+              </a:rPr>
+              <a:t>TimeSpan.FromMinutes</a:t>
+            </a:r>
+            <a:r>
+              <a:rPr lang="es-ES" dirty="0">
+                <a:latin typeface="Consolas" panose="020B0609020204030204" pitchFamily="49" charset="0"/>
+              </a:rPr>
+              <a:t>(minutes));</a:t>
+            </a:r>
+          </a:p>
+          <a:p>
+            <a:endParaRPr lang="es-ES" dirty="0">
+              <a:latin typeface="Consolas" panose="020B0609020204030204" pitchFamily="49" charset="0"/>
+            </a:endParaRPr>
+          </a:p>
+          <a:p>
+            <a:r>
+              <a:rPr lang="es-ES" dirty="0">
+                <a:latin typeface="Consolas" panose="020B0609020204030204" pitchFamily="49" charset="0"/>
+              </a:rPr>
+              <a:t>    });</a:t>
+            </a:r>
+          </a:p>
+          <a:p>
+            <a:r>
+              <a:rPr lang="es-ES" dirty="0">
+                <a:latin typeface="Consolas" panose="020B0609020204030204" pitchFamily="49" charset="0"/>
+              </a:rPr>
+              <a:t>(...)</a:t>
+            </a:r>
+            <a:endParaRPr lang="es-ES" dirty="0"/>
+          </a:p>
+        </p:txBody>
+      </p:sp>
+      <p:sp>
+        <p:nvSpPr>
+          <p:cNvPr id="5" name="Marcador de pie de página 4">
+            <a:extLst>
+              <a:ext uri="{FF2B5EF4-FFF2-40B4-BE49-F238E27FC236}">
+                <a16:creationId xmlns:a16="http://schemas.microsoft.com/office/drawing/2014/main" id="{206EFE79-2780-42D9-BA69-E552741FDABE}"/>
+              </a:ext>
+            </a:extLst>
+          </p:cNvPr>
+          <p:cNvSpPr>
+            <a:spLocks noGrp="1"/>
+          </p:cNvSpPr>
+          <p:nvPr>
+            <p:ph type="ftr" sz="quarter" idx="10"/>
+          </p:nvPr>
+        </p:nvSpPr>
+        <p:spPr/>
+        <p:txBody>
+          <a:bodyPr/>
+          <a:lstStyle/>
+          <a:p>
+            <a:pPr>
+              <a:defRPr/>
+            </a:pPr>
+            <a:r>
+              <a:rPr lang="es-ES" dirty="0"/>
+              <a:t>@</a:t>
+            </a:r>
+            <a:r>
+              <a:rPr lang="es-ES" dirty="0" err="1"/>
+              <a:t>plainconcepts</a:t>
+            </a:r>
+            <a:endParaRPr lang="es-ES" dirty="0"/>
+          </a:p>
+        </p:txBody>
+      </p:sp>
+      <p:sp>
+        <p:nvSpPr>
+          <p:cNvPr id="6" name="Título 5">
+            <a:extLst>
+              <a:ext uri="{FF2B5EF4-FFF2-40B4-BE49-F238E27FC236}">
+                <a16:creationId xmlns:a16="http://schemas.microsoft.com/office/drawing/2014/main" id="{57812181-CA83-45C6-9DFF-89E2A5F4431B}"/>
+              </a:ext>
+            </a:extLst>
+          </p:cNvPr>
+          <p:cNvSpPr>
+            <a:spLocks noGrp="1"/>
+          </p:cNvSpPr>
+          <p:nvPr>
+            <p:ph type="title"/>
+          </p:nvPr>
+        </p:nvSpPr>
+        <p:spPr/>
+        <p:txBody>
+          <a:bodyPr/>
+          <a:lstStyle/>
+          <a:p>
+            <a:r>
+              <a:rPr lang="en-US" dirty="0"/>
+              <a:t>ASP.NET Core</a:t>
+            </a:r>
+            <a:endParaRPr lang="es-ES" dirty="0"/>
+          </a:p>
+        </p:txBody>
+      </p:sp>
+      <p:sp>
+        <p:nvSpPr>
+          <p:cNvPr id="7" name="Marcador de texto 6">
+            <a:extLst>
+              <a:ext uri="{FF2B5EF4-FFF2-40B4-BE49-F238E27FC236}">
+                <a16:creationId xmlns:a16="http://schemas.microsoft.com/office/drawing/2014/main" id="{DA9C74BB-EBB7-4393-9E58-080DEAD0F313}"/>
+              </a:ext>
+            </a:extLst>
+          </p:cNvPr>
+          <p:cNvSpPr>
+            <a:spLocks noGrp="1"/>
+          </p:cNvSpPr>
+          <p:nvPr>
+            <p:ph type="body" sz="quarter" idx="15"/>
+          </p:nvPr>
+        </p:nvSpPr>
+        <p:spPr/>
+        <p:txBody>
+          <a:bodyPr/>
+          <a:lstStyle/>
+          <a:p>
+            <a:r>
+              <a:rPr lang="es-ES" dirty="0" err="1"/>
+              <a:t>Setting</a:t>
+            </a:r>
+            <a:r>
+              <a:rPr lang="es-ES" dirty="0"/>
+              <a:t> </a:t>
+            </a:r>
+            <a:r>
+              <a:rPr lang="es-ES" dirty="0" err="1"/>
+              <a:t>the</a:t>
+            </a:r>
+            <a:r>
+              <a:rPr lang="es-ES" dirty="0"/>
+              <a:t> </a:t>
+            </a:r>
+            <a:r>
+              <a:rPr lang="es-ES" dirty="0" err="1"/>
+              <a:t>check</a:t>
+            </a:r>
+            <a:r>
+              <a:rPr lang="es-ES" dirty="0"/>
+              <a:t> </a:t>
+            </a:r>
+            <a:r>
+              <a:rPr lang="es-ES" dirty="0" err="1"/>
+              <a:t>for</a:t>
+            </a:r>
+            <a:r>
+              <a:rPr lang="es-ES" dirty="0"/>
+              <a:t> SQL </a:t>
+            </a:r>
+            <a:r>
+              <a:rPr lang="es-ES" dirty="0" err="1"/>
+              <a:t>dependency</a:t>
+            </a:r>
+            <a:endParaRPr lang="es-ES" dirty="0"/>
+          </a:p>
+        </p:txBody>
+      </p:sp>
+      <p:sp>
+        <p:nvSpPr>
+          <p:cNvPr id="8" name="CuadroTexto 7">
+            <a:extLst>
+              <a:ext uri="{FF2B5EF4-FFF2-40B4-BE49-F238E27FC236}">
+                <a16:creationId xmlns:a16="http://schemas.microsoft.com/office/drawing/2014/main" id="{41E6A1AC-B40D-429D-85A8-8F952DC2401C}"/>
+              </a:ext>
+            </a:extLst>
+          </p:cNvPr>
+          <p:cNvSpPr txBox="1"/>
+          <p:nvPr/>
+        </p:nvSpPr>
+        <p:spPr>
+          <a:xfrm>
+            <a:off x="10357407" y="2318889"/>
+            <a:ext cx="1494282" cy="246221"/>
+          </a:xfrm>
+          <a:prstGeom prst="rect">
+            <a:avLst/>
+          </a:prstGeom>
+          <a:noFill/>
+        </p:spPr>
+        <p:txBody>
+          <a:bodyPr wrap="square" rtlCol="0">
+            <a:spAutoFit/>
+          </a:bodyPr>
+          <a:lstStyle/>
+          <a:p>
+            <a:r>
+              <a:rPr lang="es-ES" sz="1000" dirty="0">
+                <a:solidFill>
+                  <a:schemeClr val="bg1"/>
+                </a:solidFill>
+                <a:hlinkClick r:id="rId2"/>
+              </a:rPr>
+              <a:t>MS </a:t>
+            </a:r>
+            <a:r>
+              <a:rPr lang="es-ES" sz="1000" dirty="0" err="1">
+                <a:solidFill>
+                  <a:schemeClr val="bg1"/>
+                </a:solidFill>
+                <a:hlinkClick r:id="rId2"/>
+              </a:rPr>
+              <a:t>eShopOnContainers</a:t>
+            </a:r>
+            <a:endParaRPr lang="es-ES" sz="1000" dirty="0">
+              <a:solidFill>
+                <a:schemeClr val="bg1"/>
+              </a:solidFill>
+            </a:endParaRPr>
+          </a:p>
+        </p:txBody>
+      </p:sp>
+    </p:spTree>
+    <p:extLst>
+      <p:ext uri="{BB962C8B-B14F-4D97-AF65-F5344CB8AC3E}">
+        <p14:creationId xmlns:p14="http://schemas.microsoft.com/office/powerpoint/2010/main" val="3057158203"/>
+      </p:ext>
+    </p:extLst>
+  </p:cSld>
+  <p:clrMapOvr>
+    <a:masterClrMapping/>
+  </p:clrMapOvr>
+</p:sld>
+</file>
+
+<file path=ppt/slides/slide2.xml><?xml version="1.0" encoding="utf-8"?>
+<p:sld xmlns:a="http://schemas.openxmlformats.org/drawingml/2006/main" xmlns:r="http://schemas.openxmlformats.org/officeDocument/2006/relationships" xmlns:p="http://schemas.openxmlformats.org/presentationml/2006/main">
+  <p:cSld>
+    <p:spTree>
+      <p:nvGrpSpPr>
+        <p:cNvPr id="1" name=""/>
+        <p:cNvGrpSpPr/>
+        <p:nvPr/>
+      </p:nvGrpSpPr>
+      <p:grpSpPr>
+        <a:xfrm>
+          <a:off x="0" y="0"/>
+          <a:ext cx="0" cy="0"/>
+          <a:chOff x="0" y="0"/>
+          <a:chExt cx="0" cy="0"/>
+        </a:xfrm>
+      </p:grpSpPr>
+      <p:sp>
+        <p:nvSpPr>
+          <p:cNvPr id="4" name="Slide Number Placeholder 3"/>
+          <p:cNvSpPr>
+            <a:spLocks noGrp="1"/>
+          </p:cNvSpPr>
+          <p:nvPr>
+            <p:ph type="sldNum" sz="quarter" idx="12"/>
+          </p:nvPr>
+        </p:nvSpPr>
+        <p:spPr/>
+        <p:txBody>
+          <a:bodyPr/>
+          <a:lstStyle/>
+          <a:p>
+            <a:fld id="{88CB616A-2EDE-4F93-81C7-BE29C9C217CB}" type="slidenum">
+              <a:rPr lang="es-ES" smtClean="0"/>
+              <a:pPr/>
+              <a:t>2</a:t>
+            </a:fld>
+            <a:endParaRPr lang="es-ES" dirty="0"/>
+          </a:p>
+        </p:txBody>
+      </p:sp>
+      <p:sp>
+        <p:nvSpPr>
+          <p:cNvPr id="5" name="Text Placeholder 4"/>
+          <p:cNvSpPr>
+            <a:spLocks noGrp="1"/>
+          </p:cNvSpPr>
+          <p:nvPr>
+            <p:ph type="body" sz="quarter" idx="13"/>
+          </p:nvPr>
+        </p:nvSpPr>
+        <p:spPr/>
+        <p:txBody>
+          <a:bodyPr/>
+          <a:lstStyle/>
+          <a:p>
+            <a:r>
+              <a:rPr lang="es-ES" dirty="0" err="1"/>
+              <a:t>Best</a:t>
+            </a:r>
+            <a:r>
+              <a:rPr lang="es-ES" dirty="0"/>
+              <a:t> </a:t>
+            </a:r>
+            <a:r>
+              <a:rPr lang="es-ES" dirty="0" err="1"/>
+              <a:t>Practices</a:t>
+            </a:r>
+            <a:r>
+              <a:rPr lang="es-ES" dirty="0"/>
+              <a:t> &amp; </a:t>
+            </a:r>
+            <a:r>
+              <a:rPr lang="es-ES" dirty="0" err="1"/>
+              <a:t>Antipatterns</a:t>
+            </a:r>
+            <a:endParaRPr lang="es-ES" dirty="0"/>
+          </a:p>
+          <a:p>
+            <a:r>
+              <a:rPr lang="es-ES" dirty="0" err="1"/>
+              <a:t>Resilience</a:t>
+            </a:r>
+            <a:endParaRPr lang="es-ES" dirty="0"/>
+          </a:p>
+          <a:p>
+            <a:r>
+              <a:rPr lang="es-ES" dirty="0" err="1"/>
+              <a:t>Infrastructure</a:t>
+            </a:r>
+            <a:r>
+              <a:rPr lang="es-ES" dirty="0"/>
+              <a:t> </a:t>
+            </a:r>
+            <a:r>
+              <a:rPr lang="es-ES" dirty="0" err="1"/>
+              <a:t>Automation</a:t>
+            </a:r>
+            <a:endParaRPr lang="es-ES" dirty="0"/>
+          </a:p>
+          <a:p>
+            <a:r>
+              <a:rPr lang="es-ES" dirty="0" err="1"/>
+              <a:t>Health</a:t>
+            </a:r>
+            <a:r>
+              <a:rPr lang="es-ES" dirty="0"/>
+              <a:t> </a:t>
+            </a:r>
+            <a:r>
+              <a:rPr lang="es-ES" dirty="0" err="1"/>
+              <a:t>Monitoring</a:t>
+            </a:r>
+            <a:endParaRPr lang="es-ES" dirty="0"/>
+          </a:p>
+          <a:p>
+            <a:r>
+              <a:rPr lang="es-ES" dirty="0" err="1"/>
+              <a:t>Ready</a:t>
+            </a:r>
+            <a:r>
+              <a:rPr lang="es-ES" dirty="0"/>
+              <a:t> </a:t>
+            </a:r>
+            <a:r>
+              <a:rPr lang="es-ES" dirty="0" err="1"/>
+              <a:t>to</a:t>
+            </a:r>
+            <a:r>
+              <a:rPr lang="es-ES" dirty="0"/>
+              <a:t> </a:t>
+            </a:r>
+            <a:r>
+              <a:rPr lang="es-ES" dirty="0" err="1"/>
+              <a:t>Prod</a:t>
+            </a:r>
+            <a:endParaRPr lang="es-ES" dirty="0"/>
+          </a:p>
+        </p:txBody>
+      </p:sp>
+      <p:sp>
+        <p:nvSpPr>
+          <p:cNvPr id="6" name="pagina"/>
+          <p:cNvSpPr txBox="1">
+            <a:spLocks/>
+          </p:cNvSpPr>
+          <p:nvPr/>
+        </p:nvSpPr>
+        <p:spPr>
+          <a:xfrm>
+            <a:off x="1818951" y="6356348"/>
+            <a:ext cx="1528205" cy="365125"/>
+          </a:xfrm>
+          <a:prstGeom prst="rect">
+            <a:avLst/>
+          </a:prstGeom>
+        </p:spPr>
+        <p:txBody>
+          <a:bodyPr vert="horz" lIns="91440" tIns="45720" rIns="91440" bIns="45720" rtlCol="0" anchor="ctr"/>
+          <a:lstStyle>
+            <a:defPPr>
+              <a:defRPr lang="en-US"/>
+            </a:defPPr>
+            <a:lvl1pPr marL="0" algn="r" defTabSz="914400" rtl="0" eaLnBrk="1" latinLnBrk="0" hangingPunct="1">
+              <a:defRPr sz="1200" kern="1200">
+                <a:solidFill>
+                  <a:srgbClr val="00D0FF"/>
+                </a:solidFill>
+                <a:latin typeface="+mn-lt"/>
+                <a:ea typeface="+mn-ea"/>
+                <a:cs typeface="+mn-cs"/>
+              </a:defRPr>
+            </a:lvl1pPr>
+            <a:lvl2pPr marL="457200" algn="l" defTabSz="914400" rtl="0" eaLnBrk="1" latinLnBrk="0" hangingPunct="1">
+              <a:defRPr sz="1800" kern="1200">
+                <a:solidFill>
+                  <a:schemeClr val="tx1"/>
+                </a:solidFill>
+                <a:latin typeface="+mn-lt"/>
+                <a:ea typeface="+mn-ea"/>
+                <a:cs typeface="+mn-cs"/>
+              </a:defRPr>
+            </a:lvl2pPr>
+            <a:lvl3pPr marL="914400" algn="l" defTabSz="914400" rtl="0" eaLnBrk="1" latinLnBrk="0" hangingPunct="1">
+              <a:defRPr sz="1800" kern="1200">
+                <a:solidFill>
+                  <a:schemeClr val="tx1"/>
+                </a:solidFill>
+                <a:latin typeface="+mn-lt"/>
+                <a:ea typeface="+mn-ea"/>
+                <a:cs typeface="+mn-cs"/>
+              </a:defRPr>
+            </a:lvl3pPr>
+            <a:lvl4pPr marL="1371600" algn="l" defTabSz="914400" rtl="0" eaLnBrk="1" latinLnBrk="0" hangingPunct="1">
+              <a:defRPr sz="1800" kern="1200">
+                <a:solidFill>
+                  <a:schemeClr val="tx1"/>
+                </a:solidFill>
+                <a:latin typeface="+mn-lt"/>
+                <a:ea typeface="+mn-ea"/>
+                <a:cs typeface="+mn-cs"/>
+              </a:defRPr>
+            </a:lvl4pPr>
+            <a:lvl5pPr marL="1828800" algn="l" defTabSz="914400" rtl="0" eaLnBrk="1" latinLnBrk="0" hangingPunct="1">
+              <a:defRPr sz="1800" kern="1200">
+                <a:solidFill>
+                  <a:schemeClr val="tx1"/>
+                </a:solidFill>
+                <a:latin typeface="+mn-lt"/>
+                <a:ea typeface="+mn-ea"/>
+                <a:cs typeface="+mn-cs"/>
+              </a:defRPr>
+            </a:lvl5pPr>
+            <a:lvl6pPr marL="2286000" algn="l" defTabSz="914400" rtl="0" eaLnBrk="1" latinLnBrk="0" hangingPunct="1">
+              <a:defRPr sz="1800" kern="1200">
+                <a:solidFill>
+                  <a:schemeClr val="tx1"/>
+                </a:solidFill>
+                <a:latin typeface="+mn-lt"/>
+                <a:ea typeface="+mn-ea"/>
+                <a:cs typeface="+mn-cs"/>
+              </a:defRPr>
+            </a:lvl6pPr>
+            <a:lvl7pPr marL="2743200" algn="l" defTabSz="914400" rtl="0" eaLnBrk="1" latinLnBrk="0" hangingPunct="1">
+              <a:defRPr sz="1800" kern="1200">
+                <a:solidFill>
+                  <a:schemeClr val="tx1"/>
+                </a:solidFill>
+                <a:latin typeface="+mn-lt"/>
+                <a:ea typeface="+mn-ea"/>
+                <a:cs typeface="+mn-cs"/>
+              </a:defRPr>
+            </a:lvl7pPr>
+            <a:lvl8pPr marL="3200400" algn="l" defTabSz="914400" rtl="0" eaLnBrk="1" latinLnBrk="0" hangingPunct="1">
+              <a:defRPr sz="1800" kern="1200">
+                <a:solidFill>
+                  <a:schemeClr val="tx1"/>
+                </a:solidFill>
+                <a:latin typeface="+mn-lt"/>
+                <a:ea typeface="+mn-ea"/>
+                <a:cs typeface="+mn-cs"/>
+              </a:defRPr>
+            </a:lvl8pPr>
+            <a:lvl9pPr marL="3657600" algn="l" defTabSz="914400" rtl="0" eaLnBrk="1" latinLnBrk="0" hangingPunct="1">
+              <a:defRPr sz="1800" kern="1200">
+                <a:solidFill>
+                  <a:schemeClr val="tx1"/>
+                </a:solidFill>
+                <a:latin typeface="+mn-lt"/>
+                <a:ea typeface="+mn-ea"/>
+                <a:cs typeface="+mn-cs"/>
+              </a:defRPr>
+            </a:lvl9pPr>
+          </a:lstStyle>
+          <a:p>
+            <a:pPr algn="l"/>
+            <a:r>
+              <a:rPr lang="es-ES" dirty="0"/>
+              <a:t>#</a:t>
+            </a:r>
+            <a:r>
+              <a:rPr lang="es-ES" dirty="0" err="1"/>
+              <a:t>MicroservicesEvent</a:t>
+            </a:r>
+            <a:endParaRPr lang="es-ES" dirty="0"/>
+          </a:p>
+        </p:txBody>
+      </p:sp>
+    </p:spTree>
+    <p:extLst>
+      <p:ext uri="{BB962C8B-B14F-4D97-AF65-F5344CB8AC3E}">
+        <p14:creationId xmlns:p14="http://schemas.microsoft.com/office/powerpoint/2010/main" val="1121066791"/>
+      </p:ext>
+    </p:extLst>
+  </p:cSld>
+  <p:clrMapOvr>
+    <a:masterClrMapping/>
+  </p:clrMapOvr>
+</p:sld>
+</file>
+
+<file path=ppt/slides/slide20.xml><?xml version="1.0" encoding="utf-8"?>
+<p:sld xmlns:a="http://schemas.openxmlformats.org/drawingml/2006/main" xmlns:r="http://schemas.openxmlformats.org/officeDocument/2006/relationships" xmlns:p="http://schemas.openxmlformats.org/presentationml/2006/main">
+  <p:cSld>
+    <p:spTree>
+      <p:nvGrpSpPr>
+        <p:cNvPr id="1" name=""/>
+        <p:cNvGrpSpPr/>
+        <p:nvPr/>
+      </p:nvGrpSpPr>
+      <p:grpSpPr>
+        <a:xfrm>
+          <a:off x="0" y="0"/>
+          <a:ext cx="0" cy="0"/>
+          <a:chOff x="0" y="0"/>
+          <a:chExt cx="0" cy="0"/>
+        </a:xfrm>
+      </p:grpSpPr>
+      <p:sp>
+        <p:nvSpPr>
+          <p:cNvPr id="2" name="Marcador de contenido 1">
+            <a:extLst>
+              <a:ext uri="{FF2B5EF4-FFF2-40B4-BE49-F238E27FC236}">
+                <a16:creationId xmlns:a16="http://schemas.microsoft.com/office/drawing/2014/main" id="{DC21440B-7100-4D13-9AC8-A5EAA8DEFA55}"/>
+              </a:ext>
+            </a:extLst>
+          </p:cNvPr>
+          <p:cNvSpPr>
+            <a:spLocks noGrp="1"/>
+          </p:cNvSpPr>
+          <p:nvPr>
+            <p:ph idx="1"/>
+          </p:nvPr>
+        </p:nvSpPr>
+        <p:spPr/>
+        <p:txBody>
+          <a:bodyPr/>
+          <a:lstStyle/>
+          <a:p>
+            <a:r>
+              <a:rPr lang="es-ES" dirty="0"/>
+              <a:t>At Startup </a:t>
+            </a:r>
+            <a:r>
+              <a:rPr lang="es-ES" dirty="0" err="1"/>
+              <a:t>class</a:t>
+            </a:r>
+            <a:r>
+              <a:rPr lang="es-ES" dirty="0"/>
+              <a:t>, </a:t>
+            </a:r>
+            <a:r>
+              <a:rPr lang="es-ES" dirty="0" err="1"/>
+              <a:t>when</a:t>
+            </a:r>
+            <a:r>
+              <a:rPr lang="es-ES" dirty="0"/>
+              <a:t> </a:t>
+            </a:r>
+            <a:r>
+              <a:rPr lang="es-ES" dirty="0" err="1"/>
+              <a:t>configuring</a:t>
+            </a:r>
+            <a:r>
+              <a:rPr lang="es-ES" dirty="0"/>
+              <a:t> </a:t>
+            </a:r>
+            <a:r>
+              <a:rPr lang="es-ES" dirty="0" err="1"/>
+              <a:t>the</a:t>
+            </a:r>
+            <a:r>
+              <a:rPr lang="es-ES" dirty="0"/>
+              <a:t> </a:t>
+            </a:r>
+            <a:r>
+              <a:rPr lang="es-ES" dirty="0" err="1"/>
+              <a:t>services</a:t>
+            </a:r>
+            <a:endParaRPr lang="es-ES" dirty="0"/>
+          </a:p>
+        </p:txBody>
+      </p:sp>
+      <p:sp>
+        <p:nvSpPr>
+          <p:cNvPr id="3" name="Marcador de número de diapositiva 2">
+            <a:extLst>
+              <a:ext uri="{FF2B5EF4-FFF2-40B4-BE49-F238E27FC236}">
+                <a16:creationId xmlns:a16="http://schemas.microsoft.com/office/drawing/2014/main" id="{366B15AF-E401-4629-86DD-A62C6C9CD263}"/>
+              </a:ext>
+            </a:extLst>
+          </p:cNvPr>
+          <p:cNvSpPr>
+            <a:spLocks noGrp="1"/>
+          </p:cNvSpPr>
+          <p:nvPr>
+            <p:ph type="sldNum" sz="quarter" idx="11"/>
+          </p:nvPr>
+        </p:nvSpPr>
+        <p:spPr/>
+        <p:txBody>
+          <a:bodyPr/>
+          <a:lstStyle/>
+          <a:p>
+            <a:pPr marL="0" marR="0" lvl="0" indent="0" algn="r" defTabSz="914400" rtl="0" eaLnBrk="1" fontAlgn="auto" latinLnBrk="0" hangingPunct="1">
+              <a:lnSpc>
+                <a:spcPct val="100000"/>
+              </a:lnSpc>
+              <a:spcBef>
+                <a:spcPts val="0"/>
+              </a:spcBef>
+              <a:spcAft>
+                <a:spcPts val="0"/>
+              </a:spcAft>
+              <a:buClrTx/>
+              <a:buSzTx/>
+              <a:buFontTx/>
+              <a:buNone/>
+              <a:tabLst/>
+              <a:defRPr/>
+            </a:pPr>
+            <a:fld id="{88CB616A-2EDE-4F93-81C7-BE29C9C217CB}" type="slidenum">
+              <a:rPr kumimoji="0" lang="es-ES" sz="1200" b="0" i="0" u="none" strike="noStrike" kern="1200" cap="none" spc="0" normalizeH="0" baseline="0" noProof="0" smtClean="0">
+                <a:ln>
+                  <a:noFill/>
+                </a:ln>
+                <a:solidFill>
+                  <a:prstClr val="black"/>
+                </a:solidFill>
+                <a:effectLst/>
+                <a:uLnTx/>
+                <a:uFillTx/>
+                <a:latin typeface="Tw Cen MT" panose="020B0602020104020603"/>
+                <a:ea typeface="+mn-ea"/>
+                <a:cs typeface="+mn-cs"/>
+              </a:rPr>
+              <a:pPr marL="0" marR="0" lvl="0" indent="0" algn="r" defTabSz="914400" rtl="0" eaLnBrk="1" fontAlgn="auto" latinLnBrk="0" hangingPunct="1">
+                <a:lnSpc>
+                  <a:spcPct val="100000"/>
+                </a:lnSpc>
+                <a:spcBef>
+                  <a:spcPts val="0"/>
+                </a:spcBef>
+                <a:spcAft>
+                  <a:spcPts val="0"/>
+                </a:spcAft>
+                <a:buClrTx/>
+                <a:buSzTx/>
+                <a:buFontTx/>
+                <a:buNone/>
+                <a:tabLst/>
+                <a:defRPr/>
+              </a:pPr>
+              <a:t>20</a:t>
+            </a:fld>
+            <a:endParaRPr kumimoji="0" lang="es-ES" sz="1200" b="0" i="0" u="none" strike="noStrike" kern="1200" cap="none" spc="0" normalizeH="0" baseline="0" noProof="0" dirty="0">
+              <a:ln>
+                <a:noFill/>
+              </a:ln>
+              <a:solidFill>
+                <a:prstClr val="black"/>
+              </a:solidFill>
+              <a:effectLst/>
+              <a:uLnTx/>
+              <a:uFillTx/>
+              <a:latin typeface="Tw Cen MT" panose="020B0602020104020603"/>
+              <a:ea typeface="+mn-ea"/>
+              <a:cs typeface="+mn-cs"/>
+            </a:endParaRPr>
+          </a:p>
+        </p:txBody>
+      </p:sp>
+      <p:sp>
+        <p:nvSpPr>
+          <p:cNvPr id="4" name="Marcador de texto 3">
+            <a:extLst>
+              <a:ext uri="{FF2B5EF4-FFF2-40B4-BE49-F238E27FC236}">
+                <a16:creationId xmlns:a16="http://schemas.microsoft.com/office/drawing/2014/main" id="{85A4FDDC-5608-434B-B899-F0F11012F708}"/>
+              </a:ext>
+            </a:extLst>
+          </p:cNvPr>
+          <p:cNvSpPr>
+            <a:spLocks noGrp="1"/>
+          </p:cNvSpPr>
+          <p:nvPr>
+            <p:ph type="body" sz="quarter" idx="14"/>
+          </p:nvPr>
+        </p:nvSpPr>
+        <p:spPr/>
+        <p:txBody>
+          <a:bodyPr>
+            <a:noAutofit/>
+          </a:bodyPr>
+          <a:lstStyle/>
+          <a:p>
+            <a:r>
+              <a:rPr lang="es-ES" sz="1500" dirty="0">
+                <a:solidFill>
+                  <a:srgbClr val="008000"/>
+                </a:solidFill>
+                <a:latin typeface="Consolas" panose="020B0609020204030204" pitchFamily="49" charset="0"/>
+              </a:rPr>
+              <a:t>// </a:t>
+            </a:r>
+            <a:r>
+              <a:rPr lang="es-ES" sz="1500" dirty="0" err="1">
+                <a:solidFill>
+                  <a:srgbClr val="008000"/>
+                </a:solidFill>
+                <a:latin typeface="Consolas" panose="020B0609020204030204" pitchFamily="49" charset="0"/>
+              </a:rPr>
+              <a:t>Add</a:t>
+            </a:r>
+            <a:r>
+              <a:rPr lang="es-ES" sz="1500" dirty="0">
+                <a:solidFill>
+                  <a:srgbClr val="008000"/>
+                </a:solidFill>
+                <a:latin typeface="Consolas" panose="020B0609020204030204" pitchFamily="49" charset="0"/>
+              </a:rPr>
+              <a:t> </a:t>
+            </a:r>
+            <a:r>
+              <a:rPr lang="es-ES" sz="1500" dirty="0" err="1">
+                <a:solidFill>
+                  <a:srgbClr val="008000"/>
+                </a:solidFill>
+                <a:latin typeface="Consolas" panose="020B0609020204030204" pitchFamily="49" charset="0"/>
+              </a:rPr>
+              <a:t>HealthChecks</a:t>
+            </a:r>
+            <a:r>
+              <a:rPr lang="es-ES" sz="1500" dirty="0">
+                <a:solidFill>
+                  <a:srgbClr val="008000"/>
+                </a:solidFill>
+                <a:latin typeface="Consolas" panose="020B0609020204030204" pitchFamily="49" charset="0"/>
+              </a:rPr>
+              <a:t> </a:t>
+            </a:r>
+            <a:r>
+              <a:rPr lang="es-ES" sz="1500" dirty="0" err="1">
+                <a:solidFill>
+                  <a:srgbClr val="008000"/>
+                </a:solidFill>
+                <a:latin typeface="Consolas" panose="020B0609020204030204" pitchFamily="49" charset="0"/>
+              </a:rPr>
+              <a:t>for</a:t>
+            </a:r>
+            <a:r>
+              <a:rPr lang="es-ES" sz="1500" dirty="0">
+                <a:solidFill>
+                  <a:srgbClr val="008000"/>
+                </a:solidFill>
+                <a:latin typeface="Consolas" panose="020B0609020204030204" pitchFamily="49" charset="0"/>
+              </a:rPr>
+              <a:t> </a:t>
+            </a:r>
+            <a:r>
+              <a:rPr lang="es-ES" sz="1500" dirty="0" err="1">
+                <a:solidFill>
+                  <a:srgbClr val="008000"/>
+                </a:solidFill>
+                <a:latin typeface="Consolas" panose="020B0609020204030204" pitchFamily="49" charset="0"/>
+              </a:rPr>
+              <a:t>dependencies</a:t>
+            </a:r>
+            <a:r>
+              <a:rPr lang="es-ES" sz="1500" dirty="0">
+                <a:solidFill>
+                  <a:srgbClr val="008000"/>
+                </a:solidFill>
+                <a:latin typeface="Consolas" panose="020B0609020204030204" pitchFamily="49" charset="0"/>
+              </a:rPr>
+              <a:t> </a:t>
+            </a:r>
+            <a:r>
+              <a:rPr lang="es-ES" sz="1500" dirty="0" err="1">
+                <a:solidFill>
+                  <a:srgbClr val="008000"/>
+                </a:solidFill>
+                <a:latin typeface="Consolas" panose="020B0609020204030204" pitchFamily="49" charset="0"/>
+              </a:rPr>
+              <a:t>of</a:t>
+            </a:r>
+            <a:r>
+              <a:rPr lang="es-ES" sz="1500" dirty="0">
+                <a:solidFill>
+                  <a:srgbClr val="008000"/>
+                </a:solidFill>
+                <a:latin typeface="Consolas" panose="020B0609020204030204" pitchFamily="49" charset="0"/>
+              </a:rPr>
+              <a:t> </a:t>
+            </a:r>
+            <a:r>
+              <a:rPr lang="es-ES" sz="1500" dirty="0" err="1">
+                <a:solidFill>
+                  <a:srgbClr val="008000"/>
+                </a:solidFill>
+                <a:latin typeface="Consolas" panose="020B0609020204030204" pitchFamily="49" charset="0"/>
+              </a:rPr>
+              <a:t>other</a:t>
+            </a:r>
+            <a:r>
+              <a:rPr lang="es-ES" sz="1500" dirty="0">
+                <a:solidFill>
+                  <a:srgbClr val="008000"/>
+                </a:solidFill>
+                <a:latin typeface="Consolas" panose="020B0609020204030204" pitchFamily="49" charset="0"/>
+              </a:rPr>
+              <a:t> </a:t>
+            </a:r>
+            <a:r>
+              <a:rPr lang="es-ES" sz="1500" dirty="0" err="1">
+                <a:solidFill>
+                  <a:srgbClr val="008000"/>
+                </a:solidFill>
+                <a:latin typeface="Consolas" panose="020B0609020204030204" pitchFamily="49" charset="0"/>
+              </a:rPr>
+              <a:t>services</a:t>
+            </a:r>
+            <a:r>
+              <a:rPr lang="es-ES" sz="1500" dirty="0">
+                <a:solidFill>
+                  <a:srgbClr val="008000"/>
+                </a:solidFill>
+                <a:latin typeface="Consolas" panose="020B0609020204030204" pitchFamily="49" charset="0"/>
+              </a:rPr>
+              <a:t>.</a:t>
+            </a:r>
+            <a:endParaRPr lang="es-ES" sz="1500" dirty="0">
+              <a:latin typeface="Consolas" panose="020B0609020204030204" pitchFamily="49" charset="0"/>
+            </a:endParaRPr>
+          </a:p>
+          <a:p>
+            <a:r>
+              <a:rPr lang="es-ES" sz="1500" dirty="0" err="1">
+                <a:latin typeface="Consolas" panose="020B0609020204030204" pitchFamily="49" charset="0"/>
+              </a:rPr>
+              <a:t>services.AddHealthChecks</a:t>
+            </a:r>
+            <a:r>
+              <a:rPr lang="es-ES" sz="1500" dirty="0">
+                <a:latin typeface="Consolas" panose="020B0609020204030204" pitchFamily="49" charset="0"/>
+              </a:rPr>
+              <a:t>(</a:t>
+            </a:r>
+            <a:r>
+              <a:rPr lang="es-ES" sz="1500" dirty="0" err="1">
+                <a:latin typeface="Consolas" panose="020B0609020204030204" pitchFamily="49" charset="0"/>
+              </a:rPr>
+              <a:t>checks</a:t>
+            </a:r>
+            <a:r>
+              <a:rPr lang="es-ES" sz="1500" dirty="0">
+                <a:latin typeface="Consolas" panose="020B0609020204030204" pitchFamily="49" charset="0"/>
+              </a:rPr>
+              <a:t> =&gt;</a:t>
+            </a:r>
+          </a:p>
+          <a:p>
+            <a:r>
+              <a:rPr lang="es-ES" sz="1500" dirty="0">
+                <a:latin typeface="Consolas" panose="020B0609020204030204" pitchFamily="49" charset="0"/>
+              </a:rPr>
+              <a:t>{</a:t>
+            </a:r>
+          </a:p>
+          <a:p>
+            <a:r>
+              <a:rPr lang="es-ES" sz="1500" dirty="0">
+                <a:solidFill>
+                  <a:srgbClr val="000000"/>
+                </a:solidFill>
+                <a:latin typeface="Consolas" panose="020B0609020204030204" pitchFamily="49" charset="0"/>
+              </a:rPr>
+              <a:t>    </a:t>
+            </a:r>
+            <a:r>
+              <a:rPr lang="es-ES" sz="1500" dirty="0" err="1">
+                <a:solidFill>
+                  <a:schemeClr val="accent3">
+                    <a:lumMod val="40000"/>
+                    <a:lumOff val="60000"/>
+                  </a:schemeClr>
+                </a:solidFill>
+                <a:latin typeface="Consolas" panose="020B0609020204030204" pitchFamily="49" charset="0"/>
+              </a:rPr>
+              <a:t>var</a:t>
+            </a:r>
+            <a:r>
+              <a:rPr lang="es-ES" sz="1500" dirty="0">
+                <a:solidFill>
+                  <a:srgbClr val="000000"/>
+                </a:solidFill>
+                <a:latin typeface="Consolas" panose="020B0609020204030204" pitchFamily="49" charset="0"/>
+              </a:rPr>
+              <a:t> </a:t>
+            </a:r>
+            <a:r>
+              <a:rPr lang="es-ES" sz="1500" dirty="0">
+                <a:latin typeface="Consolas" panose="020B0609020204030204" pitchFamily="49" charset="0"/>
+              </a:rPr>
+              <a:t>minutes = 1;</a:t>
+            </a:r>
+          </a:p>
+          <a:p>
+            <a:r>
+              <a:rPr lang="en-US" sz="1500" dirty="0">
+                <a:solidFill>
+                  <a:schemeClr val="accent3">
+                    <a:lumMod val="40000"/>
+                    <a:lumOff val="60000"/>
+                  </a:schemeClr>
+                </a:solidFill>
+                <a:latin typeface="Consolas" panose="020B0609020204030204" pitchFamily="49" charset="0"/>
+              </a:rPr>
+              <a:t>    if </a:t>
+            </a:r>
+            <a:r>
+              <a:rPr lang="en-US" sz="1500" dirty="0">
+                <a:latin typeface="Consolas" panose="020B0609020204030204" pitchFamily="49" charset="0"/>
+              </a:rPr>
+              <a:t>(</a:t>
+            </a:r>
+            <a:r>
+              <a:rPr lang="en-US" sz="1500" dirty="0" err="1">
+                <a:solidFill>
+                  <a:schemeClr val="accent3">
+                    <a:lumMod val="40000"/>
+                    <a:lumOff val="60000"/>
+                  </a:schemeClr>
+                </a:solidFill>
+                <a:latin typeface="Consolas" panose="020B0609020204030204" pitchFamily="49" charset="0"/>
+              </a:rPr>
+              <a:t>int</a:t>
+            </a:r>
+            <a:r>
+              <a:rPr lang="en-US" sz="1500" dirty="0" err="1">
+                <a:latin typeface="Consolas" panose="020B0609020204030204" pitchFamily="49" charset="0"/>
+              </a:rPr>
+              <a:t>.TryParse</a:t>
+            </a:r>
+            <a:r>
+              <a:rPr lang="en-US" sz="1500" dirty="0">
+                <a:latin typeface="Consolas" panose="020B0609020204030204" pitchFamily="49" charset="0"/>
+              </a:rPr>
+              <a:t>(Configuration[</a:t>
+            </a:r>
+            <a:r>
+              <a:rPr lang="en-US" sz="1500" dirty="0">
+                <a:solidFill>
+                  <a:srgbClr val="F19393"/>
+                </a:solidFill>
+                <a:latin typeface="Consolas" panose="020B0609020204030204" pitchFamily="49" charset="0"/>
+              </a:rPr>
+              <a:t>"</a:t>
+            </a:r>
+            <a:r>
+              <a:rPr lang="en-US" sz="1500" dirty="0" err="1">
+                <a:solidFill>
+                  <a:srgbClr val="F19393"/>
+                </a:solidFill>
+                <a:latin typeface="Consolas" panose="020B0609020204030204" pitchFamily="49" charset="0"/>
+              </a:rPr>
+              <a:t>HealthCheck:Timeout</a:t>
+            </a:r>
+            <a:r>
+              <a:rPr lang="en-US" sz="1500" dirty="0">
+                <a:solidFill>
+                  <a:srgbClr val="F19393"/>
+                </a:solidFill>
+                <a:latin typeface="Consolas" panose="020B0609020204030204" pitchFamily="49" charset="0"/>
+              </a:rPr>
+              <a:t>"</a:t>
+            </a:r>
+            <a:r>
+              <a:rPr lang="en-US" sz="1500" dirty="0">
+                <a:latin typeface="Consolas" panose="020B0609020204030204" pitchFamily="49" charset="0"/>
+              </a:rPr>
+              <a:t>],</a:t>
+            </a:r>
+            <a:r>
+              <a:rPr lang="en-US" sz="1500" dirty="0">
+                <a:solidFill>
+                  <a:srgbClr val="000000"/>
+                </a:solidFill>
+                <a:latin typeface="Consolas" panose="020B0609020204030204" pitchFamily="49" charset="0"/>
+              </a:rPr>
+              <a:t> </a:t>
+            </a:r>
+            <a:r>
+              <a:rPr lang="en-US" sz="1500" dirty="0">
+                <a:solidFill>
+                  <a:schemeClr val="accent3">
+                    <a:lumMod val="40000"/>
+                    <a:lumOff val="60000"/>
+                  </a:schemeClr>
+                </a:solidFill>
+                <a:latin typeface="Consolas" panose="020B0609020204030204" pitchFamily="49" charset="0"/>
+              </a:rPr>
+              <a:t>out</a:t>
+            </a:r>
+            <a:r>
+              <a:rPr lang="en-US" sz="1500" dirty="0">
+                <a:solidFill>
+                  <a:srgbClr val="000000"/>
+                </a:solidFill>
+                <a:latin typeface="Consolas" panose="020B0609020204030204" pitchFamily="49" charset="0"/>
+              </a:rPr>
+              <a:t> </a:t>
+            </a:r>
+            <a:r>
+              <a:rPr lang="en-US" sz="1500" dirty="0" err="1">
+                <a:latin typeface="Consolas" panose="020B0609020204030204" pitchFamily="49" charset="0"/>
+              </a:rPr>
+              <a:t>var</a:t>
+            </a:r>
+            <a:r>
+              <a:rPr lang="en-US" sz="1500" dirty="0">
+                <a:latin typeface="Consolas" panose="020B0609020204030204" pitchFamily="49" charset="0"/>
+              </a:rPr>
+              <a:t> </a:t>
+            </a:r>
+            <a:r>
+              <a:rPr lang="en-US" sz="1500" dirty="0" err="1">
+                <a:latin typeface="Consolas" panose="020B0609020204030204" pitchFamily="49" charset="0"/>
+              </a:rPr>
+              <a:t>minutesParsed</a:t>
+            </a:r>
+            <a:r>
+              <a:rPr lang="en-US" sz="1500" dirty="0">
+                <a:latin typeface="Consolas" panose="020B0609020204030204" pitchFamily="49" charset="0"/>
+              </a:rPr>
+              <a:t>))</a:t>
+            </a:r>
+          </a:p>
+          <a:p>
+            <a:r>
+              <a:rPr lang="es-ES" sz="1500" dirty="0">
+                <a:solidFill>
+                  <a:srgbClr val="000000"/>
+                </a:solidFill>
+                <a:latin typeface="Consolas" panose="020B0609020204030204" pitchFamily="49" charset="0"/>
+              </a:rPr>
+              <a:t>    </a:t>
+            </a:r>
+            <a:r>
+              <a:rPr lang="es-ES" sz="1500" dirty="0">
+                <a:latin typeface="Consolas" panose="020B0609020204030204" pitchFamily="49" charset="0"/>
+              </a:rPr>
+              <a:t>{</a:t>
+            </a:r>
+          </a:p>
+          <a:p>
+            <a:r>
+              <a:rPr lang="es-ES" sz="1500" dirty="0">
+                <a:latin typeface="Consolas" panose="020B0609020204030204" pitchFamily="49" charset="0"/>
+              </a:rPr>
+              <a:t>        minutes = </a:t>
+            </a:r>
+            <a:r>
+              <a:rPr lang="es-ES" sz="1500" dirty="0" err="1">
+                <a:latin typeface="Consolas" panose="020B0609020204030204" pitchFamily="49" charset="0"/>
+              </a:rPr>
+              <a:t>minutesParsed</a:t>
+            </a:r>
+            <a:r>
+              <a:rPr lang="es-ES" sz="1500" dirty="0">
+                <a:latin typeface="Consolas" panose="020B0609020204030204" pitchFamily="49" charset="0"/>
+              </a:rPr>
+              <a:t>;</a:t>
+            </a:r>
+          </a:p>
+          <a:p>
+            <a:r>
+              <a:rPr lang="es-ES" sz="1500" dirty="0">
+                <a:latin typeface="Consolas" panose="020B0609020204030204" pitchFamily="49" charset="0"/>
+              </a:rPr>
+              <a:t>    }</a:t>
+            </a:r>
+          </a:p>
+          <a:p>
+            <a:r>
+              <a:rPr lang="es-ES" sz="1500" dirty="0">
+                <a:solidFill>
+                  <a:srgbClr val="000000"/>
+                </a:solidFill>
+                <a:latin typeface="Consolas" panose="020B0609020204030204" pitchFamily="49" charset="0"/>
+              </a:rPr>
+              <a:t>    </a:t>
+            </a:r>
+            <a:r>
+              <a:rPr lang="es-ES" sz="1500" dirty="0">
+                <a:solidFill>
+                  <a:srgbClr val="008000"/>
+                </a:solidFill>
+                <a:latin typeface="Consolas" panose="020B0609020204030204" pitchFamily="49" charset="0"/>
+              </a:rPr>
+              <a:t>// </a:t>
+            </a:r>
+            <a:r>
+              <a:rPr lang="es-ES" sz="1500" dirty="0" err="1">
+                <a:solidFill>
+                  <a:srgbClr val="008000"/>
+                </a:solidFill>
+                <a:latin typeface="Consolas" panose="020B0609020204030204" pitchFamily="49" charset="0"/>
+              </a:rPr>
+              <a:t>the</a:t>
+            </a:r>
+            <a:r>
+              <a:rPr lang="es-ES" sz="1500" dirty="0">
+                <a:solidFill>
+                  <a:srgbClr val="008000"/>
+                </a:solidFill>
+                <a:latin typeface="Consolas" panose="020B0609020204030204" pitchFamily="49" charset="0"/>
+              </a:rPr>
+              <a:t> </a:t>
+            </a:r>
+            <a:r>
+              <a:rPr lang="es-ES" sz="1500" dirty="0" err="1">
+                <a:solidFill>
+                  <a:srgbClr val="008000"/>
+                </a:solidFill>
+                <a:latin typeface="Consolas" panose="020B0609020204030204" pitchFamily="49" charset="0"/>
+              </a:rPr>
+              <a:t>CatalogUrlHC</a:t>
+            </a:r>
+            <a:r>
+              <a:rPr lang="es-ES" sz="1500" dirty="0">
+                <a:solidFill>
+                  <a:srgbClr val="008000"/>
+                </a:solidFill>
+                <a:latin typeface="Consolas" panose="020B0609020204030204" pitchFamily="49" charset="0"/>
+              </a:rPr>
+              <a:t> </a:t>
+            </a:r>
+            <a:r>
+              <a:rPr lang="es-ES" sz="1500" dirty="0" err="1">
+                <a:solidFill>
+                  <a:srgbClr val="008000"/>
+                </a:solidFill>
+                <a:latin typeface="Consolas" panose="020B0609020204030204" pitchFamily="49" charset="0"/>
+              </a:rPr>
+              <a:t>would</a:t>
+            </a:r>
+            <a:r>
+              <a:rPr lang="es-ES" sz="1500" dirty="0">
+                <a:solidFill>
+                  <a:srgbClr val="008000"/>
+                </a:solidFill>
+                <a:latin typeface="Consolas" panose="020B0609020204030204" pitchFamily="49" charset="0"/>
+              </a:rPr>
+              <a:t> </a:t>
+            </a:r>
+            <a:r>
+              <a:rPr lang="es-ES" sz="1500" dirty="0" err="1">
+                <a:solidFill>
+                  <a:srgbClr val="008000"/>
+                </a:solidFill>
+                <a:latin typeface="Consolas" panose="020B0609020204030204" pitchFamily="49" charset="0"/>
+              </a:rPr>
+              <a:t>change</a:t>
+            </a:r>
+            <a:r>
+              <a:rPr lang="es-ES" sz="1500" dirty="0">
+                <a:solidFill>
+                  <a:srgbClr val="008000"/>
+                </a:solidFill>
+                <a:latin typeface="Consolas" panose="020B0609020204030204" pitchFamily="49" charset="0"/>
+              </a:rPr>
+              <a:t> </a:t>
+            </a:r>
+            <a:r>
+              <a:rPr lang="es-ES" sz="1500" dirty="0" err="1">
+                <a:solidFill>
+                  <a:srgbClr val="008000"/>
+                </a:solidFill>
+                <a:latin typeface="Consolas" panose="020B0609020204030204" pitchFamily="49" charset="0"/>
+              </a:rPr>
+              <a:t>byt</a:t>
+            </a:r>
+            <a:r>
+              <a:rPr lang="es-ES" sz="1500" dirty="0">
+                <a:solidFill>
+                  <a:srgbClr val="008000"/>
+                </a:solidFill>
+                <a:latin typeface="Consolas" panose="020B0609020204030204" pitchFamily="49" charset="0"/>
+              </a:rPr>
+              <a:t> </a:t>
+            </a:r>
+            <a:r>
+              <a:rPr lang="es-ES" sz="1500" dirty="0" err="1">
+                <a:solidFill>
+                  <a:srgbClr val="008000"/>
+                </a:solidFill>
+                <a:latin typeface="Consolas" panose="020B0609020204030204" pitchFamily="49" charset="0"/>
+              </a:rPr>
+              <a:t>the</a:t>
+            </a:r>
+            <a:r>
+              <a:rPr lang="es-ES" sz="1500" dirty="0">
+                <a:solidFill>
+                  <a:srgbClr val="008000"/>
+                </a:solidFill>
+                <a:latin typeface="Consolas" panose="020B0609020204030204" pitchFamily="49" charset="0"/>
+              </a:rPr>
+              <a:t> </a:t>
+            </a:r>
+            <a:r>
+              <a:rPr lang="es-ES" sz="1500" dirty="0" err="1">
+                <a:solidFill>
+                  <a:srgbClr val="008000"/>
+                </a:solidFill>
+                <a:latin typeface="Consolas" panose="020B0609020204030204" pitchFamily="49" charset="0"/>
+              </a:rPr>
+              <a:t>endpoint</a:t>
+            </a:r>
+            <a:r>
+              <a:rPr lang="es-ES" sz="1500" dirty="0">
+                <a:solidFill>
+                  <a:srgbClr val="008000"/>
+                </a:solidFill>
+                <a:latin typeface="Consolas" panose="020B0609020204030204" pitchFamily="49" charset="0"/>
+              </a:rPr>
+              <a:t>, </a:t>
+            </a:r>
+            <a:r>
+              <a:rPr lang="es-ES" sz="1500" dirty="0" err="1">
+                <a:solidFill>
+                  <a:srgbClr val="008000"/>
+                </a:solidFill>
+                <a:latin typeface="Consolas" panose="020B0609020204030204" pitchFamily="49" charset="0"/>
+              </a:rPr>
+              <a:t>f.i</a:t>
+            </a:r>
+            <a:r>
+              <a:rPr lang="es-ES" sz="1500" dirty="0">
+                <a:solidFill>
+                  <a:srgbClr val="008000"/>
+                </a:solidFill>
+                <a:latin typeface="Consolas" panose="020B0609020204030204" pitchFamily="49" charset="0"/>
+              </a:rPr>
+              <a:t>. “http://catalog.api/hc”</a:t>
+            </a:r>
+          </a:p>
+          <a:p>
+            <a:r>
+              <a:rPr lang="es-ES" sz="1500" dirty="0">
+                <a:solidFill>
+                  <a:srgbClr val="000000"/>
+                </a:solidFill>
+                <a:latin typeface="Consolas" panose="020B0609020204030204" pitchFamily="49" charset="0"/>
+              </a:rPr>
+              <a:t>    </a:t>
+            </a:r>
+            <a:r>
+              <a:rPr lang="es-ES" sz="1500" dirty="0" err="1">
+                <a:latin typeface="Consolas" panose="020B0609020204030204" pitchFamily="49" charset="0"/>
+              </a:rPr>
+              <a:t>checks.AddUrlCheck</a:t>
+            </a:r>
+            <a:r>
+              <a:rPr lang="es-ES" sz="1500" dirty="0">
+                <a:latin typeface="Consolas" panose="020B0609020204030204" pitchFamily="49" charset="0"/>
+              </a:rPr>
+              <a:t>(</a:t>
+            </a:r>
+            <a:r>
+              <a:rPr lang="es-ES" sz="1500" dirty="0" err="1">
+                <a:latin typeface="Consolas" panose="020B0609020204030204" pitchFamily="49" charset="0"/>
+              </a:rPr>
+              <a:t>Configuration</a:t>
+            </a:r>
+            <a:r>
+              <a:rPr lang="es-ES" sz="1500" dirty="0">
+                <a:latin typeface="Consolas" panose="020B0609020204030204" pitchFamily="49" charset="0"/>
+              </a:rPr>
+              <a:t>[</a:t>
+            </a:r>
+            <a:r>
+              <a:rPr lang="es-ES" sz="1500" dirty="0">
+                <a:solidFill>
+                  <a:srgbClr val="F19393"/>
+                </a:solidFill>
+                <a:latin typeface="Consolas" panose="020B0609020204030204" pitchFamily="49" charset="0"/>
+              </a:rPr>
+              <a:t>"</a:t>
+            </a:r>
+            <a:r>
+              <a:rPr lang="es-ES" sz="1500" dirty="0" err="1">
+                <a:solidFill>
+                  <a:srgbClr val="F19393"/>
+                </a:solidFill>
+                <a:latin typeface="Consolas" panose="020B0609020204030204" pitchFamily="49" charset="0"/>
+              </a:rPr>
+              <a:t>CatalogUrlHC</a:t>
+            </a:r>
+            <a:r>
+              <a:rPr lang="es-ES" sz="1500" dirty="0">
+                <a:solidFill>
+                  <a:srgbClr val="F19393"/>
+                </a:solidFill>
+                <a:latin typeface="Consolas" panose="020B0609020204030204" pitchFamily="49" charset="0"/>
+              </a:rPr>
+              <a:t>"</a:t>
+            </a:r>
+            <a:r>
+              <a:rPr lang="es-ES" sz="1500" dirty="0">
+                <a:latin typeface="Consolas" panose="020B0609020204030204" pitchFamily="49" charset="0"/>
+              </a:rPr>
+              <a:t>],</a:t>
+            </a:r>
+            <a:r>
+              <a:rPr lang="es-ES" sz="1500" dirty="0">
+                <a:solidFill>
+                  <a:srgbClr val="000000"/>
+                </a:solidFill>
+                <a:latin typeface="Consolas" panose="020B0609020204030204" pitchFamily="49" charset="0"/>
+              </a:rPr>
+              <a:t> </a:t>
+            </a:r>
+            <a:r>
+              <a:rPr lang="es-ES" sz="1500" dirty="0" err="1">
+                <a:latin typeface="Consolas" panose="020B0609020204030204" pitchFamily="49" charset="0"/>
+              </a:rPr>
+              <a:t>TimeSpan.FromMinutes</a:t>
+            </a:r>
+            <a:r>
+              <a:rPr lang="es-ES" sz="1500" dirty="0">
+                <a:latin typeface="Consolas" panose="020B0609020204030204" pitchFamily="49" charset="0"/>
+              </a:rPr>
+              <a:t>(minutes));</a:t>
+            </a:r>
+          </a:p>
+          <a:p>
+            <a:r>
+              <a:rPr lang="es-ES" sz="1500" dirty="0">
+                <a:solidFill>
+                  <a:srgbClr val="000000"/>
+                </a:solidFill>
+                <a:latin typeface="Consolas" panose="020B0609020204030204" pitchFamily="49" charset="0"/>
+              </a:rPr>
+              <a:t>    </a:t>
+            </a:r>
+            <a:r>
+              <a:rPr lang="es-ES" sz="1500" dirty="0" err="1">
+                <a:latin typeface="Consolas" panose="020B0609020204030204" pitchFamily="49" charset="0"/>
+              </a:rPr>
+              <a:t>checks.AddUrlCheck</a:t>
+            </a:r>
+            <a:r>
+              <a:rPr lang="es-ES" sz="1500" dirty="0">
+                <a:latin typeface="Consolas" panose="020B0609020204030204" pitchFamily="49" charset="0"/>
+              </a:rPr>
+              <a:t>(</a:t>
+            </a:r>
+            <a:r>
+              <a:rPr lang="es-ES" sz="1500" dirty="0" err="1">
+                <a:latin typeface="Consolas" panose="020B0609020204030204" pitchFamily="49" charset="0"/>
+              </a:rPr>
+              <a:t>Configuration</a:t>
+            </a:r>
+            <a:r>
+              <a:rPr lang="es-ES" sz="1500" dirty="0">
+                <a:latin typeface="Consolas" panose="020B0609020204030204" pitchFamily="49" charset="0"/>
+              </a:rPr>
+              <a:t>[</a:t>
+            </a:r>
+            <a:r>
+              <a:rPr lang="es-ES" sz="1500" dirty="0">
+                <a:solidFill>
+                  <a:srgbClr val="F19393"/>
+                </a:solidFill>
+                <a:latin typeface="Consolas" panose="020B0609020204030204" pitchFamily="49" charset="0"/>
+              </a:rPr>
+              <a:t>"</a:t>
+            </a:r>
+            <a:r>
+              <a:rPr lang="es-ES" sz="1500" dirty="0" err="1">
+                <a:solidFill>
+                  <a:srgbClr val="F19393"/>
+                </a:solidFill>
+                <a:latin typeface="Consolas" panose="020B0609020204030204" pitchFamily="49" charset="0"/>
+              </a:rPr>
+              <a:t>OrderingUrlHC</a:t>
+            </a:r>
+            <a:r>
+              <a:rPr lang="es-ES" sz="1500" dirty="0">
+                <a:solidFill>
+                  <a:srgbClr val="F19393"/>
+                </a:solidFill>
+                <a:latin typeface="Consolas" panose="020B0609020204030204" pitchFamily="49" charset="0"/>
+              </a:rPr>
+              <a:t>"</a:t>
+            </a:r>
+            <a:r>
+              <a:rPr lang="es-ES" sz="1500" dirty="0">
+                <a:latin typeface="Consolas" panose="020B0609020204030204" pitchFamily="49" charset="0"/>
+              </a:rPr>
+              <a:t>],</a:t>
+            </a:r>
+            <a:r>
+              <a:rPr lang="es-ES" sz="1500" dirty="0" err="1">
+                <a:latin typeface="Consolas" panose="020B0609020204030204" pitchFamily="49" charset="0"/>
+              </a:rPr>
+              <a:t>TimeSpan.FromMinutes</a:t>
+            </a:r>
+            <a:r>
+              <a:rPr lang="es-ES" sz="1500" dirty="0">
+                <a:latin typeface="Consolas" panose="020B0609020204030204" pitchFamily="49" charset="0"/>
+              </a:rPr>
+              <a:t>(minutes));</a:t>
+            </a:r>
+          </a:p>
+          <a:p>
+            <a:r>
+              <a:rPr lang="es-ES" sz="1500" dirty="0">
+                <a:solidFill>
+                  <a:srgbClr val="000000"/>
+                </a:solidFill>
+                <a:latin typeface="Consolas" panose="020B0609020204030204" pitchFamily="49" charset="0"/>
+              </a:rPr>
+              <a:t>    </a:t>
+            </a:r>
+            <a:r>
+              <a:rPr lang="es-ES" sz="1500" dirty="0" err="1">
+                <a:latin typeface="Consolas" panose="020B0609020204030204" pitchFamily="49" charset="0"/>
+              </a:rPr>
+              <a:t>checks.AddUrlCheck</a:t>
+            </a:r>
+            <a:r>
+              <a:rPr lang="es-ES" sz="1500" dirty="0">
+                <a:latin typeface="Consolas" panose="020B0609020204030204" pitchFamily="49" charset="0"/>
+              </a:rPr>
+              <a:t>(</a:t>
+            </a:r>
+            <a:r>
+              <a:rPr lang="es-ES" sz="1500" dirty="0" err="1">
+                <a:latin typeface="Consolas" panose="020B0609020204030204" pitchFamily="49" charset="0"/>
+              </a:rPr>
+              <a:t>Configuration</a:t>
+            </a:r>
+            <a:r>
+              <a:rPr lang="es-ES" sz="1500" dirty="0">
+                <a:latin typeface="Consolas" panose="020B0609020204030204" pitchFamily="49" charset="0"/>
+              </a:rPr>
+              <a:t>[</a:t>
+            </a:r>
+            <a:r>
+              <a:rPr lang="es-ES" sz="1500" dirty="0">
+                <a:solidFill>
+                  <a:srgbClr val="F19393"/>
+                </a:solidFill>
+                <a:latin typeface="Consolas" panose="020B0609020204030204" pitchFamily="49" charset="0"/>
+              </a:rPr>
+              <a:t>"</a:t>
+            </a:r>
+            <a:r>
+              <a:rPr lang="es-ES" sz="1500" dirty="0" err="1">
+                <a:solidFill>
+                  <a:srgbClr val="F19393"/>
+                </a:solidFill>
+                <a:latin typeface="Consolas" panose="020B0609020204030204" pitchFamily="49" charset="0"/>
+              </a:rPr>
+              <a:t>BasketUrlHC</a:t>
+            </a:r>
+            <a:r>
+              <a:rPr lang="es-ES" sz="1500" dirty="0">
+                <a:solidFill>
+                  <a:srgbClr val="F19393"/>
+                </a:solidFill>
+                <a:latin typeface="Consolas" panose="020B0609020204030204" pitchFamily="49" charset="0"/>
+              </a:rPr>
+              <a:t>"</a:t>
+            </a:r>
+            <a:r>
+              <a:rPr lang="es-ES" sz="1500" dirty="0">
+                <a:latin typeface="Consolas" panose="020B0609020204030204" pitchFamily="49" charset="0"/>
+              </a:rPr>
+              <a:t>], </a:t>
+            </a:r>
+            <a:r>
+              <a:rPr lang="es-ES" sz="1500" dirty="0" err="1">
+                <a:latin typeface="Consolas" panose="020B0609020204030204" pitchFamily="49" charset="0"/>
+              </a:rPr>
+              <a:t>TimeSpan.Zero</a:t>
+            </a:r>
+            <a:r>
+              <a:rPr lang="es-ES" sz="1500" dirty="0">
+                <a:latin typeface="Consolas" panose="020B0609020204030204" pitchFamily="49" charset="0"/>
+              </a:rPr>
+              <a:t>);</a:t>
+            </a:r>
+            <a:endParaRPr lang="es-ES" sz="1500" dirty="0">
+              <a:solidFill>
+                <a:srgbClr val="000000"/>
+              </a:solidFill>
+              <a:latin typeface="Consolas" panose="020B0609020204030204" pitchFamily="49" charset="0"/>
+            </a:endParaRPr>
+          </a:p>
+          <a:p>
+            <a:r>
+              <a:rPr lang="es-ES" sz="1500" dirty="0">
+                <a:solidFill>
+                  <a:srgbClr val="000000"/>
+                </a:solidFill>
+                <a:latin typeface="Consolas" panose="020B0609020204030204" pitchFamily="49" charset="0"/>
+              </a:rPr>
+              <a:t>    </a:t>
+            </a:r>
+            <a:r>
+              <a:rPr lang="es-ES" sz="1500" dirty="0" err="1">
+                <a:latin typeface="Consolas" panose="020B0609020204030204" pitchFamily="49" charset="0"/>
+              </a:rPr>
+              <a:t>checks.AddUrlCheck</a:t>
+            </a:r>
+            <a:r>
+              <a:rPr lang="es-ES" sz="1500" dirty="0">
+                <a:latin typeface="Consolas" panose="020B0609020204030204" pitchFamily="49" charset="0"/>
+              </a:rPr>
+              <a:t>(</a:t>
+            </a:r>
+            <a:r>
+              <a:rPr lang="es-ES" sz="1500" dirty="0" err="1">
+                <a:latin typeface="Consolas" panose="020B0609020204030204" pitchFamily="49" charset="0"/>
+              </a:rPr>
+              <a:t>Configuration</a:t>
+            </a:r>
+            <a:r>
+              <a:rPr lang="es-ES" sz="1500" dirty="0">
+                <a:latin typeface="Consolas" panose="020B0609020204030204" pitchFamily="49" charset="0"/>
+              </a:rPr>
+              <a:t>[</a:t>
+            </a:r>
+            <a:r>
+              <a:rPr lang="es-ES" sz="1500" dirty="0">
+                <a:solidFill>
+                  <a:srgbClr val="F19393"/>
+                </a:solidFill>
+                <a:latin typeface="Consolas" panose="020B0609020204030204" pitchFamily="49" charset="0"/>
+              </a:rPr>
+              <a:t>"</a:t>
+            </a:r>
+            <a:r>
+              <a:rPr lang="es-ES" sz="1500" dirty="0" err="1">
+                <a:solidFill>
+                  <a:srgbClr val="F19393"/>
+                </a:solidFill>
+                <a:latin typeface="Consolas" panose="020B0609020204030204" pitchFamily="49" charset="0"/>
+              </a:rPr>
+              <a:t>IdentityUrlHC</a:t>
+            </a:r>
+            <a:r>
+              <a:rPr lang="es-ES" sz="1500" dirty="0">
+                <a:solidFill>
+                  <a:srgbClr val="F19393"/>
+                </a:solidFill>
+                <a:latin typeface="Consolas" panose="020B0609020204030204" pitchFamily="49" charset="0"/>
+              </a:rPr>
+              <a:t>"</a:t>
+            </a:r>
+            <a:r>
+              <a:rPr lang="es-ES" sz="1500" dirty="0">
+                <a:latin typeface="Consolas" panose="020B0609020204030204" pitchFamily="49" charset="0"/>
+              </a:rPr>
+              <a:t>], </a:t>
+            </a:r>
+            <a:r>
+              <a:rPr lang="es-ES" sz="1500" dirty="0" err="1">
+                <a:latin typeface="Consolas" panose="020B0609020204030204" pitchFamily="49" charset="0"/>
+              </a:rPr>
+              <a:t>TimeSpan.FromMinutes</a:t>
+            </a:r>
+            <a:r>
+              <a:rPr lang="es-ES" sz="1500" dirty="0">
+                <a:latin typeface="Consolas" panose="020B0609020204030204" pitchFamily="49" charset="0"/>
+              </a:rPr>
+              <a:t>(minutes));</a:t>
+            </a:r>
+          </a:p>
+          <a:p>
+            <a:r>
+              <a:rPr lang="es-ES" sz="1500" dirty="0">
+                <a:solidFill>
+                  <a:srgbClr val="000000"/>
+                </a:solidFill>
+                <a:latin typeface="Consolas" panose="020B0609020204030204" pitchFamily="49" charset="0"/>
+              </a:rPr>
+              <a:t>   </a:t>
+            </a:r>
+            <a:r>
+              <a:rPr lang="es-ES" sz="1500" dirty="0" err="1">
+                <a:latin typeface="Consolas" panose="020B0609020204030204" pitchFamily="49" charset="0"/>
+              </a:rPr>
+              <a:t>checks.AddUrlCheck</a:t>
+            </a:r>
+            <a:r>
+              <a:rPr lang="es-ES" sz="1500" dirty="0">
+                <a:latin typeface="Consolas" panose="020B0609020204030204" pitchFamily="49" charset="0"/>
+              </a:rPr>
+              <a:t>(</a:t>
+            </a:r>
+            <a:r>
+              <a:rPr lang="es-ES" sz="1500" dirty="0" err="1">
+                <a:latin typeface="Consolas" panose="020B0609020204030204" pitchFamily="49" charset="0"/>
+              </a:rPr>
+              <a:t>Configuration</a:t>
+            </a:r>
+            <a:r>
+              <a:rPr lang="es-ES" sz="1500" dirty="0">
+                <a:latin typeface="Consolas" panose="020B0609020204030204" pitchFamily="49" charset="0"/>
+              </a:rPr>
+              <a:t>[</a:t>
+            </a:r>
+            <a:r>
+              <a:rPr lang="es-ES" sz="1500" dirty="0">
+                <a:solidFill>
+                  <a:srgbClr val="F19393"/>
+                </a:solidFill>
+                <a:latin typeface="Consolas" panose="020B0609020204030204" pitchFamily="49" charset="0"/>
+              </a:rPr>
+              <a:t>"</a:t>
+            </a:r>
+            <a:r>
+              <a:rPr lang="es-ES" sz="1500" dirty="0" err="1">
+                <a:solidFill>
+                  <a:srgbClr val="F19393"/>
+                </a:solidFill>
+                <a:latin typeface="Consolas" panose="020B0609020204030204" pitchFamily="49" charset="0"/>
+              </a:rPr>
+              <a:t>MarketingUrlHC</a:t>
+            </a:r>
+            <a:r>
+              <a:rPr lang="es-ES" sz="1500" dirty="0">
+                <a:solidFill>
+                  <a:srgbClr val="F19393"/>
+                </a:solidFill>
+                <a:latin typeface="Consolas" panose="020B0609020204030204" pitchFamily="49" charset="0"/>
+              </a:rPr>
+              <a:t>"</a:t>
+            </a:r>
+            <a:r>
+              <a:rPr lang="es-ES" sz="1500" dirty="0">
+                <a:latin typeface="Consolas" panose="020B0609020204030204" pitchFamily="49" charset="0"/>
+              </a:rPr>
+              <a:t>],</a:t>
+            </a:r>
+            <a:r>
+              <a:rPr lang="es-ES" sz="1500" dirty="0" err="1">
+                <a:latin typeface="Consolas" panose="020B0609020204030204" pitchFamily="49" charset="0"/>
+              </a:rPr>
+              <a:t>TimeSpan.FromMinutes</a:t>
+            </a:r>
+            <a:r>
+              <a:rPr lang="es-ES" sz="1500" dirty="0">
+                <a:latin typeface="Consolas" panose="020B0609020204030204" pitchFamily="49" charset="0"/>
+              </a:rPr>
+              <a:t>(minutes));</a:t>
+            </a:r>
+          </a:p>
+          <a:p>
+            <a:r>
+              <a:rPr lang="es-ES" sz="1500" dirty="0">
+                <a:latin typeface="Consolas" panose="020B0609020204030204" pitchFamily="49" charset="0"/>
+              </a:rPr>
+              <a:t>});</a:t>
+            </a:r>
+            <a:endParaRPr lang="es-ES" sz="1500" dirty="0"/>
+          </a:p>
+        </p:txBody>
+      </p:sp>
+      <p:sp>
+        <p:nvSpPr>
+          <p:cNvPr id="5" name="Marcador de pie de página 4">
+            <a:extLst>
+              <a:ext uri="{FF2B5EF4-FFF2-40B4-BE49-F238E27FC236}">
+                <a16:creationId xmlns:a16="http://schemas.microsoft.com/office/drawing/2014/main" id="{206EFE79-2780-42D9-BA69-E552741FDABE}"/>
+              </a:ext>
+            </a:extLst>
+          </p:cNvPr>
+          <p:cNvSpPr>
+            <a:spLocks noGrp="1"/>
+          </p:cNvSpPr>
+          <p:nvPr>
+            <p:ph type="ftr" sz="quarter" idx="10"/>
+          </p:nvPr>
+        </p:nvSpPr>
+        <p:spPr/>
+        <p:txBody>
+          <a:bodyPr/>
+          <a:lstStyle/>
+          <a:p>
+            <a:pPr lvl="0">
+              <a:defRPr/>
+            </a:pPr>
+            <a:r>
+              <a:rPr lang="es-ES" dirty="0"/>
+              <a:t>@</a:t>
+            </a:r>
+            <a:r>
+              <a:rPr lang="es-ES" dirty="0" err="1"/>
+              <a:t>plainconcepts</a:t>
+            </a:r>
+            <a:endParaRPr kumimoji="0" lang="es-ES" sz="1200" b="0" i="0" u="none" strike="noStrike" kern="1200" cap="none" spc="0" normalizeH="0" baseline="0" noProof="0" dirty="0">
+              <a:ln>
+                <a:noFill/>
+              </a:ln>
+              <a:solidFill>
+                <a:srgbClr val="00D0FF"/>
+              </a:solidFill>
+              <a:effectLst/>
+              <a:uLnTx/>
+              <a:uFillTx/>
+              <a:latin typeface="Tw Cen MT" panose="020B0602020104020603"/>
+              <a:ea typeface="+mn-ea"/>
+              <a:cs typeface="+mn-cs"/>
+            </a:endParaRPr>
+          </a:p>
+        </p:txBody>
+      </p:sp>
+      <p:sp>
+        <p:nvSpPr>
+          <p:cNvPr id="6" name="Título 5">
+            <a:extLst>
+              <a:ext uri="{FF2B5EF4-FFF2-40B4-BE49-F238E27FC236}">
+                <a16:creationId xmlns:a16="http://schemas.microsoft.com/office/drawing/2014/main" id="{57812181-CA83-45C6-9DFF-89E2A5F4431B}"/>
+              </a:ext>
+            </a:extLst>
+          </p:cNvPr>
+          <p:cNvSpPr>
+            <a:spLocks noGrp="1"/>
+          </p:cNvSpPr>
+          <p:nvPr>
+            <p:ph type="title"/>
+          </p:nvPr>
+        </p:nvSpPr>
+        <p:spPr/>
+        <p:txBody>
+          <a:bodyPr/>
+          <a:lstStyle/>
+          <a:p>
+            <a:r>
+              <a:rPr lang="en-US" dirty="0"/>
+              <a:t>ASP.NET Core</a:t>
+            </a:r>
+            <a:endParaRPr lang="es-ES" dirty="0"/>
+          </a:p>
+        </p:txBody>
+      </p:sp>
+      <p:sp>
+        <p:nvSpPr>
+          <p:cNvPr id="7" name="Marcador de texto 6">
+            <a:extLst>
+              <a:ext uri="{FF2B5EF4-FFF2-40B4-BE49-F238E27FC236}">
+                <a16:creationId xmlns:a16="http://schemas.microsoft.com/office/drawing/2014/main" id="{DA9C74BB-EBB7-4393-9E58-080DEAD0F313}"/>
+              </a:ext>
+            </a:extLst>
+          </p:cNvPr>
+          <p:cNvSpPr>
+            <a:spLocks noGrp="1"/>
+          </p:cNvSpPr>
+          <p:nvPr>
+            <p:ph type="body" sz="quarter" idx="15"/>
+          </p:nvPr>
+        </p:nvSpPr>
+        <p:spPr/>
+        <p:txBody>
+          <a:bodyPr/>
+          <a:lstStyle/>
+          <a:p>
+            <a:r>
+              <a:rPr lang="es-ES" dirty="0" err="1"/>
+              <a:t>Setting</a:t>
+            </a:r>
+            <a:r>
+              <a:rPr lang="es-ES" dirty="0"/>
+              <a:t> </a:t>
+            </a:r>
+            <a:r>
+              <a:rPr lang="es-ES" dirty="0" err="1"/>
+              <a:t>the</a:t>
+            </a:r>
+            <a:r>
+              <a:rPr lang="es-ES" dirty="0"/>
+              <a:t> </a:t>
+            </a:r>
+            <a:r>
+              <a:rPr lang="es-ES" dirty="0" err="1"/>
+              <a:t>checks</a:t>
+            </a:r>
+            <a:r>
+              <a:rPr lang="es-ES" dirty="0"/>
+              <a:t> </a:t>
+            </a:r>
+            <a:r>
+              <a:rPr lang="es-ES" dirty="0" err="1"/>
+              <a:t>for</a:t>
+            </a:r>
+            <a:r>
+              <a:rPr lang="es-ES" dirty="0"/>
+              <a:t> </a:t>
+            </a:r>
+            <a:r>
+              <a:rPr lang="es-ES" dirty="0" err="1"/>
+              <a:t>other</a:t>
+            </a:r>
+            <a:r>
+              <a:rPr lang="es-ES" dirty="0"/>
+              <a:t> </a:t>
+            </a:r>
+            <a:r>
+              <a:rPr lang="es-ES" dirty="0" err="1"/>
+              <a:t>services</a:t>
+            </a:r>
+            <a:r>
+              <a:rPr lang="es-ES" dirty="0"/>
+              <a:t> </a:t>
+            </a:r>
+            <a:r>
+              <a:rPr lang="es-ES" dirty="0" err="1"/>
+              <a:t>dependencies</a:t>
+            </a:r>
+            <a:endParaRPr lang="es-ES" dirty="0"/>
+          </a:p>
+        </p:txBody>
+      </p:sp>
+      <p:sp>
+        <p:nvSpPr>
+          <p:cNvPr id="8" name="CuadroTexto 7">
+            <a:extLst>
+              <a:ext uri="{FF2B5EF4-FFF2-40B4-BE49-F238E27FC236}">
+                <a16:creationId xmlns:a16="http://schemas.microsoft.com/office/drawing/2014/main" id="{EA3FAC5E-A699-4AB5-82F5-1A624EB26DC2}"/>
+              </a:ext>
+            </a:extLst>
+          </p:cNvPr>
+          <p:cNvSpPr txBox="1"/>
+          <p:nvPr/>
+        </p:nvSpPr>
+        <p:spPr>
+          <a:xfrm>
+            <a:off x="10357407" y="2318889"/>
+            <a:ext cx="1494282" cy="246221"/>
+          </a:xfrm>
+          <a:prstGeom prst="rect">
+            <a:avLst/>
+          </a:prstGeom>
+          <a:noFill/>
+        </p:spPr>
+        <p:txBody>
+          <a:bodyPr wrap="square" rtlCol="0">
+            <a:spAutoFit/>
+          </a:bodyPr>
+          <a:lstStyle/>
+          <a:p>
+            <a:r>
+              <a:rPr lang="es-ES" sz="1000" dirty="0">
+                <a:solidFill>
+                  <a:schemeClr val="bg1"/>
+                </a:solidFill>
+                <a:hlinkClick r:id="rId2"/>
+              </a:rPr>
+              <a:t>MS </a:t>
+            </a:r>
+            <a:r>
+              <a:rPr lang="es-ES" sz="1000" dirty="0" err="1">
+                <a:solidFill>
+                  <a:schemeClr val="bg1"/>
+                </a:solidFill>
+                <a:hlinkClick r:id="rId2"/>
+              </a:rPr>
+              <a:t>eShopOnContainers</a:t>
+            </a:r>
+            <a:endParaRPr lang="es-ES" sz="1000" dirty="0">
+              <a:solidFill>
+                <a:schemeClr val="bg1"/>
+              </a:solidFill>
+            </a:endParaRPr>
+          </a:p>
+        </p:txBody>
+      </p:sp>
+    </p:spTree>
+    <p:extLst>
+      <p:ext uri="{BB962C8B-B14F-4D97-AF65-F5344CB8AC3E}">
+        <p14:creationId xmlns:p14="http://schemas.microsoft.com/office/powerpoint/2010/main" val="4103057973"/>
+      </p:ext>
+    </p:extLst>
+  </p:cSld>
+  <p:clrMapOvr>
+    <a:masterClrMapping/>
+  </p:clrMapOvr>
+</p:sld>
+</file>
+
+<file path=ppt/slides/slide21.xml><?xml version="1.0" encoding="utf-8"?>
+<p:sld xmlns:a="http://schemas.openxmlformats.org/drawingml/2006/main" xmlns:r="http://schemas.openxmlformats.org/officeDocument/2006/relationships" xmlns:p="http://schemas.openxmlformats.org/presentationml/2006/main">
+  <p:cSld>
+    <p:spTree>
+      <p:nvGrpSpPr>
+        <p:cNvPr id="1" name=""/>
+        <p:cNvGrpSpPr/>
+        <p:nvPr/>
+      </p:nvGrpSpPr>
+      <p:grpSpPr>
+        <a:xfrm>
+          <a:off x="0" y="0"/>
+          <a:ext cx="0" cy="0"/>
+          <a:chOff x="0" y="0"/>
+          <a:chExt cx="0" cy="0"/>
+        </a:xfrm>
+      </p:grpSpPr>
+      <p:sp>
+        <p:nvSpPr>
+          <p:cNvPr id="2" name="Marcador de contenido 1">
+            <a:extLst>
+              <a:ext uri="{FF2B5EF4-FFF2-40B4-BE49-F238E27FC236}">
+                <a16:creationId xmlns:a16="http://schemas.microsoft.com/office/drawing/2014/main" id="{DC21440B-7100-4D13-9AC8-A5EAA8DEFA55}"/>
+              </a:ext>
+            </a:extLst>
+          </p:cNvPr>
+          <p:cNvSpPr>
+            <a:spLocks noGrp="1"/>
+          </p:cNvSpPr>
+          <p:nvPr>
+            <p:ph idx="1"/>
+          </p:nvPr>
+        </p:nvSpPr>
+        <p:spPr/>
+        <p:txBody>
+          <a:bodyPr/>
+          <a:lstStyle/>
+          <a:p>
+            <a:r>
+              <a:rPr lang="es-ES" dirty="0"/>
+              <a:t>At Startup </a:t>
+            </a:r>
+            <a:r>
+              <a:rPr lang="es-ES" dirty="0" err="1"/>
+              <a:t>class</a:t>
+            </a:r>
+            <a:r>
+              <a:rPr lang="es-ES" dirty="0"/>
+              <a:t>, </a:t>
+            </a:r>
+            <a:r>
+              <a:rPr lang="es-ES" dirty="0" err="1"/>
+              <a:t>when</a:t>
+            </a:r>
+            <a:r>
+              <a:rPr lang="es-ES" dirty="0"/>
+              <a:t> </a:t>
+            </a:r>
+            <a:r>
+              <a:rPr lang="es-ES" dirty="0" err="1"/>
+              <a:t>configuring</a:t>
+            </a:r>
+            <a:r>
+              <a:rPr lang="es-ES" dirty="0"/>
+              <a:t> </a:t>
+            </a:r>
+            <a:r>
+              <a:rPr lang="es-ES" dirty="0" err="1"/>
+              <a:t>the</a:t>
+            </a:r>
+            <a:r>
+              <a:rPr lang="es-ES" dirty="0"/>
+              <a:t> </a:t>
+            </a:r>
+            <a:r>
+              <a:rPr lang="es-ES" dirty="0" err="1"/>
+              <a:t>services</a:t>
+            </a:r>
+            <a:endParaRPr lang="es-ES" dirty="0"/>
+          </a:p>
+        </p:txBody>
+      </p:sp>
+      <p:sp>
+        <p:nvSpPr>
+          <p:cNvPr id="3" name="Marcador de número de diapositiva 2">
+            <a:extLst>
+              <a:ext uri="{FF2B5EF4-FFF2-40B4-BE49-F238E27FC236}">
+                <a16:creationId xmlns:a16="http://schemas.microsoft.com/office/drawing/2014/main" id="{366B15AF-E401-4629-86DD-A62C6C9CD263}"/>
+              </a:ext>
+            </a:extLst>
+          </p:cNvPr>
+          <p:cNvSpPr>
+            <a:spLocks noGrp="1"/>
+          </p:cNvSpPr>
+          <p:nvPr>
+            <p:ph type="sldNum" sz="quarter" idx="11"/>
+          </p:nvPr>
+        </p:nvSpPr>
+        <p:spPr/>
+        <p:txBody>
+          <a:bodyPr/>
+          <a:lstStyle/>
+          <a:p>
+            <a:pPr marL="0" marR="0" lvl="0" indent="0" algn="r" defTabSz="914400" rtl="0" eaLnBrk="1" fontAlgn="auto" latinLnBrk="0" hangingPunct="1">
+              <a:lnSpc>
+                <a:spcPct val="100000"/>
+              </a:lnSpc>
+              <a:spcBef>
+                <a:spcPts val="0"/>
+              </a:spcBef>
+              <a:spcAft>
+                <a:spcPts val="0"/>
+              </a:spcAft>
+              <a:buClrTx/>
+              <a:buSzTx/>
+              <a:buFontTx/>
+              <a:buNone/>
+              <a:tabLst/>
+              <a:defRPr/>
+            </a:pPr>
+            <a:fld id="{88CB616A-2EDE-4F93-81C7-BE29C9C217CB}" type="slidenum">
+              <a:rPr kumimoji="0" lang="es-ES" sz="1200" b="0" i="0" u="none" strike="noStrike" kern="1200" cap="none" spc="0" normalizeH="0" baseline="0" noProof="0" smtClean="0">
+                <a:ln>
+                  <a:noFill/>
+                </a:ln>
+                <a:solidFill>
+                  <a:prstClr val="black"/>
+                </a:solidFill>
+                <a:effectLst/>
+                <a:uLnTx/>
+                <a:uFillTx/>
+                <a:latin typeface="Tw Cen MT" panose="020B0602020104020603"/>
+                <a:ea typeface="+mn-ea"/>
+                <a:cs typeface="+mn-cs"/>
+              </a:rPr>
+              <a:pPr marL="0" marR="0" lvl="0" indent="0" algn="r" defTabSz="914400" rtl="0" eaLnBrk="1" fontAlgn="auto" latinLnBrk="0" hangingPunct="1">
+                <a:lnSpc>
+                  <a:spcPct val="100000"/>
+                </a:lnSpc>
+                <a:spcBef>
+                  <a:spcPts val="0"/>
+                </a:spcBef>
+                <a:spcAft>
+                  <a:spcPts val="0"/>
+                </a:spcAft>
+                <a:buClrTx/>
+                <a:buSzTx/>
+                <a:buFontTx/>
+                <a:buNone/>
+                <a:tabLst/>
+                <a:defRPr/>
+              </a:pPr>
+              <a:t>21</a:t>
+            </a:fld>
+            <a:endParaRPr kumimoji="0" lang="es-ES" sz="1200" b="0" i="0" u="none" strike="noStrike" kern="1200" cap="none" spc="0" normalizeH="0" baseline="0" noProof="0" dirty="0">
+              <a:ln>
+                <a:noFill/>
+              </a:ln>
+              <a:solidFill>
+                <a:prstClr val="black"/>
+              </a:solidFill>
+              <a:effectLst/>
+              <a:uLnTx/>
+              <a:uFillTx/>
+              <a:latin typeface="Tw Cen MT" panose="020B0602020104020603"/>
+              <a:ea typeface="+mn-ea"/>
+              <a:cs typeface="+mn-cs"/>
+            </a:endParaRPr>
+          </a:p>
+        </p:txBody>
+      </p:sp>
+      <p:sp>
+        <p:nvSpPr>
+          <p:cNvPr id="4" name="Marcador de texto 3">
+            <a:extLst>
+              <a:ext uri="{FF2B5EF4-FFF2-40B4-BE49-F238E27FC236}">
+                <a16:creationId xmlns:a16="http://schemas.microsoft.com/office/drawing/2014/main" id="{85A4FDDC-5608-434B-B899-F0F11012F708}"/>
+              </a:ext>
+            </a:extLst>
+          </p:cNvPr>
+          <p:cNvSpPr>
+            <a:spLocks noGrp="1"/>
+          </p:cNvSpPr>
+          <p:nvPr>
+            <p:ph type="body" sz="quarter" idx="14"/>
+          </p:nvPr>
+        </p:nvSpPr>
+        <p:spPr/>
+        <p:txBody>
+          <a:bodyPr>
+            <a:noAutofit/>
+          </a:bodyPr>
+          <a:lstStyle/>
+          <a:p>
+            <a:r>
+              <a:rPr lang="es-ES" sz="1500" dirty="0">
+                <a:solidFill>
+                  <a:srgbClr val="008000"/>
+                </a:solidFill>
+                <a:latin typeface="Consolas" panose="020B0609020204030204" pitchFamily="49" charset="0"/>
+              </a:rPr>
+              <a:t>// </a:t>
+            </a:r>
+            <a:r>
+              <a:rPr lang="es-ES" sz="1500" dirty="0" err="1">
+                <a:solidFill>
+                  <a:srgbClr val="008000"/>
+                </a:solidFill>
+                <a:latin typeface="Consolas" panose="020B0609020204030204" pitchFamily="49" charset="0"/>
+              </a:rPr>
+              <a:t>Add</a:t>
+            </a:r>
+            <a:r>
+              <a:rPr lang="es-ES" sz="1500" dirty="0">
+                <a:solidFill>
+                  <a:srgbClr val="008000"/>
+                </a:solidFill>
+                <a:latin typeface="Consolas" panose="020B0609020204030204" pitchFamily="49" charset="0"/>
+              </a:rPr>
+              <a:t> </a:t>
+            </a:r>
+            <a:r>
+              <a:rPr lang="es-ES" sz="1500" dirty="0" err="1">
+                <a:solidFill>
+                  <a:srgbClr val="008000"/>
+                </a:solidFill>
+                <a:latin typeface="Consolas" panose="020B0609020204030204" pitchFamily="49" charset="0"/>
+              </a:rPr>
+              <a:t>HealthChecks</a:t>
+            </a:r>
+            <a:r>
+              <a:rPr lang="es-ES" sz="1500" dirty="0">
+                <a:solidFill>
+                  <a:srgbClr val="008000"/>
+                </a:solidFill>
+                <a:latin typeface="Consolas" panose="020B0609020204030204" pitchFamily="49" charset="0"/>
+              </a:rPr>
+              <a:t> </a:t>
+            </a:r>
+            <a:r>
+              <a:rPr lang="es-ES" sz="1500" dirty="0" err="1">
+                <a:solidFill>
+                  <a:srgbClr val="008000"/>
+                </a:solidFill>
+                <a:latin typeface="Consolas" panose="020B0609020204030204" pitchFamily="49" charset="0"/>
+              </a:rPr>
+              <a:t>for</a:t>
+            </a:r>
+            <a:r>
+              <a:rPr lang="es-ES" sz="1500" dirty="0">
+                <a:solidFill>
+                  <a:srgbClr val="008000"/>
+                </a:solidFill>
+                <a:latin typeface="Consolas" panose="020B0609020204030204" pitchFamily="49" charset="0"/>
+              </a:rPr>
+              <a:t> </a:t>
+            </a:r>
+            <a:r>
+              <a:rPr lang="es-ES" sz="1500" dirty="0" err="1">
+                <a:solidFill>
+                  <a:srgbClr val="008000"/>
+                </a:solidFill>
+                <a:latin typeface="Consolas" panose="020B0609020204030204" pitchFamily="49" charset="0"/>
+              </a:rPr>
+              <a:t>service</a:t>
+            </a:r>
+            <a:r>
+              <a:rPr lang="es-ES" sz="1500" dirty="0">
+                <a:solidFill>
+                  <a:srgbClr val="008000"/>
+                </a:solidFill>
+                <a:latin typeface="Consolas" panose="020B0609020204030204" pitchFamily="49" charset="0"/>
+              </a:rPr>
+              <a:t> </a:t>
+            </a:r>
+            <a:r>
+              <a:rPr lang="es-ES" sz="1500" dirty="0" err="1">
+                <a:solidFill>
+                  <a:srgbClr val="008000"/>
+                </a:solidFill>
+                <a:latin typeface="Consolas" panose="020B0609020204030204" pitchFamily="49" charset="0"/>
+              </a:rPr>
+              <a:t>without</a:t>
+            </a:r>
+            <a:r>
+              <a:rPr lang="es-ES" sz="1500" dirty="0">
+                <a:solidFill>
+                  <a:srgbClr val="008000"/>
+                </a:solidFill>
+                <a:latin typeface="Consolas" panose="020B0609020204030204" pitchFamily="49" charset="0"/>
+              </a:rPr>
+              <a:t> </a:t>
+            </a:r>
+            <a:r>
+              <a:rPr lang="es-ES" sz="1500" dirty="0" err="1">
+                <a:solidFill>
+                  <a:srgbClr val="008000"/>
+                </a:solidFill>
+                <a:latin typeface="Consolas" panose="020B0609020204030204" pitchFamily="49" charset="0"/>
+              </a:rPr>
+              <a:t>dependencies</a:t>
+            </a:r>
+            <a:endParaRPr lang="es-ES" sz="1500" dirty="0">
+              <a:solidFill>
+                <a:srgbClr val="008000"/>
+              </a:solidFill>
+              <a:latin typeface="Consolas" panose="020B0609020204030204" pitchFamily="49" charset="0"/>
+            </a:endParaRPr>
+          </a:p>
+          <a:p>
+            <a:r>
+              <a:rPr lang="es-ES" sz="1500" dirty="0">
+                <a:solidFill>
+                  <a:srgbClr val="008000"/>
+                </a:solidFill>
+                <a:latin typeface="Consolas" panose="020B0609020204030204" pitchFamily="49" charset="0"/>
+              </a:rPr>
+              <a:t>// </a:t>
+            </a:r>
+            <a:r>
+              <a:rPr lang="es-ES" sz="1500" dirty="0" err="1">
+                <a:solidFill>
+                  <a:srgbClr val="008000"/>
+                </a:solidFill>
+                <a:latin typeface="Consolas" panose="020B0609020204030204" pitchFamily="49" charset="0"/>
+              </a:rPr>
+              <a:t>we</a:t>
+            </a:r>
+            <a:r>
+              <a:rPr lang="es-ES" sz="1500" dirty="0">
+                <a:solidFill>
+                  <a:srgbClr val="008000"/>
+                </a:solidFill>
+                <a:latin typeface="Consolas" panose="020B0609020204030204" pitchFamily="49" charset="0"/>
+              </a:rPr>
+              <a:t> </a:t>
+            </a:r>
+            <a:r>
+              <a:rPr lang="es-ES" sz="1500" dirty="0" err="1">
+                <a:solidFill>
+                  <a:srgbClr val="008000"/>
+                </a:solidFill>
+                <a:latin typeface="Consolas" panose="020B0609020204030204" pitchFamily="49" charset="0"/>
+              </a:rPr>
+              <a:t>need</a:t>
+            </a:r>
+            <a:r>
+              <a:rPr lang="es-ES" sz="1500" dirty="0">
+                <a:solidFill>
+                  <a:srgbClr val="008000"/>
+                </a:solidFill>
+                <a:latin typeface="Consolas" panose="020B0609020204030204" pitchFamily="49" charset="0"/>
+              </a:rPr>
+              <a:t> </a:t>
+            </a:r>
+            <a:r>
+              <a:rPr lang="es-ES" sz="1500" dirty="0" err="1">
+                <a:solidFill>
+                  <a:srgbClr val="008000"/>
+                </a:solidFill>
+                <a:latin typeface="Consolas" panose="020B0609020204030204" pitchFamily="49" charset="0"/>
+              </a:rPr>
+              <a:t>to</a:t>
+            </a:r>
+            <a:r>
+              <a:rPr lang="es-ES" sz="1500" dirty="0">
+                <a:solidFill>
+                  <a:srgbClr val="008000"/>
+                </a:solidFill>
+                <a:latin typeface="Consolas" panose="020B0609020204030204" pitchFamily="49" charset="0"/>
+              </a:rPr>
+              <a:t> </a:t>
+            </a:r>
+            <a:r>
+              <a:rPr lang="es-ES" sz="1500" dirty="0" err="1">
+                <a:solidFill>
+                  <a:srgbClr val="008000"/>
+                </a:solidFill>
+                <a:latin typeface="Consolas" panose="020B0609020204030204" pitchFamily="49" charset="0"/>
+              </a:rPr>
+              <a:t>implement</a:t>
+            </a:r>
+            <a:r>
+              <a:rPr lang="es-ES" sz="1500" dirty="0">
+                <a:solidFill>
+                  <a:srgbClr val="008000"/>
+                </a:solidFill>
+                <a:latin typeface="Consolas" panose="020B0609020204030204" pitchFamily="49" charset="0"/>
+              </a:rPr>
+              <a:t> </a:t>
+            </a:r>
+            <a:r>
+              <a:rPr lang="es-ES" sz="1500" dirty="0" err="1">
+                <a:solidFill>
+                  <a:srgbClr val="008000"/>
+                </a:solidFill>
+                <a:latin typeface="Consolas" panose="020B0609020204030204" pitchFamily="49" charset="0"/>
+              </a:rPr>
+              <a:t>Func</a:t>
+            </a:r>
+            <a:r>
+              <a:rPr lang="es-ES" sz="1500" dirty="0">
+                <a:solidFill>
+                  <a:srgbClr val="008000"/>
+                </a:solidFill>
+                <a:latin typeface="Consolas" panose="020B0609020204030204" pitchFamily="49" charset="0"/>
+              </a:rPr>
+              <a:t>&lt;</a:t>
+            </a:r>
+            <a:r>
+              <a:rPr lang="es-ES" sz="1500" dirty="0" err="1">
+                <a:solidFill>
+                  <a:srgbClr val="008000"/>
+                </a:solidFill>
+                <a:latin typeface="Consolas" panose="020B0609020204030204" pitchFamily="49" charset="0"/>
+              </a:rPr>
+              <a:t>ValueTask</a:t>
+            </a:r>
+            <a:r>
+              <a:rPr lang="es-ES" sz="1500" dirty="0">
+                <a:solidFill>
+                  <a:srgbClr val="008000"/>
+                </a:solidFill>
+                <a:latin typeface="Consolas" panose="020B0609020204030204" pitchFamily="49" charset="0"/>
+              </a:rPr>
+              <a:t>&lt;</a:t>
+            </a:r>
+            <a:r>
+              <a:rPr lang="es-ES" sz="1500" dirty="0" err="1">
+                <a:solidFill>
+                  <a:srgbClr val="008000"/>
+                </a:solidFill>
+                <a:latin typeface="Consolas" panose="020B0609020204030204" pitchFamily="49" charset="0"/>
+              </a:rPr>
+              <a:t>IHealthCheckResult</a:t>
+            </a:r>
+            <a:r>
+              <a:rPr lang="es-ES" sz="1500" dirty="0">
+                <a:solidFill>
+                  <a:srgbClr val="008000"/>
+                </a:solidFill>
+                <a:latin typeface="Consolas" panose="020B0609020204030204" pitchFamily="49" charset="0"/>
+              </a:rPr>
+              <a:t>&gt;&gt; </a:t>
+            </a:r>
+            <a:r>
+              <a:rPr lang="es-ES" sz="1500" dirty="0" err="1">
+                <a:solidFill>
+                  <a:srgbClr val="008000"/>
+                </a:solidFill>
+                <a:latin typeface="Consolas" panose="020B0609020204030204" pitchFamily="49" charset="0"/>
+              </a:rPr>
+              <a:t>check</a:t>
+            </a:r>
+            <a:endParaRPr lang="es-ES" sz="1500" dirty="0">
+              <a:solidFill>
+                <a:srgbClr val="008000"/>
+              </a:solidFill>
+              <a:latin typeface="Consolas" panose="020B0609020204030204" pitchFamily="49" charset="0"/>
+            </a:endParaRPr>
+          </a:p>
+          <a:p>
+            <a:r>
+              <a:rPr lang="es-ES" sz="1500" dirty="0" err="1">
+                <a:latin typeface="Consolas" panose="020B0609020204030204" pitchFamily="49" charset="0"/>
+              </a:rPr>
+              <a:t>services.AddHealthChecks</a:t>
+            </a:r>
+            <a:r>
+              <a:rPr lang="es-ES" sz="1500" dirty="0">
+                <a:latin typeface="Consolas" panose="020B0609020204030204" pitchFamily="49" charset="0"/>
+              </a:rPr>
+              <a:t>(</a:t>
+            </a:r>
+            <a:r>
+              <a:rPr lang="es-ES" sz="1500" dirty="0" err="1">
+                <a:latin typeface="Consolas" panose="020B0609020204030204" pitchFamily="49" charset="0"/>
+              </a:rPr>
+              <a:t>checks</a:t>
+            </a:r>
+            <a:r>
+              <a:rPr lang="es-ES" sz="1500" dirty="0">
+                <a:latin typeface="Consolas" panose="020B0609020204030204" pitchFamily="49" charset="0"/>
+              </a:rPr>
+              <a:t> =&gt;</a:t>
+            </a:r>
+          </a:p>
+          <a:p>
+            <a:r>
+              <a:rPr lang="es-ES" sz="1500" dirty="0">
+                <a:latin typeface="Consolas" panose="020B0609020204030204" pitchFamily="49" charset="0"/>
+              </a:rPr>
+              <a:t>{</a:t>
+            </a:r>
+          </a:p>
+          <a:p>
+            <a:r>
+              <a:rPr lang="es-ES" sz="1500" dirty="0">
+                <a:latin typeface="Consolas" panose="020B0609020204030204" pitchFamily="49" charset="0"/>
+              </a:rPr>
+              <a:t>    </a:t>
+            </a:r>
+            <a:r>
+              <a:rPr lang="es-ES" sz="1600" dirty="0" err="1">
+                <a:latin typeface="Consolas" panose="020B0609020204030204" pitchFamily="49" charset="0"/>
+              </a:rPr>
+              <a:t>checks.AddValueTaskCheck</a:t>
+            </a:r>
+            <a:r>
+              <a:rPr lang="es-ES" sz="1600" dirty="0">
+                <a:latin typeface="Consolas" panose="020B0609020204030204" pitchFamily="49" charset="0"/>
+              </a:rPr>
+              <a:t>(</a:t>
+            </a:r>
+            <a:r>
+              <a:rPr lang="es-ES" sz="1600" dirty="0">
+                <a:solidFill>
+                  <a:srgbClr val="F19393"/>
+                </a:solidFill>
+                <a:latin typeface="Consolas" panose="020B0609020204030204" pitchFamily="49" charset="0"/>
+              </a:rPr>
+              <a:t>"HTTP </a:t>
+            </a:r>
+            <a:r>
+              <a:rPr lang="es-ES" sz="1600" dirty="0" err="1">
+                <a:solidFill>
+                  <a:srgbClr val="F19393"/>
+                </a:solidFill>
+                <a:latin typeface="Consolas" panose="020B0609020204030204" pitchFamily="49" charset="0"/>
+              </a:rPr>
+              <a:t>Endpoint</a:t>
+            </a:r>
+            <a:r>
+              <a:rPr lang="es-ES" sz="1600" dirty="0">
+                <a:solidFill>
+                  <a:srgbClr val="F19393"/>
+                </a:solidFill>
+                <a:latin typeface="Consolas" panose="020B0609020204030204" pitchFamily="49" charset="0"/>
+              </a:rPr>
+              <a:t>"</a:t>
+            </a:r>
+            <a:r>
+              <a:rPr lang="es-ES" sz="1600" dirty="0">
+                <a:latin typeface="Consolas" panose="020B0609020204030204" pitchFamily="49" charset="0"/>
+              </a:rPr>
+              <a:t>, </a:t>
+            </a:r>
+          </a:p>
+          <a:p>
+            <a:r>
+              <a:rPr lang="es-ES" sz="1600" dirty="0">
+                <a:latin typeface="Consolas" panose="020B0609020204030204" pitchFamily="49" charset="0"/>
+              </a:rPr>
+              <a:t>        () =&gt;</a:t>
+            </a:r>
+            <a:r>
+              <a:rPr lang="es-ES" sz="1600" dirty="0">
+                <a:solidFill>
+                  <a:srgbClr val="000000"/>
+                </a:solidFill>
+                <a:latin typeface="Consolas" panose="020B0609020204030204" pitchFamily="49" charset="0"/>
+              </a:rPr>
+              <a:t> </a:t>
+            </a:r>
+            <a:r>
+              <a:rPr lang="es-ES" sz="1600" dirty="0">
+                <a:solidFill>
+                  <a:srgbClr val="0000FF"/>
+                </a:solidFill>
+                <a:latin typeface="Consolas" panose="020B0609020204030204" pitchFamily="49" charset="0"/>
+              </a:rPr>
+              <a:t>new </a:t>
+            </a:r>
+            <a:r>
+              <a:rPr lang="es-ES" sz="1600" dirty="0" err="1">
+                <a:latin typeface="Consolas" panose="020B0609020204030204" pitchFamily="49" charset="0"/>
+              </a:rPr>
+              <a:t>ValueTask</a:t>
+            </a:r>
+            <a:r>
+              <a:rPr lang="es-ES" sz="1600" dirty="0">
+                <a:latin typeface="Consolas" panose="020B0609020204030204" pitchFamily="49" charset="0"/>
+              </a:rPr>
+              <a:t>&lt;</a:t>
+            </a:r>
+            <a:r>
+              <a:rPr lang="es-ES" sz="1600" dirty="0" err="1">
+                <a:latin typeface="Consolas" panose="020B0609020204030204" pitchFamily="49" charset="0"/>
+              </a:rPr>
+              <a:t>IHealthCheckResult</a:t>
+            </a:r>
+            <a:r>
+              <a:rPr lang="es-ES" sz="1600" dirty="0">
+                <a:latin typeface="Consolas" panose="020B0609020204030204" pitchFamily="49" charset="0"/>
+              </a:rPr>
+              <a:t>&gt;(</a:t>
+            </a:r>
+            <a:r>
+              <a:rPr lang="es-ES" sz="1600" dirty="0" err="1">
+                <a:latin typeface="Consolas" panose="020B0609020204030204" pitchFamily="49" charset="0"/>
+              </a:rPr>
+              <a:t>HealthCheckResult.Healthy</a:t>
+            </a:r>
+            <a:r>
+              <a:rPr lang="es-ES" sz="1600" dirty="0">
+                <a:latin typeface="Consolas" panose="020B0609020204030204" pitchFamily="49" charset="0"/>
+              </a:rPr>
+              <a:t>(</a:t>
+            </a:r>
+            <a:r>
+              <a:rPr lang="es-ES" sz="1600" dirty="0">
+                <a:solidFill>
+                  <a:srgbClr val="F19393"/>
+                </a:solidFill>
+                <a:latin typeface="Consolas" panose="020B0609020204030204" pitchFamily="49" charset="0"/>
+              </a:rPr>
+              <a:t>"Ok"</a:t>
+            </a:r>
+            <a:r>
+              <a:rPr lang="es-ES" sz="1600" dirty="0">
+                <a:latin typeface="Consolas" panose="020B0609020204030204" pitchFamily="49" charset="0"/>
+              </a:rPr>
+              <a:t>)),</a:t>
+            </a:r>
+          </a:p>
+          <a:p>
+            <a:r>
+              <a:rPr lang="en-US" sz="1600" dirty="0">
+                <a:latin typeface="Consolas" panose="020B0609020204030204" pitchFamily="49" charset="0"/>
+              </a:rPr>
+              <a:t>        </a:t>
+            </a:r>
+            <a:r>
+              <a:rPr lang="en-US" sz="1600" dirty="0" err="1">
+                <a:latin typeface="Consolas" panose="020B0609020204030204" pitchFamily="49" charset="0"/>
+              </a:rPr>
+              <a:t>TimeSpan.Zero</a:t>
+            </a:r>
+            <a:r>
+              <a:rPr lang="en-US" sz="1600" dirty="0">
+                <a:latin typeface="Consolas" panose="020B0609020204030204" pitchFamily="49" charset="0"/>
+              </a:rPr>
+              <a:t> </a:t>
+            </a:r>
+            <a:r>
+              <a:rPr lang="es-ES" sz="1600" dirty="0">
+                <a:latin typeface="Consolas" panose="020B0609020204030204" pitchFamily="49" charset="0"/>
+              </a:rPr>
+              <a:t>); </a:t>
+            </a:r>
+            <a:r>
+              <a:rPr lang="es-ES" sz="1500" dirty="0">
+                <a:solidFill>
+                  <a:srgbClr val="008000"/>
+                </a:solidFill>
+                <a:latin typeface="Consolas" panose="020B0609020204030204" pitchFamily="49" charset="0"/>
+              </a:rPr>
+              <a:t>//</a:t>
+            </a:r>
+            <a:r>
+              <a:rPr lang="es-ES" sz="1600" dirty="0">
+                <a:latin typeface="Consolas" panose="020B0609020204030204" pitchFamily="49" charset="0"/>
+              </a:rPr>
+              <a:t> </a:t>
+            </a:r>
+            <a:r>
+              <a:rPr lang="es-ES" sz="1500" dirty="0">
+                <a:solidFill>
+                  <a:srgbClr val="008000"/>
+                </a:solidFill>
+                <a:latin typeface="Consolas" panose="020B0609020204030204" pitchFamily="49" charset="0"/>
+              </a:rPr>
+              <a:t>no cache </a:t>
+            </a:r>
+            <a:r>
+              <a:rPr lang="es-ES" sz="1500" dirty="0" err="1">
+                <a:solidFill>
+                  <a:srgbClr val="008000"/>
+                </a:solidFill>
+                <a:latin typeface="Consolas" panose="020B0609020204030204" pitchFamily="49" charset="0"/>
+              </a:rPr>
+              <a:t>here</a:t>
+            </a:r>
+            <a:r>
+              <a:rPr lang="es-ES" sz="1500" dirty="0">
+                <a:solidFill>
+                  <a:srgbClr val="008000"/>
+                </a:solidFill>
+                <a:latin typeface="Consolas" panose="020B0609020204030204" pitchFamily="49" charset="0"/>
+              </a:rPr>
+              <a:t>, </a:t>
+            </a:r>
+            <a:r>
+              <a:rPr lang="es-ES" sz="1500" dirty="0" err="1">
+                <a:solidFill>
+                  <a:srgbClr val="008000"/>
+                </a:solidFill>
+                <a:latin typeface="Consolas" panose="020B0609020204030204" pitchFamily="49" charset="0"/>
+              </a:rPr>
+              <a:t>for</a:t>
+            </a:r>
+            <a:r>
+              <a:rPr lang="es-ES" sz="1500" dirty="0">
+                <a:solidFill>
+                  <a:srgbClr val="008000"/>
+                </a:solidFill>
+                <a:latin typeface="Consolas" panose="020B0609020204030204" pitchFamily="49" charset="0"/>
+              </a:rPr>
+              <a:t> </a:t>
+            </a:r>
+            <a:r>
+              <a:rPr lang="es-ES" sz="1500" dirty="0" err="1">
+                <a:solidFill>
+                  <a:srgbClr val="008000"/>
+                </a:solidFill>
+                <a:latin typeface="Consolas" panose="020B0609020204030204" pitchFamily="49" charset="0"/>
+              </a:rPr>
+              <a:t>testing</a:t>
+            </a:r>
+            <a:r>
+              <a:rPr lang="es-ES" sz="1500" dirty="0">
+                <a:solidFill>
+                  <a:srgbClr val="008000"/>
+                </a:solidFill>
+                <a:latin typeface="Consolas" panose="020B0609020204030204" pitchFamily="49" charset="0"/>
+              </a:rPr>
+              <a:t> </a:t>
+            </a:r>
+            <a:r>
+              <a:rPr lang="es-ES" sz="1500" dirty="0" err="1">
+                <a:solidFill>
+                  <a:srgbClr val="008000"/>
+                </a:solidFill>
+                <a:latin typeface="Consolas" panose="020B0609020204030204" pitchFamily="49" charset="0"/>
+              </a:rPr>
+              <a:t>or</a:t>
+            </a:r>
+            <a:r>
+              <a:rPr lang="es-ES" sz="1500" dirty="0">
+                <a:solidFill>
+                  <a:srgbClr val="008000"/>
+                </a:solidFill>
+                <a:latin typeface="Consolas" panose="020B0609020204030204" pitchFamily="49" charset="0"/>
+              </a:rPr>
+              <a:t> demo </a:t>
+            </a:r>
+            <a:r>
+              <a:rPr lang="es-ES" sz="1500" dirty="0" err="1">
+                <a:solidFill>
+                  <a:srgbClr val="008000"/>
+                </a:solidFill>
+                <a:latin typeface="Consolas" panose="020B0609020204030204" pitchFamily="49" charset="0"/>
+              </a:rPr>
+              <a:t>only</a:t>
+            </a:r>
+            <a:endParaRPr lang="es-ES" sz="1500" dirty="0">
+              <a:latin typeface="Consolas" panose="020B0609020204030204" pitchFamily="49" charset="0"/>
+            </a:endParaRPr>
+          </a:p>
+          <a:p>
+            <a:r>
+              <a:rPr lang="es-ES" sz="1500" dirty="0">
+                <a:latin typeface="Consolas" panose="020B0609020204030204" pitchFamily="49" charset="0"/>
+              </a:rPr>
+              <a:t>});</a:t>
+            </a:r>
+            <a:endParaRPr lang="es-ES" sz="1500" dirty="0"/>
+          </a:p>
+        </p:txBody>
+      </p:sp>
+      <p:sp>
+        <p:nvSpPr>
+          <p:cNvPr id="5" name="Marcador de pie de página 4">
+            <a:extLst>
+              <a:ext uri="{FF2B5EF4-FFF2-40B4-BE49-F238E27FC236}">
+                <a16:creationId xmlns:a16="http://schemas.microsoft.com/office/drawing/2014/main" id="{206EFE79-2780-42D9-BA69-E552741FDABE}"/>
+              </a:ext>
+            </a:extLst>
+          </p:cNvPr>
+          <p:cNvSpPr>
+            <a:spLocks noGrp="1"/>
+          </p:cNvSpPr>
+          <p:nvPr>
+            <p:ph type="ftr" sz="quarter" idx="10"/>
+          </p:nvPr>
+        </p:nvSpPr>
+        <p:spPr/>
+        <p:txBody>
+          <a:bodyPr/>
+          <a:lstStyle/>
+          <a:p>
+            <a:pPr lvl="0">
+              <a:defRPr/>
+            </a:pPr>
+            <a:r>
+              <a:rPr lang="es-ES" dirty="0"/>
+              <a:t>@</a:t>
+            </a:r>
+            <a:r>
+              <a:rPr lang="es-ES" dirty="0" err="1"/>
+              <a:t>plainconcepts</a:t>
+            </a:r>
+            <a:endParaRPr kumimoji="0" lang="es-ES" sz="1200" b="0" i="0" u="none" strike="noStrike" kern="1200" cap="none" spc="0" normalizeH="0" baseline="0" noProof="0" dirty="0">
+              <a:ln>
+                <a:noFill/>
+              </a:ln>
+              <a:solidFill>
+                <a:srgbClr val="00D0FF"/>
+              </a:solidFill>
+              <a:effectLst/>
+              <a:uLnTx/>
+              <a:uFillTx/>
+              <a:latin typeface="Tw Cen MT" panose="020B0602020104020603"/>
+              <a:ea typeface="+mn-ea"/>
+              <a:cs typeface="+mn-cs"/>
+            </a:endParaRPr>
+          </a:p>
+        </p:txBody>
+      </p:sp>
+      <p:sp>
+        <p:nvSpPr>
+          <p:cNvPr id="6" name="Título 5">
+            <a:extLst>
+              <a:ext uri="{FF2B5EF4-FFF2-40B4-BE49-F238E27FC236}">
+                <a16:creationId xmlns:a16="http://schemas.microsoft.com/office/drawing/2014/main" id="{57812181-CA83-45C6-9DFF-89E2A5F4431B}"/>
+              </a:ext>
+            </a:extLst>
+          </p:cNvPr>
+          <p:cNvSpPr>
+            <a:spLocks noGrp="1"/>
+          </p:cNvSpPr>
+          <p:nvPr>
+            <p:ph type="title"/>
+          </p:nvPr>
+        </p:nvSpPr>
+        <p:spPr/>
+        <p:txBody>
+          <a:bodyPr/>
+          <a:lstStyle/>
+          <a:p>
+            <a:r>
+              <a:rPr lang="en-US" dirty="0"/>
+              <a:t>ASP.NET Core</a:t>
+            </a:r>
+            <a:endParaRPr lang="es-ES" dirty="0"/>
+          </a:p>
+        </p:txBody>
+      </p:sp>
+      <p:sp>
+        <p:nvSpPr>
+          <p:cNvPr id="7" name="Marcador de texto 6">
+            <a:extLst>
+              <a:ext uri="{FF2B5EF4-FFF2-40B4-BE49-F238E27FC236}">
+                <a16:creationId xmlns:a16="http://schemas.microsoft.com/office/drawing/2014/main" id="{DA9C74BB-EBB7-4393-9E58-080DEAD0F313}"/>
+              </a:ext>
+            </a:extLst>
+          </p:cNvPr>
+          <p:cNvSpPr>
+            <a:spLocks noGrp="1"/>
+          </p:cNvSpPr>
+          <p:nvPr>
+            <p:ph type="body" sz="quarter" idx="15"/>
+          </p:nvPr>
+        </p:nvSpPr>
+        <p:spPr/>
+        <p:txBody>
+          <a:bodyPr/>
+          <a:lstStyle/>
+          <a:p>
+            <a:r>
+              <a:rPr lang="es-ES" dirty="0" err="1"/>
+              <a:t>Setting</a:t>
+            </a:r>
+            <a:r>
+              <a:rPr lang="es-ES" dirty="0"/>
+              <a:t> </a:t>
+            </a:r>
+            <a:r>
+              <a:rPr lang="es-ES" dirty="0" err="1"/>
+              <a:t>the</a:t>
+            </a:r>
+            <a:r>
+              <a:rPr lang="es-ES" dirty="0"/>
+              <a:t> </a:t>
+            </a:r>
+            <a:r>
+              <a:rPr lang="es-ES" dirty="0" err="1"/>
+              <a:t>check</a:t>
+            </a:r>
+            <a:r>
+              <a:rPr lang="es-ES" dirty="0"/>
+              <a:t> </a:t>
+            </a:r>
+            <a:r>
+              <a:rPr lang="es-ES" dirty="0" err="1"/>
+              <a:t>for</a:t>
+            </a:r>
+            <a:r>
+              <a:rPr lang="es-ES" dirty="0"/>
+              <a:t> </a:t>
+            </a:r>
+            <a:r>
+              <a:rPr lang="es-ES" dirty="0" err="1"/>
+              <a:t>the</a:t>
+            </a:r>
+            <a:r>
+              <a:rPr lang="es-ES" dirty="0"/>
+              <a:t> </a:t>
+            </a:r>
+            <a:r>
+              <a:rPr lang="es-ES" dirty="0" err="1"/>
+              <a:t>own</a:t>
+            </a:r>
+            <a:r>
+              <a:rPr lang="es-ES" dirty="0"/>
+              <a:t> </a:t>
+            </a:r>
+            <a:r>
+              <a:rPr lang="es-ES" dirty="0" err="1"/>
+              <a:t>service</a:t>
+            </a:r>
+            <a:endParaRPr lang="es-ES" dirty="0"/>
+          </a:p>
+        </p:txBody>
+      </p:sp>
+      <p:sp>
+        <p:nvSpPr>
+          <p:cNvPr id="8" name="CuadroTexto 7">
+            <a:extLst>
+              <a:ext uri="{FF2B5EF4-FFF2-40B4-BE49-F238E27FC236}">
+                <a16:creationId xmlns:a16="http://schemas.microsoft.com/office/drawing/2014/main" id="{EA3FAC5E-A699-4AB5-82F5-1A624EB26DC2}"/>
+              </a:ext>
+            </a:extLst>
+          </p:cNvPr>
+          <p:cNvSpPr txBox="1"/>
+          <p:nvPr/>
+        </p:nvSpPr>
+        <p:spPr>
+          <a:xfrm>
+            <a:off x="10357407" y="2318889"/>
+            <a:ext cx="1494282" cy="246221"/>
+          </a:xfrm>
+          <a:prstGeom prst="rect">
+            <a:avLst/>
+          </a:prstGeom>
+          <a:noFill/>
+        </p:spPr>
+        <p:txBody>
+          <a:bodyPr wrap="square" rtlCol="0">
+            <a:spAutoFit/>
+          </a:bodyPr>
+          <a:lstStyle/>
+          <a:p>
+            <a:r>
+              <a:rPr lang="es-ES" sz="1000" dirty="0">
+                <a:solidFill>
+                  <a:schemeClr val="bg1"/>
+                </a:solidFill>
+                <a:hlinkClick r:id="rId2"/>
+              </a:rPr>
+              <a:t>MS </a:t>
+            </a:r>
+            <a:r>
+              <a:rPr lang="es-ES" sz="1000" dirty="0" err="1">
+                <a:solidFill>
+                  <a:schemeClr val="bg1"/>
+                </a:solidFill>
+                <a:hlinkClick r:id="rId2"/>
+              </a:rPr>
+              <a:t>eShopOnContainers</a:t>
+            </a:r>
+            <a:endParaRPr lang="es-ES" sz="1000" dirty="0">
+              <a:solidFill>
+                <a:schemeClr val="bg1"/>
+              </a:solidFill>
+            </a:endParaRPr>
+          </a:p>
+        </p:txBody>
+      </p:sp>
+    </p:spTree>
+    <p:extLst>
+      <p:ext uri="{BB962C8B-B14F-4D97-AF65-F5344CB8AC3E}">
+        <p14:creationId xmlns:p14="http://schemas.microsoft.com/office/powerpoint/2010/main" val="807839396"/>
+      </p:ext>
+    </p:extLst>
+  </p:cSld>
+  <p:clrMapOvr>
+    <a:masterClrMapping/>
+  </p:clrMapOvr>
+</p:sld>
+</file>
+
+<file path=ppt/slides/slide22.xml><?xml version="1.0" encoding="utf-8"?>
+<p:sld xmlns:a="http://schemas.openxmlformats.org/drawingml/2006/main" xmlns:r="http://schemas.openxmlformats.org/officeDocument/2006/relationships" xmlns:p="http://schemas.openxmlformats.org/presentationml/2006/main">
+  <p:cSld>
+    <p:spTree>
+      <p:nvGrpSpPr>
+        <p:cNvPr id="1" name=""/>
+        <p:cNvGrpSpPr/>
+        <p:nvPr/>
+      </p:nvGrpSpPr>
+      <p:grpSpPr>
+        <a:xfrm>
+          <a:off x="0" y="0"/>
+          <a:ext cx="0" cy="0"/>
+          <a:chOff x="0" y="0"/>
+          <a:chExt cx="0" cy="0"/>
+        </a:xfrm>
+      </p:grpSpPr>
+      <p:sp>
+        <p:nvSpPr>
+          <p:cNvPr id="2" name="Marcador de contenido 1">
+            <a:extLst>
+              <a:ext uri="{FF2B5EF4-FFF2-40B4-BE49-F238E27FC236}">
+                <a16:creationId xmlns:a16="http://schemas.microsoft.com/office/drawing/2014/main" id="{DC21440B-7100-4D13-9AC8-A5EAA8DEFA55}"/>
+              </a:ext>
+            </a:extLst>
+          </p:cNvPr>
+          <p:cNvSpPr>
+            <a:spLocks noGrp="1"/>
+          </p:cNvSpPr>
+          <p:nvPr>
+            <p:ph idx="1"/>
+          </p:nvPr>
+        </p:nvSpPr>
+        <p:spPr/>
+        <p:txBody>
+          <a:bodyPr/>
+          <a:lstStyle/>
+          <a:p>
+            <a:r>
+              <a:rPr lang="es-ES" dirty="0"/>
+              <a:t>At </a:t>
+            </a:r>
+            <a:r>
+              <a:rPr lang="es-ES" dirty="0" err="1"/>
+              <a:t>Program</a:t>
+            </a:r>
+            <a:r>
+              <a:rPr lang="es-ES" dirty="0"/>
+              <a:t> </a:t>
+            </a:r>
+            <a:r>
+              <a:rPr lang="es-ES" dirty="0" err="1"/>
+              <a:t>class</a:t>
+            </a:r>
+            <a:r>
+              <a:rPr lang="es-ES" dirty="0"/>
+              <a:t>, </a:t>
+            </a:r>
+            <a:r>
+              <a:rPr lang="es-ES" dirty="0" err="1"/>
+              <a:t>BuildWebHost</a:t>
+            </a:r>
+            <a:r>
+              <a:rPr lang="es-ES" dirty="0"/>
+              <a:t> </a:t>
+            </a:r>
+            <a:r>
+              <a:rPr lang="es-ES" dirty="0" err="1"/>
+              <a:t>method</a:t>
+            </a:r>
+            <a:endParaRPr lang="es-ES" dirty="0"/>
+          </a:p>
+        </p:txBody>
+      </p:sp>
+      <p:sp>
+        <p:nvSpPr>
+          <p:cNvPr id="3" name="Marcador de número de diapositiva 2">
+            <a:extLst>
+              <a:ext uri="{FF2B5EF4-FFF2-40B4-BE49-F238E27FC236}">
+                <a16:creationId xmlns:a16="http://schemas.microsoft.com/office/drawing/2014/main" id="{366B15AF-E401-4629-86DD-A62C6C9CD263}"/>
+              </a:ext>
+            </a:extLst>
+          </p:cNvPr>
+          <p:cNvSpPr>
+            <a:spLocks noGrp="1"/>
+          </p:cNvSpPr>
+          <p:nvPr>
+            <p:ph type="sldNum" sz="quarter" idx="11"/>
+          </p:nvPr>
+        </p:nvSpPr>
+        <p:spPr/>
+        <p:txBody>
+          <a:bodyPr/>
+          <a:lstStyle/>
+          <a:p>
+            <a:pPr marL="0" marR="0" lvl="0" indent="0" algn="r" defTabSz="914400" rtl="0" eaLnBrk="1" fontAlgn="auto" latinLnBrk="0" hangingPunct="1">
+              <a:lnSpc>
+                <a:spcPct val="100000"/>
+              </a:lnSpc>
+              <a:spcBef>
+                <a:spcPts val="0"/>
+              </a:spcBef>
+              <a:spcAft>
+                <a:spcPts val="0"/>
+              </a:spcAft>
+              <a:buClrTx/>
+              <a:buSzTx/>
+              <a:buFontTx/>
+              <a:buNone/>
+              <a:tabLst/>
+              <a:defRPr/>
+            </a:pPr>
+            <a:fld id="{88CB616A-2EDE-4F93-81C7-BE29C9C217CB}" type="slidenum">
+              <a:rPr kumimoji="0" lang="es-ES" sz="1200" b="0" i="0" u="none" strike="noStrike" kern="1200" cap="none" spc="0" normalizeH="0" baseline="0" noProof="0" smtClean="0">
+                <a:ln>
+                  <a:noFill/>
+                </a:ln>
+                <a:solidFill>
+                  <a:prstClr val="black"/>
+                </a:solidFill>
+                <a:effectLst/>
+                <a:uLnTx/>
+                <a:uFillTx/>
+                <a:latin typeface="Tw Cen MT" panose="020B0602020104020603"/>
+                <a:ea typeface="+mn-ea"/>
+                <a:cs typeface="+mn-cs"/>
+              </a:rPr>
+              <a:pPr marL="0" marR="0" lvl="0" indent="0" algn="r" defTabSz="914400" rtl="0" eaLnBrk="1" fontAlgn="auto" latinLnBrk="0" hangingPunct="1">
+                <a:lnSpc>
+                  <a:spcPct val="100000"/>
+                </a:lnSpc>
+                <a:spcBef>
+                  <a:spcPts val="0"/>
+                </a:spcBef>
+                <a:spcAft>
+                  <a:spcPts val="0"/>
+                </a:spcAft>
+                <a:buClrTx/>
+                <a:buSzTx/>
+                <a:buFontTx/>
+                <a:buNone/>
+                <a:tabLst/>
+                <a:defRPr/>
+              </a:pPr>
+              <a:t>22</a:t>
+            </a:fld>
+            <a:endParaRPr kumimoji="0" lang="es-ES" sz="1200" b="0" i="0" u="none" strike="noStrike" kern="1200" cap="none" spc="0" normalizeH="0" baseline="0" noProof="0" dirty="0">
+              <a:ln>
+                <a:noFill/>
+              </a:ln>
+              <a:solidFill>
+                <a:prstClr val="black"/>
+              </a:solidFill>
+              <a:effectLst/>
+              <a:uLnTx/>
+              <a:uFillTx/>
+              <a:latin typeface="Tw Cen MT" panose="020B0602020104020603"/>
+              <a:ea typeface="+mn-ea"/>
+              <a:cs typeface="+mn-cs"/>
+            </a:endParaRPr>
+          </a:p>
+        </p:txBody>
+      </p:sp>
+      <p:sp>
+        <p:nvSpPr>
+          <p:cNvPr id="4" name="Marcador de texto 3">
+            <a:extLst>
+              <a:ext uri="{FF2B5EF4-FFF2-40B4-BE49-F238E27FC236}">
+                <a16:creationId xmlns:a16="http://schemas.microsoft.com/office/drawing/2014/main" id="{85A4FDDC-5608-434B-B899-F0F11012F708}"/>
+              </a:ext>
+            </a:extLst>
+          </p:cNvPr>
+          <p:cNvSpPr>
+            <a:spLocks noGrp="1"/>
+          </p:cNvSpPr>
+          <p:nvPr>
+            <p:ph type="body" sz="quarter" idx="14"/>
+          </p:nvPr>
+        </p:nvSpPr>
+        <p:spPr/>
+        <p:txBody>
+          <a:bodyPr>
+            <a:noAutofit/>
+          </a:bodyPr>
+          <a:lstStyle/>
+          <a:p>
+            <a:r>
+              <a:rPr lang="en-US" sz="1600" dirty="0">
+                <a:solidFill>
+                  <a:schemeClr val="accent2">
+                    <a:lumMod val="60000"/>
+                    <a:lumOff val="40000"/>
+                  </a:schemeClr>
+                </a:solidFill>
+                <a:latin typeface="Consolas" panose="020B0609020204030204" pitchFamily="49" charset="0"/>
+              </a:rPr>
+              <a:t>public static </a:t>
+            </a:r>
+            <a:r>
+              <a:rPr lang="en-US" sz="1600" dirty="0" err="1">
+                <a:latin typeface="Consolas" panose="020B0609020204030204" pitchFamily="49" charset="0"/>
+              </a:rPr>
+              <a:t>IWebHost</a:t>
+            </a:r>
+            <a:r>
+              <a:rPr lang="en-US" sz="1600" dirty="0">
+                <a:latin typeface="Consolas" panose="020B0609020204030204" pitchFamily="49" charset="0"/>
+              </a:rPr>
+              <a:t> </a:t>
+            </a:r>
+            <a:r>
+              <a:rPr lang="en-US" sz="1600" dirty="0" err="1">
+                <a:latin typeface="Consolas" panose="020B0609020204030204" pitchFamily="49" charset="0"/>
+              </a:rPr>
+              <a:t>BuildWebHost</a:t>
+            </a:r>
+            <a:r>
+              <a:rPr lang="en-US" sz="1600" dirty="0">
+                <a:latin typeface="Consolas" panose="020B0609020204030204" pitchFamily="49" charset="0"/>
+              </a:rPr>
+              <a:t>(</a:t>
+            </a:r>
+            <a:r>
+              <a:rPr lang="en-US" sz="1600" dirty="0">
+                <a:solidFill>
+                  <a:schemeClr val="accent2">
+                    <a:lumMod val="60000"/>
+                    <a:lumOff val="40000"/>
+                  </a:schemeClr>
+                </a:solidFill>
+                <a:latin typeface="Consolas" panose="020B0609020204030204" pitchFamily="49" charset="0"/>
+              </a:rPr>
+              <a:t>string</a:t>
+            </a:r>
+            <a:r>
+              <a:rPr lang="en-US" sz="1600" dirty="0">
+                <a:latin typeface="Consolas" panose="020B0609020204030204" pitchFamily="49" charset="0"/>
+              </a:rPr>
+              <a:t>[] </a:t>
+            </a:r>
+            <a:r>
+              <a:rPr lang="en-US" sz="1600" dirty="0" err="1">
+                <a:latin typeface="Consolas" panose="020B0609020204030204" pitchFamily="49" charset="0"/>
+              </a:rPr>
+              <a:t>args</a:t>
+            </a:r>
+            <a:r>
+              <a:rPr lang="en-US" sz="1600" dirty="0">
+                <a:latin typeface="Consolas" panose="020B0609020204030204" pitchFamily="49" charset="0"/>
+              </a:rPr>
+              <a:t>) =&gt;</a:t>
+            </a:r>
+          </a:p>
+          <a:p>
+            <a:r>
+              <a:rPr lang="es-ES" sz="1600" dirty="0">
+                <a:solidFill>
+                  <a:srgbClr val="000000"/>
+                </a:solidFill>
+                <a:latin typeface="Consolas" panose="020B0609020204030204" pitchFamily="49" charset="0"/>
+              </a:rPr>
+              <a:t>            </a:t>
+            </a:r>
+            <a:r>
+              <a:rPr lang="es-ES" sz="1600" dirty="0" err="1">
+                <a:latin typeface="Consolas" panose="020B0609020204030204" pitchFamily="49" charset="0"/>
+              </a:rPr>
+              <a:t>WebHost.CreateDefaultBuilder</a:t>
+            </a:r>
+            <a:r>
+              <a:rPr lang="es-ES" sz="1600" dirty="0">
+                <a:latin typeface="Consolas" panose="020B0609020204030204" pitchFamily="49" charset="0"/>
+              </a:rPr>
+              <a:t>(</a:t>
+            </a:r>
+            <a:r>
+              <a:rPr lang="es-ES" sz="1600" dirty="0" err="1">
+                <a:latin typeface="Consolas" panose="020B0609020204030204" pitchFamily="49" charset="0"/>
+              </a:rPr>
+              <a:t>args</a:t>
+            </a:r>
+            <a:r>
+              <a:rPr lang="es-ES" sz="1600" dirty="0">
+                <a:latin typeface="Consolas" panose="020B0609020204030204" pitchFamily="49" charset="0"/>
+              </a:rPr>
+              <a:t>)</a:t>
+            </a:r>
+          </a:p>
+          <a:p>
+            <a:r>
+              <a:rPr lang="es-ES" sz="1600" dirty="0">
+                <a:latin typeface="Consolas" panose="020B0609020204030204" pitchFamily="49" charset="0"/>
+              </a:rPr>
+              <a:t>             .</a:t>
+            </a:r>
+            <a:r>
+              <a:rPr lang="es-ES" sz="1600" dirty="0" err="1">
+                <a:latin typeface="Consolas" panose="020B0609020204030204" pitchFamily="49" charset="0"/>
+              </a:rPr>
+              <a:t>UseStartup</a:t>
+            </a:r>
+            <a:r>
+              <a:rPr lang="es-ES" sz="1600" dirty="0">
+                <a:latin typeface="Consolas" panose="020B0609020204030204" pitchFamily="49" charset="0"/>
+              </a:rPr>
+              <a:t>&lt;Startup&gt;()</a:t>
+            </a:r>
+          </a:p>
+          <a:p>
+            <a:r>
+              <a:rPr lang="es-ES" sz="1600" dirty="0">
+                <a:latin typeface="Consolas" panose="020B0609020204030204" pitchFamily="49" charset="0"/>
+              </a:rPr>
+              <a:t>                .</a:t>
+            </a:r>
+            <a:r>
+              <a:rPr lang="es-ES" sz="1600" dirty="0" err="1">
+                <a:latin typeface="Consolas" panose="020B0609020204030204" pitchFamily="49" charset="0"/>
+              </a:rPr>
+              <a:t>UseApplicationInsights</a:t>
+            </a:r>
+            <a:r>
+              <a:rPr lang="es-ES" sz="1600" dirty="0">
+                <a:latin typeface="Consolas" panose="020B0609020204030204" pitchFamily="49" charset="0"/>
+              </a:rPr>
+              <a:t>()</a:t>
+            </a:r>
+          </a:p>
+          <a:p>
+            <a:r>
+              <a:rPr lang="es-ES" sz="1600" dirty="0">
+                <a:latin typeface="Consolas" panose="020B0609020204030204" pitchFamily="49" charset="0"/>
+              </a:rPr>
+              <a:t>                </a:t>
+            </a:r>
+            <a:r>
+              <a:rPr lang="es-ES" sz="1600" dirty="0">
+                <a:solidFill>
+                  <a:srgbClr val="008000"/>
+                </a:solidFill>
+                <a:latin typeface="Consolas" panose="020B0609020204030204" pitchFamily="49" charset="0"/>
+              </a:rPr>
+              <a:t>// </a:t>
+            </a:r>
+            <a:r>
+              <a:rPr lang="es-ES" sz="1600" dirty="0" err="1">
+                <a:solidFill>
+                  <a:srgbClr val="008000"/>
+                </a:solidFill>
+                <a:latin typeface="Consolas" panose="020B0609020204030204" pitchFamily="49" charset="0"/>
+              </a:rPr>
+              <a:t>Reporting</a:t>
+            </a:r>
+            <a:r>
+              <a:rPr lang="es-ES" sz="1600" dirty="0">
+                <a:solidFill>
+                  <a:srgbClr val="008000"/>
+                </a:solidFill>
+                <a:latin typeface="Consolas" panose="020B0609020204030204" pitchFamily="49" charset="0"/>
+              </a:rPr>
+              <a:t> </a:t>
+            </a:r>
+            <a:r>
+              <a:rPr lang="es-ES" sz="1600" dirty="0" err="1">
+                <a:solidFill>
+                  <a:srgbClr val="008000"/>
+                </a:solidFill>
+                <a:latin typeface="Consolas" panose="020B0609020204030204" pitchFamily="49" charset="0"/>
+              </a:rPr>
+              <a:t>health</a:t>
+            </a:r>
+            <a:r>
+              <a:rPr lang="es-ES" sz="1600" dirty="0">
+                <a:solidFill>
+                  <a:srgbClr val="008000"/>
+                </a:solidFill>
+                <a:latin typeface="Consolas" panose="020B0609020204030204" pitchFamily="49" charset="0"/>
+              </a:rPr>
+              <a:t> status at </a:t>
+            </a:r>
+            <a:r>
+              <a:rPr lang="es-ES" sz="1600" dirty="0" err="1">
+                <a:solidFill>
+                  <a:srgbClr val="008000"/>
+                </a:solidFill>
+                <a:latin typeface="Consolas" panose="020B0609020204030204" pitchFamily="49" charset="0"/>
+              </a:rPr>
+              <a:t>service</a:t>
+            </a:r>
+            <a:r>
+              <a:rPr lang="es-ES" sz="1600" dirty="0">
+                <a:solidFill>
+                  <a:srgbClr val="008000"/>
+                </a:solidFill>
+                <a:latin typeface="Consolas" panose="020B0609020204030204" pitchFamily="49" charset="0"/>
+              </a:rPr>
+              <a:t> </a:t>
+            </a:r>
+            <a:r>
+              <a:rPr lang="es-ES" sz="1600" dirty="0" err="1">
+                <a:solidFill>
+                  <a:srgbClr val="008000"/>
+                </a:solidFill>
+                <a:latin typeface="Consolas" panose="020B0609020204030204" pitchFamily="49" charset="0"/>
+              </a:rPr>
+              <a:t>address</a:t>
+            </a:r>
+            <a:r>
+              <a:rPr lang="es-ES" sz="1600" dirty="0">
+                <a:solidFill>
+                  <a:srgbClr val="008000"/>
+                </a:solidFill>
+                <a:latin typeface="Consolas" panose="020B0609020204030204" pitchFamily="49" charset="0"/>
+              </a:rPr>
+              <a:t>/</a:t>
+            </a:r>
+            <a:r>
+              <a:rPr lang="es-ES" sz="1600" dirty="0" err="1">
+                <a:solidFill>
+                  <a:srgbClr val="008000"/>
+                </a:solidFill>
+                <a:latin typeface="Consolas" panose="020B0609020204030204" pitchFamily="49" charset="0"/>
+              </a:rPr>
+              <a:t>hc</a:t>
+            </a:r>
+            <a:endParaRPr lang="es-ES" sz="1600" dirty="0">
+              <a:latin typeface="Consolas" panose="020B0609020204030204" pitchFamily="49" charset="0"/>
+            </a:endParaRPr>
+          </a:p>
+          <a:p>
+            <a:r>
+              <a:rPr lang="es-ES" sz="1600" dirty="0">
+                <a:solidFill>
+                  <a:srgbClr val="000000"/>
+                </a:solidFill>
+                <a:latin typeface="Consolas" panose="020B0609020204030204" pitchFamily="49" charset="0"/>
+              </a:rPr>
+              <a:t>                </a:t>
+            </a:r>
+            <a:r>
+              <a:rPr lang="es-ES" sz="1600" b="1" dirty="0">
+                <a:latin typeface="Consolas" panose="020B0609020204030204" pitchFamily="49" charset="0"/>
+              </a:rPr>
+              <a:t>.</a:t>
+            </a:r>
+            <a:r>
+              <a:rPr lang="es-ES" sz="1600" dirty="0" err="1">
+                <a:latin typeface="Consolas" panose="020B0609020204030204" pitchFamily="49" charset="0"/>
+              </a:rPr>
+              <a:t>UseHealthChecks</a:t>
+            </a:r>
+            <a:r>
+              <a:rPr lang="es-ES" sz="1600" dirty="0">
+                <a:latin typeface="Consolas" panose="020B0609020204030204" pitchFamily="49" charset="0"/>
+              </a:rPr>
+              <a:t>(</a:t>
+            </a:r>
+            <a:r>
+              <a:rPr lang="es-ES" sz="1600" dirty="0">
+                <a:solidFill>
+                  <a:srgbClr val="F19393"/>
+                </a:solidFill>
+                <a:latin typeface="Consolas" panose="020B0609020204030204" pitchFamily="49" charset="0"/>
+              </a:rPr>
+              <a:t>"/</a:t>
+            </a:r>
+            <a:r>
+              <a:rPr lang="es-ES" sz="1600" dirty="0" err="1">
+                <a:solidFill>
+                  <a:srgbClr val="F19393"/>
+                </a:solidFill>
+                <a:latin typeface="Consolas" panose="020B0609020204030204" pitchFamily="49" charset="0"/>
+              </a:rPr>
+              <a:t>hc</a:t>
+            </a:r>
+            <a:r>
+              <a:rPr lang="es-ES" sz="1600" dirty="0">
+                <a:solidFill>
+                  <a:srgbClr val="F19393"/>
+                </a:solidFill>
+                <a:latin typeface="Consolas" panose="020B0609020204030204" pitchFamily="49" charset="0"/>
+              </a:rPr>
+              <a:t>"</a:t>
+            </a:r>
+            <a:r>
+              <a:rPr lang="es-ES" sz="1600" dirty="0">
+                <a:latin typeface="Consolas" panose="020B0609020204030204" pitchFamily="49" charset="0"/>
+              </a:rPr>
+              <a:t>)</a:t>
+            </a:r>
+          </a:p>
+          <a:p>
+            <a:r>
+              <a:rPr lang="es-ES" sz="1600" dirty="0">
+                <a:solidFill>
+                  <a:srgbClr val="000000"/>
+                </a:solidFill>
+                <a:latin typeface="Consolas" panose="020B0609020204030204" pitchFamily="49" charset="0"/>
+              </a:rPr>
+              <a:t>                </a:t>
+            </a:r>
+            <a:r>
+              <a:rPr lang="es-ES" sz="1600" dirty="0">
+                <a:latin typeface="Consolas" panose="020B0609020204030204" pitchFamily="49" charset="0"/>
+              </a:rPr>
+              <a:t>.</a:t>
+            </a:r>
+            <a:r>
+              <a:rPr lang="es-ES" sz="1600" dirty="0" err="1">
+                <a:latin typeface="Consolas" panose="020B0609020204030204" pitchFamily="49" charset="0"/>
+              </a:rPr>
+              <a:t>UseContentRoot</a:t>
+            </a:r>
+            <a:r>
+              <a:rPr lang="es-ES" sz="1600" dirty="0">
+                <a:latin typeface="Consolas" panose="020B0609020204030204" pitchFamily="49" charset="0"/>
+              </a:rPr>
+              <a:t>(</a:t>
+            </a:r>
+            <a:r>
+              <a:rPr lang="es-ES" sz="1600" dirty="0" err="1">
+                <a:latin typeface="Consolas" panose="020B0609020204030204" pitchFamily="49" charset="0"/>
+              </a:rPr>
+              <a:t>Directory.GetCurrentDirectory</a:t>
+            </a:r>
+            <a:r>
+              <a:rPr lang="es-ES" sz="1600" dirty="0">
+                <a:latin typeface="Consolas" panose="020B0609020204030204" pitchFamily="49" charset="0"/>
+              </a:rPr>
+              <a:t>())</a:t>
+            </a:r>
+          </a:p>
+          <a:p>
+            <a:r>
+              <a:rPr lang="es-ES" sz="1600" dirty="0">
+                <a:solidFill>
+                  <a:srgbClr val="000000"/>
+                </a:solidFill>
+                <a:latin typeface="Consolas" panose="020B0609020204030204" pitchFamily="49" charset="0"/>
+              </a:rPr>
+              <a:t>                </a:t>
+            </a:r>
+            <a:r>
+              <a:rPr lang="es-ES" sz="1600" dirty="0">
+                <a:latin typeface="Consolas" panose="020B0609020204030204" pitchFamily="49" charset="0"/>
+              </a:rPr>
+              <a:t>.</a:t>
+            </a:r>
+            <a:r>
+              <a:rPr lang="es-ES" sz="1600" dirty="0" err="1">
+                <a:latin typeface="Consolas" panose="020B0609020204030204" pitchFamily="49" charset="0"/>
+              </a:rPr>
+              <a:t>UseWebRoot</a:t>
+            </a:r>
+            <a:r>
+              <a:rPr lang="es-ES" sz="1600" dirty="0">
+                <a:latin typeface="Consolas" panose="020B0609020204030204" pitchFamily="49" charset="0"/>
+              </a:rPr>
+              <a:t>(</a:t>
+            </a:r>
+            <a:r>
+              <a:rPr lang="es-ES" sz="1600" dirty="0">
+                <a:solidFill>
+                  <a:srgbClr val="F19393"/>
+                </a:solidFill>
+                <a:latin typeface="Consolas" panose="020B0609020204030204" pitchFamily="49" charset="0"/>
+              </a:rPr>
+              <a:t>"</a:t>
+            </a:r>
+            <a:r>
+              <a:rPr lang="es-ES" sz="1600" dirty="0" err="1">
+                <a:solidFill>
+                  <a:srgbClr val="F19393"/>
+                </a:solidFill>
+                <a:latin typeface="Consolas" panose="020B0609020204030204" pitchFamily="49" charset="0"/>
+              </a:rPr>
+              <a:t>Pics</a:t>
+            </a:r>
+            <a:r>
+              <a:rPr lang="es-ES" sz="1600" dirty="0">
+                <a:solidFill>
+                  <a:srgbClr val="F19393"/>
+                </a:solidFill>
+                <a:latin typeface="Consolas" panose="020B0609020204030204" pitchFamily="49" charset="0"/>
+              </a:rPr>
+              <a:t>"</a:t>
+            </a:r>
+            <a:r>
+              <a:rPr lang="es-ES" sz="1600" dirty="0">
+                <a:latin typeface="Consolas" panose="020B0609020204030204" pitchFamily="49" charset="0"/>
+              </a:rPr>
+              <a:t>)</a:t>
+            </a:r>
+          </a:p>
+          <a:p>
+            <a:r>
+              <a:rPr lang="es-ES" sz="1600" dirty="0">
+                <a:latin typeface="Consolas" panose="020B0609020204030204" pitchFamily="49" charset="0"/>
+              </a:rPr>
+              <a:t>                 (...)</a:t>
+            </a:r>
+            <a:endParaRPr lang="es-ES" sz="1500" dirty="0">
+              <a:latin typeface="Consolas" panose="020B0609020204030204" pitchFamily="49" charset="0"/>
+            </a:endParaRPr>
+          </a:p>
+        </p:txBody>
+      </p:sp>
+      <p:sp>
+        <p:nvSpPr>
+          <p:cNvPr id="5" name="Marcador de pie de página 4">
+            <a:extLst>
+              <a:ext uri="{FF2B5EF4-FFF2-40B4-BE49-F238E27FC236}">
+                <a16:creationId xmlns:a16="http://schemas.microsoft.com/office/drawing/2014/main" id="{206EFE79-2780-42D9-BA69-E552741FDABE}"/>
+              </a:ext>
+            </a:extLst>
+          </p:cNvPr>
+          <p:cNvSpPr>
+            <a:spLocks noGrp="1"/>
+          </p:cNvSpPr>
+          <p:nvPr>
+            <p:ph type="ftr" sz="quarter" idx="10"/>
+          </p:nvPr>
+        </p:nvSpPr>
+        <p:spPr/>
+        <p:txBody>
+          <a:bodyPr/>
+          <a:lstStyle/>
+          <a:p>
+            <a:pPr lvl="0">
+              <a:defRPr/>
+            </a:pPr>
+            <a:r>
+              <a:rPr lang="es-ES" dirty="0"/>
+              <a:t>@</a:t>
+            </a:r>
+            <a:r>
+              <a:rPr lang="es-ES" dirty="0" err="1"/>
+              <a:t>plainconcepts</a:t>
+            </a:r>
+            <a:endParaRPr kumimoji="0" lang="es-ES" sz="1200" b="0" i="0" u="none" strike="noStrike" kern="1200" cap="none" spc="0" normalizeH="0" baseline="0" noProof="0" dirty="0">
+              <a:ln>
+                <a:noFill/>
+              </a:ln>
+              <a:solidFill>
+                <a:srgbClr val="00D0FF"/>
+              </a:solidFill>
+              <a:effectLst/>
+              <a:uLnTx/>
+              <a:uFillTx/>
+              <a:latin typeface="Tw Cen MT" panose="020B0602020104020603"/>
+              <a:ea typeface="+mn-ea"/>
+              <a:cs typeface="+mn-cs"/>
+            </a:endParaRPr>
+          </a:p>
+        </p:txBody>
+      </p:sp>
+      <p:sp>
+        <p:nvSpPr>
+          <p:cNvPr id="6" name="Título 5">
+            <a:extLst>
+              <a:ext uri="{FF2B5EF4-FFF2-40B4-BE49-F238E27FC236}">
+                <a16:creationId xmlns:a16="http://schemas.microsoft.com/office/drawing/2014/main" id="{57812181-CA83-45C6-9DFF-89E2A5F4431B}"/>
+              </a:ext>
+            </a:extLst>
+          </p:cNvPr>
+          <p:cNvSpPr>
+            <a:spLocks noGrp="1"/>
+          </p:cNvSpPr>
+          <p:nvPr>
+            <p:ph type="title"/>
+          </p:nvPr>
+        </p:nvSpPr>
+        <p:spPr/>
+        <p:txBody>
+          <a:bodyPr/>
+          <a:lstStyle/>
+          <a:p>
+            <a:r>
+              <a:rPr lang="en-US" dirty="0"/>
+              <a:t>ASP.NET Core</a:t>
+            </a:r>
+            <a:endParaRPr lang="es-ES" dirty="0"/>
+          </a:p>
+        </p:txBody>
+      </p:sp>
+      <p:sp>
+        <p:nvSpPr>
+          <p:cNvPr id="7" name="Marcador de texto 6">
+            <a:extLst>
+              <a:ext uri="{FF2B5EF4-FFF2-40B4-BE49-F238E27FC236}">
+                <a16:creationId xmlns:a16="http://schemas.microsoft.com/office/drawing/2014/main" id="{DA9C74BB-EBB7-4393-9E58-080DEAD0F313}"/>
+              </a:ext>
+            </a:extLst>
+          </p:cNvPr>
+          <p:cNvSpPr>
+            <a:spLocks noGrp="1"/>
+          </p:cNvSpPr>
+          <p:nvPr>
+            <p:ph type="body" sz="quarter" idx="15"/>
+          </p:nvPr>
+        </p:nvSpPr>
+        <p:spPr/>
+        <p:txBody>
+          <a:bodyPr/>
+          <a:lstStyle/>
+          <a:p>
+            <a:r>
+              <a:rPr lang="es-ES" dirty="0" err="1"/>
+              <a:t>Exposing</a:t>
+            </a:r>
+            <a:r>
+              <a:rPr lang="es-ES" dirty="0"/>
+              <a:t> </a:t>
+            </a:r>
+            <a:r>
+              <a:rPr lang="es-ES" dirty="0" err="1"/>
+              <a:t>the</a:t>
+            </a:r>
+            <a:r>
+              <a:rPr lang="es-ES" dirty="0"/>
+              <a:t> </a:t>
+            </a:r>
+            <a:r>
+              <a:rPr lang="es-ES" dirty="0" err="1"/>
+              <a:t>HealthCheck</a:t>
+            </a:r>
+            <a:r>
+              <a:rPr lang="es-ES" dirty="0"/>
+              <a:t> </a:t>
+            </a:r>
+            <a:r>
+              <a:rPr lang="es-ES" dirty="0" err="1"/>
+              <a:t>endpoint</a:t>
+            </a:r>
+            <a:endParaRPr lang="es-ES" dirty="0"/>
+          </a:p>
+        </p:txBody>
+      </p:sp>
+      <p:sp>
+        <p:nvSpPr>
+          <p:cNvPr id="10" name="CuadroTexto 9">
+            <a:extLst>
+              <a:ext uri="{FF2B5EF4-FFF2-40B4-BE49-F238E27FC236}">
+                <a16:creationId xmlns:a16="http://schemas.microsoft.com/office/drawing/2014/main" id="{CA9E74CC-3409-47E3-81EE-D21B8247A3AA}"/>
+              </a:ext>
+            </a:extLst>
+          </p:cNvPr>
+          <p:cNvSpPr txBox="1"/>
+          <p:nvPr/>
+        </p:nvSpPr>
+        <p:spPr>
+          <a:xfrm>
+            <a:off x="10357407" y="2318889"/>
+            <a:ext cx="1494282" cy="246221"/>
+          </a:xfrm>
+          <a:prstGeom prst="rect">
+            <a:avLst/>
+          </a:prstGeom>
+          <a:noFill/>
+        </p:spPr>
+        <p:txBody>
+          <a:bodyPr wrap="square" rtlCol="0">
+            <a:spAutoFit/>
+          </a:bodyPr>
+          <a:lstStyle/>
+          <a:p>
+            <a:r>
+              <a:rPr lang="es-ES" sz="1000" dirty="0">
+                <a:solidFill>
+                  <a:schemeClr val="bg1"/>
+                </a:solidFill>
+                <a:hlinkClick r:id="rId2"/>
+              </a:rPr>
+              <a:t>MS </a:t>
+            </a:r>
+            <a:r>
+              <a:rPr lang="es-ES" sz="1000" dirty="0" err="1">
+                <a:solidFill>
+                  <a:schemeClr val="bg1"/>
+                </a:solidFill>
+                <a:hlinkClick r:id="rId2"/>
+              </a:rPr>
+              <a:t>eShopOnContainers</a:t>
+            </a:r>
+            <a:endParaRPr lang="es-ES" sz="1000" dirty="0">
+              <a:solidFill>
+                <a:schemeClr val="bg1"/>
+              </a:solidFill>
+            </a:endParaRPr>
+          </a:p>
+        </p:txBody>
+      </p:sp>
+    </p:spTree>
+    <p:extLst>
+      <p:ext uri="{BB962C8B-B14F-4D97-AF65-F5344CB8AC3E}">
+        <p14:creationId xmlns:p14="http://schemas.microsoft.com/office/powerpoint/2010/main" val="3571902282"/>
+      </p:ext>
+    </p:extLst>
+  </p:cSld>
+  <p:clrMapOvr>
+    <a:masterClrMapping/>
+  </p:clrMapOvr>
+</p:sld>
+</file>
+
+<file path=ppt/slides/slide23.xml><?xml version="1.0" encoding="utf-8"?>
+<p:sld xmlns:a="http://schemas.openxmlformats.org/drawingml/2006/main" xmlns:r="http://schemas.openxmlformats.org/officeDocument/2006/relationships" xmlns:p="http://schemas.openxmlformats.org/presentationml/2006/main">
+  <p:cSld>
+    <p:spTree>
+      <p:nvGrpSpPr>
+        <p:cNvPr id="1" name=""/>
+        <p:cNvGrpSpPr/>
+        <p:nvPr/>
+      </p:nvGrpSpPr>
+      <p:grpSpPr>
+        <a:xfrm>
+          <a:off x="0" y="0"/>
+          <a:ext cx="0" cy="0"/>
+          <a:chOff x="0" y="0"/>
+          <a:chExt cx="0" cy="0"/>
+        </a:xfrm>
+      </p:grpSpPr>
+      <p:sp>
+        <p:nvSpPr>
+          <p:cNvPr id="2" name="Marcador de número de diapositiva 1">
+            <a:extLst>
+              <a:ext uri="{FF2B5EF4-FFF2-40B4-BE49-F238E27FC236}">
+                <a16:creationId xmlns:a16="http://schemas.microsoft.com/office/drawing/2014/main" id="{BC8CEAAD-8F71-4570-975A-5200855A3C85}"/>
+              </a:ext>
+            </a:extLst>
+          </p:cNvPr>
+          <p:cNvSpPr>
+            <a:spLocks noGrp="1"/>
+          </p:cNvSpPr>
+          <p:nvPr>
+            <p:ph type="sldNum" sz="quarter" idx="12"/>
+          </p:nvPr>
+        </p:nvSpPr>
+        <p:spPr/>
+        <p:txBody>
+          <a:bodyPr/>
+          <a:lstStyle/>
+          <a:p>
+            <a:pPr marL="0" marR="0" lvl="0" indent="0" algn="r" defTabSz="914400" rtl="0" eaLnBrk="1" fontAlgn="auto" latinLnBrk="0" hangingPunct="1">
+              <a:lnSpc>
+                <a:spcPct val="100000"/>
+              </a:lnSpc>
+              <a:spcBef>
+                <a:spcPts val="0"/>
+              </a:spcBef>
+              <a:spcAft>
+                <a:spcPts val="0"/>
+              </a:spcAft>
+              <a:buClrTx/>
+              <a:buSzTx/>
+              <a:buFontTx/>
+              <a:buNone/>
+              <a:tabLst/>
+              <a:defRPr/>
+            </a:pPr>
+            <a:fld id="{88CB616A-2EDE-4F93-81C7-BE29C9C217CB}" type="slidenum">
+              <a:rPr kumimoji="0" lang="es-ES" sz="1200" b="0" i="0" u="none" strike="noStrike" kern="1200" cap="none" spc="0" normalizeH="0" baseline="0" noProof="0" smtClean="0">
+                <a:ln>
+                  <a:noFill/>
+                </a:ln>
+                <a:solidFill>
+                  <a:srgbClr val="00DBFF"/>
+                </a:solidFill>
+                <a:effectLst/>
+                <a:uLnTx/>
+                <a:uFillTx/>
+                <a:latin typeface="Tw Cen MT" panose="020B0602020104020603"/>
+                <a:ea typeface="+mn-ea"/>
+                <a:cs typeface="+mn-cs"/>
+              </a:rPr>
+              <a:pPr marL="0" marR="0" lvl="0" indent="0" algn="r" defTabSz="914400" rtl="0" eaLnBrk="1" fontAlgn="auto" latinLnBrk="0" hangingPunct="1">
+                <a:lnSpc>
+                  <a:spcPct val="100000"/>
+                </a:lnSpc>
+                <a:spcBef>
+                  <a:spcPts val="0"/>
+                </a:spcBef>
+                <a:spcAft>
+                  <a:spcPts val="0"/>
+                </a:spcAft>
+                <a:buClrTx/>
+                <a:buSzTx/>
+                <a:buFontTx/>
+                <a:buNone/>
+                <a:tabLst/>
+                <a:defRPr/>
+              </a:pPr>
+              <a:t>23</a:t>
+            </a:fld>
+            <a:endParaRPr kumimoji="0" lang="es-ES" sz="1200" b="0" i="0" u="none" strike="noStrike" kern="1200" cap="none" spc="0" normalizeH="0" baseline="0" noProof="0" dirty="0">
+              <a:ln>
+                <a:noFill/>
+              </a:ln>
+              <a:solidFill>
+                <a:srgbClr val="00DBFF"/>
+              </a:solidFill>
+              <a:effectLst/>
+              <a:uLnTx/>
+              <a:uFillTx/>
+              <a:latin typeface="Tw Cen MT" panose="020B0602020104020603"/>
+              <a:ea typeface="+mn-ea"/>
+              <a:cs typeface="+mn-cs"/>
+            </a:endParaRPr>
+          </a:p>
+        </p:txBody>
+      </p:sp>
+      <p:sp>
+        <p:nvSpPr>
+          <p:cNvPr id="3" name="Marcador de texto 2">
+            <a:extLst>
+              <a:ext uri="{FF2B5EF4-FFF2-40B4-BE49-F238E27FC236}">
+                <a16:creationId xmlns:a16="http://schemas.microsoft.com/office/drawing/2014/main" id="{1CB4BD6C-1639-496B-9B43-13A8494AB098}"/>
+              </a:ext>
+            </a:extLst>
+          </p:cNvPr>
+          <p:cNvSpPr>
+            <a:spLocks noGrp="1"/>
+          </p:cNvSpPr>
+          <p:nvPr>
+            <p:ph type="body" sz="quarter" idx="15"/>
+          </p:nvPr>
+        </p:nvSpPr>
+        <p:spPr/>
+        <p:txBody>
+          <a:bodyPr/>
+          <a:lstStyle/>
+          <a:p>
+            <a:r>
+              <a:rPr lang="es-ES" sz="4800" dirty="0"/>
+              <a:t>Workshop: </a:t>
+            </a:r>
+            <a:r>
+              <a:rPr lang="es-ES" sz="4800" dirty="0" err="1"/>
+              <a:t>implementing</a:t>
+            </a:r>
+            <a:r>
+              <a:rPr lang="es-ES" sz="4800" dirty="0"/>
+              <a:t> </a:t>
+            </a:r>
+            <a:r>
+              <a:rPr lang="es-ES" sz="4800" dirty="0" err="1"/>
+              <a:t>HealthChecks</a:t>
+            </a:r>
+            <a:endParaRPr lang="es-ES" sz="4800" dirty="0"/>
+          </a:p>
+        </p:txBody>
+      </p:sp>
+    </p:spTree>
+    <p:extLst>
+      <p:ext uri="{BB962C8B-B14F-4D97-AF65-F5344CB8AC3E}">
+        <p14:creationId xmlns:p14="http://schemas.microsoft.com/office/powerpoint/2010/main" val="1566943900"/>
+      </p:ext>
+    </p:extLst>
+  </p:cSld>
+  <p:clrMapOvr>
+    <a:masterClrMapping/>
+  </p:clrMapOvr>
+</p:sld>
+</file>
+
+<file path=ppt/slides/slide24.xml><?xml version="1.0" encoding="utf-8"?>
+<p:sld xmlns:a="http://schemas.openxmlformats.org/drawingml/2006/main" xmlns:r="http://schemas.openxmlformats.org/officeDocument/2006/relationships" xmlns:p="http://schemas.openxmlformats.org/presentationml/2006/main">
+  <p:cSld>
+    <p:spTree>
+      <p:nvGrpSpPr>
+        <p:cNvPr id="1" name=""/>
+        <p:cNvGrpSpPr/>
+        <p:nvPr/>
+      </p:nvGrpSpPr>
+      <p:grpSpPr>
+        <a:xfrm>
+          <a:off x="0" y="0"/>
+          <a:ext cx="0" cy="0"/>
+          <a:chOff x="0" y="0"/>
+          <a:chExt cx="0" cy="0"/>
+        </a:xfrm>
+      </p:grpSpPr>
+      <p:sp>
+        <p:nvSpPr>
           <p:cNvPr id="7" name="Título 6"/>
           <p:cNvSpPr>
             <a:spLocks noGrp="1"/>
@@ -9861,7 +16967,7 @@
 </p:sld>
 </file>
 
-<file path=ppt/slides/slide13.xml><?xml version="1.0" encoding="utf-8"?>
+<file path=ppt/slides/slide25.xml><?xml version="1.0" encoding="utf-8"?>
 <p:sld xmlns:a="http://schemas.openxmlformats.org/drawingml/2006/main" xmlns:r="http://schemas.openxmlformats.org/officeDocument/2006/relationships" xmlns:p="http://schemas.openxmlformats.org/presentationml/2006/main">
   <p:cSld>
     <p:spTree>
@@ -9891,272 +16997,6 @@
 </p:sld>
 </file>
 
-<file path=ppt/slides/slide2.xml><?xml version="1.0" encoding="utf-8"?>
-<p:sld xmlns:a="http://schemas.openxmlformats.org/drawingml/2006/main" xmlns:r="http://schemas.openxmlformats.org/officeDocument/2006/relationships" xmlns:p="http://schemas.openxmlformats.org/presentationml/2006/main">
-  <p:cSld>
-    <p:spTree>
-      <p:nvGrpSpPr>
-        <p:cNvPr id="1" name=""/>
-        <p:cNvGrpSpPr/>
-        <p:nvPr/>
-      </p:nvGrpSpPr>
-      <p:grpSpPr>
-        <a:xfrm>
-          <a:off x="0" y="0"/>
-          <a:ext cx="0" cy="0"/>
-          <a:chOff x="0" y="0"/>
-          <a:chExt cx="0" cy="0"/>
-        </a:xfrm>
-      </p:grpSpPr>
-      <p:sp>
-        <p:nvSpPr>
-          <p:cNvPr id="4" name="Slide Number Placeholder 3"/>
-          <p:cNvSpPr>
-            <a:spLocks noGrp="1"/>
-          </p:cNvSpPr>
-          <p:nvPr>
-            <p:ph type="sldNum" sz="quarter" idx="12"/>
-          </p:nvPr>
-        </p:nvSpPr>
-        <p:spPr/>
-        <p:txBody>
-          <a:bodyPr/>
-          <a:lstStyle/>
-          <a:p>
-            <a:fld id="{88CB616A-2EDE-4F93-81C7-BE29C9C217CB}" type="slidenum">
-              <a:rPr lang="es-ES" smtClean="0"/>
-              <a:pPr/>
-              <a:t>2</a:t>
-            </a:fld>
-            <a:endParaRPr lang="es-ES" dirty="0"/>
-          </a:p>
-        </p:txBody>
-      </p:sp>
-      <p:sp>
-        <p:nvSpPr>
-          <p:cNvPr id="5" name="Text Placeholder 4"/>
-          <p:cNvSpPr>
-            <a:spLocks noGrp="1"/>
-          </p:cNvSpPr>
-          <p:nvPr>
-            <p:ph type="body" sz="quarter" idx="13"/>
-          </p:nvPr>
-        </p:nvSpPr>
-        <p:spPr/>
-        <p:txBody>
-          <a:bodyPr/>
-          <a:lstStyle/>
-          <a:p>
-            <a:r>
-              <a:rPr lang="es-ES" dirty="0" err="1"/>
-              <a:t>Best</a:t>
-            </a:r>
-            <a:r>
-              <a:rPr lang="es-ES" dirty="0"/>
-              <a:t> </a:t>
-            </a:r>
-            <a:r>
-              <a:rPr lang="es-ES" dirty="0" err="1"/>
-              <a:t>Practices</a:t>
-            </a:r>
-            <a:r>
-              <a:rPr lang="es-ES" dirty="0"/>
-              <a:t> &amp; </a:t>
-            </a:r>
-            <a:r>
-              <a:rPr lang="es-ES" dirty="0" err="1"/>
-              <a:t>Antipatterns</a:t>
-            </a:r>
-            <a:endParaRPr lang="es-ES" dirty="0"/>
-          </a:p>
-          <a:p>
-            <a:r>
-              <a:rPr lang="es-ES" dirty="0" err="1"/>
-              <a:t>Resilience</a:t>
-            </a:r>
-            <a:endParaRPr lang="es-ES" dirty="0"/>
-          </a:p>
-          <a:p>
-            <a:r>
-              <a:rPr lang="es-ES" dirty="0" err="1"/>
-              <a:t>Infrastructure</a:t>
-            </a:r>
-            <a:r>
-              <a:rPr lang="es-ES" dirty="0"/>
-              <a:t> </a:t>
-            </a:r>
-            <a:r>
-              <a:rPr lang="es-ES" dirty="0" err="1"/>
-              <a:t>Automation</a:t>
-            </a:r>
-            <a:endParaRPr lang="es-ES" dirty="0"/>
-          </a:p>
-          <a:p>
-            <a:r>
-              <a:rPr lang="es-ES" dirty="0" err="1"/>
-              <a:t>Ready</a:t>
-            </a:r>
-            <a:r>
-              <a:rPr lang="es-ES" dirty="0"/>
-              <a:t> </a:t>
-            </a:r>
-            <a:r>
-              <a:rPr lang="es-ES" dirty="0" err="1"/>
-              <a:t>to</a:t>
-            </a:r>
-            <a:r>
-              <a:rPr lang="es-ES" dirty="0"/>
-              <a:t> </a:t>
-            </a:r>
-            <a:r>
-              <a:rPr lang="es-ES" dirty="0" err="1"/>
-              <a:t>Prod</a:t>
-            </a:r>
-            <a:endParaRPr lang="es-ES" dirty="0"/>
-          </a:p>
-        </p:txBody>
-      </p:sp>
-      <p:sp>
-        <p:nvSpPr>
-          <p:cNvPr id="6" name="pagina"/>
-          <p:cNvSpPr txBox="1">
-            <a:spLocks/>
-          </p:cNvSpPr>
-          <p:nvPr/>
-        </p:nvSpPr>
-        <p:spPr>
-          <a:xfrm>
-            <a:off x="1818951" y="6356348"/>
-            <a:ext cx="1528205" cy="365125"/>
-          </a:xfrm>
-          <a:prstGeom prst="rect">
-            <a:avLst/>
-          </a:prstGeom>
-        </p:spPr>
-        <p:txBody>
-          <a:bodyPr vert="horz" lIns="91440" tIns="45720" rIns="91440" bIns="45720" rtlCol="0" anchor="ctr"/>
-          <a:lstStyle>
-            <a:defPPr>
-              <a:defRPr lang="en-US"/>
-            </a:defPPr>
-            <a:lvl1pPr marL="0" algn="r" defTabSz="914400" rtl="0" eaLnBrk="1" latinLnBrk="0" hangingPunct="1">
-              <a:defRPr sz="1200" kern="1200">
-                <a:solidFill>
-                  <a:srgbClr val="00D0FF"/>
-                </a:solidFill>
-                <a:latin typeface="+mn-lt"/>
-                <a:ea typeface="+mn-ea"/>
-                <a:cs typeface="+mn-cs"/>
-              </a:defRPr>
-            </a:lvl1pPr>
-            <a:lvl2pPr marL="457200" algn="l" defTabSz="914400" rtl="0" eaLnBrk="1" latinLnBrk="0" hangingPunct="1">
-              <a:defRPr sz="1800" kern="1200">
-                <a:solidFill>
-                  <a:schemeClr val="tx1"/>
-                </a:solidFill>
-                <a:latin typeface="+mn-lt"/>
-                <a:ea typeface="+mn-ea"/>
-                <a:cs typeface="+mn-cs"/>
-              </a:defRPr>
-            </a:lvl2pPr>
-            <a:lvl3pPr marL="914400" algn="l" defTabSz="914400" rtl="0" eaLnBrk="1" latinLnBrk="0" hangingPunct="1">
-              <a:defRPr sz="1800" kern="1200">
-                <a:solidFill>
-                  <a:schemeClr val="tx1"/>
-                </a:solidFill>
-                <a:latin typeface="+mn-lt"/>
-                <a:ea typeface="+mn-ea"/>
-                <a:cs typeface="+mn-cs"/>
-              </a:defRPr>
-            </a:lvl3pPr>
-            <a:lvl4pPr marL="1371600" algn="l" defTabSz="914400" rtl="0" eaLnBrk="1" latinLnBrk="0" hangingPunct="1">
-              <a:defRPr sz="1800" kern="1200">
-                <a:solidFill>
-                  <a:schemeClr val="tx1"/>
-                </a:solidFill>
-                <a:latin typeface="+mn-lt"/>
-                <a:ea typeface="+mn-ea"/>
-                <a:cs typeface="+mn-cs"/>
-              </a:defRPr>
-            </a:lvl4pPr>
-            <a:lvl5pPr marL="1828800" algn="l" defTabSz="914400" rtl="0" eaLnBrk="1" latinLnBrk="0" hangingPunct="1">
-              <a:defRPr sz="1800" kern="1200">
-                <a:solidFill>
-                  <a:schemeClr val="tx1"/>
-                </a:solidFill>
-                <a:latin typeface="+mn-lt"/>
-                <a:ea typeface="+mn-ea"/>
-                <a:cs typeface="+mn-cs"/>
-              </a:defRPr>
-            </a:lvl5pPr>
-            <a:lvl6pPr marL="2286000" algn="l" defTabSz="914400" rtl="0" eaLnBrk="1" latinLnBrk="0" hangingPunct="1">
-              <a:defRPr sz="1800" kern="1200">
-                <a:solidFill>
-                  <a:schemeClr val="tx1"/>
-                </a:solidFill>
-                <a:latin typeface="+mn-lt"/>
-                <a:ea typeface="+mn-ea"/>
-                <a:cs typeface="+mn-cs"/>
-              </a:defRPr>
-            </a:lvl6pPr>
-            <a:lvl7pPr marL="2743200" algn="l" defTabSz="914400" rtl="0" eaLnBrk="1" latinLnBrk="0" hangingPunct="1">
-              <a:defRPr sz="1800" kern="1200">
-                <a:solidFill>
-                  <a:schemeClr val="tx1"/>
-                </a:solidFill>
-                <a:latin typeface="+mn-lt"/>
-                <a:ea typeface="+mn-ea"/>
-                <a:cs typeface="+mn-cs"/>
-              </a:defRPr>
-            </a:lvl7pPr>
-            <a:lvl8pPr marL="3200400" algn="l" defTabSz="914400" rtl="0" eaLnBrk="1" latinLnBrk="0" hangingPunct="1">
-              <a:defRPr sz="1800" kern="1200">
-                <a:solidFill>
-                  <a:schemeClr val="tx1"/>
-                </a:solidFill>
-                <a:latin typeface="+mn-lt"/>
-                <a:ea typeface="+mn-ea"/>
-                <a:cs typeface="+mn-cs"/>
-              </a:defRPr>
-            </a:lvl8pPr>
-            <a:lvl9pPr marL="3657600" algn="l" defTabSz="914400" rtl="0" eaLnBrk="1" latinLnBrk="0" hangingPunct="1">
-              <a:defRPr sz="1800" kern="1200">
-                <a:solidFill>
-                  <a:schemeClr val="tx1"/>
-                </a:solidFill>
-                <a:latin typeface="+mn-lt"/>
-                <a:ea typeface="+mn-ea"/>
-                <a:cs typeface="+mn-cs"/>
-              </a:defRPr>
-            </a:lvl9pPr>
-          </a:lstStyle>
-          <a:p>
-            <a:pPr algn="l"/>
-            <a:r>
-              <a:rPr lang="es-ES" dirty="0"/>
-              <a:t>#</a:t>
-            </a:r>
-            <a:r>
-              <a:rPr lang="es-ES" dirty="0" err="1"/>
-              <a:t>MicroservicesEvent</a:t>
-            </a:r>
-            <a:endParaRPr lang="es-ES" dirty="0"/>
-          </a:p>
-        </p:txBody>
-      </p:sp>
-    </p:spTree>
-    <p:extLst>
-      <p:ext uri="{BB962C8B-B14F-4D97-AF65-F5344CB8AC3E}">
-        <p14:creationId xmlns:p14="http://schemas.microsoft.com/office/powerpoint/2010/main" val="1121066791"/>
-      </p:ext>
-    </p:extLst>
-  </p:cSld>
-  <p:clrMapOvr>
-    <a:masterClrMapping/>
-  </p:clrMapOvr>
-</p:sld>
-</file>
-
 <file path=ppt/slides/slide3.xml><?xml version="1.0" encoding="utf-8"?>
 <p:sld xmlns:a="http://schemas.openxmlformats.org/drawingml/2006/main" xmlns:r="http://schemas.openxmlformats.org/officeDocument/2006/relationships" xmlns:p="http://schemas.openxmlformats.org/presentationml/2006/main">
   <p:cSld>
@@ -10213,6 +17053,10 @@
           <a:bodyPr/>
           <a:lstStyle/>
           <a:p>
+            <a:r>
+              <a:rPr lang="es-ES" dirty="0"/>
+              <a:t>1. </a:t>
+            </a:r>
             <a:r>
               <a:rPr lang="es-ES" dirty="0" err="1"/>
               <a:t>Best</a:t>
@@ -12161,6 +19005,10 @@
           <a:lstStyle/>
           <a:p>
             <a:r>
+              <a:rPr lang="es-ES" dirty="0"/>
+              <a:t>2. </a:t>
+            </a:r>
+            <a:r>
               <a:rPr lang="es-ES" dirty="0" err="1"/>
               <a:t>Resilience</a:t>
             </a:r>
@@ -13068,6 +19916,10 @@
           <a:bodyPr/>
           <a:lstStyle/>
           <a:p>
+            <a:r>
+              <a:rPr lang="es-ES" dirty="0"/>
+              <a:t>3. </a:t>
+            </a:r>
             <a:r>
               <a:rPr lang="es-ES" dirty="0" err="1"/>
               <a:t>Infrastructure</a:t>
@@ -13866,6 +20718,30 @@
 </file>
 
 <file path=customXml/item1.xml><?xml version="1.0" encoding="utf-8"?>
+<p:properties xmlns:p="http://schemas.microsoft.com/office/2006/metadata/properties" xmlns:xsi="http://www.w3.org/2001/XMLSchema-instance" xmlns:pc="http://schemas.microsoft.com/office/infopath/2007/PartnerControls">
+  <documentManagement>
+    <SharedWithUsers xmlns="5cc60d69-a5f6-4f8f-8194-a79b51c73eb9">
+      <UserInfo>
+        <DisplayName>Clara Assin</DisplayName>
+        <AccountId>198</AccountId>
+        <AccountType/>
+      </UserInfo>
+      <UserInfo>
+        <DisplayName>Belen Muñiz</DisplayName>
+        <AccountId>266</AccountId>
+        <AccountType/>
+      </UserInfo>
+      <UserInfo>
+        <DisplayName>Pablo Pelaez Aller</DisplayName>
+        <AccountId>35</AccountId>
+        <AccountType/>
+      </UserInfo>
+    </SharedWithUsers>
+  </documentManagement>
+</p:properties>
+</file>
+
+<file path=customXml/item2.xml><?xml version="1.0" encoding="utf-8"?>
 <ct:contentTypeSchema xmlns:ct="http://schemas.microsoft.com/office/2006/metadata/contentType" xmlns:ma="http://schemas.microsoft.com/office/2006/metadata/properties/metaAttributes" ct:_="" ma:_="" ma:contentTypeName="Document" ma:contentTypeID="0x010100B01C14808C3DA24D92CEDE52F6400555" ma:contentTypeVersion="3" ma:contentTypeDescription="Create a new document." ma:contentTypeScope="" ma:versionID="8e31f3cb338aa3c7a3a7b9d3c0526f15">
   <xsd:schema xmlns:xsd="http://www.w3.org/2001/XMLSchema" xmlns:xs="http://www.w3.org/2001/XMLSchema" xmlns:p="http://schemas.microsoft.com/office/2006/metadata/properties" xmlns:ns2="5cc60d69-a5f6-4f8f-8194-a79b51c73eb9" targetNamespace="http://schemas.microsoft.com/office/2006/metadata/properties" ma:root="true" ma:fieldsID="b70b5ae29e4afb42e7de10215bca66c9" ns2:_="">
     <xsd:import namespace="5cc60d69-a5f6-4f8f-8194-a79b51c73eb9"/>
@@ -14019,30 +20895,6 @@
 </ct:contentTypeSchema>
 </file>
 
-<file path=customXml/item2.xml><?xml version="1.0" encoding="utf-8"?>
-<p:properties xmlns:p="http://schemas.microsoft.com/office/2006/metadata/properties" xmlns:xsi="http://www.w3.org/2001/XMLSchema-instance" xmlns:pc="http://schemas.microsoft.com/office/infopath/2007/PartnerControls">
-  <documentManagement>
-    <SharedWithUsers xmlns="5cc60d69-a5f6-4f8f-8194-a79b51c73eb9">
-      <UserInfo>
-        <DisplayName>Clara Assin</DisplayName>
-        <AccountId>198</AccountId>
-        <AccountType/>
-      </UserInfo>
-      <UserInfo>
-        <DisplayName>Belen Muñiz</DisplayName>
-        <AccountId>266</AccountId>
-        <AccountType/>
-      </UserInfo>
-      <UserInfo>
-        <DisplayName>Pablo Pelaez Aller</DisplayName>
-        <AccountId>35</AccountId>
-        <AccountType/>
-      </UserInfo>
-    </SharedWithUsers>
-  </documentManagement>
-</p:properties>
-</file>
-
 <file path=customXml/item3.xml><?xml version="1.0" encoding="utf-8"?>
 <?mso-contentType ?>
 <FormTemplates xmlns="http://schemas.microsoft.com/sharepoint/v3/contenttype/forms">
@@ -14053,6 +20905,22 @@
 </file>
 
 <file path=customXml/itemProps1.xml><?xml version="1.0" encoding="utf-8"?>
+<ds:datastoreItem xmlns:ds="http://schemas.openxmlformats.org/officeDocument/2006/customXml" ds:itemID="{DD77C9E3-1B06-46F1-B79D-4B433ADBAE57}">
+  <ds:schemaRefs>
+    <ds:schemaRef ds:uri="http://schemas.microsoft.com/office/2006/documentManagement/types"/>
+    <ds:schemaRef ds:uri="http://schemas.microsoft.com/office/2006/metadata/properties"/>
+    <ds:schemaRef ds:uri="http://purl.org/dc/terms/"/>
+    <ds:schemaRef ds:uri="http://schemas.openxmlformats.org/package/2006/metadata/core-properties"/>
+    <ds:schemaRef ds:uri="http://purl.org/dc/dcmitype/"/>
+    <ds:schemaRef ds:uri="5cc60d69-a5f6-4f8f-8194-a79b51c73eb9"/>
+    <ds:schemaRef ds:uri="http://schemas.microsoft.com/office/infopath/2007/PartnerControls"/>
+    <ds:schemaRef ds:uri="http://www.w3.org/XML/1998/namespace"/>
+    <ds:schemaRef ds:uri="http://purl.org/dc/elements/1.1/"/>
+  </ds:schemaRefs>
+</ds:datastoreItem>
+</file>
+
+<file path=customXml/itemProps2.xml><?xml version="1.0" encoding="utf-8"?>
 <ds:datastoreItem xmlns:ds="http://schemas.openxmlformats.org/officeDocument/2006/customXml" ds:itemID="{FC636FDA-D72C-4E71-AB94-61A8C664C086}">
   <ds:schemaRefs>
     <ds:schemaRef ds:uri="http://schemas.microsoft.com/office/2006/metadata/contentType"/>
@@ -14070,22 +20938,6 @@
 </ds:datastoreItem>
 </file>
 
-<file path=customXml/itemProps2.xml><?xml version="1.0" encoding="utf-8"?>
-<ds:datastoreItem xmlns:ds="http://schemas.openxmlformats.org/officeDocument/2006/customXml" ds:itemID="{DD77C9E3-1B06-46F1-B79D-4B433ADBAE57}">
-  <ds:schemaRefs>
-    <ds:schemaRef ds:uri="http://schemas.microsoft.com/office/2006/documentManagement/types"/>
-    <ds:schemaRef ds:uri="http://schemas.microsoft.com/office/2006/metadata/properties"/>
-    <ds:schemaRef ds:uri="http://purl.org/dc/terms/"/>
-    <ds:schemaRef ds:uri="http://schemas.openxmlformats.org/package/2006/metadata/core-properties"/>
-    <ds:schemaRef ds:uri="http://purl.org/dc/dcmitype/"/>
-    <ds:schemaRef ds:uri="5cc60d69-a5f6-4f8f-8194-a79b51c73eb9"/>
-    <ds:schemaRef ds:uri="http://schemas.microsoft.com/office/infopath/2007/PartnerControls"/>
-    <ds:schemaRef ds:uri="http://www.w3.org/XML/1998/namespace"/>
-    <ds:schemaRef ds:uri="http://purl.org/dc/elements/1.1/"/>
-  </ds:schemaRefs>
-</ds:datastoreItem>
-</file>
-
 <file path=customXml/itemProps3.xml><?xml version="1.0" encoding="utf-8"?>
 <ds:datastoreItem xmlns:ds="http://schemas.openxmlformats.org/officeDocument/2006/customXml" ds:itemID="{4CAA2E6C-506C-44BF-98B5-373FEE3DCA88}">
   <ds:schemaRefs>

--- a/Docu/BestPractices&Antipatterns.pptx
+++ b/Docu/BestPractices&Antipatterns.pptx
@@ -5,10 +5,10 @@
     <p:sldMasterId id="2147483672" r:id="rId4"/>
   </p:sldMasterIdLst>
   <p:notesMasterIdLst>
-    <p:notesMasterId r:id="rId32"/>
+    <p:notesMasterId r:id="rId39"/>
   </p:notesMasterIdLst>
   <p:handoutMasterIdLst>
-    <p:handoutMasterId r:id="rId33"/>
+    <p:handoutMasterId r:id="rId40"/>
   </p:handoutMasterIdLst>
   <p:sldIdLst>
     <p:sldId id="418" r:id="rId5"/>
@@ -36,43 +36,50 @@
     <p:sldId id="452" r:id="rId27"/>
     <p:sldId id="453" r:id="rId28"/>
     <p:sldId id="454" r:id="rId29"/>
-    <p:sldId id="398" r:id="rId30"/>
-    <p:sldId id="417" r:id="rId31"/>
+    <p:sldId id="457" r:id="rId30"/>
+    <p:sldId id="458" r:id="rId31"/>
+    <p:sldId id="459" r:id="rId32"/>
+    <p:sldId id="460" r:id="rId33"/>
+    <p:sldId id="461" r:id="rId34"/>
+    <p:sldId id="462" r:id="rId35"/>
+    <p:sldId id="463" r:id="rId36"/>
+    <p:sldId id="398" r:id="rId37"/>
+    <p:sldId id="417" r:id="rId38"/>
   </p:sldIdLst>
   <p:sldSz cx="12192000" cy="6858000"/>
   <p:notesSz cx="6858000" cy="9144000"/>
   <p:embeddedFontLst>
     <p:embeddedFont>
-      <p:font typeface="Open Sans" panose="020B0604020202020204" charset="0"/>
-      <p:regular r:id="rId34"/>
-      <p:bold r:id="rId35"/>
-      <p:italic r:id="rId36"/>
-      <p:boldItalic r:id="rId37"/>
+      <p:font typeface="Tw Cen MT" panose="020B0602020104020603" pitchFamily="34" charset="0"/>
+      <p:regular r:id="rId41"/>
+      <p:bold r:id="rId42"/>
+      <p:italic r:id="rId43"/>
+      <p:boldItalic r:id="rId44"/>
     </p:embeddedFont>
     <p:embeddedFont>
-      <p:font typeface="Tw Cen MT" panose="020B0602020104020603" pitchFamily="34" charset="0"/>
-      <p:regular r:id="rId38"/>
-      <p:bold r:id="rId39"/>
-      <p:italic r:id="rId40"/>
-      <p:boldItalic r:id="rId41"/>
+      <p:font typeface="Open Sans" panose="020B0604020202020204" charset="0"/>
+      <p:regular r:id="rId45"/>
+      <p:bold r:id="rId46"/>
+      <p:italic r:id="rId47"/>
+      <p:boldItalic r:id="rId48"/>
+    </p:embeddedFont>
+    <p:embeddedFont>
+      <p:font typeface="Calibri" panose="020F0502020204030204" pitchFamily="34" charset="0"/>
+      <p:regular r:id="rId49"/>
+      <p:bold r:id="rId50"/>
+      <p:italic r:id="rId51"/>
+      <p:boldItalic r:id="rId52"/>
     </p:embeddedFont>
     <p:embeddedFont>
       <p:font typeface="Helvetica35-Thin" panose="020B0604020202020204" charset="0"/>
-      <p:regular r:id="rId42"/>
-    </p:embeddedFont>
-    <p:embeddedFont>
-      <p:font typeface="Calibri" panose="020F0502020204030204" pitchFamily="34" charset="0"/>
-      <p:regular r:id="rId43"/>
-      <p:bold r:id="rId44"/>
-      <p:italic r:id="rId45"/>
-      <p:boldItalic r:id="rId46"/>
+      <p:regular r:id="rId53"/>
     </p:embeddedFont>
     <p:embeddedFont>
       <p:font typeface="Consolas" panose="020B0609020204030204" pitchFamily="49" charset="0"/>
-      <p:regular r:id="rId47"/>
-      <p:bold r:id="rId48"/>
-      <p:italic r:id="rId49"/>
-      <p:boldItalic r:id="rId50"/>
+      <p:regular r:id="rId54"/>
+      <p:bold r:id="rId55"/>
+      <p:italic r:id="rId56"/>
+      <p:boldItalic r:id="rId57"/>
     </p:embeddedFont>
   </p:embeddedFontLst>
   <p:defaultTextStyle>
@@ -314,7 +321,7 @@
           <a:p>
             <a:fld id="{2ADDDFB6-CA13-4FEC-8ED3-F8810E2E31A9}" type="datetimeFigureOut">
               <a:rPr lang="es-ES" smtClean="0"/>
-              <a:t>14/11/2017</a:t>
+              <a:t>18/11/2017</a:t>
             </a:fld>
             <a:endParaRPr lang="es-ES"/>
           </a:p>
@@ -480,7 +487,7 @@
           <a:p>
             <a:fld id="{BF98DDE1-7473-4089-A3EB-80E19C00570C}" type="datetimeFigureOut">
               <a:rPr lang="en-US" smtClean="0"/>
-              <a:t>11/14/2017</a:t>
+              <a:t>11/18/2017</a:t>
             </a:fld>
             <a:endParaRPr lang="en-US"/>
           </a:p>
@@ -9187,7 +9194,7 @@
           <a:p>
             <a:r>
               <a:rPr lang="es-ES" dirty="0"/>
-              <a:t>NOMBRE DEL PONENTE</a:t>
+              <a:t>Ramón Tomás</a:t>
             </a:r>
           </a:p>
         </p:txBody>
@@ -9234,16 +9241,21 @@
             <p:ph type="body" sz="quarter" idx="17"/>
           </p:nvPr>
         </p:nvSpPr>
-        <p:spPr/>
+        <p:spPr>
+          <a:xfrm>
+            <a:off x="5272215" y="5467405"/>
+            <a:ext cx="5865340" cy="461665"/>
+          </a:xfrm>
+        </p:spPr>
         <p:txBody>
           <a:bodyPr/>
           <a:lstStyle/>
           <a:p>
             <a:r>
-              <a:rPr lang="es-ES"/>
-              <a:t>CARGO DEL PONENTE</a:t>
-            </a:r>
-            <a:endParaRPr lang="es-ES" dirty="0"/>
+              <a:rPr lang="es-ES" sz="2400"/>
+              <a:t>David Sanz</a:t>
+            </a:r>
+            <a:endParaRPr lang="es-ES" sz="2400" dirty="0"/>
           </a:p>
         </p:txBody>
       </p:sp>
@@ -14208,42 +14220,42 @@
           <a:lstStyle/>
           <a:p>
             <a:r>
-              <a:rPr lang="es-ES" dirty="0" err="1"/>
+              <a:rPr lang="es-ES" b="1" dirty="0" err="1"/>
               <a:t>Setting</a:t>
             </a:r>
             <a:r>
-              <a:rPr lang="es-ES" dirty="0"/>
+              <a:rPr lang="es-ES" b="1" dirty="0"/>
               <a:t> </a:t>
             </a:r>
             <a:r>
-              <a:rPr lang="es-ES" dirty="0" err="1"/>
+              <a:rPr lang="es-ES" b="1" dirty="0" err="1"/>
               <a:t>the</a:t>
             </a:r>
             <a:r>
-              <a:rPr lang="es-ES" dirty="0"/>
+              <a:rPr lang="es-ES" b="1" dirty="0"/>
               <a:t> </a:t>
             </a:r>
             <a:r>
-              <a:rPr lang="es-ES" dirty="0" err="1"/>
+              <a:rPr lang="es-ES" b="1" dirty="0" err="1"/>
               <a:t>check</a:t>
             </a:r>
             <a:r>
-              <a:rPr lang="es-ES" dirty="0"/>
+              <a:rPr lang="es-ES" b="1" dirty="0"/>
               <a:t> </a:t>
             </a:r>
             <a:r>
-              <a:rPr lang="es-ES" dirty="0" err="1"/>
+              <a:rPr lang="es-ES" b="1" dirty="0" err="1"/>
               <a:t>for</a:t>
             </a:r>
             <a:r>
-              <a:rPr lang="es-ES" dirty="0"/>
+              <a:rPr lang="es-ES" b="1" dirty="0"/>
               <a:t> SQL </a:t>
             </a:r>
             <a:r>
-              <a:rPr lang="es-ES" dirty="0" err="1"/>
+              <a:rPr lang="es-ES" b="1" dirty="0" err="1"/>
               <a:t>dependency</a:t>
             </a:r>
-            <a:endParaRPr lang="es-ES" dirty="0"/>
+            <a:endParaRPr lang="es-ES" b="1" dirty="0"/>
           </a:p>
         </p:txBody>
       </p:sp>
@@ -15585,58 +15597,58 @@
           <a:lstStyle/>
           <a:p>
             <a:r>
-              <a:rPr lang="es-ES" dirty="0" err="1"/>
+              <a:rPr lang="es-ES" b="1" dirty="0" err="1"/>
               <a:t>Setting</a:t>
             </a:r>
             <a:r>
-              <a:rPr lang="es-ES" dirty="0"/>
+              <a:rPr lang="es-ES" b="1" dirty="0"/>
               <a:t> </a:t>
             </a:r>
             <a:r>
-              <a:rPr lang="es-ES" dirty="0" err="1"/>
+              <a:rPr lang="es-ES" b="1" dirty="0" err="1"/>
               <a:t>the</a:t>
             </a:r>
             <a:r>
-              <a:rPr lang="es-ES" dirty="0"/>
+              <a:rPr lang="es-ES" b="1" dirty="0"/>
               <a:t> </a:t>
             </a:r>
             <a:r>
-              <a:rPr lang="es-ES" dirty="0" err="1"/>
+              <a:rPr lang="es-ES" b="1" dirty="0" err="1"/>
               <a:t>checks</a:t>
             </a:r>
             <a:r>
-              <a:rPr lang="es-ES" dirty="0"/>
+              <a:rPr lang="es-ES" b="1" dirty="0"/>
               <a:t> </a:t>
             </a:r>
             <a:r>
-              <a:rPr lang="es-ES" dirty="0" err="1"/>
+              <a:rPr lang="es-ES" b="1" dirty="0" err="1"/>
               <a:t>for</a:t>
             </a:r>
             <a:r>
-              <a:rPr lang="es-ES" dirty="0"/>
+              <a:rPr lang="es-ES" b="1" dirty="0"/>
               <a:t> </a:t>
             </a:r>
             <a:r>
-              <a:rPr lang="es-ES" dirty="0" err="1"/>
+              <a:rPr lang="es-ES" b="1" dirty="0" err="1"/>
               <a:t>other</a:t>
             </a:r>
             <a:r>
-              <a:rPr lang="es-ES" dirty="0"/>
+              <a:rPr lang="es-ES" b="1" dirty="0"/>
               <a:t> </a:t>
             </a:r>
             <a:r>
-              <a:rPr lang="es-ES" dirty="0" err="1"/>
+              <a:rPr lang="es-ES" b="1" dirty="0" err="1"/>
               <a:t>services</a:t>
             </a:r>
             <a:r>
-              <a:rPr lang="es-ES" dirty="0"/>
+              <a:rPr lang="es-ES" b="1" dirty="0"/>
               <a:t> </a:t>
             </a:r>
             <a:r>
-              <a:rPr lang="es-ES" dirty="0" err="1"/>
+              <a:rPr lang="es-ES" b="1" dirty="0" err="1"/>
               <a:t>dependencies</a:t>
             </a:r>
-            <a:endParaRPr lang="es-ES" dirty="0"/>
+            <a:endParaRPr lang="es-ES" b="1" dirty="0"/>
           </a:p>
         </p:txBody>
       </p:sp>
@@ -16577,58 +16589,58 @@
           <a:lstStyle/>
           <a:p>
             <a:r>
-              <a:rPr lang="es-ES" dirty="0" err="1"/>
+              <a:rPr lang="es-ES" b="1" dirty="0" err="1"/>
               <a:t>Setting</a:t>
             </a:r>
             <a:r>
-              <a:rPr lang="es-ES" dirty="0"/>
+              <a:rPr lang="es-ES" b="1" dirty="0"/>
               <a:t> </a:t>
             </a:r>
             <a:r>
-              <a:rPr lang="es-ES" dirty="0" err="1"/>
+              <a:rPr lang="es-ES" b="1" dirty="0" err="1"/>
               <a:t>the</a:t>
             </a:r>
             <a:r>
-              <a:rPr lang="es-ES" dirty="0"/>
+              <a:rPr lang="es-ES" b="1" dirty="0"/>
               <a:t> </a:t>
             </a:r>
             <a:r>
-              <a:rPr lang="es-ES" dirty="0" err="1"/>
+              <a:rPr lang="es-ES" b="1" dirty="0" err="1"/>
               <a:t>check</a:t>
             </a:r>
             <a:r>
-              <a:rPr lang="es-ES" dirty="0"/>
+              <a:rPr lang="es-ES" b="1" dirty="0"/>
               <a:t> </a:t>
             </a:r>
             <a:r>
-              <a:rPr lang="es-ES" dirty="0" err="1"/>
+              <a:rPr lang="es-ES" b="1" dirty="0" err="1"/>
               <a:t>for</a:t>
             </a:r>
             <a:r>
-              <a:rPr lang="es-ES" dirty="0"/>
+              <a:rPr lang="es-ES" b="1" dirty="0"/>
               <a:t> </a:t>
             </a:r>
             <a:r>
-              <a:rPr lang="es-ES" dirty="0" err="1"/>
+              <a:rPr lang="es-ES" b="1" dirty="0" err="1"/>
               <a:t>the</a:t>
             </a:r>
             <a:r>
-              <a:rPr lang="es-ES" dirty="0"/>
+              <a:rPr lang="es-ES" b="1" dirty="0"/>
               <a:t> </a:t>
             </a:r>
             <a:r>
-              <a:rPr lang="es-ES" dirty="0" err="1"/>
+              <a:rPr lang="es-ES" b="1" dirty="0" err="1"/>
               <a:t>own</a:t>
             </a:r>
             <a:r>
-              <a:rPr lang="es-ES" dirty="0"/>
+              <a:rPr lang="es-ES" b="1" dirty="0"/>
               <a:t> </a:t>
             </a:r>
             <a:r>
-              <a:rPr lang="es-ES" dirty="0" err="1"/>
+              <a:rPr lang="es-ES" b="1" dirty="0" err="1"/>
               <a:t>service</a:t>
             </a:r>
-            <a:endParaRPr lang="es-ES" dirty="0"/>
+            <a:endParaRPr lang="es-ES" b="1" dirty="0"/>
           </a:p>
         </p:txBody>
       </p:sp>
@@ -17406,34 +17418,34 @@
           <a:lstStyle/>
           <a:p>
             <a:r>
-              <a:rPr lang="es-ES" dirty="0" err="1"/>
+              <a:rPr lang="es-ES" b="1" dirty="0" err="1"/>
               <a:t>Exposing</a:t>
             </a:r>
             <a:r>
-              <a:rPr lang="es-ES" dirty="0"/>
+              <a:rPr lang="es-ES" b="1" dirty="0"/>
               <a:t> </a:t>
             </a:r>
             <a:r>
-              <a:rPr lang="es-ES" dirty="0" err="1"/>
+              <a:rPr lang="es-ES" b="1" dirty="0" err="1"/>
               <a:t>the</a:t>
             </a:r>
             <a:r>
-              <a:rPr lang="es-ES" dirty="0"/>
+              <a:rPr lang="es-ES" b="1" dirty="0"/>
               <a:t> </a:t>
             </a:r>
             <a:r>
-              <a:rPr lang="es-ES" dirty="0" err="1"/>
+              <a:rPr lang="es-ES" b="1" dirty="0" err="1"/>
               <a:t>HealthCheck</a:t>
             </a:r>
             <a:r>
-              <a:rPr lang="es-ES" dirty="0"/>
+              <a:rPr lang="es-ES" b="1" dirty="0"/>
               <a:t> </a:t>
             </a:r>
             <a:r>
-              <a:rPr lang="es-ES" dirty="0" err="1"/>
+              <a:rPr lang="es-ES" b="1" dirty="0" err="1"/>
               <a:t>endpoint</a:t>
             </a:r>
-            <a:endParaRPr lang="es-ES" dirty="0"/>
+            <a:endParaRPr lang="es-ES" b="1" dirty="0"/>
           </a:p>
         </p:txBody>
       </p:sp>
@@ -17683,12 +17695,12 @@
       </p:grpSpPr>
       <p:sp>
         <p:nvSpPr>
-          <p:cNvPr id="7" name="Título 6"/>
+          <p:cNvPr id="2" name="Slide Number Placeholder 1"/>
           <p:cNvSpPr>
             <a:spLocks noGrp="1"/>
           </p:cNvSpPr>
           <p:nvPr>
-            <p:ph type="title"/>
+            <p:ph type="sldNum" sz="quarter" idx="12"/>
           </p:nvPr>
         </p:nvSpPr>
         <p:spPr/>
@@ -17696,37 +17708,23 @@
           <a:bodyPr/>
           <a:lstStyle/>
           <a:p>
-            <a:r>
-              <a:rPr lang="es-ES" dirty="0"/>
-              <a:t>¡</a:t>
-            </a:r>
-            <a:r>
-              <a:rPr lang="es-ES" dirty="0" err="1"/>
-              <a:t>Thank</a:t>
-            </a:r>
-            <a:r>
-              <a:rPr lang="es-ES" dirty="0"/>
-              <a:t> </a:t>
-            </a:r>
-            <a:r>
-              <a:rPr lang="es-ES" dirty="0" err="1"/>
-              <a:t>you</a:t>
-            </a:r>
-            <a:r>
-              <a:rPr lang="es-ES" dirty="0"/>
-              <a:t>!</a:t>
-            </a:r>
-          </a:p>
-        </p:txBody>
-      </p:sp>
-      <p:sp>
-        <p:nvSpPr>
-          <p:cNvPr id="13" name="Text Placeholder 12"/>
+            <a:fld id="{88CB616A-2EDE-4F93-81C7-BE29C9C217CB}" type="slidenum">
+              <a:rPr lang="es-ES" smtClean="0"/>
+              <a:pPr/>
+              <a:t>26</a:t>
+            </a:fld>
+            <a:endParaRPr lang="es-ES" dirty="0"/>
+          </a:p>
+        </p:txBody>
+      </p:sp>
+      <p:sp>
+        <p:nvSpPr>
+          <p:cNvPr id="4" name="Text Placeholder 3"/>
           <p:cNvSpPr>
             <a:spLocks noGrp="1"/>
           </p:cNvSpPr>
           <p:nvPr>
-            <p:ph type="body" sz="quarter" idx="13"/>
+            <p:ph type="body" sz="quarter" idx="15"/>
           </p:nvPr>
         </p:nvSpPr>
         <p:spPr/>
@@ -17736,33 +17734,27 @@
           <a:p>
             <a:r>
               <a:rPr lang="es-ES" dirty="0"/>
-              <a:t>www.plainconcepts.com</a:t>
-            </a:r>
-          </a:p>
-        </p:txBody>
-      </p:sp>
-      <p:sp>
-        <p:nvSpPr>
-          <p:cNvPr id="14" name="Text Placeholder 13"/>
-          <p:cNvSpPr>
-            <a:spLocks noGrp="1"/>
-          </p:cNvSpPr>
-          <p:nvPr>
-            <p:ph type="body" sz="quarter" idx="14"/>
-          </p:nvPr>
-        </p:nvSpPr>
-        <p:spPr/>
-        <p:txBody>
-          <a:bodyPr/>
-          <a:lstStyle/>
-          <a:p>
+              <a:t>5. </a:t>
+            </a:r>
+            <a:r>
+              <a:rPr lang="es-ES" dirty="0" err="1"/>
+              <a:t>Ready</a:t>
+            </a:r>
             <a:r>
               <a:rPr lang="es-ES" dirty="0"/>
-              <a:t>@</a:t>
+              <a:t> </a:t>
             </a:r>
             <a:r>
               <a:rPr lang="es-ES" dirty="0" err="1"/>
-              <a:t>plainconcepts</a:t>
+              <a:t>to</a:t>
+            </a:r>
+            <a:r>
+              <a:rPr lang="es-ES" dirty="0"/>
+              <a:t> </a:t>
+            </a:r>
+            <a:r>
+              <a:rPr lang="es-ES" dirty="0" err="1"/>
+              <a:t>prod</a:t>
             </a:r>
             <a:endParaRPr lang="es-ES" dirty="0"/>
           </a:p>
@@ -17771,7 +17763,7 @@
     </p:spTree>
     <p:extLst>
       <p:ext uri="{BB962C8B-B14F-4D97-AF65-F5344CB8AC3E}">
-        <p14:creationId xmlns:p14="http://schemas.microsoft.com/office/powerpoint/2010/main" val="3217102276"/>
+        <p14:creationId xmlns:p14="http://schemas.microsoft.com/office/powerpoint/2010/main" val="1718608219"/>
       </p:ext>
     </p:extLst>
   </p:cSld>
@@ -17798,10 +17790,1058 @@
           <a:chExt cx="0" cy="0"/>
         </a:xfrm>
       </p:grpSpPr>
+      <p:sp>
+        <p:nvSpPr>
+          <p:cNvPr id="2" name="Marcador de contenido 1">
+            <a:extLst>
+              <a:ext uri="{FF2B5EF4-FFF2-40B4-BE49-F238E27FC236}">
+                <a16:creationId xmlns:a16="http://schemas.microsoft.com/office/drawing/2014/main" id="{69845F8D-18F7-4A04-81E3-7D55414E171A}"/>
+              </a:ext>
+            </a:extLst>
+          </p:cNvPr>
+          <p:cNvSpPr>
+            <a:spLocks noGrp="1"/>
+          </p:cNvSpPr>
+          <p:nvPr>
+            <p:ph idx="1"/>
+          </p:nvPr>
+        </p:nvSpPr>
+        <p:spPr>
+          <a:xfrm>
+            <a:off x="1311965" y="1764000"/>
+            <a:ext cx="10202255" cy="4320000"/>
+          </a:xfrm>
+        </p:spPr>
+        <p:txBody>
+          <a:bodyPr/>
+          <a:lstStyle/>
+          <a:p>
+            <a:pPr marL="285750" lvl="0" indent="-285750">
+              <a:buClr>
+                <a:srgbClr val="00D0FF"/>
+              </a:buClr>
+              <a:buSzPct val="110000"/>
+              <a:buFont typeface="Arial" panose="020B0604020202020204" pitchFamily="34" charset="0"/>
+              <a:buChar char="•"/>
+            </a:pPr>
+            <a:r>
+              <a:rPr lang="en-US" dirty="0"/>
+              <a:t>Add specific docker-compose files for different environments</a:t>
+            </a:r>
+          </a:p>
+          <a:p>
+            <a:pPr marL="285750" lvl="0" indent="-285750">
+              <a:buClr>
+                <a:srgbClr val="00D0FF"/>
+              </a:buClr>
+              <a:buSzPct val="110000"/>
+              <a:buFont typeface="Arial" panose="020B0604020202020204" pitchFamily="34" charset="0"/>
+              <a:buChar char="•"/>
+            </a:pPr>
+            <a:r>
+              <a:rPr lang="en-US" dirty="0"/>
+              <a:t>For each environment execute the compose chain starting from  docker-</a:t>
+            </a:r>
+            <a:r>
+              <a:rPr lang="en-US" dirty="0" err="1"/>
+              <a:t>compose.yml</a:t>
+            </a:r>
+            <a:endParaRPr lang="en-US" dirty="0"/>
+          </a:p>
+          <a:p>
+            <a:pPr marL="285750" lvl="0" indent="-285750">
+              <a:buClr>
+                <a:srgbClr val="00D0FF"/>
+              </a:buClr>
+              <a:buSzPct val="110000"/>
+              <a:buFont typeface="Arial" panose="020B0604020202020204" pitchFamily="34" charset="0"/>
+              <a:buChar char="•"/>
+            </a:pPr>
+            <a:r>
+              <a:rPr lang="es-ES" dirty="0"/>
+              <a:t>D</a:t>
+            </a:r>
+            <a:r>
+              <a:rPr lang="en-US" dirty="0"/>
+              <a:t>o not put app configuration in setting files (</a:t>
+            </a:r>
+            <a:r>
+              <a:rPr lang="en-US" dirty="0" err="1"/>
+              <a:t>f.i</a:t>
+            </a:r>
+            <a:r>
+              <a:rPr lang="en-US" dirty="0"/>
+              <a:t>. </a:t>
+            </a:r>
+            <a:r>
+              <a:rPr lang="en-US" dirty="0" err="1"/>
+              <a:t>appsettings.json</a:t>
+            </a:r>
+            <a:r>
+              <a:rPr lang="en-US" dirty="0"/>
+              <a:t>) because the files are part of he image. Set instead the configuration in Docker-compose files with environment variables. </a:t>
+            </a:r>
+          </a:p>
+        </p:txBody>
+      </p:sp>
+      <p:sp>
+        <p:nvSpPr>
+          <p:cNvPr id="3" name="Título 2">
+            <a:extLst>
+              <a:ext uri="{FF2B5EF4-FFF2-40B4-BE49-F238E27FC236}">
+                <a16:creationId xmlns:a16="http://schemas.microsoft.com/office/drawing/2014/main" id="{6DAE516B-B860-4E6D-9575-29280B58CC39}"/>
+              </a:ext>
+            </a:extLst>
+          </p:cNvPr>
+          <p:cNvSpPr>
+            <a:spLocks noGrp="1"/>
+          </p:cNvSpPr>
+          <p:nvPr>
+            <p:ph type="title"/>
+          </p:nvPr>
+        </p:nvSpPr>
+        <p:spPr/>
+        <p:txBody>
+          <a:bodyPr>
+            <a:normAutofit/>
+          </a:bodyPr>
+          <a:lstStyle/>
+          <a:p>
+            <a:r>
+              <a:rPr lang="es-ES" sz="5400" dirty="0"/>
+              <a:t>Docker </a:t>
+            </a:r>
+            <a:r>
+              <a:rPr lang="es-ES" sz="5400" dirty="0" err="1"/>
+              <a:t>compose</a:t>
+            </a:r>
+            <a:r>
+              <a:rPr lang="es-ES" sz="5400" dirty="0"/>
+              <a:t>: </a:t>
+            </a:r>
+            <a:r>
+              <a:rPr lang="es-ES" sz="5400" dirty="0" err="1"/>
+              <a:t>layering</a:t>
+            </a:r>
+            <a:endParaRPr lang="es-ES" sz="5400" dirty="0"/>
+          </a:p>
+        </p:txBody>
+      </p:sp>
+      <p:sp>
+        <p:nvSpPr>
+          <p:cNvPr id="4" name="Marcador de pie de página 3">
+            <a:extLst>
+              <a:ext uri="{FF2B5EF4-FFF2-40B4-BE49-F238E27FC236}">
+                <a16:creationId xmlns:a16="http://schemas.microsoft.com/office/drawing/2014/main" id="{92F73378-9931-4082-8819-4D88A74262BF}"/>
+              </a:ext>
+            </a:extLst>
+          </p:cNvPr>
+          <p:cNvSpPr>
+            <a:spLocks noGrp="1"/>
+          </p:cNvSpPr>
+          <p:nvPr>
+            <p:ph type="ftr" sz="quarter" idx="10"/>
+          </p:nvPr>
+        </p:nvSpPr>
+        <p:spPr/>
+        <p:txBody>
+          <a:bodyPr/>
+          <a:lstStyle/>
+          <a:p>
+            <a:pPr marL="0" marR="0" lvl="0" indent="0" algn="l" defTabSz="914400" rtl="0" eaLnBrk="1" fontAlgn="auto" latinLnBrk="0" hangingPunct="1">
+              <a:lnSpc>
+                <a:spcPct val="100000"/>
+              </a:lnSpc>
+              <a:spcBef>
+                <a:spcPts val="0"/>
+              </a:spcBef>
+              <a:spcAft>
+                <a:spcPts val="0"/>
+              </a:spcAft>
+              <a:buClrTx/>
+              <a:buSzTx/>
+              <a:buFontTx/>
+              <a:buNone/>
+              <a:tabLst/>
+              <a:defRPr/>
+            </a:pPr>
+            <a:r>
+              <a:rPr kumimoji="0" lang="es-ES" sz="1200" b="0" i="0" u="none" strike="noStrike" kern="1200" cap="none" spc="0" normalizeH="0" baseline="0" noProof="0">
+                <a:ln>
+                  <a:noFill/>
+                </a:ln>
+                <a:solidFill>
+                  <a:srgbClr val="00D0FF"/>
+                </a:solidFill>
+                <a:effectLst/>
+                <a:uLnTx/>
+                <a:uFillTx/>
+                <a:latin typeface="Tw Cen MT" panose="020B0602020104020603"/>
+                <a:ea typeface="+mn-ea"/>
+                <a:cs typeface="+mn-cs"/>
+              </a:rPr>
+              <a:t>@plainconcepts</a:t>
+            </a:r>
+            <a:endParaRPr kumimoji="0" lang="es-ES" sz="1200" b="0" i="0" u="none" strike="noStrike" kern="1200" cap="none" spc="0" normalizeH="0" baseline="0" noProof="0" dirty="0">
+              <a:ln>
+                <a:noFill/>
+              </a:ln>
+              <a:solidFill>
+                <a:srgbClr val="00D0FF"/>
+              </a:solidFill>
+              <a:effectLst/>
+              <a:uLnTx/>
+              <a:uFillTx/>
+              <a:latin typeface="Tw Cen MT" panose="020B0602020104020603"/>
+              <a:ea typeface="+mn-ea"/>
+              <a:cs typeface="+mn-cs"/>
+            </a:endParaRPr>
+          </a:p>
+        </p:txBody>
+      </p:sp>
+      <p:sp>
+        <p:nvSpPr>
+          <p:cNvPr id="5" name="Marcador de número de diapositiva 4">
+            <a:extLst>
+              <a:ext uri="{FF2B5EF4-FFF2-40B4-BE49-F238E27FC236}">
+                <a16:creationId xmlns:a16="http://schemas.microsoft.com/office/drawing/2014/main" id="{671D83E7-E779-4C87-9E0D-91FD9FAE6CAF}"/>
+              </a:ext>
+            </a:extLst>
+          </p:cNvPr>
+          <p:cNvSpPr>
+            <a:spLocks noGrp="1"/>
+          </p:cNvSpPr>
+          <p:nvPr>
+            <p:ph type="sldNum" sz="quarter" idx="11"/>
+          </p:nvPr>
+        </p:nvSpPr>
+        <p:spPr/>
+        <p:txBody>
+          <a:bodyPr/>
+          <a:lstStyle/>
+          <a:p>
+            <a:pPr marL="0" marR="0" lvl="0" indent="0" algn="r" defTabSz="914400" rtl="0" eaLnBrk="1" fontAlgn="auto" latinLnBrk="0" hangingPunct="1">
+              <a:lnSpc>
+                <a:spcPct val="100000"/>
+              </a:lnSpc>
+              <a:spcBef>
+                <a:spcPts val="0"/>
+              </a:spcBef>
+              <a:spcAft>
+                <a:spcPts val="0"/>
+              </a:spcAft>
+              <a:buClrTx/>
+              <a:buSzTx/>
+              <a:buFontTx/>
+              <a:buNone/>
+              <a:tabLst/>
+              <a:defRPr/>
+            </a:pPr>
+            <a:fld id="{88CB616A-2EDE-4F93-81C7-BE29C9C217CB}" type="slidenum">
+              <a:rPr kumimoji="0" lang="es-ES" sz="1200" b="0" i="0" u="none" strike="noStrike" kern="1200" cap="none" spc="0" normalizeH="0" baseline="0" noProof="0" smtClean="0">
+                <a:ln>
+                  <a:noFill/>
+                </a:ln>
+                <a:solidFill>
+                  <a:prstClr val="black"/>
+                </a:solidFill>
+                <a:effectLst/>
+                <a:uLnTx/>
+                <a:uFillTx/>
+                <a:latin typeface="Tw Cen MT" panose="020B0602020104020603"/>
+                <a:ea typeface="+mn-ea"/>
+                <a:cs typeface="+mn-cs"/>
+              </a:rPr>
+              <a:pPr marL="0" marR="0" lvl="0" indent="0" algn="r" defTabSz="914400" rtl="0" eaLnBrk="1" fontAlgn="auto" latinLnBrk="0" hangingPunct="1">
+                <a:lnSpc>
+                  <a:spcPct val="100000"/>
+                </a:lnSpc>
+                <a:spcBef>
+                  <a:spcPts val="0"/>
+                </a:spcBef>
+                <a:spcAft>
+                  <a:spcPts val="0"/>
+                </a:spcAft>
+                <a:buClrTx/>
+                <a:buSzTx/>
+                <a:buFontTx/>
+                <a:buNone/>
+                <a:tabLst/>
+                <a:defRPr/>
+              </a:pPr>
+              <a:t>27</a:t>
+            </a:fld>
+            <a:endParaRPr kumimoji="0" lang="es-ES" sz="1200" b="0" i="0" u="none" strike="noStrike" kern="1200" cap="none" spc="0" normalizeH="0" baseline="0" noProof="0" dirty="0">
+              <a:ln>
+                <a:noFill/>
+              </a:ln>
+              <a:solidFill>
+                <a:prstClr val="black"/>
+              </a:solidFill>
+              <a:effectLst/>
+              <a:uLnTx/>
+              <a:uFillTx/>
+              <a:latin typeface="Tw Cen MT" panose="020B0602020104020603"/>
+              <a:ea typeface="+mn-ea"/>
+              <a:cs typeface="+mn-cs"/>
+            </a:endParaRPr>
+          </a:p>
+        </p:txBody>
+      </p:sp>
+      <p:pic>
+        <p:nvPicPr>
+          <p:cNvPr id="6" name="Imagen 5">
+            <a:extLst>
+              <a:ext uri="{FF2B5EF4-FFF2-40B4-BE49-F238E27FC236}">
+                <a16:creationId xmlns:a16="http://schemas.microsoft.com/office/drawing/2014/main" id="{342B725B-F6C2-4F3D-9A3F-04B77AD6A4F1}"/>
+              </a:ext>
+            </a:extLst>
+          </p:cNvPr>
+          <p:cNvPicPr>
+            <a:picLocks noChangeAspect="1"/>
+          </p:cNvPicPr>
+          <p:nvPr/>
+        </p:nvPicPr>
+        <p:blipFill>
+          <a:blip r:embed="rId2"/>
+          <a:stretch>
+            <a:fillRect/>
+          </a:stretch>
+        </p:blipFill>
+        <p:spPr>
+          <a:xfrm>
+            <a:off x="2792223" y="3591477"/>
+            <a:ext cx="4639282" cy="1923347"/>
+          </a:xfrm>
+          <a:prstGeom prst="rect">
+            <a:avLst/>
+          </a:prstGeom>
+        </p:spPr>
+      </p:pic>
     </p:spTree>
     <p:extLst>
       <p:ext uri="{BB962C8B-B14F-4D97-AF65-F5344CB8AC3E}">
-        <p14:creationId xmlns:p14="http://schemas.microsoft.com/office/powerpoint/2010/main" val="3075669131"/>
+        <p14:creationId xmlns:p14="http://schemas.microsoft.com/office/powerpoint/2010/main" val="3451596887"/>
+      </p:ext>
+    </p:extLst>
+  </p:cSld>
+  <p:clrMapOvr>
+    <a:masterClrMapping/>
+  </p:clrMapOvr>
+</p:sld>
+</file>
+
+<file path=ppt/slides/slide28.xml><?xml version="1.0" encoding="utf-8"?>
+<p:sld xmlns:a="http://schemas.openxmlformats.org/drawingml/2006/main" xmlns:r="http://schemas.openxmlformats.org/officeDocument/2006/relationships" xmlns:p="http://schemas.openxmlformats.org/presentationml/2006/main">
+  <p:cSld>
+    <p:spTree>
+      <p:nvGrpSpPr>
+        <p:cNvPr id="1" name=""/>
+        <p:cNvGrpSpPr/>
+        <p:nvPr/>
+      </p:nvGrpSpPr>
+      <p:grpSpPr>
+        <a:xfrm>
+          <a:off x="0" y="0"/>
+          <a:ext cx="0" cy="0"/>
+          <a:chOff x="0" y="0"/>
+          <a:chExt cx="0" cy="0"/>
+        </a:xfrm>
+      </p:grpSpPr>
+      <p:sp>
+        <p:nvSpPr>
+          <p:cNvPr id="2" name="Marcador de contenido 1">
+            <a:extLst>
+              <a:ext uri="{FF2B5EF4-FFF2-40B4-BE49-F238E27FC236}">
+                <a16:creationId xmlns:a16="http://schemas.microsoft.com/office/drawing/2014/main" id="{69845F8D-18F7-4A04-81E3-7D55414E171A}"/>
+              </a:ext>
+            </a:extLst>
+          </p:cNvPr>
+          <p:cNvSpPr>
+            <a:spLocks noGrp="1"/>
+          </p:cNvSpPr>
+          <p:nvPr>
+            <p:ph idx="1"/>
+          </p:nvPr>
+        </p:nvSpPr>
+        <p:spPr/>
+        <p:txBody>
+          <a:bodyPr/>
+          <a:lstStyle/>
+          <a:p>
+            <a:pPr marL="285750" lvl="0" indent="-285750">
+              <a:buClr>
+                <a:srgbClr val="00D0FF"/>
+              </a:buClr>
+              <a:buSzPct val="110000"/>
+              <a:buFont typeface="Arial" panose="020B0604020202020204" pitchFamily="34" charset="0"/>
+              <a:buChar char="•"/>
+            </a:pPr>
+            <a:r>
+              <a:rPr lang="en-US" dirty="0"/>
+              <a:t>Set the configuration values through the environment variables</a:t>
+            </a:r>
+          </a:p>
+          <a:p>
+            <a:pPr marL="285750" lvl="0" indent="-285750">
+              <a:buClr>
+                <a:srgbClr val="00D0FF"/>
+              </a:buClr>
+              <a:buSzPct val="110000"/>
+              <a:buFont typeface="Arial" panose="020B0604020202020204" pitchFamily="34" charset="0"/>
+              <a:buChar char="•"/>
+            </a:pPr>
+            <a:r>
+              <a:rPr lang="en-US" dirty="0"/>
+              <a:t>For Docker-compose use the .</a:t>
+            </a:r>
+            <a:r>
+              <a:rPr lang="en-US" dirty="0" err="1"/>
+              <a:t>env</a:t>
+            </a:r>
+            <a:r>
+              <a:rPr lang="en-US" dirty="0"/>
+              <a:t> file. Change the values of the .</a:t>
+            </a:r>
+            <a:r>
+              <a:rPr lang="en-US" dirty="0" err="1"/>
+              <a:t>env</a:t>
+            </a:r>
+            <a:r>
+              <a:rPr lang="en-US" dirty="0"/>
+              <a:t> file during Release for each environment.</a:t>
+            </a:r>
+            <a:endParaRPr lang="es-ES" dirty="0"/>
+          </a:p>
+        </p:txBody>
+      </p:sp>
+      <p:sp>
+        <p:nvSpPr>
+          <p:cNvPr id="3" name="Título 2">
+            <a:extLst>
+              <a:ext uri="{FF2B5EF4-FFF2-40B4-BE49-F238E27FC236}">
+                <a16:creationId xmlns:a16="http://schemas.microsoft.com/office/drawing/2014/main" id="{6DAE516B-B860-4E6D-9575-29280B58CC39}"/>
+              </a:ext>
+            </a:extLst>
+          </p:cNvPr>
+          <p:cNvSpPr>
+            <a:spLocks noGrp="1"/>
+          </p:cNvSpPr>
+          <p:nvPr>
+            <p:ph type="title"/>
+          </p:nvPr>
+        </p:nvSpPr>
+        <p:spPr/>
+        <p:txBody>
+          <a:bodyPr>
+            <a:normAutofit/>
+          </a:bodyPr>
+          <a:lstStyle/>
+          <a:p>
+            <a:r>
+              <a:rPr lang="es-ES" sz="5400" dirty="0"/>
+              <a:t>Docker </a:t>
+            </a:r>
+            <a:r>
+              <a:rPr lang="es-ES" sz="5400" dirty="0" err="1"/>
+              <a:t>Compose</a:t>
+            </a:r>
+            <a:r>
+              <a:rPr lang="es-ES" sz="5400" dirty="0"/>
+              <a:t>: </a:t>
+            </a:r>
+            <a:r>
+              <a:rPr lang="es-ES" sz="5400" dirty="0" err="1"/>
+              <a:t>env</a:t>
+            </a:r>
+            <a:r>
+              <a:rPr lang="es-ES" sz="5400" dirty="0"/>
+              <a:t> variables</a:t>
+            </a:r>
+          </a:p>
+        </p:txBody>
+      </p:sp>
+      <p:sp>
+        <p:nvSpPr>
+          <p:cNvPr id="4" name="Marcador de pie de página 3">
+            <a:extLst>
+              <a:ext uri="{FF2B5EF4-FFF2-40B4-BE49-F238E27FC236}">
+                <a16:creationId xmlns:a16="http://schemas.microsoft.com/office/drawing/2014/main" id="{92F73378-9931-4082-8819-4D88A74262BF}"/>
+              </a:ext>
+            </a:extLst>
+          </p:cNvPr>
+          <p:cNvSpPr>
+            <a:spLocks noGrp="1"/>
+          </p:cNvSpPr>
+          <p:nvPr>
+            <p:ph type="ftr" sz="quarter" idx="10"/>
+          </p:nvPr>
+        </p:nvSpPr>
+        <p:spPr/>
+        <p:txBody>
+          <a:bodyPr/>
+          <a:lstStyle/>
+          <a:p>
+            <a:pPr marL="0" marR="0" lvl="0" indent="0" algn="l" defTabSz="914400" rtl="0" eaLnBrk="1" fontAlgn="auto" latinLnBrk="0" hangingPunct="1">
+              <a:lnSpc>
+                <a:spcPct val="100000"/>
+              </a:lnSpc>
+              <a:spcBef>
+                <a:spcPts val="0"/>
+              </a:spcBef>
+              <a:spcAft>
+                <a:spcPts val="0"/>
+              </a:spcAft>
+              <a:buClrTx/>
+              <a:buSzTx/>
+              <a:buFontTx/>
+              <a:buNone/>
+              <a:tabLst/>
+              <a:defRPr/>
+            </a:pPr>
+            <a:r>
+              <a:rPr kumimoji="0" lang="es-ES" sz="1200" b="0" i="0" u="none" strike="noStrike" kern="1200" cap="none" spc="0" normalizeH="0" baseline="0" noProof="0">
+                <a:ln>
+                  <a:noFill/>
+                </a:ln>
+                <a:solidFill>
+                  <a:srgbClr val="00D0FF"/>
+                </a:solidFill>
+                <a:effectLst/>
+                <a:uLnTx/>
+                <a:uFillTx/>
+                <a:latin typeface="Tw Cen MT" panose="020B0602020104020603"/>
+                <a:ea typeface="+mn-ea"/>
+                <a:cs typeface="+mn-cs"/>
+              </a:rPr>
+              <a:t>@plainconcepts</a:t>
+            </a:r>
+            <a:endParaRPr kumimoji="0" lang="es-ES" sz="1200" b="0" i="0" u="none" strike="noStrike" kern="1200" cap="none" spc="0" normalizeH="0" baseline="0" noProof="0" dirty="0">
+              <a:ln>
+                <a:noFill/>
+              </a:ln>
+              <a:solidFill>
+                <a:srgbClr val="00D0FF"/>
+              </a:solidFill>
+              <a:effectLst/>
+              <a:uLnTx/>
+              <a:uFillTx/>
+              <a:latin typeface="Tw Cen MT" panose="020B0602020104020603"/>
+              <a:ea typeface="+mn-ea"/>
+              <a:cs typeface="+mn-cs"/>
+            </a:endParaRPr>
+          </a:p>
+        </p:txBody>
+      </p:sp>
+      <p:sp>
+        <p:nvSpPr>
+          <p:cNvPr id="5" name="Marcador de número de diapositiva 4">
+            <a:extLst>
+              <a:ext uri="{FF2B5EF4-FFF2-40B4-BE49-F238E27FC236}">
+                <a16:creationId xmlns:a16="http://schemas.microsoft.com/office/drawing/2014/main" id="{671D83E7-E779-4C87-9E0D-91FD9FAE6CAF}"/>
+              </a:ext>
+            </a:extLst>
+          </p:cNvPr>
+          <p:cNvSpPr>
+            <a:spLocks noGrp="1"/>
+          </p:cNvSpPr>
+          <p:nvPr>
+            <p:ph type="sldNum" sz="quarter" idx="11"/>
+          </p:nvPr>
+        </p:nvSpPr>
+        <p:spPr/>
+        <p:txBody>
+          <a:bodyPr/>
+          <a:lstStyle/>
+          <a:p>
+            <a:pPr marL="0" marR="0" lvl="0" indent="0" algn="r" defTabSz="914400" rtl="0" eaLnBrk="1" fontAlgn="auto" latinLnBrk="0" hangingPunct="1">
+              <a:lnSpc>
+                <a:spcPct val="100000"/>
+              </a:lnSpc>
+              <a:spcBef>
+                <a:spcPts val="0"/>
+              </a:spcBef>
+              <a:spcAft>
+                <a:spcPts val="0"/>
+              </a:spcAft>
+              <a:buClrTx/>
+              <a:buSzTx/>
+              <a:buFontTx/>
+              <a:buNone/>
+              <a:tabLst/>
+              <a:defRPr/>
+            </a:pPr>
+            <a:fld id="{88CB616A-2EDE-4F93-81C7-BE29C9C217CB}" type="slidenum">
+              <a:rPr kumimoji="0" lang="es-ES" sz="1200" b="0" i="0" u="none" strike="noStrike" kern="1200" cap="none" spc="0" normalizeH="0" baseline="0" noProof="0" smtClean="0">
+                <a:ln>
+                  <a:noFill/>
+                </a:ln>
+                <a:solidFill>
+                  <a:prstClr val="black"/>
+                </a:solidFill>
+                <a:effectLst/>
+                <a:uLnTx/>
+                <a:uFillTx/>
+                <a:latin typeface="Tw Cen MT" panose="020B0602020104020603"/>
+                <a:ea typeface="+mn-ea"/>
+                <a:cs typeface="+mn-cs"/>
+              </a:rPr>
+              <a:pPr marL="0" marR="0" lvl="0" indent="0" algn="r" defTabSz="914400" rtl="0" eaLnBrk="1" fontAlgn="auto" latinLnBrk="0" hangingPunct="1">
+                <a:lnSpc>
+                  <a:spcPct val="100000"/>
+                </a:lnSpc>
+                <a:spcBef>
+                  <a:spcPts val="0"/>
+                </a:spcBef>
+                <a:spcAft>
+                  <a:spcPts val="0"/>
+                </a:spcAft>
+                <a:buClrTx/>
+                <a:buSzTx/>
+                <a:buFontTx/>
+                <a:buNone/>
+                <a:tabLst/>
+                <a:defRPr/>
+              </a:pPr>
+              <a:t>28</a:t>
+            </a:fld>
+            <a:endParaRPr kumimoji="0" lang="es-ES" sz="1200" b="0" i="0" u="none" strike="noStrike" kern="1200" cap="none" spc="0" normalizeH="0" baseline="0" noProof="0" dirty="0">
+              <a:ln>
+                <a:noFill/>
+              </a:ln>
+              <a:solidFill>
+                <a:prstClr val="black"/>
+              </a:solidFill>
+              <a:effectLst/>
+              <a:uLnTx/>
+              <a:uFillTx/>
+              <a:latin typeface="Tw Cen MT" panose="020B0602020104020603"/>
+              <a:ea typeface="+mn-ea"/>
+              <a:cs typeface="+mn-cs"/>
+            </a:endParaRPr>
+          </a:p>
+        </p:txBody>
+      </p:sp>
+      <p:pic>
+        <p:nvPicPr>
+          <p:cNvPr id="6" name="Picture 5">
+            <a:extLst>
+              <a:ext uri="{FF2B5EF4-FFF2-40B4-BE49-F238E27FC236}">
+                <a16:creationId xmlns:a16="http://schemas.microsoft.com/office/drawing/2014/main" id="{7C488E04-713D-4C9C-A59B-126634BA31C2}"/>
+              </a:ext>
+            </a:extLst>
+          </p:cNvPr>
+          <p:cNvPicPr>
+            <a:picLocks noChangeAspect="1"/>
+          </p:cNvPicPr>
+          <p:nvPr/>
+        </p:nvPicPr>
+        <p:blipFill>
+          <a:blip r:embed="rId2"/>
+          <a:stretch>
+            <a:fillRect/>
+          </a:stretch>
+        </p:blipFill>
+        <p:spPr>
+          <a:xfrm>
+            <a:off x="2292197" y="2777229"/>
+            <a:ext cx="7760006" cy="3062100"/>
+          </a:xfrm>
+          <a:prstGeom prst="rect">
+            <a:avLst/>
+          </a:prstGeom>
+        </p:spPr>
+      </p:pic>
+    </p:spTree>
+    <p:extLst>
+      <p:ext uri="{BB962C8B-B14F-4D97-AF65-F5344CB8AC3E}">
+        <p14:creationId xmlns:p14="http://schemas.microsoft.com/office/powerpoint/2010/main" val="3419305983"/>
+      </p:ext>
+    </p:extLst>
+  </p:cSld>
+  <p:clrMapOvr>
+    <a:masterClrMapping/>
+  </p:clrMapOvr>
+</p:sld>
+</file>
+
+<file path=ppt/slides/slide29.xml><?xml version="1.0" encoding="utf-8"?>
+<p:sld xmlns:a="http://schemas.openxmlformats.org/drawingml/2006/main" xmlns:r="http://schemas.openxmlformats.org/officeDocument/2006/relationships" xmlns:p="http://schemas.openxmlformats.org/presentationml/2006/main">
+  <p:cSld>
+    <p:spTree>
+      <p:nvGrpSpPr>
+        <p:cNvPr id="1" name=""/>
+        <p:cNvGrpSpPr/>
+        <p:nvPr/>
+      </p:nvGrpSpPr>
+      <p:grpSpPr>
+        <a:xfrm>
+          <a:off x="0" y="0"/>
+          <a:ext cx="0" cy="0"/>
+          <a:chOff x="0" y="0"/>
+          <a:chExt cx="0" cy="0"/>
+        </a:xfrm>
+      </p:grpSpPr>
+      <p:sp>
+        <p:nvSpPr>
+          <p:cNvPr id="2" name="Marcador de contenido 1">
+            <a:extLst>
+              <a:ext uri="{FF2B5EF4-FFF2-40B4-BE49-F238E27FC236}">
+                <a16:creationId xmlns:a16="http://schemas.microsoft.com/office/drawing/2014/main" id="{69845F8D-18F7-4A04-81E3-7D55414E171A}"/>
+              </a:ext>
+            </a:extLst>
+          </p:cNvPr>
+          <p:cNvSpPr>
+            <a:spLocks noGrp="1"/>
+          </p:cNvSpPr>
+          <p:nvPr>
+            <p:ph idx="1"/>
+          </p:nvPr>
+        </p:nvSpPr>
+        <p:spPr/>
+        <p:txBody>
+          <a:bodyPr/>
+          <a:lstStyle/>
+          <a:p>
+            <a:pPr marL="285750" lvl="0" indent="-285750">
+              <a:buClr>
+                <a:srgbClr val="00D0FF"/>
+              </a:buClr>
+              <a:buSzPct val="110000"/>
+              <a:buFont typeface="Arial" panose="020B0604020202020204" pitchFamily="34" charset="0"/>
+              <a:buChar char="•"/>
+            </a:pPr>
+            <a:r>
+              <a:rPr lang="en-US" dirty="0"/>
+              <a:t>All that requires persistence data, goes out of our containerized services</a:t>
+            </a:r>
+          </a:p>
+          <a:p>
+            <a:pPr marL="285750" lvl="0" indent="-285750">
+              <a:buClr>
+                <a:srgbClr val="00D0FF"/>
+              </a:buClr>
+              <a:buSzPct val="110000"/>
+              <a:buFont typeface="Arial" panose="020B0604020202020204" pitchFamily="34" charset="0"/>
+              <a:buChar char="•"/>
+            </a:pPr>
+            <a:r>
+              <a:rPr lang="en-US" dirty="0"/>
+              <a:t>For </a:t>
+            </a:r>
+            <a:r>
+              <a:rPr lang="en-US" dirty="0" err="1"/>
+              <a:t>stateful</a:t>
+            </a:r>
+            <a:r>
+              <a:rPr lang="en-US" dirty="0"/>
+              <a:t> services we create and consume resources in Azure or equivalent system</a:t>
+            </a:r>
+          </a:p>
+          <a:p>
+            <a:pPr marL="285750" lvl="0" indent="-285750">
+              <a:buClr>
+                <a:srgbClr val="00D0FF"/>
+              </a:buClr>
+              <a:buSzPct val="110000"/>
+              <a:buFont typeface="Arial" panose="020B0604020202020204" pitchFamily="34" charset="0"/>
+              <a:buChar char="•"/>
+            </a:pPr>
+            <a:r>
+              <a:rPr lang="en-US" dirty="0"/>
+              <a:t>As easy as change the value of one environment variable we change the instance of one resource</a:t>
+            </a:r>
+          </a:p>
+          <a:p>
+            <a:pPr marL="285750" lvl="0" indent="-285750">
+              <a:buClr>
+                <a:srgbClr val="00D0FF"/>
+              </a:buClr>
+              <a:buSzPct val="110000"/>
+              <a:buFont typeface="Arial" panose="020B0604020202020204" pitchFamily="34" charset="0"/>
+              <a:buChar char="•"/>
+            </a:pPr>
+            <a:r>
+              <a:rPr lang="es-ES" dirty="0"/>
+              <a:t>D</a:t>
+            </a:r>
+            <a:r>
+              <a:rPr lang="en-US" dirty="0"/>
+              <a:t>o not store session in the service. Store it a shared store, like </a:t>
+            </a:r>
+            <a:r>
+              <a:rPr lang="en-US" dirty="0" err="1"/>
+              <a:t>Redis</a:t>
+            </a:r>
+            <a:r>
+              <a:rPr lang="en-US" dirty="0"/>
+              <a:t> or another.</a:t>
+            </a:r>
+          </a:p>
+          <a:p>
+            <a:pPr marL="285750" lvl="0" indent="-285750">
+              <a:buClr>
+                <a:srgbClr val="00D0FF"/>
+              </a:buClr>
+              <a:buSzPct val="110000"/>
+              <a:buFont typeface="Arial" panose="020B0604020202020204" pitchFamily="34" charset="0"/>
+              <a:buChar char="•"/>
+            </a:pPr>
+            <a:r>
+              <a:rPr lang="es-ES" dirty="0"/>
+              <a:t>D</a:t>
+            </a:r>
+            <a:r>
+              <a:rPr lang="en-US" dirty="0"/>
+              <a:t>o not use in-memory data </a:t>
+            </a:r>
+            <a:r>
+              <a:rPr lang="en-US" u="sng" dirty="0"/>
+              <a:t>(requests will arrive to different instances)</a:t>
+            </a:r>
+            <a:endParaRPr lang="es-ES" dirty="0"/>
+          </a:p>
+        </p:txBody>
+      </p:sp>
+      <p:sp>
+        <p:nvSpPr>
+          <p:cNvPr id="3" name="Título 2">
+            <a:extLst>
+              <a:ext uri="{FF2B5EF4-FFF2-40B4-BE49-F238E27FC236}">
+                <a16:creationId xmlns:a16="http://schemas.microsoft.com/office/drawing/2014/main" id="{6DAE516B-B860-4E6D-9575-29280B58CC39}"/>
+              </a:ext>
+            </a:extLst>
+          </p:cNvPr>
+          <p:cNvSpPr>
+            <a:spLocks noGrp="1"/>
+          </p:cNvSpPr>
+          <p:nvPr>
+            <p:ph type="title"/>
+          </p:nvPr>
+        </p:nvSpPr>
+        <p:spPr>
+          <a:xfrm>
+            <a:off x="1311966" y="440105"/>
+            <a:ext cx="9720470" cy="1143000"/>
+          </a:xfrm>
+        </p:spPr>
+        <p:txBody>
+          <a:bodyPr>
+            <a:normAutofit/>
+          </a:bodyPr>
+          <a:lstStyle/>
+          <a:p>
+            <a:r>
+              <a:rPr lang="es-ES" sz="5400" dirty="0" err="1"/>
+              <a:t>Stateful</a:t>
+            </a:r>
+            <a:r>
+              <a:rPr lang="es-ES" sz="5400" dirty="0"/>
+              <a:t> </a:t>
+            </a:r>
+            <a:r>
+              <a:rPr lang="es-ES" sz="5400" dirty="0" err="1"/>
+              <a:t>services</a:t>
+            </a:r>
+            <a:endParaRPr lang="es-ES" sz="5400" dirty="0"/>
+          </a:p>
+        </p:txBody>
+      </p:sp>
+      <p:sp>
+        <p:nvSpPr>
+          <p:cNvPr id="4" name="Marcador de pie de página 3">
+            <a:extLst>
+              <a:ext uri="{FF2B5EF4-FFF2-40B4-BE49-F238E27FC236}">
+                <a16:creationId xmlns:a16="http://schemas.microsoft.com/office/drawing/2014/main" id="{92F73378-9931-4082-8819-4D88A74262BF}"/>
+              </a:ext>
+            </a:extLst>
+          </p:cNvPr>
+          <p:cNvSpPr>
+            <a:spLocks noGrp="1"/>
+          </p:cNvSpPr>
+          <p:nvPr>
+            <p:ph type="ftr" sz="quarter" idx="10"/>
+          </p:nvPr>
+        </p:nvSpPr>
+        <p:spPr/>
+        <p:txBody>
+          <a:bodyPr/>
+          <a:lstStyle/>
+          <a:p>
+            <a:pPr marL="0" marR="0" lvl="0" indent="0" algn="l" defTabSz="914400" rtl="0" eaLnBrk="1" fontAlgn="auto" latinLnBrk="0" hangingPunct="1">
+              <a:lnSpc>
+                <a:spcPct val="100000"/>
+              </a:lnSpc>
+              <a:spcBef>
+                <a:spcPts val="0"/>
+              </a:spcBef>
+              <a:spcAft>
+                <a:spcPts val="0"/>
+              </a:spcAft>
+              <a:buClrTx/>
+              <a:buSzTx/>
+              <a:buFontTx/>
+              <a:buNone/>
+              <a:tabLst/>
+              <a:defRPr/>
+            </a:pPr>
+            <a:r>
+              <a:rPr kumimoji="0" lang="es-ES" sz="1200" b="0" i="0" u="none" strike="noStrike" kern="1200" cap="none" spc="0" normalizeH="0" baseline="0" noProof="0">
+                <a:ln>
+                  <a:noFill/>
+                </a:ln>
+                <a:solidFill>
+                  <a:srgbClr val="00D0FF"/>
+                </a:solidFill>
+                <a:effectLst/>
+                <a:uLnTx/>
+                <a:uFillTx/>
+                <a:latin typeface="Tw Cen MT" panose="020B0602020104020603"/>
+                <a:ea typeface="+mn-ea"/>
+                <a:cs typeface="+mn-cs"/>
+              </a:rPr>
+              <a:t>@plainconcepts</a:t>
+            </a:r>
+            <a:endParaRPr kumimoji="0" lang="es-ES" sz="1200" b="0" i="0" u="none" strike="noStrike" kern="1200" cap="none" spc="0" normalizeH="0" baseline="0" noProof="0" dirty="0">
+              <a:ln>
+                <a:noFill/>
+              </a:ln>
+              <a:solidFill>
+                <a:srgbClr val="00D0FF"/>
+              </a:solidFill>
+              <a:effectLst/>
+              <a:uLnTx/>
+              <a:uFillTx/>
+              <a:latin typeface="Tw Cen MT" panose="020B0602020104020603"/>
+              <a:ea typeface="+mn-ea"/>
+              <a:cs typeface="+mn-cs"/>
+            </a:endParaRPr>
+          </a:p>
+        </p:txBody>
+      </p:sp>
+      <p:sp>
+        <p:nvSpPr>
+          <p:cNvPr id="5" name="Marcador de número de diapositiva 4">
+            <a:extLst>
+              <a:ext uri="{FF2B5EF4-FFF2-40B4-BE49-F238E27FC236}">
+                <a16:creationId xmlns:a16="http://schemas.microsoft.com/office/drawing/2014/main" id="{671D83E7-E779-4C87-9E0D-91FD9FAE6CAF}"/>
+              </a:ext>
+            </a:extLst>
+          </p:cNvPr>
+          <p:cNvSpPr>
+            <a:spLocks noGrp="1"/>
+          </p:cNvSpPr>
+          <p:nvPr>
+            <p:ph type="sldNum" sz="quarter" idx="11"/>
+          </p:nvPr>
+        </p:nvSpPr>
+        <p:spPr/>
+        <p:txBody>
+          <a:bodyPr/>
+          <a:lstStyle/>
+          <a:p>
+            <a:pPr marL="0" marR="0" lvl="0" indent="0" algn="r" defTabSz="914400" rtl="0" eaLnBrk="1" fontAlgn="auto" latinLnBrk="0" hangingPunct="1">
+              <a:lnSpc>
+                <a:spcPct val="100000"/>
+              </a:lnSpc>
+              <a:spcBef>
+                <a:spcPts val="0"/>
+              </a:spcBef>
+              <a:spcAft>
+                <a:spcPts val="0"/>
+              </a:spcAft>
+              <a:buClrTx/>
+              <a:buSzTx/>
+              <a:buFontTx/>
+              <a:buNone/>
+              <a:tabLst/>
+              <a:defRPr/>
+            </a:pPr>
+            <a:fld id="{88CB616A-2EDE-4F93-81C7-BE29C9C217CB}" type="slidenum">
+              <a:rPr kumimoji="0" lang="es-ES" sz="1200" b="0" i="0" u="none" strike="noStrike" kern="1200" cap="none" spc="0" normalizeH="0" baseline="0" noProof="0" smtClean="0">
+                <a:ln>
+                  <a:noFill/>
+                </a:ln>
+                <a:solidFill>
+                  <a:prstClr val="black"/>
+                </a:solidFill>
+                <a:effectLst/>
+                <a:uLnTx/>
+                <a:uFillTx/>
+                <a:latin typeface="Tw Cen MT" panose="020B0602020104020603"/>
+                <a:ea typeface="+mn-ea"/>
+                <a:cs typeface="+mn-cs"/>
+              </a:rPr>
+              <a:pPr marL="0" marR="0" lvl="0" indent="0" algn="r" defTabSz="914400" rtl="0" eaLnBrk="1" fontAlgn="auto" latinLnBrk="0" hangingPunct="1">
+                <a:lnSpc>
+                  <a:spcPct val="100000"/>
+                </a:lnSpc>
+                <a:spcBef>
+                  <a:spcPts val="0"/>
+                </a:spcBef>
+                <a:spcAft>
+                  <a:spcPts val="0"/>
+                </a:spcAft>
+                <a:buClrTx/>
+                <a:buSzTx/>
+                <a:buFontTx/>
+                <a:buNone/>
+                <a:tabLst/>
+                <a:defRPr/>
+              </a:pPr>
+              <a:t>29</a:t>
+            </a:fld>
+            <a:endParaRPr kumimoji="0" lang="es-ES" sz="1200" b="0" i="0" u="none" strike="noStrike" kern="1200" cap="none" spc="0" normalizeH="0" baseline="0" noProof="0" dirty="0">
+              <a:ln>
+                <a:noFill/>
+              </a:ln>
+              <a:solidFill>
+                <a:prstClr val="black"/>
+              </a:solidFill>
+              <a:effectLst/>
+              <a:uLnTx/>
+              <a:uFillTx/>
+              <a:latin typeface="Tw Cen MT" panose="020B0602020104020603"/>
+              <a:ea typeface="+mn-ea"/>
+              <a:cs typeface="+mn-cs"/>
+            </a:endParaRPr>
+          </a:p>
+        </p:txBody>
+      </p:sp>
+      <p:pic>
+        <p:nvPicPr>
+          <p:cNvPr id="6" name="Picture 5">
+            <a:extLst>
+              <a:ext uri="{FF2B5EF4-FFF2-40B4-BE49-F238E27FC236}">
+                <a16:creationId xmlns:a16="http://schemas.microsoft.com/office/drawing/2014/main" id="{DFCCFD5A-3B79-4AFF-8A5C-BF85181BA6B8}"/>
+              </a:ext>
+            </a:extLst>
+          </p:cNvPr>
+          <p:cNvPicPr>
+            <a:picLocks noChangeAspect="1"/>
+          </p:cNvPicPr>
+          <p:nvPr/>
+        </p:nvPicPr>
+        <p:blipFill>
+          <a:blip r:embed="rId2"/>
+          <a:stretch>
+            <a:fillRect/>
+          </a:stretch>
+        </p:blipFill>
+        <p:spPr>
+          <a:xfrm>
+            <a:off x="3792993" y="3591155"/>
+            <a:ext cx="4606014" cy="1974006"/>
+          </a:xfrm>
+          <a:prstGeom prst="rect">
+            <a:avLst/>
+          </a:prstGeom>
+        </p:spPr>
+      </p:pic>
+    </p:spTree>
+    <p:extLst>
+      <p:ext uri="{BB962C8B-B14F-4D97-AF65-F5344CB8AC3E}">
+        <p14:creationId xmlns:p14="http://schemas.microsoft.com/office/powerpoint/2010/main" val="489294522"/>
       </p:ext>
     </p:extLst>
   </p:cSld>
@@ -17899,6 +18939,1214 @@
     <p:extLst>
       <p:ext uri="{BB962C8B-B14F-4D97-AF65-F5344CB8AC3E}">
         <p14:creationId xmlns:p14="http://schemas.microsoft.com/office/powerpoint/2010/main" val="224122550"/>
+      </p:ext>
+    </p:extLst>
+  </p:cSld>
+  <p:clrMapOvr>
+    <a:masterClrMapping/>
+  </p:clrMapOvr>
+</p:sld>
+</file>
+
+<file path=ppt/slides/slide30.xml><?xml version="1.0" encoding="utf-8"?>
+<p:sld xmlns:a="http://schemas.openxmlformats.org/drawingml/2006/main" xmlns:r="http://schemas.openxmlformats.org/officeDocument/2006/relationships" xmlns:p="http://schemas.openxmlformats.org/presentationml/2006/main">
+  <p:cSld>
+    <p:spTree>
+      <p:nvGrpSpPr>
+        <p:cNvPr id="1" name=""/>
+        <p:cNvGrpSpPr/>
+        <p:nvPr/>
+      </p:nvGrpSpPr>
+      <p:grpSpPr>
+        <a:xfrm>
+          <a:off x="0" y="0"/>
+          <a:ext cx="0" cy="0"/>
+          <a:chOff x="0" y="0"/>
+          <a:chExt cx="0" cy="0"/>
+        </a:xfrm>
+      </p:grpSpPr>
+      <p:sp>
+        <p:nvSpPr>
+          <p:cNvPr id="2" name="Marcador de contenido 1">
+            <a:extLst>
+              <a:ext uri="{FF2B5EF4-FFF2-40B4-BE49-F238E27FC236}">
+                <a16:creationId xmlns:a16="http://schemas.microsoft.com/office/drawing/2014/main" id="{69845F8D-18F7-4A04-81E3-7D55414E171A}"/>
+              </a:ext>
+            </a:extLst>
+          </p:cNvPr>
+          <p:cNvSpPr>
+            <a:spLocks noGrp="1"/>
+          </p:cNvSpPr>
+          <p:nvPr>
+            <p:ph idx="1"/>
+          </p:nvPr>
+        </p:nvSpPr>
+        <p:spPr/>
+        <p:txBody>
+          <a:bodyPr/>
+          <a:lstStyle/>
+          <a:p>
+            <a:pPr marL="285750" lvl="0" indent="-285750">
+              <a:buClr>
+                <a:srgbClr val="00D0FF"/>
+              </a:buClr>
+              <a:buSzPct val="110000"/>
+              <a:buFont typeface="Arial" panose="020B0604020202020204" pitchFamily="34" charset="0"/>
+              <a:buChar char="•"/>
+            </a:pPr>
+            <a:r>
+              <a:rPr lang="en-US" dirty="0"/>
+              <a:t>Test with multiple instances of the services to detect concurrency anomalies.</a:t>
+            </a:r>
+          </a:p>
+          <a:p>
+            <a:pPr marL="1276325" lvl="1" indent="-285750">
+              <a:buClr>
+                <a:srgbClr val="00D0FF"/>
+              </a:buClr>
+              <a:buSzPct val="110000"/>
+              <a:buFont typeface="Arial" panose="020B0604020202020204" pitchFamily="34" charset="0"/>
+              <a:buChar char="•"/>
+            </a:pPr>
+            <a:r>
+              <a:rPr lang="en-US" sz="1600" dirty="0">
+                <a:solidFill>
+                  <a:schemeClr val="tx1"/>
+                </a:solidFill>
+                <a:latin typeface="+mj-lt"/>
+              </a:rPr>
+              <a:t>Scale on local with docker compose ‘scale’ parameter: ‘</a:t>
+            </a:r>
+            <a:r>
+              <a:rPr lang="it-IT" sz="1600" dirty="0">
+                <a:solidFill>
+                  <a:schemeClr val="tx1"/>
+                </a:solidFill>
+                <a:latin typeface="+mj-lt"/>
+              </a:rPr>
+              <a:t>docker-compose scale service_name=5’</a:t>
+            </a:r>
+          </a:p>
+          <a:p>
+            <a:pPr marL="1276325" lvl="1" indent="-285750">
+              <a:buClr>
+                <a:srgbClr val="00D0FF"/>
+              </a:buClr>
+              <a:buSzPct val="110000"/>
+              <a:buFont typeface="Arial" panose="020B0604020202020204" pitchFamily="34" charset="0"/>
+              <a:buChar char="•"/>
+            </a:pPr>
+            <a:r>
+              <a:rPr lang="it-IT" sz="1600" dirty="0">
+                <a:solidFill>
+                  <a:schemeClr val="tx1"/>
+                </a:solidFill>
+                <a:latin typeface="+mj-lt"/>
+              </a:rPr>
+              <a:t>The system must be protected by desing from concurrences (there will be multiple instances running)</a:t>
+            </a:r>
+          </a:p>
+          <a:p>
+            <a:pPr marL="285750" lvl="0" indent="-285750">
+              <a:buClr>
+                <a:srgbClr val="00D0FF"/>
+              </a:buClr>
+              <a:buSzPct val="110000"/>
+              <a:buFont typeface="Arial" panose="020B0604020202020204" pitchFamily="34" charset="0"/>
+              <a:buChar char="•"/>
+            </a:pPr>
+            <a:r>
+              <a:rPr lang="it-IT" dirty="0"/>
+              <a:t>Deploy in orchestrators like Kubernetes with multiple pods and execute load tests with multiple users</a:t>
+            </a:r>
+          </a:p>
+          <a:p>
+            <a:pPr marL="1276325" lvl="1" indent="-285750">
+              <a:buClr>
+                <a:srgbClr val="00D0FF"/>
+              </a:buClr>
+              <a:buSzPct val="110000"/>
+              <a:buFont typeface="Arial" panose="020B0604020202020204" pitchFamily="34" charset="0"/>
+              <a:buChar char="•"/>
+            </a:pPr>
+            <a:r>
+              <a:rPr lang="it-IT" sz="1600" dirty="0">
+                <a:solidFill>
+                  <a:schemeClr val="tx1"/>
+                </a:solidFill>
+                <a:latin typeface="+mj-lt"/>
+              </a:rPr>
+              <a:t>Do not let it for the final phase of development!!</a:t>
+            </a:r>
+          </a:p>
+          <a:p>
+            <a:pPr marL="285750" lvl="0" indent="-285750">
+              <a:buClr>
+                <a:srgbClr val="00D0FF"/>
+              </a:buClr>
+              <a:buSzPct val="110000"/>
+              <a:buFont typeface="Arial" panose="020B0604020202020204" pitchFamily="34" charset="0"/>
+              <a:buChar char="•"/>
+            </a:pPr>
+            <a:r>
+              <a:rPr lang="it-IT" dirty="0"/>
+              <a:t>Ensure that the health monitoring is working as expected before going to prodction</a:t>
+            </a:r>
+            <a:r>
+              <a:rPr lang="en-US" dirty="0"/>
+              <a:t> </a:t>
+            </a:r>
+          </a:p>
+          <a:p>
+            <a:pPr lvl="0">
+              <a:buClr>
+                <a:srgbClr val="00D0FF"/>
+              </a:buClr>
+              <a:buSzPct val="110000"/>
+            </a:pPr>
+            <a:endParaRPr lang="es-ES" dirty="0"/>
+          </a:p>
+        </p:txBody>
+      </p:sp>
+      <p:sp>
+        <p:nvSpPr>
+          <p:cNvPr id="3" name="Título 2">
+            <a:extLst>
+              <a:ext uri="{FF2B5EF4-FFF2-40B4-BE49-F238E27FC236}">
+                <a16:creationId xmlns:a16="http://schemas.microsoft.com/office/drawing/2014/main" id="{6DAE516B-B860-4E6D-9575-29280B58CC39}"/>
+              </a:ext>
+            </a:extLst>
+          </p:cNvPr>
+          <p:cNvSpPr>
+            <a:spLocks noGrp="1"/>
+          </p:cNvSpPr>
+          <p:nvPr>
+            <p:ph type="title"/>
+          </p:nvPr>
+        </p:nvSpPr>
+        <p:spPr/>
+        <p:txBody>
+          <a:bodyPr>
+            <a:normAutofit/>
+          </a:bodyPr>
+          <a:lstStyle/>
+          <a:p>
+            <a:r>
+              <a:rPr lang="es-ES" sz="5400" dirty="0"/>
+              <a:t>Test </a:t>
+            </a:r>
+            <a:r>
+              <a:rPr lang="es-ES" sz="5400" dirty="0" err="1"/>
+              <a:t>scaling</a:t>
+            </a:r>
+            <a:r>
+              <a:rPr lang="es-ES" sz="5400" dirty="0"/>
+              <a:t> </a:t>
+            </a:r>
+          </a:p>
+        </p:txBody>
+      </p:sp>
+      <p:sp>
+        <p:nvSpPr>
+          <p:cNvPr id="4" name="Marcador de pie de página 3">
+            <a:extLst>
+              <a:ext uri="{FF2B5EF4-FFF2-40B4-BE49-F238E27FC236}">
+                <a16:creationId xmlns:a16="http://schemas.microsoft.com/office/drawing/2014/main" id="{92F73378-9931-4082-8819-4D88A74262BF}"/>
+              </a:ext>
+            </a:extLst>
+          </p:cNvPr>
+          <p:cNvSpPr>
+            <a:spLocks noGrp="1"/>
+          </p:cNvSpPr>
+          <p:nvPr>
+            <p:ph type="ftr" sz="quarter" idx="10"/>
+          </p:nvPr>
+        </p:nvSpPr>
+        <p:spPr/>
+        <p:txBody>
+          <a:bodyPr/>
+          <a:lstStyle/>
+          <a:p>
+            <a:pPr marL="0" marR="0" lvl="0" indent="0" algn="l" defTabSz="914400" rtl="0" eaLnBrk="1" fontAlgn="auto" latinLnBrk="0" hangingPunct="1">
+              <a:lnSpc>
+                <a:spcPct val="100000"/>
+              </a:lnSpc>
+              <a:spcBef>
+                <a:spcPts val="0"/>
+              </a:spcBef>
+              <a:spcAft>
+                <a:spcPts val="0"/>
+              </a:spcAft>
+              <a:buClrTx/>
+              <a:buSzTx/>
+              <a:buFontTx/>
+              <a:buNone/>
+              <a:tabLst/>
+              <a:defRPr/>
+            </a:pPr>
+            <a:r>
+              <a:rPr kumimoji="0" lang="es-ES" sz="1200" b="0" i="0" u="none" strike="noStrike" kern="1200" cap="none" spc="0" normalizeH="0" baseline="0" noProof="0">
+                <a:ln>
+                  <a:noFill/>
+                </a:ln>
+                <a:solidFill>
+                  <a:srgbClr val="00D0FF"/>
+                </a:solidFill>
+                <a:effectLst/>
+                <a:uLnTx/>
+                <a:uFillTx/>
+                <a:latin typeface="Tw Cen MT" panose="020B0602020104020603"/>
+                <a:ea typeface="+mn-ea"/>
+                <a:cs typeface="+mn-cs"/>
+              </a:rPr>
+              <a:t>@plainconcepts</a:t>
+            </a:r>
+            <a:endParaRPr kumimoji="0" lang="es-ES" sz="1200" b="0" i="0" u="none" strike="noStrike" kern="1200" cap="none" spc="0" normalizeH="0" baseline="0" noProof="0" dirty="0">
+              <a:ln>
+                <a:noFill/>
+              </a:ln>
+              <a:solidFill>
+                <a:srgbClr val="00D0FF"/>
+              </a:solidFill>
+              <a:effectLst/>
+              <a:uLnTx/>
+              <a:uFillTx/>
+              <a:latin typeface="Tw Cen MT" panose="020B0602020104020603"/>
+              <a:ea typeface="+mn-ea"/>
+              <a:cs typeface="+mn-cs"/>
+            </a:endParaRPr>
+          </a:p>
+        </p:txBody>
+      </p:sp>
+      <p:sp>
+        <p:nvSpPr>
+          <p:cNvPr id="5" name="Marcador de número de diapositiva 4">
+            <a:extLst>
+              <a:ext uri="{FF2B5EF4-FFF2-40B4-BE49-F238E27FC236}">
+                <a16:creationId xmlns:a16="http://schemas.microsoft.com/office/drawing/2014/main" id="{671D83E7-E779-4C87-9E0D-91FD9FAE6CAF}"/>
+              </a:ext>
+            </a:extLst>
+          </p:cNvPr>
+          <p:cNvSpPr>
+            <a:spLocks noGrp="1"/>
+          </p:cNvSpPr>
+          <p:nvPr>
+            <p:ph type="sldNum" sz="quarter" idx="11"/>
+          </p:nvPr>
+        </p:nvSpPr>
+        <p:spPr/>
+        <p:txBody>
+          <a:bodyPr/>
+          <a:lstStyle/>
+          <a:p>
+            <a:pPr marL="0" marR="0" lvl="0" indent="0" algn="r" defTabSz="914400" rtl="0" eaLnBrk="1" fontAlgn="auto" latinLnBrk="0" hangingPunct="1">
+              <a:lnSpc>
+                <a:spcPct val="100000"/>
+              </a:lnSpc>
+              <a:spcBef>
+                <a:spcPts val="0"/>
+              </a:spcBef>
+              <a:spcAft>
+                <a:spcPts val="0"/>
+              </a:spcAft>
+              <a:buClrTx/>
+              <a:buSzTx/>
+              <a:buFontTx/>
+              <a:buNone/>
+              <a:tabLst/>
+              <a:defRPr/>
+            </a:pPr>
+            <a:fld id="{88CB616A-2EDE-4F93-81C7-BE29C9C217CB}" type="slidenum">
+              <a:rPr kumimoji="0" lang="es-ES" sz="1200" b="0" i="0" u="none" strike="noStrike" kern="1200" cap="none" spc="0" normalizeH="0" baseline="0" noProof="0" smtClean="0">
+                <a:ln>
+                  <a:noFill/>
+                </a:ln>
+                <a:solidFill>
+                  <a:prstClr val="black"/>
+                </a:solidFill>
+                <a:effectLst/>
+                <a:uLnTx/>
+                <a:uFillTx/>
+                <a:latin typeface="Tw Cen MT" panose="020B0602020104020603"/>
+                <a:ea typeface="+mn-ea"/>
+                <a:cs typeface="+mn-cs"/>
+              </a:rPr>
+              <a:pPr marL="0" marR="0" lvl="0" indent="0" algn="r" defTabSz="914400" rtl="0" eaLnBrk="1" fontAlgn="auto" latinLnBrk="0" hangingPunct="1">
+                <a:lnSpc>
+                  <a:spcPct val="100000"/>
+                </a:lnSpc>
+                <a:spcBef>
+                  <a:spcPts val="0"/>
+                </a:spcBef>
+                <a:spcAft>
+                  <a:spcPts val="0"/>
+                </a:spcAft>
+                <a:buClrTx/>
+                <a:buSzTx/>
+                <a:buFontTx/>
+                <a:buNone/>
+                <a:tabLst/>
+                <a:defRPr/>
+              </a:pPr>
+              <a:t>30</a:t>
+            </a:fld>
+            <a:endParaRPr kumimoji="0" lang="es-ES" sz="1200" b="0" i="0" u="none" strike="noStrike" kern="1200" cap="none" spc="0" normalizeH="0" baseline="0" noProof="0" dirty="0">
+              <a:ln>
+                <a:noFill/>
+              </a:ln>
+              <a:solidFill>
+                <a:prstClr val="black"/>
+              </a:solidFill>
+              <a:effectLst/>
+              <a:uLnTx/>
+              <a:uFillTx/>
+              <a:latin typeface="Tw Cen MT" panose="020B0602020104020603"/>
+              <a:ea typeface="+mn-ea"/>
+              <a:cs typeface="+mn-cs"/>
+            </a:endParaRPr>
+          </a:p>
+        </p:txBody>
+      </p:sp>
+    </p:spTree>
+    <p:extLst>
+      <p:ext uri="{BB962C8B-B14F-4D97-AF65-F5344CB8AC3E}">
+        <p14:creationId xmlns:p14="http://schemas.microsoft.com/office/powerpoint/2010/main" val="3308639930"/>
+      </p:ext>
+    </p:extLst>
+  </p:cSld>
+  <p:clrMapOvr>
+    <a:masterClrMapping/>
+  </p:clrMapOvr>
+</p:sld>
+</file>
+
+<file path=ppt/slides/slide31.xml><?xml version="1.0" encoding="utf-8"?>
+<p:sld xmlns:a="http://schemas.openxmlformats.org/drawingml/2006/main" xmlns:r="http://schemas.openxmlformats.org/officeDocument/2006/relationships" xmlns:p="http://schemas.openxmlformats.org/presentationml/2006/main">
+  <p:cSld>
+    <p:spTree>
+      <p:nvGrpSpPr>
+        <p:cNvPr id="1" name=""/>
+        <p:cNvGrpSpPr/>
+        <p:nvPr/>
+      </p:nvGrpSpPr>
+      <p:grpSpPr>
+        <a:xfrm>
+          <a:off x="0" y="0"/>
+          <a:ext cx="0" cy="0"/>
+          <a:chOff x="0" y="0"/>
+          <a:chExt cx="0" cy="0"/>
+        </a:xfrm>
+      </p:grpSpPr>
+      <p:sp>
+        <p:nvSpPr>
+          <p:cNvPr id="2" name="Marcador de contenido 1">
+            <a:extLst>
+              <a:ext uri="{FF2B5EF4-FFF2-40B4-BE49-F238E27FC236}">
+                <a16:creationId xmlns:a16="http://schemas.microsoft.com/office/drawing/2014/main" id="{69845F8D-18F7-4A04-81E3-7D55414E171A}"/>
+              </a:ext>
+            </a:extLst>
+          </p:cNvPr>
+          <p:cNvSpPr>
+            <a:spLocks noGrp="1"/>
+          </p:cNvSpPr>
+          <p:nvPr>
+            <p:ph idx="1"/>
+          </p:nvPr>
+        </p:nvSpPr>
+        <p:spPr>
+          <a:xfrm>
+            <a:off x="1311965" y="1764000"/>
+            <a:ext cx="9720471" cy="4320000"/>
+          </a:xfrm>
+        </p:spPr>
+        <p:txBody>
+          <a:bodyPr/>
+          <a:lstStyle/>
+          <a:p>
+            <a:pPr marL="285750" lvl="0" indent="-285750">
+              <a:buClr>
+                <a:srgbClr val="00D0FF"/>
+              </a:buClr>
+              <a:buSzPct val="110000"/>
+              <a:buFont typeface="Arial" panose="020B0604020202020204" pitchFamily="34" charset="0"/>
+              <a:buChar char="•"/>
+            </a:pPr>
+            <a:r>
+              <a:rPr lang="en-US" dirty="0"/>
+              <a:t>Logs are automatically send to a centralized system (Application Insights for Azure)</a:t>
+            </a:r>
+          </a:p>
+          <a:p>
+            <a:pPr marL="285750" lvl="0" indent="-285750">
+              <a:buClr>
+                <a:srgbClr val="00D0FF"/>
+              </a:buClr>
+              <a:buSzPct val="110000"/>
+              <a:buFont typeface="Arial" panose="020B0604020202020204" pitchFamily="34" charset="0"/>
+              <a:buChar char="•"/>
+            </a:pPr>
+            <a:r>
+              <a:rPr lang="en-US" dirty="0"/>
+              <a:t>Shared log system for all the system (routing, format, data…)</a:t>
+            </a:r>
+          </a:p>
+          <a:p>
+            <a:pPr marL="285750" lvl="0" indent="-285750">
+              <a:buClr>
+                <a:srgbClr val="00D0FF"/>
+              </a:buClr>
+              <a:buSzPct val="110000"/>
+              <a:buFont typeface="Arial" panose="020B0604020202020204" pitchFamily="34" charset="0"/>
+              <a:buChar char="•"/>
+            </a:pPr>
+            <a:r>
+              <a:rPr lang="en-US" dirty="0"/>
+              <a:t>Ensure that all messages/events derived from one request/command share the same correlation ID</a:t>
+            </a:r>
+          </a:p>
+          <a:p>
+            <a:pPr marL="285750" lvl="0" indent="-285750">
+              <a:buClr>
+                <a:srgbClr val="00D0FF"/>
+              </a:buClr>
+              <a:buSzPct val="110000"/>
+              <a:buFont typeface="Arial" panose="020B0604020202020204" pitchFamily="34" charset="0"/>
+              <a:buChar char="•"/>
+            </a:pPr>
+            <a:r>
+              <a:rPr lang="en-US" dirty="0"/>
+              <a:t>Logs can be observed from the service level to the aggregation of the whole system in metrics </a:t>
+            </a:r>
+            <a:endParaRPr lang="es-ES" dirty="0"/>
+          </a:p>
+        </p:txBody>
+      </p:sp>
+      <p:sp>
+        <p:nvSpPr>
+          <p:cNvPr id="3" name="Título 2">
+            <a:extLst>
+              <a:ext uri="{FF2B5EF4-FFF2-40B4-BE49-F238E27FC236}">
+                <a16:creationId xmlns:a16="http://schemas.microsoft.com/office/drawing/2014/main" id="{6DAE516B-B860-4E6D-9575-29280B58CC39}"/>
+              </a:ext>
+            </a:extLst>
+          </p:cNvPr>
+          <p:cNvSpPr>
+            <a:spLocks noGrp="1"/>
+          </p:cNvSpPr>
+          <p:nvPr>
+            <p:ph type="title"/>
+          </p:nvPr>
+        </p:nvSpPr>
+        <p:spPr/>
+        <p:txBody>
+          <a:bodyPr>
+            <a:normAutofit/>
+          </a:bodyPr>
+          <a:lstStyle/>
+          <a:p>
+            <a:r>
+              <a:rPr lang="en-US" sz="5400" dirty="0"/>
+              <a:t>Logs centralized</a:t>
+            </a:r>
+          </a:p>
+        </p:txBody>
+      </p:sp>
+      <p:sp>
+        <p:nvSpPr>
+          <p:cNvPr id="4" name="Marcador de pie de página 3">
+            <a:extLst>
+              <a:ext uri="{FF2B5EF4-FFF2-40B4-BE49-F238E27FC236}">
+                <a16:creationId xmlns:a16="http://schemas.microsoft.com/office/drawing/2014/main" id="{92F73378-9931-4082-8819-4D88A74262BF}"/>
+              </a:ext>
+            </a:extLst>
+          </p:cNvPr>
+          <p:cNvSpPr>
+            <a:spLocks noGrp="1"/>
+          </p:cNvSpPr>
+          <p:nvPr>
+            <p:ph type="ftr" sz="quarter" idx="10"/>
+          </p:nvPr>
+        </p:nvSpPr>
+        <p:spPr/>
+        <p:txBody>
+          <a:bodyPr/>
+          <a:lstStyle/>
+          <a:p>
+            <a:pPr marL="0" marR="0" lvl="0" indent="0" algn="l" defTabSz="914400" rtl="0" eaLnBrk="1" fontAlgn="auto" latinLnBrk="0" hangingPunct="1">
+              <a:lnSpc>
+                <a:spcPct val="100000"/>
+              </a:lnSpc>
+              <a:spcBef>
+                <a:spcPts val="0"/>
+              </a:spcBef>
+              <a:spcAft>
+                <a:spcPts val="0"/>
+              </a:spcAft>
+              <a:buClrTx/>
+              <a:buSzTx/>
+              <a:buFontTx/>
+              <a:buNone/>
+              <a:tabLst/>
+              <a:defRPr/>
+            </a:pPr>
+            <a:r>
+              <a:rPr kumimoji="0" lang="es-ES" sz="1200" b="0" i="0" u="none" strike="noStrike" kern="1200" cap="none" spc="0" normalizeH="0" baseline="0" noProof="0">
+                <a:ln>
+                  <a:noFill/>
+                </a:ln>
+                <a:solidFill>
+                  <a:srgbClr val="00D0FF"/>
+                </a:solidFill>
+                <a:effectLst/>
+                <a:uLnTx/>
+                <a:uFillTx/>
+                <a:latin typeface="Tw Cen MT" panose="020B0602020104020603"/>
+                <a:ea typeface="+mn-ea"/>
+                <a:cs typeface="+mn-cs"/>
+              </a:rPr>
+              <a:t>@plainconcepts</a:t>
+            </a:r>
+            <a:endParaRPr kumimoji="0" lang="es-ES" sz="1200" b="0" i="0" u="none" strike="noStrike" kern="1200" cap="none" spc="0" normalizeH="0" baseline="0" noProof="0" dirty="0">
+              <a:ln>
+                <a:noFill/>
+              </a:ln>
+              <a:solidFill>
+                <a:srgbClr val="00D0FF"/>
+              </a:solidFill>
+              <a:effectLst/>
+              <a:uLnTx/>
+              <a:uFillTx/>
+              <a:latin typeface="Tw Cen MT" panose="020B0602020104020603"/>
+              <a:ea typeface="+mn-ea"/>
+              <a:cs typeface="+mn-cs"/>
+            </a:endParaRPr>
+          </a:p>
+        </p:txBody>
+      </p:sp>
+      <p:sp>
+        <p:nvSpPr>
+          <p:cNvPr id="5" name="Marcador de número de diapositiva 4">
+            <a:extLst>
+              <a:ext uri="{FF2B5EF4-FFF2-40B4-BE49-F238E27FC236}">
+                <a16:creationId xmlns:a16="http://schemas.microsoft.com/office/drawing/2014/main" id="{671D83E7-E779-4C87-9E0D-91FD9FAE6CAF}"/>
+              </a:ext>
+            </a:extLst>
+          </p:cNvPr>
+          <p:cNvSpPr>
+            <a:spLocks noGrp="1"/>
+          </p:cNvSpPr>
+          <p:nvPr>
+            <p:ph type="sldNum" sz="quarter" idx="11"/>
+          </p:nvPr>
+        </p:nvSpPr>
+        <p:spPr/>
+        <p:txBody>
+          <a:bodyPr/>
+          <a:lstStyle/>
+          <a:p>
+            <a:pPr marL="0" marR="0" lvl="0" indent="0" algn="r" defTabSz="914400" rtl="0" eaLnBrk="1" fontAlgn="auto" latinLnBrk="0" hangingPunct="1">
+              <a:lnSpc>
+                <a:spcPct val="100000"/>
+              </a:lnSpc>
+              <a:spcBef>
+                <a:spcPts val="0"/>
+              </a:spcBef>
+              <a:spcAft>
+                <a:spcPts val="0"/>
+              </a:spcAft>
+              <a:buClrTx/>
+              <a:buSzTx/>
+              <a:buFontTx/>
+              <a:buNone/>
+              <a:tabLst/>
+              <a:defRPr/>
+            </a:pPr>
+            <a:fld id="{88CB616A-2EDE-4F93-81C7-BE29C9C217CB}" type="slidenum">
+              <a:rPr kumimoji="0" lang="es-ES" sz="1200" b="0" i="0" u="none" strike="noStrike" kern="1200" cap="none" spc="0" normalizeH="0" baseline="0" noProof="0" smtClean="0">
+                <a:ln>
+                  <a:noFill/>
+                </a:ln>
+                <a:solidFill>
+                  <a:prstClr val="black"/>
+                </a:solidFill>
+                <a:effectLst/>
+                <a:uLnTx/>
+                <a:uFillTx/>
+                <a:latin typeface="Tw Cen MT" panose="020B0602020104020603"/>
+                <a:ea typeface="+mn-ea"/>
+                <a:cs typeface="+mn-cs"/>
+              </a:rPr>
+              <a:pPr marL="0" marR="0" lvl="0" indent="0" algn="r" defTabSz="914400" rtl="0" eaLnBrk="1" fontAlgn="auto" latinLnBrk="0" hangingPunct="1">
+                <a:lnSpc>
+                  <a:spcPct val="100000"/>
+                </a:lnSpc>
+                <a:spcBef>
+                  <a:spcPts val="0"/>
+                </a:spcBef>
+                <a:spcAft>
+                  <a:spcPts val="0"/>
+                </a:spcAft>
+                <a:buClrTx/>
+                <a:buSzTx/>
+                <a:buFontTx/>
+                <a:buNone/>
+                <a:tabLst/>
+                <a:defRPr/>
+              </a:pPr>
+              <a:t>31</a:t>
+            </a:fld>
+            <a:endParaRPr kumimoji="0" lang="es-ES" sz="1200" b="0" i="0" u="none" strike="noStrike" kern="1200" cap="none" spc="0" normalizeH="0" baseline="0" noProof="0" dirty="0">
+              <a:ln>
+                <a:noFill/>
+              </a:ln>
+              <a:solidFill>
+                <a:prstClr val="black"/>
+              </a:solidFill>
+              <a:effectLst/>
+              <a:uLnTx/>
+              <a:uFillTx/>
+              <a:latin typeface="Tw Cen MT" panose="020B0602020104020603"/>
+              <a:ea typeface="+mn-ea"/>
+              <a:cs typeface="+mn-cs"/>
+            </a:endParaRPr>
+          </a:p>
+        </p:txBody>
+      </p:sp>
+      <p:pic>
+        <p:nvPicPr>
+          <p:cNvPr id="1026" name="Picture 2" descr="https://docs.microsoft.com/es-es/azure/application-insights/media/app-insights-overview/00-sample.png">
+            <a:extLst>
+              <a:ext uri="{FF2B5EF4-FFF2-40B4-BE49-F238E27FC236}">
+                <a16:creationId xmlns:a16="http://schemas.microsoft.com/office/drawing/2014/main" id="{BCDFAB01-F3C6-4604-AE40-FAD424E81031}"/>
+              </a:ext>
+            </a:extLst>
+          </p:cNvPr>
+          <p:cNvPicPr>
+            <a:picLocks noChangeAspect="1" noChangeArrowheads="1"/>
+          </p:cNvPicPr>
+          <p:nvPr/>
+        </p:nvPicPr>
+        <p:blipFill>
+          <a:blip r:embed="rId2">
+            <a:extLst>
+              <a:ext uri="{28A0092B-C50C-407E-A947-70E740481C1C}">
+                <a14:useLocalDpi xmlns:a14="http://schemas.microsoft.com/office/drawing/2010/main" val="0"/>
+              </a:ext>
+            </a:extLst>
+          </a:blip>
+          <a:srcRect/>
+          <a:stretch>
+            <a:fillRect/>
+          </a:stretch>
+        </p:blipFill>
+        <p:spPr bwMode="auto">
+          <a:xfrm>
+            <a:off x="3617791" y="3136418"/>
+            <a:ext cx="5108818" cy="2992977"/>
+          </a:xfrm>
+          <a:prstGeom prst="rect">
+            <a:avLst/>
+          </a:prstGeom>
+          <a:noFill/>
+          <a:extLst>
+            <a:ext uri="{909E8E84-426E-40DD-AFC4-6F175D3DCCD1}">
+              <a14:hiddenFill xmlns:a14="http://schemas.microsoft.com/office/drawing/2010/main">
+                <a:solidFill>
+                  <a:srgbClr val="FFFFFF"/>
+                </a:solidFill>
+              </a14:hiddenFill>
+            </a:ext>
+          </a:extLst>
+        </p:spPr>
+      </p:pic>
+    </p:spTree>
+    <p:extLst>
+      <p:ext uri="{BB962C8B-B14F-4D97-AF65-F5344CB8AC3E}">
+        <p14:creationId xmlns:p14="http://schemas.microsoft.com/office/powerpoint/2010/main" val="1478249141"/>
+      </p:ext>
+    </p:extLst>
+  </p:cSld>
+  <p:clrMapOvr>
+    <a:masterClrMapping/>
+  </p:clrMapOvr>
+</p:sld>
+</file>
+
+<file path=ppt/slides/slide32.xml><?xml version="1.0" encoding="utf-8"?>
+<p:sld xmlns:a="http://schemas.openxmlformats.org/drawingml/2006/main" xmlns:r="http://schemas.openxmlformats.org/officeDocument/2006/relationships" xmlns:p="http://schemas.openxmlformats.org/presentationml/2006/main">
+  <p:cSld>
+    <p:spTree>
+      <p:nvGrpSpPr>
+        <p:cNvPr id="1" name=""/>
+        <p:cNvGrpSpPr/>
+        <p:nvPr/>
+      </p:nvGrpSpPr>
+      <p:grpSpPr>
+        <a:xfrm>
+          <a:off x="0" y="0"/>
+          <a:ext cx="0" cy="0"/>
+          <a:chOff x="0" y="0"/>
+          <a:chExt cx="0" cy="0"/>
+        </a:xfrm>
+      </p:grpSpPr>
+      <p:sp>
+        <p:nvSpPr>
+          <p:cNvPr id="2" name="Marcador de contenido 1">
+            <a:extLst>
+              <a:ext uri="{FF2B5EF4-FFF2-40B4-BE49-F238E27FC236}">
+                <a16:creationId xmlns:a16="http://schemas.microsoft.com/office/drawing/2014/main" id="{69845F8D-18F7-4A04-81E3-7D55414E171A}"/>
+              </a:ext>
+            </a:extLst>
+          </p:cNvPr>
+          <p:cNvSpPr>
+            <a:spLocks noGrp="1"/>
+          </p:cNvSpPr>
+          <p:nvPr>
+            <p:ph idx="1"/>
+          </p:nvPr>
+        </p:nvSpPr>
+        <p:spPr>
+          <a:xfrm>
+            <a:off x="1311965" y="1764000"/>
+            <a:ext cx="9720471" cy="4320000"/>
+          </a:xfrm>
+        </p:spPr>
+        <p:txBody>
+          <a:bodyPr/>
+          <a:lstStyle/>
+          <a:p>
+            <a:pPr marL="285750" lvl="0" indent="-285750">
+              <a:buClr>
+                <a:srgbClr val="00D0FF"/>
+              </a:buClr>
+              <a:buSzPct val="110000"/>
+              <a:buFont typeface="Arial" panose="020B0604020202020204" pitchFamily="34" charset="0"/>
+              <a:buChar char="•"/>
+            </a:pPr>
+            <a:r>
+              <a:rPr lang="en-US" dirty="0"/>
+              <a:t>Create the CI/CD chains as one of the first tasks in the project. VSTS is a good tool for that. </a:t>
+            </a:r>
+          </a:p>
+          <a:p>
+            <a:pPr marL="285750" lvl="0" indent="-285750">
+              <a:buClr>
+                <a:srgbClr val="00D0FF"/>
+              </a:buClr>
+              <a:buSzPct val="110000"/>
+              <a:buFont typeface="Arial" panose="020B0604020202020204" pitchFamily="34" charset="0"/>
+              <a:buChar char="•"/>
+            </a:pPr>
+            <a:r>
+              <a:rPr lang="en-US" dirty="0"/>
+              <a:t>Set the values in the Release Management tasks, in the CD, not in config files. </a:t>
+            </a:r>
+          </a:p>
+          <a:p>
+            <a:pPr marL="285750" lvl="0" indent="-285750">
+              <a:buClr>
+                <a:srgbClr val="00D0FF"/>
+              </a:buClr>
+              <a:buSzPct val="110000"/>
+              <a:buFont typeface="Arial" panose="020B0604020202020204" pitchFamily="34" charset="0"/>
+              <a:buChar char="•"/>
+            </a:pPr>
+            <a:r>
+              <a:rPr lang="en-US" dirty="0"/>
+              <a:t>Use secrets and key vaults for sensitive data (Azure Key Vault can be integrated fast with VSTS)</a:t>
+            </a:r>
+          </a:p>
+          <a:p>
+            <a:pPr marL="285750" lvl="0" indent="-285750">
+              <a:buClr>
+                <a:srgbClr val="00D0FF"/>
+              </a:buClr>
+              <a:buSzPct val="110000"/>
+              <a:buFont typeface="Arial" panose="020B0604020202020204" pitchFamily="34" charset="0"/>
+              <a:buChar char="•"/>
+            </a:pPr>
+            <a:r>
+              <a:rPr lang="en-US" dirty="0"/>
+              <a:t>Include your scripts and other configuration files as ARM templates in the repository with the code, to keep it synchronized.</a:t>
+            </a:r>
+          </a:p>
+          <a:p>
+            <a:pPr marL="285750" lvl="0" indent="-285750">
+              <a:buClr>
+                <a:srgbClr val="00D0FF"/>
+              </a:buClr>
+              <a:buSzPct val="110000"/>
+              <a:buFont typeface="Arial" panose="020B0604020202020204" pitchFamily="34" charset="0"/>
+              <a:buChar char="•"/>
+            </a:pPr>
+            <a:r>
+              <a:rPr lang="es-ES" dirty="0"/>
+              <a:t>I</a:t>
+            </a:r>
+            <a:r>
+              <a:rPr lang="en-US" dirty="0" err="1"/>
+              <a:t>nclude</a:t>
+            </a:r>
+            <a:r>
+              <a:rPr lang="en-US" dirty="0"/>
+              <a:t> test run in the CI/CD </a:t>
+            </a:r>
+          </a:p>
+          <a:p>
+            <a:pPr marL="285750" lvl="0" indent="-285750">
+              <a:buClr>
+                <a:srgbClr val="00D0FF"/>
+              </a:buClr>
+              <a:buSzPct val="110000"/>
+              <a:buFont typeface="Arial" panose="020B0604020202020204" pitchFamily="34" charset="0"/>
+              <a:buChar char="•"/>
+            </a:pPr>
+            <a:endParaRPr lang="es-ES" dirty="0"/>
+          </a:p>
+        </p:txBody>
+      </p:sp>
+      <p:sp>
+        <p:nvSpPr>
+          <p:cNvPr id="3" name="Título 2">
+            <a:extLst>
+              <a:ext uri="{FF2B5EF4-FFF2-40B4-BE49-F238E27FC236}">
+                <a16:creationId xmlns:a16="http://schemas.microsoft.com/office/drawing/2014/main" id="{6DAE516B-B860-4E6D-9575-29280B58CC39}"/>
+              </a:ext>
+            </a:extLst>
+          </p:cNvPr>
+          <p:cNvSpPr>
+            <a:spLocks noGrp="1"/>
+          </p:cNvSpPr>
+          <p:nvPr>
+            <p:ph type="title"/>
+          </p:nvPr>
+        </p:nvSpPr>
+        <p:spPr/>
+        <p:txBody>
+          <a:bodyPr>
+            <a:normAutofit/>
+          </a:bodyPr>
+          <a:lstStyle/>
+          <a:p>
+            <a:r>
+              <a:rPr lang="es-ES" sz="5400" dirty="0"/>
+              <a:t>CI/CD</a:t>
+            </a:r>
+          </a:p>
+        </p:txBody>
+      </p:sp>
+      <p:sp>
+        <p:nvSpPr>
+          <p:cNvPr id="4" name="Marcador de pie de página 3">
+            <a:extLst>
+              <a:ext uri="{FF2B5EF4-FFF2-40B4-BE49-F238E27FC236}">
+                <a16:creationId xmlns:a16="http://schemas.microsoft.com/office/drawing/2014/main" id="{92F73378-9931-4082-8819-4D88A74262BF}"/>
+              </a:ext>
+            </a:extLst>
+          </p:cNvPr>
+          <p:cNvSpPr>
+            <a:spLocks noGrp="1"/>
+          </p:cNvSpPr>
+          <p:nvPr>
+            <p:ph type="ftr" sz="quarter" idx="10"/>
+          </p:nvPr>
+        </p:nvSpPr>
+        <p:spPr/>
+        <p:txBody>
+          <a:bodyPr/>
+          <a:lstStyle/>
+          <a:p>
+            <a:pPr marL="0" marR="0" lvl="0" indent="0" algn="l" defTabSz="914400" rtl="0" eaLnBrk="1" fontAlgn="auto" latinLnBrk="0" hangingPunct="1">
+              <a:lnSpc>
+                <a:spcPct val="100000"/>
+              </a:lnSpc>
+              <a:spcBef>
+                <a:spcPts val="0"/>
+              </a:spcBef>
+              <a:spcAft>
+                <a:spcPts val="0"/>
+              </a:spcAft>
+              <a:buClrTx/>
+              <a:buSzTx/>
+              <a:buFontTx/>
+              <a:buNone/>
+              <a:tabLst/>
+              <a:defRPr/>
+            </a:pPr>
+            <a:r>
+              <a:rPr kumimoji="0" lang="es-ES" sz="1200" b="0" i="0" u="none" strike="noStrike" kern="1200" cap="none" spc="0" normalizeH="0" baseline="0" noProof="0">
+                <a:ln>
+                  <a:noFill/>
+                </a:ln>
+                <a:solidFill>
+                  <a:srgbClr val="00D0FF"/>
+                </a:solidFill>
+                <a:effectLst/>
+                <a:uLnTx/>
+                <a:uFillTx/>
+                <a:latin typeface="Tw Cen MT" panose="020B0602020104020603"/>
+                <a:ea typeface="+mn-ea"/>
+                <a:cs typeface="+mn-cs"/>
+              </a:rPr>
+              <a:t>@plainconcepts</a:t>
+            </a:r>
+            <a:endParaRPr kumimoji="0" lang="es-ES" sz="1200" b="0" i="0" u="none" strike="noStrike" kern="1200" cap="none" spc="0" normalizeH="0" baseline="0" noProof="0" dirty="0">
+              <a:ln>
+                <a:noFill/>
+              </a:ln>
+              <a:solidFill>
+                <a:srgbClr val="00D0FF"/>
+              </a:solidFill>
+              <a:effectLst/>
+              <a:uLnTx/>
+              <a:uFillTx/>
+              <a:latin typeface="Tw Cen MT" panose="020B0602020104020603"/>
+              <a:ea typeface="+mn-ea"/>
+              <a:cs typeface="+mn-cs"/>
+            </a:endParaRPr>
+          </a:p>
+        </p:txBody>
+      </p:sp>
+      <p:sp>
+        <p:nvSpPr>
+          <p:cNvPr id="5" name="Marcador de número de diapositiva 4">
+            <a:extLst>
+              <a:ext uri="{FF2B5EF4-FFF2-40B4-BE49-F238E27FC236}">
+                <a16:creationId xmlns:a16="http://schemas.microsoft.com/office/drawing/2014/main" id="{671D83E7-E779-4C87-9E0D-91FD9FAE6CAF}"/>
+              </a:ext>
+            </a:extLst>
+          </p:cNvPr>
+          <p:cNvSpPr>
+            <a:spLocks noGrp="1"/>
+          </p:cNvSpPr>
+          <p:nvPr>
+            <p:ph type="sldNum" sz="quarter" idx="11"/>
+          </p:nvPr>
+        </p:nvSpPr>
+        <p:spPr/>
+        <p:txBody>
+          <a:bodyPr/>
+          <a:lstStyle/>
+          <a:p>
+            <a:pPr marL="0" marR="0" lvl="0" indent="0" algn="r" defTabSz="914400" rtl="0" eaLnBrk="1" fontAlgn="auto" latinLnBrk="0" hangingPunct="1">
+              <a:lnSpc>
+                <a:spcPct val="100000"/>
+              </a:lnSpc>
+              <a:spcBef>
+                <a:spcPts val="0"/>
+              </a:spcBef>
+              <a:spcAft>
+                <a:spcPts val="0"/>
+              </a:spcAft>
+              <a:buClrTx/>
+              <a:buSzTx/>
+              <a:buFontTx/>
+              <a:buNone/>
+              <a:tabLst/>
+              <a:defRPr/>
+            </a:pPr>
+            <a:fld id="{88CB616A-2EDE-4F93-81C7-BE29C9C217CB}" type="slidenum">
+              <a:rPr kumimoji="0" lang="es-ES" sz="1200" b="0" i="0" u="none" strike="noStrike" kern="1200" cap="none" spc="0" normalizeH="0" baseline="0" noProof="0" smtClean="0">
+                <a:ln>
+                  <a:noFill/>
+                </a:ln>
+                <a:solidFill>
+                  <a:prstClr val="black"/>
+                </a:solidFill>
+                <a:effectLst/>
+                <a:uLnTx/>
+                <a:uFillTx/>
+                <a:latin typeface="Tw Cen MT" panose="020B0602020104020603"/>
+                <a:ea typeface="+mn-ea"/>
+                <a:cs typeface="+mn-cs"/>
+              </a:rPr>
+              <a:pPr marL="0" marR="0" lvl="0" indent="0" algn="r" defTabSz="914400" rtl="0" eaLnBrk="1" fontAlgn="auto" latinLnBrk="0" hangingPunct="1">
+                <a:lnSpc>
+                  <a:spcPct val="100000"/>
+                </a:lnSpc>
+                <a:spcBef>
+                  <a:spcPts val="0"/>
+                </a:spcBef>
+                <a:spcAft>
+                  <a:spcPts val="0"/>
+                </a:spcAft>
+                <a:buClrTx/>
+                <a:buSzTx/>
+                <a:buFontTx/>
+                <a:buNone/>
+                <a:tabLst/>
+                <a:defRPr/>
+              </a:pPr>
+              <a:t>32</a:t>
+            </a:fld>
+            <a:endParaRPr kumimoji="0" lang="es-ES" sz="1200" b="0" i="0" u="none" strike="noStrike" kern="1200" cap="none" spc="0" normalizeH="0" baseline="0" noProof="0" dirty="0">
+              <a:ln>
+                <a:noFill/>
+              </a:ln>
+              <a:solidFill>
+                <a:prstClr val="black"/>
+              </a:solidFill>
+              <a:effectLst/>
+              <a:uLnTx/>
+              <a:uFillTx/>
+              <a:latin typeface="Tw Cen MT" panose="020B0602020104020603"/>
+              <a:ea typeface="+mn-ea"/>
+              <a:cs typeface="+mn-cs"/>
+            </a:endParaRPr>
+          </a:p>
+        </p:txBody>
+      </p:sp>
+    </p:spTree>
+    <p:extLst>
+      <p:ext uri="{BB962C8B-B14F-4D97-AF65-F5344CB8AC3E}">
+        <p14:creationId xmlns:p14="http://schemas.microsoft.com/office/powerpoint/2010/main" val="4052716909"/>
+      </p:ext>
+    </p:extLst>
+  </p:cSld>
+  <p:clrMapOvr>
+    <a:masterClrMapping/>
+  </p:clrMapOvr>
+</p:sld>
+</file>
+
+<file path=ppt/slides/slide33.xml><?xml version="1.0" encoding="utf-8"?>
+<p:sld xmlns:a="http://schemas.openxmlformats.org/drawingml/2006/main" xmlns:r="http://schemas.openxmlformats.org/officeDocument/2006/relationships" xmlns:p="http://schemas.openxmlformats.org/presentationml/2006/main">
+  <p:cSld>
+    <p:spTree>
+      <p:nvGrpSpPr>
+        <p:cNvPr id="1" name=""/>
+        <p:cNvGrpSpPr/>
+        <p:nvPr/>
+      </p:nvGrpSpPr>
+      <p:grpSpPr>
+        <a:xfrm>
+          <a:off x="0" y="0"/>
+          <a:ext cx="0" cy="0"/>
+          <a:chOff x="0" y="0"/>
+          <a:chExt cx="0" cy="0"/>
+        </a:xfrm>
+      </p:grpSpPr>
+      <p:sp>
+        <p:nvSpPr>
+          <p:cNvPr id="7" name="Título 6"/>
+          <p:cNvSpPr>
+            <a:spLocks noGrp="1"/>
+          </p:cNvSpPr>
+          <p:nvPr>
+            <p:ph type="title"/>
+          </p:nvPr>
+        </p:nvSpPr>
+        <p:spPr/>
+        <p:txBody>
+          <a:bodyPr/>
+          <a:lstStyle/>
+          <a:p>
+            <a:r>
+              <a:rPr lang="es-ES" dirty="0"/>
+              <a:t>¡</a:t>
+            </a:r>
+            <a:r>
+              <a:rPr lang="es-ES" dirty="0" err="1"/>
+              <a:t>Thank</a:t>
+            </a:r>
+            <a:r>
+              <a:rPr lang="es-ES" dirty="0"/>
+              <a:t> </a:t>
+            </a:r>
+            <a:r>
+              <a:rPr lang="es-ES" dirty="0" err="1"/>
+              <a:t>you</a:t>
+            </a:r>
+            <a:r>
+              <a:rPr lang="es-ES" dirty="0"/>
+              <a:t>!</a:t>
+            </a:r>
+          </a:p>
+        </p:txBody>
+      </p:sp>
+      <p:sp>
+        <p:nvSpPr>
+          <p:cNvPr id="13" name="Text Placeholder 12"/>
+          <p:cNvSpPr>
+            <a:spLocks noGrp="1"/>
+          </p:cNvSpPr>
+          <p:nvPr>
+            <p:ph type="body" sz="quarter" idx="13"/>
+          </p:nvPr>
+        </p:nvSpPr>
+        <p:spPr/>
+        <p:txBody>
+          <a:bodyPr/>
+          <a:lstStyle/>
+          <a:p>
+            <a:r>
+              <a:rPr lang="es-ES" dirty="0"/>
+              <a:t>www.plainconcepts.com</a:t>
+            </a:r>
+          </a:p>
+        </p:txBody>
+      </p:sp>
+      <p:sp>
+        <p:nvSpPr>
+          <p:cNvPr id="14" name="Text Placeholder 13"/>
+          <p:cNvSpPr>
+            <a:spLocks noGrp="1"/>
+          </p:cNvSpPr>
+          <p:nvPr>
+            <p:ph type="body" sz="quarter" idx="14"/>
+          </p:nvPr>
+        </p:nvSpPr>
+        <p:spPr/>
+        <p:txBody>
+          <a:bodyPr/>
+          <a:lstStyle/>
+          <a:p>
+            <a:r>
+              <a:rPr lang="es-ES" dirty="0"/>
+              <a:t>@</a:t>
+            </a:r>
+            <a:r>
+              <a:rPr lang="es-ES" dirty="0" err="1"/>
+              <a:t>plainconcepts</a:t>
+            </a:r>
+            <a:endParaRPr lang="es-ES" dirty="0"/>
+          </a:p>
+        </p:txBody>
+      </p:sp>
+    </p:spTree>
+    <p:extLst>
+      <p:ext uri="{BB962C8B-B14F-4D97-AF65-F5344CB8AC3E}">
+        <p14:creationId xmlns:p14="http://schemas.microsoft.com/office/powerpoint/2010/main" val="3217102276"/>
+      </p:ext>
+    </p:extLst>
+  </p:cSld>
+  <p:clrMapOvr>
+    <a:masterClrMapping/>
+  </p:clrMapOvr>
+</p:sld>
+</file>
+
+<file path=ppt/slides/slide34.xml><?xml version="1.0" encoding="utf-8"?>
+<p:sld xmlns:a="http://schemas.openxmlformats.org/drawingml/2006/main" xmlns:r="http://schemas.openxmlformats.org/officeDocument/2006/relationships" xmlns:p="http://schemas.openxmlformats.org/presentationml/2006/main">
+  <p:cSld>
+    <p:spTree>
+      <p:nvGrpSpPr>
+        <p:cNvPr id="1" name=""/>
+        <p:cNvGrpSpPr/>
+        <p:nvPr/>
+      </p:nvGrpSpPr>
+      <p:grpSpPr>
+        <a:xfrm>
+          <a:off x="0" y="0"/>
+          <a:ext cx="0" cy="0"/>
+          <a:chOff x="0" y="0"/>
+          <a:chExt cx="0" cy="0"/>
+        </a:xfrm>
+      </p:grpSpPr>
+    </p:spTree>
+    <p:extLst>
+      <p:ext uri="{BB962C8B-B14F-4D97-AF65-F5344CB8AC3E}">
+        <p14:creationId xmlns:p14="http://schemas.microsoft.com/office/powerpoint/2010/main" val="3075669131"/>
       </p:ext>
     </p:extLst>
   </p:cSld>
@@ -22048,6 +24296,30 @@
 </file>
 
 <file path=customXml/item1.xml><?xml version="1.0" encoding="utf-8"?>
+<p:properties xmlns:p="http://schemas.microsoft.com/office/2006/metadata/properties" xmlns:xsi="http://www.w3.org/2001/XMLSchema-instance" xmlns:pc="http://schemas.microsoft.com/office/infopath/2007/PartnerControls">
+  <documentManagement>
+    <SharedWithUsers xmlns="5cc60d69-a5f6-4f8f-8194-a79b51c73eb9">
+      <UserInfo>
+        <DisplayName>Clara Assin</DisplayName>
+        <AccountId>198</AccountId>
+        <AccountType/>
+      </UserInfo>
+      <UserInfo>
+        <DisplayName>Belen Muñiz</DisplayName>
+        <AccountId>266</AccountId>
+        <AccountType/>
+      </UserInfo>
+      <UserInfo>
+        <DisplayName>Pablo Pelaez Aller</DisplayName>
+        <AccountId>35</AccountId>
+        <AccountType/>
+      </UserInfo>
+    </SharedWithUsers>
+  </documentManagement>
+</p:properties>
+</file>
+
+<file path=customXml/item2.xml><?xml version="1.0" encoding="utf-8"?>
 <ct:contentTypeSchema xmlns:ct="http://schemas.microsoft.com/office/2006/metadata/contentType" xmlns:ma="http://schemas.microsoft.com/office/2006/metadata/properties/metaAttributes" ct:_="" ma:_="" ma:contentTypeName="Document" ma:contentTypeID="0x010100B01C14808C3DA24D92CEDE52F6400555" ma:contentTypeVersion="3" ma:contentTypeDescription="Create a new document." ma:contentTypeScope="" ma:versionID="8e31f3cb338aa3c7a3a7b9d3c0526f15">
   <xsd:schema xmlns:xsd="http://www.w3.org/2001/XMLSchema" xmlns:xs="http://www.w3.org/2001/XMLSchema" xmlns:p="http://schemas.microsoft.com/office/2006/metadata/properties" xmlns:ns2="5cc60d69-a5f6-4f8f-8194-a79b51c73eb9" targetNamespace="http://schemas.microsoft.com/office/2006/metadata/properties" ma:root="true" ma:fieldsID="b70b5ae29e4afb42e7de10215bca66c9" ns2:_="">
     <xsd:import namespace="5cc60d69-a5f6-4f8f-8194-a79b51c73eb9"/>
@@ -22201,30 +24473,6 @@
 </ct:contentTypeSchema>
 </file>
 
-<file path=customXml/item2.xml><?xml version="1.0" encoding="utf-8"?>
-<p:properties xmlns:p="http://schemas.microsoft.com/office/2006/metadata/properties" xmlns:xsi="http://www.w3.org/2001/XMLSchema-instance" xmlns:pc="http://schemas.microsoft.com/office/infopath/2007/PartnerControls">
-  <documentManagement>
-    <SharedWithUsers xmlns="5cc60d69-a5f6-4f8f-8194-a79b51c73eb9">
-      <UserInfo>
-        <DisplayName>Clara Assin</DisplayName>
-        <AccountId>198</AccountId>
-        <AccountType/>
-      </UserInfo>
-      <UserInfo>
-        <DisplayName>Belen Muñiz</DisplayName>
-        <AccountId>266</AccountId>
-        <AccountType/>
-      </UserInfo>
-      <UserInfo>
-        <DisplayName>Pablo Pelaez Aller</DisplayName>
-        <AccountId>35</AccountId>
-        <AccountType/>
-      </UserInfo>
-    </SharedWithUsers>
-  </documentManagement>
-</p:properties>
-</file>
-
 <file path=customXml/item3.xml><?xml version="1.0" encoding="utf-8"?>
 <?mso-contentType ?>
 <FormTemplates xmlns="http://schemas.microsoft.com/sharepoint/v3/contenttype/forms">
@@ -22235,6 +24483,22 @@
 </file>
 
 <file path=customXml/itemProps1.xml><?xml version="1.0" encoding="utf-8"?>
+<ds:datastoreItem xmlns:ds="http://schemas.openxmlformats.org/officeDocument/2006/customXml" ds:itemID="{DD77C9E3-1B06-46F1-B79D-4B433ADBAE57}">
+  <ds:schemaRefs>
+    <ds:schemaRef ds:uri="http://schemas.microsoft.com/office/2006/documentManagement/types"/>
+    <ds:schemaRef ds:uri="http://schemas.microsoft.com/office/2006/metadata/properties"/>
+    <ds:schemaRef ds:uri="http://purl.org/dc/terms/"/>
+    <ds:schemaRef ds:uri="http://schemas.openxmlformats.org/package/2006/metadata/core-properties"/>
+    <ds:schemaRef ds:uri="http://purl.org/dc/dcmitype/"/>
+    <ds:schemaRef ds:uri="5cc60d69-a5f6-4f8f-8194-a79b51c73eb9"/>
+    <ds:schemaRef ds:uri="http://schemas.microsoft.com/office/infopath/2007/PartnerControls"/>
+    <ds:schemaRef ds:uri="http://www.w3.org/XML/1998/namespace"/>
+    <ds:schemaRef ds:uri="http://purl.org/dc/elements/1.1/"/>
+  </ds:schemaRefs>
+</ds:datastoreItem>
+</file>
+
+<file path=customXml/itemProps2.xml><?xml version="1.0" encoding="utf-8"?>
 <ds:datastoreItem xmlns:ds="http://schemas.openxmlformats.org/officeDocument/2006/customXml" ds:itemID="{FC636FDA-D72C-4E71-AB94-61A8C664C086}">
   <ds:schemaRefs>
     <ds:schemaRef ds:uri="http://schemas.microsoft.com/office/2006/metadata/contentType"/>
@@ -22252,22 +24516,6 @@
 </ds:datastoreItem>
 </file>
 
-<file path=customXml/itemProps2.xml><?xml version="1.0" encoding="utf-8"?>
-<ds:datastoreItem xmlns:ds="http://schemas.openxmlformats.org/officeDocument/2006/customXml" ds:itemID="{DD77C9E3-1B06-46F1-B79D-4B433ADBAE57}">
-  <ds:schemaRefs>
-    <ds:schemaRef ds:uri="http://schemas.microsoft.com/office/2006/documentManagement/types"/>
-    <ds:schemaRef ds:uri="http://schemas.microsoft.com/office/2006/metadata/properties"/>
-    <ds:schemaRef ds:uri="http://purl.org/dc/terms/"/>
-    <ds:schemaRef ds:uri="http://schemas.openxmlformats.org/package/2006/metadata/core-properties"/>
-    <ds:schemaRef ds:uri="http://purl.org/dc/dcmitype/"/>
-    <ds:schemaRef ds:uri="5cc60d69-a5f6-4f8f-8194-a79b51c73eb9"/>
-    <ds:schemaRef ds:uri="http://schemas.microsoft.com/office/infopath/2007/PartnerControls"/>
-    <ds:schemaRef ds:uri="http://www.w3.org/XML/1998/namespace"/>
-    <ds:schemaRef ds:uri="http://purl.org/dc/elements/1.1/"/>
-  </ds:schemaRefs>
-</ds:datastoreItem>
-</file>
-
 <file path=customXml/itemProps3.xml><?xml version="1.0" encoding="utf-8"?>
 <ds:datastoreItem xmlns:ds="http://schemas.openxmlformats.org/officeDocument/2006/customXml" ds:itemID="{4CAA2E6C-506C-44BF-98B5-373FEE3DCA88}">
   <ds:schemaRefs>
